--- a/slides.pptx
+++ b/slides.pptx
@@ -5,7 +5,7 @@
     <p:sldMasterId id="2147483648" r:id="rId1"/>
   </p:sldMasterIdLst>
   <p:notesMasterIdLst>
-    <p:notesMasterId r:id="rId8"/>
+    <p:notesMasterId r:id="rId12"/>
   </p:notesMasterIdLst>
   <p:sldIdLst>
     <p:sldId id="256" r:id="rId2"/>
@@ -13,7 +13,11 @@
     <p:sldId id="258" r:id="rId4"/>
     <p:sldId id="259" r:id="rId5"/>
     <p:sldId id="261" r:id="rId6"/>
-    <p:sldId id="260" r:id="rId7"/>
+    <p:sldId id="262" r:id="rId7"/>
+    <p:sldId id="263" r:id="rId8"/>
+    <p:sldId id="264" r:id="rId9"/>
+    <p:sldId id="265" r:id="rId10"/>
+    <p:sldId id="260" r:id="rId11"/>
   </p:sldIdLst>
   <p:sldSz cx="9144000" cy="6858000" type="screen4x3"/>
   <p:notesSz cx="6858000" cy="9144000"/>
@@ -3646,485 +3650,7 @@
 </p:sld>
 </file>
 
-<file path=ppt/slides/slide2.xml><?xml version="1.0" encoding="utf-8"?>
-<p:sld xmlns:a="http://schemas.openxmlformats.org/drawingml/2006/main" xmlns:r="http://schemas.openxmlformats.org/officeDocument/2006/relationships" xmlns:p="http://schemas.openxmlformats.org/presentationml/2006/main">
-  <p:cSld>
-    <p:spTree>
-      <p:nvGrpSpPr>
-        <p:cNvPr id="1" name=""/>
-        <p:cNvGrpSpPr/>
-        <p:nvPr/>
-      </p:nvGrpSpPr>
-      <p:grpSpPr>
-        <a:xfrm>
-          <a:off x="0" y="0"/>
-          <a:ext cx="0" cy="0"/>
-          <a:chOff x="0" y="0"/>
-          <a:chExt cx="0" cy="0"/>
-        </a:xfrm>
-      </p:grpSpPr>
-      <p:sp>
-        <p:nvSpPr>
-          <p:cNvPr id="2" name="标题 1"/>
-          <p:cNvSpPr>
-            <a:spLocks noGrp="1"/>
-          </p:cNvSpPr>
-          <p:nvPr>
-            <p:ph type="title"/>
-          </p:nvPr>
-        </p:nvSpPr>
-        <p:spPr/>
-        <p:txBody>
-          <a:bodyPr/>
-          <a:lstStyle/>
-          <a:p>
-            <a:r>
-              <a:rPr kumimoji="1" lang="en-US" altLang="zh-CN" dirty="0" err="1" smtClean="0"/>
-              <a:t>Srt</a:t>
-            </a:r>
-            <a:r>
-              <a:rPr kumimoji="1" lang="zh-CN" altLang="en-US" dirty="0" smtClean="0"/>
-              <a:t>目的和目标</a:t>
-            </a:r>
-            <a:endParaRPr kumimoji="1" lang="zh-CN" altLang="en-US" dirty="0"/>
-          </a:p>
-        </p:txBody>
-      </p:sp>
-      <p:sp>
-        <p:nvSpPr>
-          <p:cNvPr id="3" name="内容占位符 2"/>
-          <p:cNvSpPr>
-            <a:spLocks noGrp="1"/>
-          </p:cNvSpPr>
-          <p:nvPr>
-            <p:ph idx="1"/>
-          </p:nvPr>
-        </p:nvSpPr>
-        <p:spPr/>
-        <p:txBody>
-          <a:bodyPr/>
-          <a:lstStyle/>
-          <a:p>
-            <a:endParaRPr kumimoji="1" lang="zh-CN" altLang="en-US"/>
-          </a:p>
-        </p:txBody>
-      </p:sp>
-    </p:spTree>
-    <p:extLst>
-      <p:ext uri="{BB962C8B-B14F-4D97-AF65-F5344CB8AC3E}">
-        <p14:creationId xmlns:p14="http://schemas.microsoft.com/office/powerpoint/2010/main" val="3146191316"/>
-      </p:ext>
-    </p:extLst>
-  </p:cSld>
-  <p:clrMapOvr>
-    <a:masterClrMapping/>
-  </p:clrMapOvr>
-</p:sld>
-</file>
-
-<file path=ppt/slides/slide3.xml><?xml version="1.0" encoding="utf-8"?>
-<p:sld xmlns:a="http://schemas.openxmlformats.org/drawingml/2006/main" xmlns:r="http://schemas.openxmlformats.org/officeDocument/2006/relationships" xmlns:p="http://schemas.openxmlformats.org/presentationml/2006/main">
-  <p:cSld>
-    <p:spTree>
-      <p:nvGrpSpPr>
-        <p:cNvPr id="1" name=""/>
-        <p:cNvGrpSpPr/>
-        <p:nvPr/>
-      </p:nvGrpSpPr>
-      <p:grpSpPr>
-        <a:xfrm>
-          <a:off x="0" y="0"/>
-          <a:ext cx="0" cy="0"/>
-          <a:chOff x="0" y="0"/>
-          <a:chExt cx="0" cy="0"/>
-        </a:xfrm>
-      </p:grpSpPr>
-      <p:sp>
-        <p:nvSpPr>
-          <p:cNvPr id="2" name="标题 1"/>
-          <p:cNvSpPr>
-            <a:spLocks noGrp="1"/>
-          </p:cNvSpPr>
-          <p:nvPr>
-            <p:ph type="title"/>
-          </p:nvPr>
-        </p:nvSpPr>
-        <p:spPr/>
-        <p:txBody>
-          <a:bodyPr/>
-          <a:lstStyle/>
-          <a:p>
-            <a:r>
-              <a:rPr kumimoji="1" lang="zh-CN" altLang="en-US" dirty="0" smtClean="0"/>
-              <a:t>前期工作</a:t>
-            </a:r>
-            <a:endParaRPr kumimoji="1" lang="zh-CN" altLang="en-US" dirty="0"/>
-          </a:p>
-        </p:txBody>
-      </p:sp>
-      <p:sp>
-        <p:nvSpPr>
-          <p:cNvPr id="3" name="内容占位符 2"/>
-          <p:cNvSpPr>
-            <a:spLocks noGrp="1"/>
-          </p:cNvSpPr>
-          <p:nvPr>
-            <p:ph idx="1"/>
-          </p:nvPr>
-        </p:nvSpPr>
-        <p:spPr/>
-        <p:txBody>
-          <a:bodyPr/>
-          <a:lstStyle/>
-          <a:p>
-            <a:r>
-              <a:rPr kumimoji="1" lang="zh-CN" altLang="en-US" dirty="0" smtClean="0"/>
-              <a:t>阅读</a:t>
-            </a:r>
-            <a:r>
-              <a:rPr kumimoji="1" lang="en-US" altLang="zh-CN" dirty="0" smtClean="0"/>
-              <a:t>paper</a:t>
-            </a:r>
-          </a:p>
-          <a:p>
-            <a:r>
-              <a:rPr kumimoji="1" lang="zh-CN" altLang="en-US" dirty="0" smtClean="0"/>
-              <a:t>制作问卷，通过人人应用获取“标准集”</a:t>
-            </a:r>
-            <a:endParaRPr kumimoji="1" lang="zh-CN" altLang="en-US" dirty="0"/>
-          </a:p>
-        </p:txBody>
-      </p:sp>
-      <p:pic>
-        <p:nvPicPr>
-          <p:cNvPr id="4" name="图片 3" descr="屏幕快照 2013-12-30 下午6.26.03.png"/>
-          <p:cNvPicPr>
-            <a:picLocks noChangeAspect="1"/>
-          </p:cNvPicPr>
-          <p:nvPr/>
-        </p:nvPicPr>
-        <p:blipFill>
-          <a:blip r:embed="rId3">
-            <a:extLst>
-              <a:ext uri="{28A0092B-C50C-407E-A947-70E740481C1C}">
-                <a14:useLocalDpi xmlns:a14="http://schemas.microsoft.com/office/drawing/2010/main" val="0"/>
-              </a:ext>
-            </a:extLst>
-          </a:blip>
-          <a:stretch>
-            <a:fillRect/>
-          </a:stretch>
-        </p:blipFill>
-        <p:spPr>
-          <a:xfrm>
-            <a:off x="815257" y="2805308"/>
-            <a:ext cx="4163684" cy="3067978"/>
-          </a:xfrm>
-          <a:prstGeom prst="rect">
-            <a:avLst/>
-          </a:prstGeom>
-        </p:spPr>
-      </p:pic>
-      <p:pic>
-        <p:nvPicPr>
-          <p:cNvPr id="5" name="图片 4" descr="屏幕快照 2013-12-30 下午6.26.20.png"/>
-          <p:cNvPicPr>
-            <a:picLocks noChangeAspect="1"/>
-          </p:cNvPicPr>
-          <p:nvPr/>
-        </p:nvPicPr>
-        <p:blipFill>
-          <a:blip r:embed="rId4">
-            <a:extLst>
-              <a:ext uri="{28A0092B-C50C-407E-A947-70E740481C1C}">
-                <a14:useLocalDpi xmlns:a14="http://schemas.microsoft.com/office/drawing/2010/main" val="0"/>
-              </a:ext>
-            </a:extLst>
-          </a:blip>
-          <a:stretch>
-            <a:fillRect/>
-          </a:stretch>
-        </p:blipFill>
-        <p:spPr>
-          <a:xfrm>
-            <a:off x="5170896" y="2943634"/>
-            <a:ext cx="3515904" cy="2401668"/>
-          </a:xfrm>
-          <a:prstGeom prst="rect">
-            <a:avLst/>
-          </a:prstGeom>
-        </p:spPr>
-      </p:pic>
-      <p:pic>
-        <p:nvPicPr>
-          <p:cNvPr id="6" name="图片 5" descr="屏幕快照 2013-12-30 下午6.27.53.png"/>
-          <p:cNvPicPr>
-            <a:picLocks noChangeAspect="1"/>
-          </p:cNvPicPr>
-          <p:nvPr/>
-        </p:nvPicPr>
-        <p:blipFill>
-          <a:blip r:embed="rId5">
-            <a:extLst>
-              <a:ext uri="{28A0092B-C50C-407E-A947-70E740481C1C}">
-                <a14:useLocalDpi xmlns:a14="http://schemas.microsoft.com/office/drawing/2010/main" val="0"/>
-              </a:ext>
-            </a:extLst>
-          </a:blip>
-          <a:stretch>
-            <a:fillRect/>
-          </a:stretch>
-        </p:blipFill>
-        <p:spPr>
-          <a:xfrm>
-            <a:off x="1574502" y="5687249"/>
-            <a:ext cx="7192788" cy="1114071"/>
-          </a:xfrm>
-          <a:prstGeom prst="rect">
-            <a:avLst/>
-          </a:prstGeom>
-        </p:spPr>
-      </p:pic>
-    </p:spTree>
-    <p:extLst>
-      <p:ext uri="{BB962C8B-B14F-4D97-AF65-F5344CB8AC3E}">
-        <p14:creationId xmlns:p14="http://schemas.microsoft.com/office/powerpoint/2010/main" val="3854359807"/>
-      </p:ext>
-    </p:extLst>
-  </p:cSld>
-  <p:clrMapOvr>
-    <a:masterClrMapping/>
-  </p:clrMapOvr>
-</p:sld>
-</file>
-
-<file path=ppt/slides/slide4.xml><?xml version="1.0" encoding="utf-8"?>
-<p:sld xmlns:a="http://schemas.openxmlformats.org/drawingml/2006/main" xmlns:r="http://schemas.openxmlformats.org/officeDocument/2006/relationships" xmlns:p="http://schemas.openxmlformats.org/presentationml/2006/main">
-  <p:cSld>
-    <p:spTree>
-      <p:nvGrpSpPr>
-        <p:cNvPr id="1" name=""/>
-        <p:cNvGrpSpPr/>
-        <p:nvPr/>
-      </p:nvGrpSpPr>
-      <p:grpSpPr>
-        <a:xfrm>
-          <a:off x="0" y="0"/>
-          <a:ext cx="0" cy="0"/>
-          <a:chOff x="0" y="0"/>
-          <a:chExt cx="0" cy="0"/>
-        </a:xfrm>
-      </p:grpSpPr>
-      <p:sp>
-        <p:nvSpPr>
-          <p:cNvPr id="2" name="标题 1"/>
-          <p:cNvSpPr>
-            <a:spLocks noGrp="1"/>
-          </p:cNvSpPr>
-          <p:nvPr>
-            <p:ph type="title"/>
-          </p:nvPr>
-        </p:nvSpPr>
-        <p:spPr/>
-        <p:txBody>
-          <a:bodyPr/>
-          <a:lstStyle/>
-          <a:p>
-            <a:r>
-              <a:rPr kumimoji="1" lang="zh-CN" altLang="en-US" dirty="0" smtClean="0"/>
-              <a:t>数据收集</a:t>
-            </a:r>
-            <a:endParaRPr kumimoji="1" lang="zh-CN" altLang="en-US" dirty="0"/>
-          </a:p>
-        </p:txBody>
-      </p:sp>
-      <p:sp>
-        <p:nvSpPr>
-          <p:cNvPr id="3" name="内容占位符 2"/>
-          <p:cNvSpPr>
-            <a:spLocks noGrp="1"/>
-          </p:cNvSpPr>
-          <p:nvPr>
-            <p:ph idx="1"/>
-          </p:nvPr>
-        </p:nvSpPr>
-        <p:spPr/>
-        <p:txBody>
-          <a:bodyPr/>
-          <a:lstStyle/>
-          <a:p>
-            <a:r>
-              <a:rPr kumimoji="1" lang="zh-CN" altLang="en-US" dirty="0" smtClean="0"/>
-              <a:t>总共收到</a:t>
-            </a:r>
-            <a:r>
-              <a:rPr kumimoji="1" lang="en-US" altLang="zh-CN" dirty="0" smtClean="0"/>
-              <a:t>86</a:t>
-            </a:r>
-            <a:r>
-              <a:rPr kumimoji="1" lang="zh-CN" altLang="en-US" dirty="0" smtClean="0"/>
-              <a:t>份问卷</a:t>
-            </a:r>
-            <a:endParaRPr kumimoji="1" lang="en-US" altLang="zh-CN" dirty="0" smtClean="0"/>
-          </a:p>
-          <a:p>
-            <a:r>
-              <a:rPr kumimoji="1" lang="zh-CN" altLang="en-US" dirty="0" smtClean="0"/>
-              <a:t>通过人人</a:t>
-            </a:r>
-            <a:r>
-              <a:rPr kumimoji="1" lang="en-US" altLang="zh-CN" dirty="0" smtClean="0"/>
-              <a:t>API</a:t>
-            </a:r>
-            <a:r>
-              <a:rPr kumimoji="1" lang="zh-CN" altLang="en-US" dirty="0" smtClean="0"/>
-              <a:t>接口抓取数据（一切可以能抓到的数据：基本信息，状态，分享，日志，照片，以及各种“加密”信息</a:t>
-            </a:r>
-            <a:r>
-              <a:rPr kumimoji="1" lang="en-US" altLang="zh-CN" dirty="0" smtClean="0"/>
-              <a:t>……</a:t>
-            </a:r>
-            <a:r>
-              <a:rPr kumimoji="1" lang="zh-CN" altLang="en-US" dirty="0" smtClean="0"/>
-              <a:t>）</a:t>
-            </a:r>
-            <a:endParaRPr kumimoji="1" lang="en-US" altLang="zh-CN" dirty="0" smtClean="0"/>
-          </a:p>
-          <a:p>
-            <a:r>
-              <a:rPr kumimoji="1" lang="zh-CN" altLang="en-US" dirty="0" smtClean="0"/>
-              <a:t>庞大的数据和抓取时间</a:t>
-            </a:r>
-            <a:r>
-              <a:rPr kumimoji="1" lang="en-US" altLang="zh-CN" dirty="0" smtClean="0"/>
-              <a:t>……</a:t>
-            </a:r>
-          </a:p>
-          <a:p>
-            <a:r>
-              <a:rPr kumimoji="1" lang="zh-CN" altLang="en-US" dirty="0" smtClean="0"/>
-              <a:t>还在尝试抓取音频</a:t>
-            </a:r>
-            <a:endParaRPr kumimoji="1" lang="zh-CN" altLang="en-US" dirty="0"/>
-          </a:p>
-        </p:txBody>
-      </p:sp>
-      <p:pic>
-        <p:nvPicPr>
-          <p:cNvPr id="4" name="图片 3" descr="屏幕快照 2013-12-30 下午6.36.34.png"/>
-          <p:cNvPicPr>
-            <a:picLocks noChangeAspect="1"/>
-          </p:cNvPicPr>
-          <p:nvPr/>
-        </p:nvPicPr>
-        <p:blipFill>
-          <a:blip r:embed="rId2">
-            <a:extLst>
-              <a:ext uri="{28A0092B-C50C-407E-A947-70E740481C1C}">
-                <a14:useLocalDpi xmlns:a14="http://schemas.microsoft.com/office/drawing/2010/main" val="0"/>
-              </a:ext>
-            </a:extLst>
-          </a:blip>
-          <a:stretch>
-            <a:fillRect/>
-          </a:stretch>
-        </p:blipFill>
-        <p:spPr>
-          <a:xfrm>
-            <a:off x="4348269" y="4406838"/>
-            <a:ext cx="4524701" cy="1565800"/>
-          </a:xfrm>
-          <a:prstGeom prst="rect">
-            <a:avLst/>
-          </a:prstGeom>
-        </p:spPr>
-      </p:pic>
-    </p:spTree>
-    <p:extLst>
-      <p:ext uri="{BB962C8B-B14F-4D97-AF65-F5344CB8AC3E}">
-        <p14:creationId xmlns:p14="http://schemas.microsoft.com/office/powerpoint/2010/main" val="923798719"/>
-      </p:ext>
-    </p:extLst>
-  </p:cSld>
-  <p:clrMapOvr>
-    <a:masterClrMapping/>
-  </p:clrMapOvr>
-</p:sld>
-</file>
-
-<file path=ppt/slides/slide5.xml><?xml version="1.0" encoding="utf-8"?>
-<p:sld xmlns:a="http://schemas.openxmlformats.org/drawingml/2006/main" xmlns:r="http://schemas.openxmlformats.org/officeDocument/2006/relationships" xmlns:p="http://schemas.openxmlformats.org/presentationml/2006/main">
-  <p:cSld>
-    <p:spTree>
-      <p:nvGrpSpPr>
-        <p:cNvPr id="1" name=""/>
-        <p:cNvGrpSpPr/>
-        <p:nvPr/>
-      </p:nvGrpSpPr>
-      <p:grpSpPr>
-        <a:xfrm>
-          <a:off x="0" y="0"/>
-          <a:ext cx="0" cy="0"/>
-          <a:chOff x="0" y="0"/>
-          <a:chExt cx="0" cy="0"/>
-        </a:xfrm>
-      </p:grpSpPr>
-      <p:sp>
-        <p:nvSpPr>
-          <p:cNvPr id="2" name="标题 1"/>
-          <p:cNvSpPr>
-            <a:spLocks noGrp="1"/>
-          </p:cNvSpPr>
-          <p:nvPr>
-            <p:ph type="title"/>
-          </p:nvPr>
-        </p:nvSpPr>
-        <p:spPr/>
-        <p:txBody>
-          <a:bodyPr/>
-          <a:lstStyle/>
-          <a:p>
-            <a:r>
-              <a:rPr kumimoji="1" lang="zh-CN" altLang="en-US" dirty="0" smtClean="0"/>
-              <a:t>特征抓取</a:t>
-            </a:r>
-            <a:endParaRPr kumimoji="1" lang="zh-CN" altLang="en-US" dirty="0"/>
-          </a:p>
-        </p:txBody>
-      </p:sp>
-      <p:sp>
-        <p:nvSpPr>
-          <p:cNvPr id="3" name="内容占位符 2"/>
-          <p:cNvSpPr>
-            <a:spLocks noGrp="1"/>
-          </p:cNvSpPr>
-          <p:nvPr>
-            <p:ph idx="1"/>
-          </p:nvPr>
-        </p:nvSpPr>
-        <p:spPr/>
-        <p:txBody>
-          <a:bodyPr/>
-          <a:lstStyle/>
-          <a:p>
-            <a:endParaRPr kumimoji="1" lang="zh-CN" altLang="en-US"/>
-          </a:p>
-        </p:txBody>
-      </p:sp>
-    </p:spTree>
-    <p:extLst>
-      <p:ext uri="{BB962C8B-B14F-4D97-AF65-F5344CB8AC3E}">
-        <p14:creationId xmlns:p14="http://schemas.microsoft.com/office/powerpoint/2010/main" val="1390920088"/>
-      </p:ext>
-    </p:extLst>
-  </p:cSld>
-  <p:clrMapOvr>
-    <a:masterClrMapping/>
-  </p:clrMapOvr>
-</p:sld>
-</file>
-
-<file path=ppt/slides/slide6.xml><?xml version="1.0" encoding="utf-8"?>
+<file path=ppt/slides/slide10.xml><?xml version="1.0" encoding="utf-8"?>
 <p:sld xmlns:a="http://schemas.openxmlformats.org/drawingml/2006/main" xmlns:r="http://schemas.openxmlformats.org/officeDocument/2006/relationships" xmlns:p="http://schemas.openxmlformats.org/presentationml/2006/main">
   <p:cSld>
     <p:spTree>
@@ -4843,6 +4369,1082 @@
 </p:sld>
 </file>
 
+<file path=ppt/slides/slide2.xml><?xml version="1.0" encoding="utf-8"?>
+<p:sld xmlns:a="http://schemas.openxmlformats.org/drawingml/2006/main" xmlns:r="http://schemas.openxmlformats.org/officeDocument/2006/relationships" xmlns:p="http://schemas.openxmlformats.org/presentationml/2006/main">
+  <p:cSld>
+    <p:spTree>
+      <p:nvGrpSpPr>
+        <p:cNvPr id="1" name=""/>
+        <p:cNvGrpSpPr/>
+        <p:nvPr/>
+      </p:nvGrpSpPr>
+      <p:grpSpPr>
+        <a:xfrm>
+          <a:off x="0" y="0"/>
+          <a:ext cx="0" cy="0"/>
+          <a:chOff x="0" y="0"/>
+          <a:chExt cx="0" cy="0"/>
+        </a:xfrm>
+      </p:grpSpPr>
+      <p:sp>
+        <p:nvSpPr>
+          <p:cNvPr id="2" name="标题 1"/>
+          <p:cNvSpPr>
+            <a:spLocks noGrp="1"/>
+          </p:cNvSpPr>
+          <p:nvPr>
+            <p:ph type="title"/>
+          </p:nvPr>
+        </p:nvSpPr>
+        <p:spPr/>
+        <p:txBody>
+          <a:bodyPr/>
+          <a:lstStyle/>
+          <a:p>
+            <a:r>
+              <a:rPr kumimoji="1" lang="en-US" altLang="zh-CN" dirty="0" err="1" smtClean="0"/>
+              <a:t>Srt</a:t>
+            </a:r>
+            <a:r>
+              <a:rPr kumimoji="1" lang="zh-CN" altLang="en-US" dirty="0" smtClean="0"/>
+              <a:t>目的和目标</a:t>
+            </a:r>
+            <a:endParaRPr kumimoji="1" lang="zh-CN" altLang="en-US" dirty="0"/>
+          </a:p>
+        </p:txBody>
+      </p:sp>
+      <p:sp>
+        <p:nvSpPr>
+          <p:cNvPr id="3" name="内容占位符 2"/>
+          <p:cNvSpPr>
+            <a:spLocks noGrp="1"/>
+          </p:cNvSpPr>
+          <p:nvPr>
+            <p:ph idx="1"/>
+          </p:nvPr>
+        </p:nvSpPr>
+        <p:spPr/>
+        <p:txBody>
+          <a:bodyPr/>
+          <a:lstStyle/>
+          <a:p>
+            <a:endParaRPr kumimoji="1" lang="zh-CN" altLang="en-US"/>
+          </a:p>
+        </p:txBody>
+      </p:sp>
+    </p:spTree>
+    <p:extLst>
+      <p:ext uri="{BB962C8B-B14F-4D97-AF65-F5344CB8AC3E}">
+        <p14:creationId xmlns:p14="http://schemas.microsoft.com/office/powerpoint/2010/main" val="3146191316"/>
+      </p:ext>
+    </p:extLst>
+  </p:cSld>
+  <p:clrMapOvr>
+    <a:masterClrMapping/>
+  </p:clrMapOvr>
+</p:sld>
+</file>
+
+<file path=ppt/slides/slide3.xml><?xml version="1.0" encoding="utf-8"?>
+<p:sld xmlns:a="http://schemas.openxmlformats.org/drawingml/2006/main" xmlns:r="http://schemas.openxmlformats.org/officeDocument/2006/relationships" xmlns:p="http://schemas.openxmlformats.org/presentationml/2006/main">
+  <p:cSld>
+    <p:spTree>
+      <p:nvGrpSpPr>
+        <p:cNvPr id="1" name=""/>
+        <p:cNvGrpSpPr/>
+        <p:nvPr/>
+      </p:nvGrpSpPr>
+      <p:grpSpPr>
+        <a:xfrm>
+          <a:off x="0" y="0"/>
+          <a:ext cx="0" cy="0"/>
+          <a:chOff x="0" y="0"/>
+          <a:chExt cx="0" cy="0"/>
+        </a:xfrm>
+      </p:grpSpPr>
+      <p:sp>
+        <p:nvSpPr>
+          <p:cNvPr id="2" name="标题 1"/>
+          <p:cNvSpPr>
+            <a:spLocks noGrp="1"/>
+          </p:cNvSpPr>
+          <p:nvPr>
+            <p:ph type="title"/>
+          </p:nvPr>
+        </p:nvSpPr>
+        <p:spPr/>
+        <p:txBody>
+          <a:bodyPr/>
+          <a:lstStyle/>
+          <a:p>
+            <a:r>
+              <a:rPr kumimoji="1" lang="zh-CN" altLang="en-US" dirty="0" smtClean="0"/>
+              <a:t>前期工作</a:t>
+            </a:r>
+            <a:endParaRPr kumimoji="1" lang="zh-CN" altLang="en-US" dirty="0"/>
+          </a:p>
+        </p:txBody>
+      </p:sp>
+      <p:sp>
+        <p:nvSpPr>
+          <p:cNvPr id="3" name="内容占位符 2"/>
+          <p:cNvSpPr>
+            <a:spLocks noGrp="1"/>
+          </p:cNvSpPr>
+          <p:nvPr>
+            <p:ph idx="1"/>
+          </p:nvPr>
+        </p:nvSpPr>
+        <p:spPr/>
+        <p:txBody>
+          <a:bodyPr/>
+          <a:lstStyle/>
+          <a:p>
+            <a:r>
+              <a:rPr kumimoji="1" lang="zh-CN" altLang="en-US" dirty="0" smtClean="0"/>
+              <a:t>阅读</a:t>
+            </a:r>
+            <a:r>
+              <a:rPr kumimoji="1" lang="en-US" altLang="zh-CN" dirty="0" smtClean="0"/>
+              <a:t>paper</a:t>
+            </a:r>
+          </a:p>
+          <a:p>
+            <a:r>
+              <a:rPr kumimoji="1" lang="zh-CN" altLang="en-US" dirty="0" smtClean="0"/>
+              <a:t>制作问卷，通过人人应用获取“标准集”</a:t>
+            </a:r>
+            <a:endParaRPr kumimoji="1" lang="zh-CN" altLang="en-US" dirty="0"/>
+          </a:p>
+        </p:txBody>
+      </p:sp>
+      <p:pic>
+        <p:nvPicPr>
+          <p:cNvPr id="4" name="图片 3" descr="屏幕快照 2013-12-30 下午6.26.03.png"/>
+          <p:cNvPicPr>
+            <a:picLocks noChangeAspect="1"/>
+          </p:cNvPicPr>
+          <p:nvPr/>
+        </p:nvPicPr>
+        <p:blipFill>
+          <a:blip r:embed="rId3">
+            <a:extLst>
+              <a:ext uri="{28A0092B-C50C-407E-A947-70E740481C1C}">
+                <a14:useLocalDpi xmlns:a14="http://schemas.microsoft.com/office/drawing/2010/main" val="0"/>
+              </a:ext>
+            </a:extLst>
+          </a:blip>
+          <a:stretch>
+            <a:fillRect/>
+          </a:stretch>
+        </p:blipFill>
+        <p:spPr>
+          <a:xfrm>
+            <a:off x="815257" y="2805308"/>
+            <a:ext cx="4163684" cy="3067978"/>
+          </a:xfrm>
+          <a:prstGeom prst="rect">
+            <a:avLst/>
+          </a:prstGeom>
+        </p:spPr>
+      </p:pic>
+      <p:pic>
+        <p:nvPicPr>
+          <p:cNvPr id="5" name="图片 4" descr="屏幕快照 2013-12-30 下午6.26.20.png"/>
+          <p:cNvPicPr>
+            <a:picLocks noChangeAspect="1"/>
+          </p:cNvPicPr>
+          <p:nvPr/>
+        </p:nvPicPr>
+        <p:blipFill>
+          <a:blip r:embed="rId4">
+            <a:extLst>
+              <a:ext uri="{28A0092B-C50C-407E-A947-70E740481C1C}">
+                <a14:useLocalDpi xmlns:a14="http://schemas.microsoft.com/office/drawing/2010/main" val="0"/>
+              </a:ext>
+            </a:extLst>
+          </a:blip>
+          <a:stretch>
+            <a:fillRect/>
+          </a:stretch>
+        </p:blipFill>
+        <p:spPr>
+          <a:xfrm>
+            <a:off x="5170896" y="2943634"/>
+            <a:ext cx="3515904" cy="2401668"/>
+          </a:xfrm>
+          <a:prstGeom prst="rect">
+            <a:avLst/>
+          </a:prstGeom>
+        </p:spPr>
+      </p:pic>
+      <p:pic>
+        <p:nvPicPr>
+          <p:cNvPr id="6" name="图片 5" descr="屏幕快照 2013-12-30 下午6.27.53.png"/>
+          <p:cNvPicPr>
+            <a:picLocks noChangeAspect="1"/>
+          </p:cNvPicPr>
+          <p:nvPr/>
+        </p:nvPicPr>
+        <p:blipFill>
+          <a:blip r:embed="rId5">
+            <a:extLst>
+              <a:ext uri="{28A0092B-C50C-407E-A947-70E740481C1C}">
+                <a14:useLocalDpi xmlns:a14="http://schemas.microsoft.com/office/drawing/2010/main" val="0"/>
+              </a:ext>
+            </a:extLst>
+          </a:blip>
+          <a:stretch>
+            <a:fillRect/>
+          </a:stretch>
+        </p:blipFill>
+        <p:spPr>
+          <a:xfrm>
+            <a:off x="1574502" y="5687249"/>
+            <a:ext cx="7192788" cy="1114071"/>
+          </a:xfrm>
+          <a:prstGeom prst="rect">
+            <a:avLst/>
+          </a:prstGeom>
+        </p:spPr>
+      </p:pic>
+    </p:spTree>
+    <p:extLst>
+      <p:ext uri="{BB962C8B-B14F-4D97-AF65-F5344CB8AC3E}">
+        <p14:creationId xmlns:p14="http://schemas.microsoft.com/office/powerpoint/2010/main" val="3854359807"/>
+      </p:ext>
+    </p:extLst>
+  </p:cSld>
+  <p:clrMapOvr>
+    <a:masterClrMapping/>
+  </p:clrMapOvr>
+</p:sld>
+</file>
+
+<file path=ppt/slides/slide4.xml><?xml version="1.0" encoding="utf-8"?>
+<p:sld xmlns:a="http://schemas.openxmlformats.org/drawingml/2006/main" xmlns:r="http://schemas.openxmlformats.org/officeDocument/2006/relationships" xmlns:p="http://schemas.openxmlformats.org/presentationml/2006/main">
+  <p:cSld>
+    <p:spTree>
+      <p:nvGrpSpPr>
+        <p:cNvPr id="1" name=""/>
+        <p:cNvGrpSpPr/>
+        <p:nvPr/>
+      </p:nvGrpSpPr>
+      <p:grpSpPr>
+        <a:xfrm>
+          <a:off x="0" y="0"/>
+          <a:ext cx="0" cy="0"/>
+          <a:chOff x="0" y="0"/>
+          <a:chExt cx="0" cy="0"/>
+        </a:xfrm>
+      </p:grpSpPr>
+      <p:sp>
+        <p:nvSpPr>
+          <p:cNvPr id="2" name="标题 1"/>
+          <p:cNvSpPr>
+            <a:spLocks noGrp="1"/>
+          </p:cNvSpPr>
+          <p:nvPr>
+            <p:ph type="title"/>
+          </p:nvPr>
+        </p:nvSpPr>
+        <p:spPr/>
+        <p:txBody>
+          <a:bodyPr/>
+          <a:lstStyle/>
+          <a:p>
+            <a:r>
+              <a:rPr kumimoji="1" lang="zh-CN" altLang="en-US" dirty="0" smtClean="0"/>
+              <a:t>数据收集</a:t>
+            </a:r>
+            <a:endParaRPr kumimoji="1" lang="zh-CN" altLang="en-US" dirty="0"/>
+          </a:p>
+        </p:txBody>
+      </p:sp>
+      <p:sp>
+        <p:nvSpPr>
+          <p:cNvPr id="3" name="内容占位符 2"/>
+          <p:cNvSpPr>
+            <a:spLocks noGrp="1"/>
+          </p:cNvSpPr>
+          <p:nvPr>
+            <p:ph idx="1"/>
+          </p:nvPr>
+        </p:nvSpPr>
+        <p:spPr/>
+        <p:txBody>
+          <a:bodyPr/>
+          <a:lstStyle/>
+          <a:p>
+            <a:r>
+              <a:rPr kumimoji="1" lang="zh-CN" altLang="en-US" dirty="0" smtClean="0"/>
+              <a:t>总共收到</a:t>
+            </a:r>
+            <a:r>
+              <a:rPr kumimoji="1" lang="en-US" altLang="zh-CN" dirty="0" smtClean="0"/>
+              <a:t>86</a:t>
+            </a:r>
+            <a:r>
+              <a:rPr kumimoji="1" lang="zh-CN" altLang="en-US" dirty="0" smtClean="0"/>
+              <a:t>份问卷</a:t>
+            </a:r>
+            <a:endParaRPr kumimoji="1" lang="en-US" altLang="zh-CN" dirty="0" smtClean="0"/>
+          </a:p>
+          <a:p>
+            <a:r>
+              <a:rPr kumimoji="1" lang="zh-CN" altLang="en-US" dirty="0" smtClean="0"/>
+              <a:t>通过人人</a:t>
+            </a:r>
+            <a:r>
+              <a:rPr kumimoji="1" lang="en-US" altLang="zh-CN" dirty="0" smtClean="0"/>
+              <a:t>API</a:t>
+            </a:r>
+            <a:r>
+              <a:rPr kumimoji="1" lang="zh-CN" altLang="en-US" dirty="0" smtClean="0"/>
+              <a:t>接口抓取数据（一切可以能抓到的数据：基本信息，状态，分享，日志，照片，以及各种“加密”信息</a:t>
+            </a:r>
+            <a:r>
+              <a:rPr kumimoji="1" lang="en-US" altLang="zh-CN" dirty="0" smtClean="0"/>
+              <a:t>……</a:t>
+            </a:r>
+            <a:r>
+              <a:rPr kumimoji="1" lang="zh-CN" altLang="en-US" dirty="0" smtClean="0"/>
+              <a:t>）</a:t>
+            </a:r>
+            <a:endParaRPr kumimoji="1" lang="en-US" altLang="zh-CN" dirty="0" smtClean="0"/>
+          </a:p>
+          <a:p>
+            <a:r>
+              <a:rPr kumimoji="1" lang="zh-CN" altLang="en-US" dirty="0" smtClean="0"/>
+              <a:t>庞大的数据和抓取时间</a:t>
+            </a:r>
+            <a:r>
+              <a:rPr kumimoji="1" lang="en-US" altLang="zh-CN" dirty="0" smtClean="0"/>
+              <a:t>……</a:t>
+            </a:r>
+          </a:p>
+          <a:p>
+            <a:r>
+              <a:rPr kumimoji="1" lang="zh-CN" altLang="en-US" dirty="0" smtClean="0"/>
+              <a:t>还在尝试抓取音频</a:t>
+            </a:r>
+            <a:endParaRPr kumimoji="1" lang="zh-CN" altLang="en-US" dirty="0"/>
+          </a:p>
+        </p:txBody>
+      </p:sp>
+      <p:pic>
+        <p:nvPicPr>
+          <p:cNvPr id="4" name="图片 3" descr="屏幕快照 2013-12-30 下午6.36.34.png"/>
+          <p:cNvPicPr>
+            <a:picLocks noChangeAspect="1"/>
+          </p:cNvPicPr>
+          <p:nvPr/>
+        </p:nvPicPr>
+        <p:blipFill>
+          <a:blip r:embed="rId2">
+            <a:extLst>
+              <a:ext uri="{28A0092B-C50C-407E-A947-70E740481C1C}">
+                <a14:useLocalDpi xmlns:a14="http://schemas.microsoft.com/office/drawing/2010/main" val="0"/>
+              </a:ext>
+            </a:extLst>
+          </a:blip>
+          <a:stretch>
+            <a:fillRect/>
+          </a:stretch>
+        </p:blipFill>
+        <p:spPr>
+          <a:xfrm>
+            <a:off x="4348269" y="4406838"/>
+            <a:ext cx="4524701" cy="1565800"/>
+          </a:xfrm>
+          <a:prstGeom prst="rect">
+            <a:avLst/>
+          </a:prstGeom>
+        </p:spPr>
+      </p:pic>
+    </p:spTree>
+    <p:extLst>
+      <p:ext uri="{BB962C8B-B14F-4D97-AF65-F5344CB8AC3E}">
+        <p14:creationId xmlns:p14="http://schemas.microsoft.com/office/powerpoint/2010/main" val="923798719"/>
+      </p:ext>
+    </p:extLst>
+  </p:cSld>
+  <p:clrMapOvr>
+    <a:masterClrMapping/>
+  </p:clrMapOvr>
+</p:sld>
+</file>
+
+<file path=ppt/slides/slide5.xml><?xml version="1.0" encoding="utf-8"?>
+<p:sld xmlns:a="http://schemas.openxmlformats.org/drawingml/2006/main" xmlns:r="http://schemas.openxmlformats.org/officeDocument/2006/relationships" xmlns:p="http://schemas.openxmlformats.org/presentationml/2006/main">
+  <p:cSld>
+    <p:spTree>
+      <p:nvGrpSpPr>
+        <p:cNvPr id="1" name=""/>
+        <p:cNvGrpSpPr/>
+        <p:nvPr/>
+      </p:nvGrpSpPr>
+      <p:grpSpPr>
+        <a:xfrm>
+          <a:off x="0" y="0"/>
+          <a:ext cx="0" cy="0"/>
+          <a:chOff x="0" y="0"/>
+          <a:chExt cx="0" cy="0"/>
+        </a:xfrm>
+      </p:grpSpPr>
+      <p:sp>
+        <p:nvSpPr>
+          <p:cNvPr id="2" name="标题 1"/>
+          <p:cNvSpPr>
+            <a:spLocks noGrp="1"/>
+          </p:cNvSpPr>
+          <p:nvPr>
+            <p:ph type="title"/>
+          </p:nvPr>
+        </p:nvSpPr>
+        <p:spPr/>
+        <p:txBody>
+          <a:bodyPr/>
+          <a:lstStyle/>
+          <a:p>
+            <a:r>
+              <a:rPr kumimoji="1" lang="zh-CN" altLang="en-US" dirty="0" smtClean="0"/>
+              <a:t>特征抓取</a:t>
+            </a:r>
+            <a:endParaRPr kumimoji="1" lang="zh-CN" altLang="en-US" dirty="0"/>
+          </a:p>
+        </p:txBody>
+      </p:sp>
+      <p:sp>
+        <p:nvSpPr>
+          <p:cNvPr id="3" name="内容占位符 2"/>
+          <p:cNvSpPr>
+            <a:spLocks noGrp="1"/>
+          </p:cNvSpPr>
+          <p:nvPr>
+            <p:ph idx="1"/>
+          </p:nvPr>
+        </p:nvSpPr>
+        <p:spPr/>
+        <p:txBody>
+          <a:bodyPr/>
+          <a:lstStyle/>
+          <a:p>
+            <a:endParaRPr kumimoji="1" lang="zh-CN" altLang="en-US"/>
+          </a:p>
+        </p:txBody>
+      </p:sp>
+    </p:spTree>
+    <p:extLst>
+      <p:ext uri="{BB962C8B-B14F-4D97-AF65-F5344CB8AC3E}">
+        <p14:creationId xmlns:p14="http://schemas.microsoft.com/office/powerpoint/2010/main" val="1390920088"/>
+      </p:ext>
+    </p:extLst>
+  </p:cSld>
+  <p:clrMapOvr>
+    <a:masterClrMapping/>
+  </p:clrMapOvr>
+</p:sld>
+</file>
+
+<file path=ppt/slides/slide6.xml><?xml version="1.0" encoding="utf-8"?>
+<p:sld xmlns:a="http://schemas.openxmlformats.org/drawingml/2006/main" xmlns:r="http://schemas.openxmlformats.org/officeDocument/2006/relationships" xmlns:p="http://schemas.openxmlformats.org/presentationml/2006/main">
+  <p:cSld>
+    <p:spTree>
+      <p:nvGrpSpPr>
+        <p:cNvPr id="1" name=""/>
+        <p:cNvGrpSpPr/>
+        <p:nvPr/>
+      </p:nvGrpSpPr>
+      <p:grpSpPr>
+        <a:xfrm>
+          <a:off x="0" y="0"/>
+          <a:ext cx="0" cy="0"/>
+          <a:chOff x="0" y="0"/>
+          <a:chExt cx="0" cy="0"/>
+        </a:xfrm>
+      </p:grpSpPr>
+      <p:sp>
+        <p:nvSpPr>
+          <p:cNvPr id="2" name="标题 1"/>
+          <p:cNvSpPr>
+            <a:spLocks noGrp="1"/>
+          </p:cNvSpPr>
+          <p:nvPr>
+            <p:ph type="title"/>
+          </p:nvPr>
+        </p:nvSpPr>
+        <p:spPr/>
+        <p:txBody>
+          <a:bodyPr/>
+          <a:lstStyle/>
+          <a:p>
+            <a:r>
+              <a:rPr kumimoji="1" lang="zh-CN" altLang="en-US" dirty="0" smtClean="0"/>
+              <a:t>图像处理</a:t>
+            </a:r>
+            <a:endParaRPr kumimoji="1" lang="zh-CN" altLang="en-US" dirty="0"/>
+          </a:p>
+        </p:txBody>
+      </p:sp>
+      <p:sp>
+        <p:nvSpPr>
+          <p:cNvPr id="3" name="内容占位符 2"/>
+          <p:cNvSpPr>
+            <a:spLocks noGrp="1"/>
+          </p:cNvSpPr>
+          <p:nvPr>
+            <p:ph idx="1"/>
+          </p:nvPr>
+        </p:nvSpPr>
+        <p:spPr/>
+        <p:txBody>
+          <a:bodyPr/>
+          <a:lstStyle/>
+          <a:p>
+            <a:r>
+              <a:rPr kumimoji="1" lang="zh-CN" altLang="en-US" dirty="0" smtClean="0"/>
+              <a:t>选择使用</a:t>
+            </a:r>
+            <a:r>
+              <a:rPr kumimoji="1" lang="en-US" altLang="zh-CN" dirty="0" err="1" smtClean="0"/>
+              <a:t>matlab</a:t>
+            </a:r>
+            <a:r>
+              <a:rPr kumimoji="1" lang="zh-CN" altLang="en-US" dirty="0" smtClean="0"/>
+              <a:t>强大的图片处理</a:t>
+            </a:r>
+            <a:endParaRPr kumimoji="1" lang="en-US" altLang="zh-CN" dirty="0" smtClean="0"/>
+          </a:p>
+          <a:p>
+            <a:r>
+              <a:rPr kumimoji="1" lang="zh-CN" altLang="en-US" dirty="0" smtClean="0"/>
+              <a:t>（当然也留下了接口的问题</a:t>
+            </a:r>
+            <a:r>
+              <a:rPr kumimoji="1" lang="en-US" altLang="zh-CN" dirty="0" smtClean="0"/>
+              <a:t>T T</a:t>
+            </a:r>
+            <a:r>
+              <a:rPr kumimoji="1" lang="zh-CN" altLang="en-US" dirty="0" smtClean="0"/>
+              <a:t>）</a:t>
+            </a:r>
+            <a:endParaRPr kumimoji="1" lang="en-US" altLang="zh-CN" dirty="0" smtClean="0"/>
+          </a:p>
+          <a:p>
+            <a:r>
+              <a:rPr kumimoji="1" lang="zh-CN" altLang="en-US" dirty="0" smtClean="0"/>
+              <a:t>特征选择：</a:t>
+            </a:r>
+            <a:r>
+              <a:rPr kumimoji="1" lang="en-US" altLang="zh-CN" dirty="0" smtClean="0"/>
+              <a:t>256</a:t>
+            </a:r>
+            <a:r>
+              <a:rPr kumimoji="1" lang="zh-CN" altLang="en-US" dirty="0" smtClean="0"/>
+              <a:t>色颜色直方图（</a:t>
+            </a:r>
+            <a:r>
+              <a:rPr kumimoji="1" lang="en-US" altLang="zh-CN" dirty="0" smtClean="0"/>
+              <a:t>HSV</a:t>
+            </a:r>
+            <a:r>
+              <a:rPr kumimoji="1" lang="zh-CN" altLang="en-US" dirty="0" smtClean="0"/>
+              <a:t>＝</a:t>
+            </a:r>
+            <a:r>
+              <a:rPr kumimoji="1" lang="en-US" altLang="zh-CN" dirty="0" smtClean="0"/>
+              <a:t>16</a:t>
+            </a:r>
+            <a:r>
+              <a:rPr kumimoji="1" lang="zh-CN" altLang="en-US" dirty="0" smtClean="0"/>
+              <a:t>*</a:t>
+            </a:r>
+            <a:r>
+              <a:rPr kumimoji="1" lang="en-US" altLang="zh-CN" dirty="0" smtClean="0"/>
+              <a:t>4</a:t>
+            </a:r>
+            <a:r>
+              <a:rPr kumimoji="1" lang="zh-CN" altLang="en-US" dirty="0" smtClean="0"/>
+              <a:t>*</a:t>
+            </a:r>
+            <a:r>
+              <a:rPr kumimoji="1" lang="en-US" altLang="zh-CN" dirty="0" smtClean="0"/>
+              <a:t>4</a:t>
+            </a:r>
+            <a:r>
+              <a:rPr kumimoji="1" lang="zh-CN" altLang="en-US" dirty="0" smtClean="0"/>
+              <a:t>），人脸识别，纹理的粗糙度、对比度、方向度</a:t>
+            </a:r>
+            <a:endParaRPr kumimoji="1" lang="en-US" altLang="zh-CN" dirty="0" smtClean="0"/>
+          </a:p>
+          <a:p>
+            <a:r>
+              <a:rPr kumimoji="1" lang="zh-CN" altLang="en-US" dirty="0" smtClean="0"/>
+              <a:t>所有图片取均值</a:t>
+            </a:r>
+            <a:endParaRPr kumimoji="1" lang="en-US" altLang="zh-CN" dirty="0" smtClean="0"/>
+          </a:p>
+          <a:p>
+            <a:r>
+              <a:rPr kumimoji="1" lang="zh-CN" altLang="zh-CN" dirty="0" smtClean="0"/>
+              <a:t>（</a:t>
+            </a:r>
+            <a:r>
+              <a:rPr kumimoji="1" lang="zh-CN" altLang="en-US" dirty="0" smtClean="0"/>
+              <a:t>可以考虑方差）</a:t>
+            </a:r>
+            <a:endParaRPr kumimoji="1" lang="en-US" altLang="zh-CN" dirty="0" smtClean="0"/>
+          </a:p>
+        </p:txBody>
+      </p:sp>
+    </p:spTree>
+    <p:extLst>
+      <p:ext uri="{BB962C8B-B14F-4D97-AF65-F5344CB8AC3E}">
+        <p14:creationId xmlns:p14="http://schemas.microsoft.com/office/powerpoint/2010/main" val="3563427999"/>
+      </p:ext>
+    </p:extLst>
+  </p:cSld>
+  <p:clrMapOvr>
+    <a:masterClrMapping/>
+  </p:clrMapOvr>
+</p:sld>
+</file>
+
+<file path=ppt/slides/slide7.xml><?xml version="1.0" encoding="utf-8"?>
+<p:sld xmlns:a="http://schemas.openxmlformats.org/drawingml/2006/main" xmlns:r="http://schemas.openxmlformats.org/officeDocument/2006/relationships" xmlns:p="http://schemas.openxmlformats.org/presentationml/2006/main">
+  <p:cSld>
+    <p:spTree>
+      <p:nvGrpSpPr>
+        <p:cNvPr id="1" name=""/>
+        <p:cNvGrpSpPr/>
+        <p:nvPr/>
+      </p:nvGrpSpPr>
+      <p:grpSpPr>
+        <a:xfrm>
+          <a:off x="0" y="0"/>
+          <a:ext cx="0" cy="0"/>
+          <a:chOff x="0" y="0"/>
+          <a:chExt cx="0" cy="0"/>
+        </a:xfrm>
+      </p:grpSpPr>
+      <p:sp>
+        <p:nvSpPr>
+          <p:cNvPr id="2" name="标题 1"/>
+          <p:cNvSpPr>
+            <a:spLocks noGrp="1"/>
+          </p:cNvSpPr>
+          <p:nvPr>
+            <p:ph type="title"/>
+          </p:nvPr>
+        </p:nvSpPr>
+        <p:spPr/>
+        <p:txBody>
+          <a:bodyPr/>
+          <a:lstStyle/>
+          <a:p>
+            <a:r>
+              <a:rPr kumimoji="1" lang="en-US" altLang="zh-CN" dirty="0" smtClean="0"/>
+              <a:t>256</a:t>
+            </a:r>
+            <a:r>
+              <a:rPr kumimoji="1" lang="zh-CN" altLang="en-US" dirty="0" smtClean="0"/>
+              <a:t>色颜色直方图</a:t>
+            </a:r>
+            <a:endParaRPr kumimoji="1" lang="zh-CN" altLang="en-US" dirty="0"/>
+          </a:p>
+        </p:txBody>
+      </p:sp>
+      <p:sp>
+        <p:nvSpPr>
+          <p:cNvPr id="3" name="内容占位符 2"/>
+          <p:cNvSpPr>
+            <a:spLocks noGrp="1"/>
+          </p:cNvSpPr>
+          <p:nvPr>
+            <p:ph idx="1"/>
+          </p:nvPr>
+        </p:nvSpPr>
+        <p:spPr/>
+        <p:txBody>
+          <a:bodyPr/>
+          <a:lstStyle/>
+          <a:p>
+            <a:r>
+              <a:rPr kumimoji="1" lang="zh-CN" altLang="en-US" dirty="0" smtClean="0"/>
+              <a:t>描述不同色彩在整副图像所占的比例</a:t>
+            </a:r>
+            <a:endParaRPr kumimoji="1" lang="en-US" altLang="zh-CN" dirty="0" smtClean="0"/>
+          </a:p>
+          <a:p>
+            <a:r>
+              <a:rPr kumimoji="1" lang="en-US" altLang="zh-CN" dirty="0" smtClean="0"/>
+              <a:t>RGB-&gt;HSV</a:t>
+            </a:r>
+            <a:r>
+              <a:rPr kumimoji="1" lang="zh-CN" altLang="en-US" dirty="0" smtClean="0"/>
+              <a:t>，做累积</a:t>
+            </a:r>
+            <a:endParaRPr kumimoji="1" lang="en-US" altLang="zh-CN" dirty="0" smtClean="0"/>
+          </a:p>
+        </p:txBody>
+      </p:sp>
+      <p:pic>
+        <p:nvPicPr>
+          <p:cNvPr id="4" name="图片 3"/>
+          <p:cNvPicPr>
+            <a:picLocks noChangeAspect="1"/>
+          </p:cNvPicPr>
+          <p:nvPr/>
+        </p:nvPicPr>
+        <p:blipFill>
+          <a:blip r:embed="rId2"/>
+          <a:stretch>
+            <a:fillRect/>
+          </a:stretch>
+        </p:blipFill>
+        <p:spPr>
+          <a:xfrm>
+            <a:off x="457200" y="3154226"/>
+            <a:ext cx="4012634" cy="2660721"/>
+          </a:xfrm>
+          <a:prstGeom prst="rect">
+            <a:avLst/>
+          </a:prstGeom>
+        </p:spPr>
+      </p:pic>
+      <p:pic>
+        <p:nvPicPr>
+          <p:cNvPr id="5" name="图片 4"/>
+          <p:cNvPicPr>
+            <a:picLocks noChangeAspect="1"/>
+          </p:cNvPicPr>
+          <p:nvPr/>
+        </p:nvPicPr>
+        <p:blipFill>
+          <a:blip r:embed="rId3"/>
+          <a:stretch>
+            <a:fillRect/>
+          </a:stretch>
+        </p:blipFill>
+        <p:spPr>
+          <a:xfrm>
+            <a:off x="5638800" y="2540462"/>
+            <a:ext cx="2146300" cy="3479800"/>
+          </a:xfrm>
+          <a:prstGeom prst="rect">
+            <a:avLst/>
+          </a:prstGeom>
+        </p:spPr>
+      </p:pic>
+    </p:spTree>
+    <p:extLst>
+      <p:ext uri="{BB962C8B-B14F-4D97-AF65-F5344CB8AC3E}">
+        <p14:creationId xmlns:p14="http://schemas.microsoft.com/office/powerpoint/2010/main" val="630658288"/>
+      </p:ext>
+    </p:extLst>
+  </p:cSld>
+  <p:clrMapOvr>
+    <a:masterClrMapping/>
+  </p:clrMapOvr>
+</p:sld>
+</file>
+
+<file path=ppt/slides/slide8.xml><?xml version="1.0" encoding="utf-8"?>
+<p:sld xmlns:a="http://schemas.openxmlformats.org/drawingml/2006/main" xmlns:r="http://schemas.openxmlformats.org/officeDocument/2006/relationships" xmlns:p="http://schemas.openxmlformats.org/presentationml/2006/main">
+  <p:cSld>
+    <p:spTree>
+      <p:nvGrpSpPr>
+        <p:cNvPr id="1" name=""/>
+        <p:cNvGrpSpPr/>
+        <p:nvPr/>
+      </p:nvGrpSpPr>
+      <p:grpSpPr>
+        <a:xfrm>
+          <a:off x="0" y="0"/>
+          <a:ext cx="0" cy="0"/>
+          <a:chOff x="0" y="0"/>
+          <a:chExt cx="0" cy="0"/>
+        </a:xfrm>
+      </p:grpSpPr>
+      <p:sp>
+        <p:nvSpPr>
+          <p:cNvPr id="2" name="标题 1"/>
+          <p:cNvSpPr>
+            <a:spLocks noGrp="1"/>
+          </p:cNvSpPr>
+          <p:nvPr>
+            <p:ph type="title"/>
+          </p:nvPr>
+        </p:nvSpPr>
+        <p:spPr/>
+        <p:txBody>
+          <a:bodyPr/>
+          <a:lstStyle/>
+          <a:p>
+            <a:r>
+              <a:rPr kumimoji="1" lang="zh-CN" altLang="en-US" dirty="0" smtClean="0"/>
+              <a:t>人脸识别</a:t>
+            </a:r>
+            <a:endParaRPr kumimoji="1" lang="zh-CN" altLang="en-US" dirty="0"/>
+          </a:p>
+        </p:txBody>
+      </p:sp>
+      <p:sp>
+        <p:nvSpPr>
+          <p:cNvPr id="3" name="内容占位符 2"/>
+          <p:cNvSpPr>
+            <a:spLocks noGrp="1"/>
+          </p:cNvSpPr>
+          <p:nvPr>
+            <p:ph idx="1"/>
+          </p:nvPr>
+        </p:nvSpPr>
+        <p:spPr/>
+        <p:txBody>
+          <a:bodyPr/>
+          <a:lstStyle/>
+          <a:p>
+            <a:r>
+              <a:rPr kumimoji="1" lang="zh-CN" altLang="en-US" dirty="0" smtClean="0"/>
+              <a:t>简单的算法识别图片中人脸的个数</a:t>
+            </a:r>
+            <a:endParaRPr kumimoji="1" lang="en-US" altLang="zh-CN" dirty="0" smtClean="0"/>
+          </a:p>
+          <a:p>
+            <a:r>
+              <a:rPr kumimoji="1" lang="zh-CN" altLang="en-US" dirty="0" smtClean="0"/>
+              <a:t>截取和肤色相近的色块，并对比长宽比</a:t>
+            </a:r>
+            <a:endParaRPr kumimoji="1" lang="en-US" altLang="zh-CN" dirty="0" smtClean="0"/>
+          </a:p>
+        </p:txBody>
+      </p:sp>
+      <p:pic>
+        <p:nvPicPr>
+          <p:cNvPr id="5" name="图片 4"/>
+          <p:cNvPicPr>
+            <a:picLocks noChangeAspect="1"/>
+          </p:cNvPicPr>
+          <p:nvPr/>
+        </p:nvPicPr>
+        <p:blipFill>
+          <a:blip r:embed="rId2"/>
+          <a:stretch>
+            <a:fillRect/>
+          </a:stretch>
+        </p:blipFill>
+        <p:spPr>
+          <a:xfrm>
+            <a:off x="317650" y="2932639"/>
+            <a:ext cx="5334618" cy="3375814"/>
+          </a:xfrm>
+          <a:prstGeom prst="rect">
+            <a:avLst/>
+          </a:prstGeom>
+        </p:spPr>
+      </p:pic>
+      <p:pic>
+        <p:nvPicPr>
+          <p:cNvPr id="6" name="图片 5"/>
+          <p:cNvPicPr>
+            <a:picLocks noChangeAspect="1"/>
+          </p:cNvPicPr>
+          <p:nvPr/>
+        </p:nvPicPr>
+        <p:blipFill>
+          <a:blip r:embed="rId3"/>
+          <a:stretch>
+            <a:fillRect/>
+          </a:stretch>
+        </p:blipFill>
+        <p:spPr>
+          <a:xfrm>
+            <a:off x="6367226" y="3620094"/>
+            <a:ext cx="2146300" cy="1041400"/>
+          </a:xfrm>
+          <a:prstGeom prst="rect">
+            <a:avLst/>
+          </a:prstGeom>
+        </p:spPr>
+      </p:pic>
+    </p:spTree>
+    <p:extLst>
+      <p:ext uri="{BB962C8B-B14F-4D97-AF65-F5344CB8AC3E}">
+        <p14:creationId xmlns:p14="http://schemas.microsoft.com/office/powerpoint/2010/main" val="630658288"/>
+      </p:ext>
+    </p:extLst>
+  </p:cSld>
+  <p:clrMapOvr>
+    <a:masterClrMapping/>
+  </p:clrMapOvr>
+</p:sld>
+</file>
+
+<file path=ppt/slides/slide9.xml><?xml version="1.0" encoding="utf-8"?>
+<p:sld xmlns:a="http://schemas.openxmlformats.org/drawingml/2006/main" xmlns:r="http://schemas.openxmlformats.org/officeDocument/2006/relationships" xmlns:p="http://schemas.openxmlformats.org/presentationml/2006/main">
+  <p:cSld>
+    <p:spTree>
+      <p:nvGrpSpPr>
+        <p:cNvPr id="1" name=""/>
+        <p:cNvGrpSpPr/>
+        <p:nvPr/>
+      </p:nvGrpSpPr>
+      <p:grpSpPr>
+        <a:xfrm>
+          <a:off x="0" y="0"/>
+          <a:ext cx="0" cy="0"/>
+          <a:chOff x="0" y="0"/>
+          <a:chExt cx="0" cy="0"/>
+        </a:xfrm>
+      </p:grpSpPr>
+      <p:sp>
+        <p:nvSpPr>
+          <p:cNvPr id="2" name="标题 1"/>
+          <p:cNvSpPr>
+            <a:spLocks noGrp="1"/>
+          </p:cNvSpPr>
+          <p:nvPr>
+            <p:ph type="title"/>
+          </p:nvPr>
+        </p:nvSpPr>
+        <p:spPr/>
+        <p:txBody>
+          <a:bodyPr/>
+          <a:lstStyle/>
+          <a:p>
+            <a:r>
+              <a:rPr kumimoji="1" lang="zh-CN" altLang="en-US" dirty="0" smtClean="0"/>
+              <a:t>纹理特征</a:t>
+            </a:r>
+            <a:endParaRPr kumimoji="1" lang="zh-CN" altLang="en-US" dirty="0"/>
+          </a:p>
+        </p:txBody>
+      </p:sp>
+      <p:pic>
+        <p:nvPicPr>
+          <p:cNvPr id="4" name="图片 3"/>
+          <p:cNvPicPr>
+            <a:picLocks noChangeAspect="1"/>
+          </p:cNvPicPr>
+          <p:nvPr/>
+        </p:nvPicPr>
+        <p:blipFill>
+          <a:blip r:embed="rId2"/>
+          <a:stretch>
+            <a:fillRect/>
+          </a:stretch>
+        </p:blipFill>
+        <p:spPr>
+          <a:xfrm>
+            <a:off x="5014078" y="4059202"/>
+            <a:ext cx="4012634" cy="2660721"/>
+          </a:xfrm>
+          <a:prstGeom prst="rect">
+            <a:avLst/>
+          </a:prstGeom>
+        </p:spPr>
+      </p:pic>
+      <p:pic>
+        <p:nvPicPr>
+          <p:cNvPr id="5" name="图片 4"/>
+          <p:cNvPicPr>
+            <a:picLocks noChangeAspect="1"/>
+          </p:cNvPicPr>
+          <p:nvPr/>
+        </p:nvPicPr>
+        <p:blipFill>
+          <a:blip r:embed="rId3"/>
+          <a:stretch>
+            <a:fillRect/>
+          </a:stretch>
+        </p:blipFill>
+        <p:spPr>
+          <a:xfrm>
+            <a:off x="7109012" y="5983323"/>
+            <a:ext cx="1917700" cy="736600"/>
+          </a:xfrm>
+          <a:prstGeom prst="rect">
+            <a:avLst/>
+          </a:prstGeom>
+        </p:spPr>
+      </p:pic>
+      <p:sp>
+        <p:nvSpPr>
+          <p:cNvPr id="3" name="内容占位符 2"/>
+          <p:cNvSpPr>
+            <a:spLocks noGrp="1"/>
+          </p:cNvSpPr>
+          <p:nvPr>
+            <p:ph idx="1"/>
+          </p:nvPr>
+        </p:nvSpPr>
+        <p:spPr/>
+        <p:txBody>
+          <a:bodyPr/>
+          <a:lstStyle/>
+          <a:p>
+            <a:r>
+              <a:rPr kumimoji="1" lang="zh-CN" altLang="en-US" dirty="0" smtClean="0"/>
+              <a:t>视觉特征</a:t>
+            </a:r>
+            <a:endParaRPr kumimoji="1" lang="en-US" altLang="zh-CN" dirty="0" smtClean="0"/>
+          </a:p>
+          <a:p>
+            <a:r>
+              <a:rPr kumimoji="1" lang="en-US" altLang="zh-CN" dirty="0" smtClean="0"/>
+              <a:t>Tamura</a:t>
+            </a:r>
+            <a:r>
+              <a:rPr kumimoji="1" lang="zh-CN" altLang="en-US" dirty="0" smtClean="0"/>
+              <a:t>纹理特征中的三个：粗糙度，对比度，方向度</a:t>
+            </a:r>
+            <a:endParaRPr kumimoji="1" lang="en-US" altLang="zh-CN" dirty="0" smtClean="0"/>
+          </a:p>
+          <a:p>
+            <a:r>
+              <a:rPr kumimoji="1" lang="zh-CN" altLang="en-US" dirty="0" smtClean="0"/>
+              <a:t>粗糙度：活动窗口像素的平均强度值</a:t>
+            </a:r>
+            <a:endParaRPr kumimoji="1" lang="en-US" altLang="zh-CN" dirty="0" smtClean="0"/>
+          </a:p>
+          <a:p>
+            <a:r>
+              <a:rPr kumimoji="1" lang="zh-CN" altLang="en-US" dirty="0" smtClean="0"/>
+              <a:t>对比度：灰度图片的方差与</a:t>
+            </a:r>
+            <a:r>
+              <a:rPr kumimoji="1" lang="en-US" altLang="zh-CN" dirty="0" smtClean="0"/>
+              <a:t>alpha</a:t>
+            </a:r>
+            <a:r>
+              <a:rPr kumimoji="1" lang="zh-CN" altLang="en-US" dirty="0" smtClean="0"/>
+              <a:t>通道</a:t>
+            </a:r>
+            <a:endParaRPr kumimoji="1" lang="en-US" altLang="zh-CN" dirty="0" smtClean="0"/>
+          </a:p>
+          <a:p>
+            <a:r>
+              <a:rPr kumimoji="1" lang="zh-CN" altLang="en-US" dirty="0" smtClean="0"/>
+              <a:t>方向度：每个像素的梯度向量</a:t>
+            </a:r>
+            <a:endParaRPr kumimoji="1" lang="en-US" altLang="zh-CN" dirty="0" smtClean="0"/>
+          </a:p>
+        </p:txBody>
+      </p:sp>
+    </p:spTree>
+    <p:extLst>
+      <p:ext uri="{BB962C8B-B14F-4D97-AF65-F5344CB8AC3E}">
+        <p14:creationId xmlns:p14="http://schemas.microsoft.com/office/powerpoint/2010/main" val="4128587227"/>
+      </p:ext>
+    </p:extLst>
+  </p:cSld>
+  <p:clrMapOvr>
+    <a:masterClrMapping/>
+  </p:clrMapOvr>
+</p:sld>
+</file>
+
 <file path=ppt/theme/theme1.xml><?xml version="1.0" encoding="utf-8"?>
 <a:theme xmlns:a="http://schemas.openxmlformats.org/drawingml/2006/main" name="Office 主题">
   <a:themeElements>

--- a/slides.pptx
+++ b/slides.pptx
@@ -4996,6 +4996,13 @@
             </a:r>
             <a:endParaRPr kumimoji="1" lang="en-US" altLang="zh-CN" dirty="0" smtClean="0"/>
           </a:p>
+          <a:p>
+            <a:r>
+              <a:rPr kumimoji="1" lang="zh-CN" altLang="en-US" dirty="0" smtClean="0"/>
+              <a:t>速度瓶颈</a:t>
+            </a:r>
+            <a:endParaRPr kumimoji="1" lang="en-US" altLang="zh-CN" dirty="0" smtClean="0"/>
+          </a:p>
         </p:txBody>
       </p:sp>
     </p:spTree>

--- a/slides.pptx
+++ b/slides.pptx
@@ -5,7 +5,7 @@
     <p:sldMasterId id="2147483648" r:id="rId1"/>
   </p:sldMasterIdLst>
   <p:notesMasterIdLst>
-    <p:notesMasterId r:id="rId12"/>
+    <p:notesMasterId r:id="rId13"/>
   </p:notesMasterIdLst>
   <p:sldIdLst>
     <p:sldId id="256" r:id="rId2"/>
@@ -17,7 +17,8 @@
     <p:sldId id="263" r:id="rId8"/>
     <p:sldId id="264" r:id="rId9"/>
     <p:sldId id="265" r:id="rId10"/>
-    <p:sldId id="260" r:id="rId11"/>
+    <p:sldId id="266" r:id="rId11"/>
+    <p:sldId id="260" r:id="rId12"/>
   </p:sldIdLst>
   <p:sldSz cx="9144000" cy="6858000" type="screen4x3"/>
   <p:notesSz cx="6858000" cy="9144000"/>
@@ -201,7 +202,7 @@
           <a:p>
             <a:fld id="{04A52E7E-A21E-5843-BAFD-321DE44D297A}" type="datetimeFigureOut">
               <a:rPr kumimoji="1" lang="zh-CN" altLang="en-US" smtClean="0"/>
-              <a:t>13-12-30</a:t>
+              <a:t>13-12-31</a:t>
             </a:fld>
             <a:endParaRPr kumimoji="1" lang="zh-CN" altLang="en-US"/>
           </a:p>
@@ -738,7 +739,7 @@
           <a:p>
             <a:fld id="{90134E3A-0F35-DE4F-AD49-AAA2915957C4}" type="datetimeFigureOut">
               <a:rPr kumimoji="1" lang="zh-CN" altLang="en-US" smtClean="0"/>
-              <a:t>13-12-30</a:t>
+              <a:t>13-12-31</a:t>
             </a:fld>
             <a:endParaRPr kumimoji="1" lang="zh-CN" altLang="en-US"/>
           </a:p>
@@ -908,7 +909,7 @@
           <a:p>
             <a:fld id="{90134E3A-0F35-DE4F-AD49-AAA2915957C4}" type="datetimeFigureOut">
               <a:rPr kumimoji="1" lang="zh-CN" altLang="en-US" smtClean="0"/>
-              <a:t>13-12-30</a:t>
+              <a:t>13-12-31</a:t>
             </a:fld>
             <a:endParaRPr kumimoji="1" lang="zh-CN" altLang="en-US"/>
           </a:p>
@@ -1088,7 +1089,7 @@
           <a:p>
             <a:fld id="{90134E3A-0F35-DE4F-AD49-AAA2915957C4}" type="datetimeFigureOut">
               <a:rPr kumimoji="1" lang="zh-CN" altLang="en-US" smtClean="0"/>
-              <a:t>13-12-30</a:t>
+              <a:t>13-12-31</a:t>
             </a:fld>
             <a:endParaRPr kumimoji="1" lang="zh-CN" altLang="en-US"/>
           </a:p>
@@ -1258,7 +1259,7 @@
           <a:p>
             <a:fld id="{90134E3A-0F35-DE4F-AD49-AAA2915957C4}" type="datetimeFigureOut">
               <a:rPr kumimoji="1" lang="zh-CN" altLang="en-US" smtClean="0"/>
-              <a:t>13-12-30</a:t>
+              <a:t>13-12-31</a:t>
             </a:fld>
             <a:endParaRPr kumimoji="1" lang="zh-CN" altLang="en-US"/>
           </a:p>
@@ -1504,7 +1505,7 @@
           <a:p>
             <a:fld id="{90134E3A-0F35-DE4F-AD49-AAA2915957C4}" type="datetimeFigureOut">
               <a:rPr kumimoji="1" lang="zh-CN" altLang="en-US" smtClean="0"/>
-              <a:t>13-12-30</a:t>
+              <a:t>13-12-31</a:t>
             </a:fld>
             <a:endParaRPr kumimoji="1" lang="zh-CN" altLang="en-US"/>
           </a:p>
@@ -1792,7 +1793,7 @@
           <a:p>
             <a:fld id="{90134E3A-0F35-DE4F-AD49-AAA2915957C4}" type="datetimeFigureOut">
               <a:rPr kumimoji="1" lang="zh-CN" altLang="en-US" smtClean="0"/>
-              <a:t>13-12-30</a:t>
+              <a:t>13-12-31</a:t>
             </a:fld>
             <a:endParaRPr kumimoji="1" lang="zh-CN" altLang="en-US"/>
           </a:p>
@@ -2214,7 +2215,7 @@
           <a:p>
             <a:fld id="{90134E3A-0F35-DE4F-AD49-AAA2915957C4}" type="datetimeFigureOut">
               <a:rPr kumimoji="1" lang="zh-CN" altLang="en-US" smtClean="0"/>
-              <a:t>13-12-30</a:t>
+              <a:t>13-12-31</a:t>
             </a:fld>
             <a:endParaRPr kumimoji="1" lang="zh-CN" altLang="en-US"/>
           </a:p>
@@ -2332,7 +2333,7 @@
           <a:p>
             <a:fld id="{90134E3A-0F35-DE4F-AD49-AAA2915957C4}" type="datetimeFigureOut">
               <a:rPr kumimoji="1" lang="zh-CN" altLang="en-US" smtClean="0"/>
-              <a:t>13-12-30</a:t>
+              <a:t>13-12-31</a:t>
             </a:fld>
             <a:endParaRPr kumimoji="1" lang="zh-CN" altLang="en-US"/>
           </a:p>
@@ -2427,7 +2428,7 @@
           <a:p>
             <a:fld id="{90134E3A-0F35-DE4F-AD49-AAA2915957C4}" type="datetimeFigureOut">
               <a:rPr kumimoji="1" lang="zh-CN" altLang="en-US" smtClean="0"/>
-              <a:t>13-12-30</a:t>
+              <a:t>13-12-31</a:t>
             </a:fld>
             <a:endParaRPr kumimoji="1" lang="zh-CN" altLang="en-US"/>
           </a:p>
@@ -2704,7 +2705,7 @@
           <a:p>
             <a:fld id="{90134E3A-0F35-DE4F-AD49-AAA2915957C4}" type="datetimeFigureOut">
               <a:rPr kumimoji="1" lang="zh-CN" altLang="en-US" smtClean="0"/>
-              <a:t>13-12-30</a:t>
+              <a:t>13-12-31</a:t>
             </a:fld>
             <a:endParaRPr kumimoji="1" lang="zh-CN" altLang="en-US"/>
           </a:p>
@@ -2957,7 +2958,7 @@
           <a:p>
             <a:fld id="{90134E3A-0F35-DE4F-AD49-AAA2915957C4}" type="datetimeFigureOut">
               <a:rPr kumimoji="1" lang="zh-CN" altLang="en-US" smtClean="0"/>
-              <a:t>13-12-30</a:t>
+              <a:t>13-12-31</a:t>
             </a:fld>
             <a:endParaRPr kumimoji="1" lang="zh-CN" altLang="en-US"/>
           </a:p>
@@ -3170,7 +3171,7 @@
           <a:p>
             <a:fld id="{90134E3A-0F35-DE4F-AD49-AAA2915957C4}" type="datetimeFigureOut">
               <a:rPr kumimoji="1" lang="zh-CN" altLang="en-US" smtClean="0"/>
-              <a:t>13-12-30</a:t>
+              <a:t>13-12-31</a:t>
             </a:fld>
             <a:endParaRPr kumimoji="1" lang="zh-CN" altLang="en-US"/>
           </a:p>
@@ -3651,6 +3652,148 @@
 </file>
 
 <file path=ppt/slides/slide10.xml><?xml version="1.0" encoding="utf-8"?>
+<p:sld xmlns:a="http://schemas.openxmlformats.org/drawingml/2006/main" xmlns:r="http://schemas.openxmlformats.org/officeDocument/2006/relationships" xmlns:p="http://schemas.openxmlformats.org/presentationml/2006/main">
+  <p:cSld>
+    <p:spTree>
+      <p:nvGrpSpPr>
+        <p:cNvPr id="1" name=""/>
+        <p:cNvGrpSpPr/>
+        <p:nvPr/>
+      </p:nvGrpSpPr>
+      <p:grpSpPr>
+        <a:xfrm>
+          <a:off x="0" y="0"/>
+          <a:ext cx="0" cy="0"/>
+          <a:chOff x="0" y="0"/>
+          <a:chExt cx="0" cy="0"/>
+        </a:xfrm>
+      </p:grpSpPr>
+      <p:sp>
+        <p:nvSpPr>
+          <p:cNvPr id="2" name="标题 1"/>
+          <p:cNvSpPr>
+            <a:spLocks noGrp="1"/>
+          </p:cNvSpPr>
+          <p:nvPr>
+            <p:ph type="title"/>
+          </p:nvPr>
+        </p:nvSpPr>
+        <p:spPr/>
+        <p:txBody>
+          <a:bodyPr/>
+          <a:lstStyle/>
+          <a:p>
+            <a:r>
+              <a:rPr kumimoji="1" lang="zh-CN" altLang="en-US" dirty="0" smtClean="0"/>
+              <a:t>音频处理</a:t>
+            </a:r>
+            <a:endParaRPr kumimoji="1" lang="zh-CN" altLang="en-US" dirty="0"/>
+          </a:p>
+        </p:txBody>
+      </p:sp>
+      <p:sp>
+        <p:nvSpPr>
+          <p:cNvPr id="3" name="内容占位符 2"/>
+          <p:cNvSpPr>
+            <a:spLocks noGrp="1"/>
+          </p:cNvSpPr>
+          <p:nvPr>
+            <p:ph idx="1"/>
+          </p:nvPr>
+        </p:nvSpPr>
+        <p:spPr/>
+        <p:txBody>
+          <a:bodyPr/>
+          <a:lstStyle/>
+          <a:p>
+            <a:r>
+              <a:rPr kumimoji="1" lang="zh-CN" altLang="en-US" dirty="0" smtClean="0"/>
+              <a:t>（尚未加入豪华套餐）</a:t>
+            </a:r>
+            <a:endParaRPr kumimoji="1" lang="en-US" altLang="zh-CN" dirty="0" smtClean="0"/>
+          </a:p>
+          <a:p>
+            <a:r>
+              <a:rPr kumimoji="1" lang="zh-CN" altLang="en-US" dirty="0" smtClean="0"/>
+              <a:t>选择使用</a:t>
+            </a:r>
+            <a:r>
+              <a:rPr kumimoji="1" lang="en-US" altLang="zh-CN" dirty="0" err="1" smtClean="0"/>
+              <a:t>matlab</a:t>
+            </a:r>
+            <a:r>
+              <a:rPr kumimoji="1" lang="zh-CN" altLang="en-US" dirty="0" smtClean="0"/>
+              <a:t>的音频处理</a:t>
+            </a:r>
+            <a:endParaRPr kumimoji="1" lang="en-US" altLang="zh-CN" dirty="0" smtClean="0"/>
+          </a:p>
+          <a:p>
+            <a:r>
+              <a:rPr kumimoji="1" lang="zh-CN" altLang="en-US" dirty="0" smtClean="0"/>
+              <a:t>能量</a:t>
+            </a:r>
+            <a:r>
+              <a:rPr lang="zh-CN" altLang="en-US" dirty="0" smtClean="0"/>
+              <a:t>熵</a:t>
+            </a:r>
+            <a:r>
+              <a:rPr lang="zh-CN" altLang="zh-CN" dirty="0" smtClean="0"/>
+              <a:t>、</a:t>
+            </a:r>
+            <a:r>
+              <a:rPr kumimoji="1" lang="zh-CN" altLang="en-US" dirty="0" smtClean="0"/>
+              <a:t>信号能量、过零率</a:t>
+            </a:r>
+            <a:r>
+              <a:rPr kumimoji="1" lang="zh-CN" altLang="zh-CN" dirty="0"/>
+              <a:t>、</a:t>
+            </a:r>
+            <a:r>
+              <a:rPr kumimoji="1" lang="zh-CN" altLang="en-US" dirty="0" smtClean="0"/>
+              <a:t>信号衰减、矩心、强弱变化</a:t>
+            </a:r>
+            <a:endParaRPr kumimoji="1" lang="en-US" altLang="zh-CN" dirty="0" smtClean="0"/>
+          </a:p>
+        </p:txBody>
+      </p:sp>
+      <p:pic>
+        <p:nvPicPr>
+          <p:cNvPr id="6" name="图片 5"/>
+          <p:cNvPicPr>
+            <a:picLocks noChangeAspect="1"/>
+          </p:cNvPicPr>
+          <p:nvPr/>
+        </p:nvPicPr>
+        <p:blipFill>
+          <a:blip r:embed="rId2"/>
+          <a:stretch>
+            <a:fillRect/>
+          </a:stretch>
+        </p:blipFill>
+        <p:spPr>
+          <a:xfrm>
+            <a:off x="4055665" y="4768848"/>
+            <a:ext cx="3581400" cy="1092200"/>
+          </a:xfrm>
+          <a:prstGeom prst="rect">
+            <a:avLst/>
+          </a:prstGeom>
+        </p:spPr>
+      </p:pic>
+    </p:spTree>
+    <p:extLst>
+      <p:ext uri="{BB962C8B-B14F-4D97-AF65-F5344CB8AC3E}">
+        <p14:creationId xmlns:p14="http://schemas.microsoft.com/office/powerpoint/2010/main" val="344258076"/>
+      </p:ext>
+    </p:extLst>
+  </p:cSld>
+  <p:clrMapOvr>
+    <a:masterClrMapping/>
+  </p:clrMapOvr>
+</p:sld>
+</file>
+
+<file path=ppt/slides/slide11.xml><?xml version="1.0" encoding="utf-8"?>
 <p:sld xmlns:a="http://schemas.openxmlformats.org/drawingml/2006/main" xmlns:r="http://schemas.openxmlformats.org/officeDocument/2006/relationships" xmlns:p="http://schemas.openxmlformats.org/presentationml/2006/main">
   <p:cSld>
     <p:spTree>

--- a/slides.pptx
+++ b/slides.pptx
@@ -5,7 +5,7 @@
     <p:sldMasterId id="2147483648" r:id="rId1"/>
   </p:sldMasterIdLst>
   <p:notesMasterIdLst>
-    <p:notesMasterId r:id="rId12"/>
+    <p:notesMasterId r:id="rId14"/>
   </p:notesMasterIdLst>
   <p:sldIdLst>
     <p:sldId id="256" r:id="rId2"/>
@@ -18,6 +18,8 @@
     <p:sldId id="264" r:id="rId9"/>
     <p:sldId id="265" r:id="rId10"/>
     <p:sldId id="260" r:id="rId11"/>
+    <p:sldId id="267" r:id="rId12"/>
+    <p:sldId id="266" r:id="rId13"/>
   </p:sldIdLst>
   <p:sldSz cx="9144000" cy="6858000" type="screen4x3"/>
   <p:notesSz cx="6858000" cy="9144000"/>
@@ -116,7 +118,1272 @@
       </a:defRPr>
     </a:lvl9pPr>
   </p:defaultTextStyle>
+  <p:extLst>
+    <p:ext uri="{EFAFB233-063F-42B5-8137-9DF3F51BA10A}">
+      <p15:sldGuideLst xmlns:p15="http://schemas.microsoft.com/office/powerpoint/2012/main">
+        <p15:guide id="1" orient="horz" pos="2160">
+          <p15:clr>
+            <a:srgbClr val="A4A3A4"/>
+          </p15:clr>
+        </p15:guide>
+        <p15:guide id="2" pos="2880">
+          <p15:clr>
+            <a:srgbClr val="A4A3A4"/>
+          </p15:clr>
+        </p15:guide>
+      </p15:sldGuideLst>
+    </p:ext>
+  </p:extLst>
 </p:presentation>
+</file>
+
+<file path=ppt/charts/chart1.xml><?xml version="1.0" encoding="utf-8"?>
+<c:chartSpace xmlns:c="http://schemas.openxmlformats.org/drawingml/2006/chart" xmlns:a="http://schemas.openxmlformats.org/drawingml/2006/main" xmlns:r="http://schemas.openxmlformats.org/officeDocument/2006/relationships">
+  <c:date1904 val="0"/>
+  <c:lang val="zh-CN"/>
+  <c:roundedCorners val="0"/>
+  <mc:AlternateContent xmlns:mc="http://schemas.openxmlformats.org/markup-compatibility/2006">
+    <mc:Choice xmlns:c14="http://schemas.microsoft.com/office/drawing/2007/8/2/chart" Requires="c14">
+      <c14:style val="102"/>
+    </mc:Choice>
+    <mc:Fallback>
+      <c:style val="2"/>
+    </mc:Fallback>
+  </mc:AlternateContent>
+  <c:chart>
+    <c:title>
+      <c:tx>
+        <c:rich>
+          <a:bodyPr rot="0" spcFirstLastPara="1" vertOverflow="ellipsis" vert="horz" wrap="square" anchor="ctr" anchorCtr="1"/>
+          <a:lstStyle/>
+          <a:p>
+            <a:pPr>
+              <a:defRPr sz="1400" b="0" i="0" u="none" strike="noStrike" kern="1200" spc="0" baseline="0">
+                <a:solidFill>
+                  <a:schemeClr val="tx1">
+                    <a:lumMod val="65000"/>
+                    <a:lumOff val="35000"/>
+                  </a:schemeClr>
+                </a:solidFill>
+                <a:latin typeface="+mn-lt"/>
+                <a:ea typeface="+mn-ea"/>
+                <a:cs typeface="+mn-cs"/>
+              </a:defRPr>
+            </a:pPr>
+            <a:r>
+              <a:rPr lang="zh-CN" altLang="en-US"/>
+              <a:t>标准测试结果</a:t>
+            </a:r>
+          </a:p>
+        </c:rich>
+      </c:tx>
+      <c:layout/>
+      <c:overlay val="0"/>
+      <c:spPr>
+        <a:noFill/>
+        <a:ln>
+          <a:noFill/>
+        </a:ln>
+        <a:effectLst/>
+      </c:spPr>
+      <c:txPr>
+        <a:bodyPr rot="0" spcFirstLastPara="1" vertOverflow="ellipsis" vert="horz" wrap="square" anchor="ctr" anchorCtr="1"/>
+        <a:lstStyle/>
+        <a:p>
+          <a:pPr>
+            <a:defRPr sz="1400" b="0" i="0" u="none" strike="noStrike" kern="1200" spc="0" baseline="0">
+              <a:solidFill>
+                <a:schemeClr val="tx1">
+                  <a:lumMod val="65000"/>
+                  <a:lumOff val="35000"/>
+                </a:schemeClr>
+              </a:solidFill>
+              <a:latin typeface="+mn-lt"/>
+              <a:ea typeface="+mn-ea"/>
+              <a:cs typeface="+mn-cs"/>
+            </a:defRPr>
+          </a:pPr>
+          <a:endParaRPr lang="zh-CN"/>
+        </a:p>
+      </c:txPr>
+    </c:title>
+    <c:autoTitleDeleted val="0"/>
+    <c:plotArea>
+      <c:layout/>
+      <c:barChart>
+        <c:barDir val="col"/>
+        <c:grouping val="clustered"/>
+        <c:varyColors val="0"/>
+        <c:ser>
+          <c:idx val="0"/>
+          <c:order val="0"/>
+          <c:tx>
+            <c:v>Agreeableness</c:v>
+          </c:tx>
+          <c:spPr>
+            <a:solidFill>
+              <a:schemeClr val="accent1"/>
+            </a:solidFill>
+            <a:ln>
+              <a:noFill/>
+            </a:ln>
+            <a:effectLst/>
+          </c:spPr>
+          <c:invertIfNegative val="0"/>
+          <c:dLbls>
+            <c:spPr>
+              <a:noFill/>
+              <a:ln>
+                <a:noFill/>
+              </a:ln>
+              <a:effectLst/>
+            </c:spPr>
+            <c:txPr>
+              <a:bodyPr rot="0" spcFirstLastPara="1" vertOverflow="ellipsis" vert="horz" wrap="square" lIns="38100" tIns="19050" rIns="38100" bIns="19050" anchor="ctr" anchorCtr="1">
+                <a:spAutoFit/>
+              </a:bodyPr>
+              <a:lstStyle/>
+              <a:p>
+                <a:pPr>
+                  <a:defRPr sz="900" b="0" i="0" u="none" strike="noStrike" kern="1200" baseline="0">
+                    <a:solidFill>
+                      <a:schemeClr val="tx1">
+                        <a:lumMod val="75000"/>
+                        <a:lumOff val="25000"/>
+                      </a:schemeClr>
+                    </a:solidFill>
+                    <a:latin typeface="+mn-lt"/>
+                    <a:ea typeface="+mn-ea"/>
+                    <a:cs typeface="+mn-cs"/>
+                  </a:defRPr>
+                </a:pPr>
+                <a:endParaRPr lang="zh-CN"/>
+              </a:p>
+            </c:txPr>
+            <c:dLblPos val="outEnd"/>
+            <c:showLegendKey val="0"/>
+            <c:showVal val="1"/>
+            <c:showCatName val="0"/>
+            <c:showSerName val="0"/>
+            <c:showPercent val="0"/>
+            <c:showBubbleSize val="0"/>
+            <c:showLeaderLines val="0"/>
+            <c:extLst>
+              <c:ext xmlns:c15="http://schemas.microsoft.com/office/drawing/2012/chart" uri="{CE6537A1-D6FC-4f65-9D91-7224C49458BB}">
+                <c15:layout/>
+                <c15:showLeaderLines val="1"/>
+                <c15:leaderLines>
+                  <c:spPr>
+                    <a:ln w="9525" cap="flat" cmpd="sng" algn="ctr">
+                      <a:solidFill>
+                        <a:schemeClr val="tx1">
+                          <a:lumMod val="35000"/>
+                          <a:lumOff val="65000"/>
+                        </a:schemeClr>
+                      </a:solidFill>
+                      <a:round/>
+                    </a:ln>
+                    <a:effectLst/>
+                  </c:spPr>
+                </c15:leaderLines>
+              </c:ext>
+            </c:extLst>
+          </c:dLbls>
+          <c:val>
+            <c:numRef>
+              <c:f>personality!$AU$90</c:f>
+              <c:numCache>
+                <c:formatCode>General</c:formatCode>
+                <c:ptCount val="1"/>
+                <c:pt idx="0">
+                  <c:v>0.63676136363636371</c:v>
+                </c:pt>
+              </c:numCache>
+            </c:numRef>
+          </c:val>
+        </c:ser>
+        <c:ser>
+          <c:idx val="1"/>
+          <c:order val="1"/>
+          <c:tx>
+            <c:v>Openness</c:v>
+          </c:tx>
+          <c:spPr>
+            <a:solidFill>
+              <a:schemeClr val="accent2"/>
+            </a:solidFill>
+            <a:ln>
+              <a:noFill/>
+            </a:ln>
+            <a:effectLst/>
+          </c:spPr>
+          <c:invertIfNegative val="0"/>
+          <c:dLbls>
+            <c:spPr>
+              <a:noFill/>
+              <a:ln>
+                <a:noFill/>
+              </a:ln>
+              <a:effectLst/>
+            </c:spPr>
+            <c:txPr>
+              <a:bodyPr rot="0" spcFirstLastPara="1" vertOverflow="ellipsis" vert="horz" wrap="square" lIns="38100" tIns="19050" rIns="38100" bIns="19050" anchor="ctr" anchorCtr="1">
+                <a:spAutoFit/>
+              </a:bodyPr>
+              <a:lstStyle/>
+              <a:p>
+                <a:pPr>
+                  <a:defRPr sz="900" b="0" i="0" u="none" strike="noStrike" kern="1200" baseline="0">
+                    <a:solidFill>
+                      <a:schemeClr val="tx1">
+                        <a:lumMod val="75000"/>
+                        <a:lumOff val="25000"/>
+                      </a:schemeClr>
+                    </a:solidFill>
+                    <a:latin typeface="+mn-lt"/>
+                    <a:ea typeface="+mn-ea"/>
+                    <a:cs typeface="+mn-cs"/>
+                  </a:defRPr>
+                </a:pPr>
+                <a:endParaRPr lang="zh-CN"/>
+              </a:p>
+            </c:txPr>
+            <c:dLblPos val="outEnd"/>
+            <c:showLegendKey val="0"/>
+            <c:showVal val="1"/>
+            <c:showCatName val="0"/>
+            <c:showSerName val="0"/>
+            <c:showPercent val="0"/>
+            <c:showBubbleSize val="0"/>
+            <c:showLeaderLines val="0"/>
+            <c:extLst>
+              <c:ext xmlns:c15="http://schemas.microsoft.com/office/drawing/2012/chart" uri="{CE6537A1-D6FC-4f65-9D91-7224C49458BB}">
+                <c15:layout/>
+                <c15:showLeaderLines val="1"/>
+                <c15:leaderLines>
+                  <c:spPr>
+                    <a:ln w="9525" cap="flat" cmpd="sng" algn="ctr">
+                      <a:solidFill>
+                        <a:schemeClr val="tx1">
+                          <a:lumMod val="35000"/>
+                          <a:lumOff val="65000"/>
+                        </a:schemeClr>
+                      </a:solidFill>
+                      <a:round/>
+                    </a:ln>
+                    <a:effectLst/>
+                  </c:spPr>
+                </c15:leaderLines>
+              </c:ext>
+            </c:extLst>
+          </c:dLbls>
+          <c:val>
+            <c:numRef>
+              <c:f>personality!$AV$90</c:f>
+              <c:numCache>
+                <c:formatCode>General</c:formatCode>
+                <c:ptCount val="1"/>
+                <c:pt idx="0">
+                  <c:v>0.61544318181818181</c:v>
+                </c:pt>
+              </c:numCache>
+            </c:numRef>
+          </c:val>
+        </c:ser>
+        <c:ser>
+          <c:idx val="2"/>
+          <c:order val="2"/>
+          <c:tx>
+            <c:v>Conscientiousness</c:v>
+          </c:tx>
+          <c:spPr>
+            <a:solidFill>
+              <a:schemeClr val="accent3"/>
+            </a:solidFill>
+            <a:ln>
+              <a:noFill/>
+            </a:ln>
+            <a:effectLst/>
+          </c:spPr>
+          <c:invertIfNegative val="0"/>
+          <c:dLbls>
+            <c:spPr>
+              <a:noFill/>
+              <a:ln>
+                <a:noFill/>
+              </a:ln>
+              <a:effectLst/>
+            </c:spPr>
+            <c:txPr>
+              <a:bodyPr rot="0" spcFirstLastPara="1" vertOverflow="ellipsis" vert="horz" wrap="square" lIns="38100" tIns="19050" rIns="38100" bIns="19050" anchor="ctr" anchorCtr="1">
+                <a:spAutoFit/>
+              </a:bodyPr>
+              <a:lstStyle/>
+              <a:p>
+                <a:pPr>
+                  <a:defRPr sz="900" b="0" i="0" u="none" strike="noStrike" kern="1200" baseline="0">
+                    <a:solidFill>
+                      <a:schemeClr val="tx1">
+                        <a:lumMod val="75000"/>
+                        <a:lumOff val="25000"/>
+                      </a:schemeClr>
+                    </a:solidFill>
+                    <a:latin typeface="+mn-lt"/>
+                    <a:ea typeface="+mn-ea"/>
+                    <a:cs typeface="+mn-cs"/>
+                  </a:defRPr>
+                </a:pPr>
+                <a:endParaRPr lang="zh-CN"/>
+              </a:p>
+            </c:txPr>
+            <c:dLblPos val="outEnd"/>
+            <c:showLegendKey val="0"/>
+            <c:showVal val="1"/>
+            <c:showCatName val="0"/>
+            <c:showSerName val="0"/>
+            <c:showPercent val="0"/>
+            <c:showBubbleSize val="0"/>
+            <c:showLeaderLines val="0"/>
+            <c:extLst>
+              <c:ext xmlns:c15="http://schemas.microsoft.com/office/drawing/2012/chart" uri="{CE6537A1-D6FC-4f65-9D91-7224C49458BB}">
+                <c15:layout/>
+                <c15:showLeaderLines val="1"/>
+                <c15:leaderLines>
+                  <c:spPr>
+                    <a:ln w="9525" cap="flat" cmpd="sng" algn="ctr">
+                      <a:solidFill>
+                        <a:schemeClr val="tx1">
+                          <a:lumMod val="35000"/>
+                          <a:lumOff val="65000"/>
+                        </a:schemeClr>
+                      </a:solidFill>
+                      <a:round/>
+                    </a:ln>
+                    <a:effectLst/>
+                  </c:spPr>
+                </c15:leaderLines>
+              </c:ext>
+            </c:extLst>
+          </c:dLbls>
+          <c:val>
+            <c:numRef>
+              <c:f>personality!$AW$90</c:f>
+              <c:numCache>
+                <c:formatCode>General</c:formatCode>
+                <c:ptCount val="1"/>
+                <c:pt idx="0">
+                  <c:v>0.52086363636363653</c:v>
+                </c:pt>
+              </c:numCache>
+            </c:numRef>
+          </c:val>
+        </c:ser>
+        <c:ser>
+          <c:idx val="3"/>
+          <c:order val="3"/>
+          <c:tx>
+            <c:v>Neuroticism</c:v>
+          </c:tx>
+          <c:spPr>
+            <a:solidFill>
+              <a:schemeClr val="accent4"/>
+            </a:solidFill>
+            <a:ln>
+              <a:noFill/>
+            </a:ln>
+            <a:effectLst/>
+          </c:spPr>
+          <c:invertIfNegative val="0"/>
+          <c:dLbls>
+            <c:spPr>
+              <a:noFill/>
+              <a:ln>
+                <a:noFill/>
+              </a:ln>
+              <a:effectLst/>
+            </c:spPr>
+            <c:txPr>
+              <a:bodyPr rot="0" spcFirstLastPara="1" vertOverflow="ellipsis" vert="horz" wrap="square" lIns="38100" tIns="19050" rIns="38100" bIns="19050" anchor="ctr" anchorCtr="1">
+                <a:spAutoFit/>
+              </a:bodyPr>
+              <a:lstStyle/>
+              <a:p>
+                <a:pPr>
+                  <a:defRPr sz="900" b="0" i="0" u="none" strike="noStrike" kern="1200" baseline="0">
+                    <a:solidFill>
+                      <a:schemeClr val="tx1">
+                        <a:lumMod val="75000"/>
+                        <a:lumOff val="25000"/>
+                      </a:schemeClr>
+                    </a:solidFill>
+                    <a:latin typeface="+mn-lt"/>
+                    <a:ea typeface="+mn-ea"/>
+                    <a:cs typeface="+mn-cs"/>
+                  </a:defRPr>
+                </a:pPr>
+                <a:endParaRPr lang="zh-CN"/>
+              </a:p>
+            </c:txPr>
+            <c:dLblPos val="outEnd"/>
+            <c:showLegendKey val="0"/>
+            <c:showVal val="1"/>
+            <c:showCatName val="0"/>
+            <c:showSerName val="0"/>
+            <c:showPercent val="0"/>
+            <c:showBubbleSize val="0"/>
+            <c:showLeaderLines val="0"/>
+            <c:extLst>
+              <c:ext xmlns:c15="http://schemas.microsoft.com/office/drawing/2012/chart" uri="{CE6537A1-D6FC-4f65-9D91-7224C49458BB}">
+                <c15:layout/>
+                <c15:showLeaderLines val="1"/>
+                <c15:leaderLines>
+                  <c:spPr>
+                    <a:ln w="9525" cap="flat" cmpd="sng" algn="ctr">
+                      <a:solidFill>
+                        <a:schemeClr val="tx1">
+                          <a:lumMod val="35000"/>
+                          <a:lumOff val="65000"/>
+                        </a:schemeClr>
+                      </a:solidFill>
+                      <a:round/>
+                    </a:ln>
+                    <a:effectLst/>
+                  </c:spPr>
+                </c15:leaderLines>
+              </c:ext>
+            </c:extLst>
+          </c:dLbls>
+          <c:val>
+            <c:numRef>
+              <c:f>personality!$AX$90</c:f>
+              <c:numCache>
+                <c:formatCode>General</c:formatCode>
+                <c:ptCount val="1"/>
+                <c:pt idx="0">
+                  <c:v>0.52094318181818189</c:v>
+                </c:pt>
+              </c:numCache>
+            </c:numRef>
+          </c:val>
+        </c:ser>
+        <c:ser>
+          <c:idx val="4"/>
+          <c:order val="4"/>
+          <c:tx>
+            <c:v>Extraversion</c:v>
+          </c:tx>
+          <c:spPr>
+            <a:solidFill>
+              <a:schemeClr val="accent5"/>
+            </a:solidFill>
+            <a:ln>
+              <a:noFill/>
+            </a:ln>
+            <a:effectLst/>
+          </c:spPr>
+          <c:invertIfNegative val="0"/>
+          <c:dLbls>
+            <c:spPr>
+              <a:noFill/>
+              <a:ln>
+                <a:noFill/>
+              </a:ln>
+              <a:effectLst/>
+            </c:spPr>
+            <c:txPr>
+              <a:bodyPr rot="0" spcFirstLastPara="1" vertOverflow="ellipsis" vert="horz" wrap="square" lIns="38100" tIns="19050" rIns="38100" bIns="19050" anchor="ctr" anchorCtr="1">
+                <a:spAutoFit/>
+              </a:bodyPr>
+              <a:lstStyle/>
+              <a:p>
+                <a:pPr>
+                  <a:defRPr sz="900" b="0" i="0" u="none" strike="noStrike" kern="1200" baseline="0">
+                    <a:solidFill>
+                      <a:schemeClr val="tx1">
+                        <a:lumMod val="75000"/>
+                        <a:lumOff val="25000"/>
+                      </a:schemeClr>
+                    </a:solidFill>
+                    <a:latin typeface="+mn-lt"/>
+                    <a:ea typeface="+mn-ea"/>
+                    <a:cs typeface="+mn-cs"/>
+                  </a:defRPr>
+                </a:pPr>
+                <a:endParaRPr lang="zh-CN"/>
+              </a:p>
+            </c:txPr>
+            <c:dLblPos val="outEnd"/>
+            <c:showLegendKey val="0"/>
+            <c:showVal val="1"/>
+            <c:showCatName val="0"/>
+            <c:showSerName val="0"/>
+            <c:showPercent val="0"/>
+            <c:showBubbleSize val="0"/>
+            <c:showLeaderLines val="0"/>
+            <c:extLst>
+              <c:ext xmlns:c15="http://schemas.microsoft.com/office/drawing/2012/chart" uri="{CE6537A1-D6FC-4f65-9D91-7224C49458BB}">
+                <c15:layout/>
+                <c15:showLeaderLines val="1"/>
+                <c15:leaderLines>
+                  <c:spPr>
+                    <a:ln w="9525" cap="flat" cmpd="sng" algn="ctr">
+                      <a:solidFill>
+                        <a:schemeClr val="tx1">
+                          <a:lumMod val="35000"/>
+                          <a:lumOff val="65000"/>
+                        </a:schemeClr>
+                      </a:solidFill>
+                      <a:round/>
+                    </a:ln>
+                    <a:effectLst/>
+                  </c:spPr>
+                </c15:leaderLines>
+              </c:ext>
+            </c:extLst>
+          </c:dLbls>
+          <c:val>
+            <c:numRef>
+              <c:f>personality!$AY$90</c:f>
+              <c:numCache>
+                <c:formatCode>General</c:formatCode>
+                <c:ptCount val="1"/>
+                <c:pt idx="0">
+                  <c:v>0.52660227272727267</c:v>
+                </c:pt>
+              </c:numCache>
+            </c:numRef>
+          </c:val>
+        </c:ser>
+        <c:dLbls>
+          <c:dLblPos val="outEnd"/>
+          <c:showLegendKey val="0"/>
+          <c:showVal val="1"/>
+          <c:showCatName val="0"/>
+          <c:showSerName val="0"/>
+          <c:showPercent val="0"/>
+          <c:showBubbleSize val="0"/>
+        </c:dLbls>
+        <c:gapWidth val="219"/>
+        <c:overlap val="-27"/>
+        <c:axId val="453463576"/>
+        <c:axId val="453463968"/>
+      </c:barChart>
+      <c:catAx>
+        <c:axId val="453463576"/>
+        <c:scaling>
+          <c:orientation val="minMax"/>
+        </c:scaling>
+        <c:delete val="0"/>
+        <c:axPos val="b"/>
+        <c:numFmt formatCode="General" sourceLinked="1"/>
+        <c:majorTickMark val="none"/>
+        <c:minorTickMark val="none"/>
+        <c:tickLblPos val="nextTo"/>
+        <c:spPr>
+          <a:noFill/>
+          <a:ln w="9525" cap="flat" cmpd="sng" algn="ctr">
+            <a:solidFill>
+              <a:schemeClr val="tx1">
+                <a:lumMod val="15000"/>
+                <a:lumOff val="85000"/>
+              </a:schemeClr>
+            </a:solidFill>
+            <a:round/>
+          </a:ln>
+          <a:effectLst/>
+        </c:spPr>
+        <c:txPr>
+          <a:bodyPr rot="-60000000" spcFirstLastPara="1" vertOverflow="ellipsis" vert="horz" wrap="square" anchor="ctr" anchorCtr="1"/>
+          <a:lstStyle/>
+          <a:p>
+            <a:pPr>
+              <a:defRPr sz="900" b="0" i="0" u="none" strike="noStrike" kern="1200" baseline="0">
+                <a:solidFill>
+                  <a:schemeClr val="tx1">
+                    <a:lumMod val="65000"/>
+                    <a:lumOff val="35000"/>
+                  </a:schemeClr>
+                </a:solidFill>
+                <a:latin typeface="+mn-lt"/>
+                <a:ea typeface="+mn-ea"/>
+                <a:cs typeface="+mn-cs"/>
+              </a:defRPr>
+            </a:pPr>
+            <a:endParaRPr lang="zh-CN"/>
+          </a:p>
+        </c:txPr>
+        <c:crossAx val="453463968"/>
+        <c:crosses val="autoZero"/>
+        <c:auto val="1"/>
+        <c:lblAlgn val="ctr"/>
+        <c:lblOffset val="100"/>
+        <c:noMultiLvlLbl val="0"/>
+      </c:catAx>
+      <c:valAx>
+        <c:axId val="453463968"/>
+        <c:scaling>
+          <c:orientation val="minMax"/>
+          <c:max val="1"/>
+        </c:scaling>
+        <c:delete val="0"/>
+        <c:axPos val="l"/>
+        <c:majorGridlines>
+          <c:spPr>
+            <a:ln w="9525" cap="flat" cmpd="sng" algn="ctr">
+              <a:solidFill>
+                <a:schemeClr val="tx1">
+                  <a:lumMod val="15000"/>
+                  <a:lumOff val="85000"/>
+                </a:schemeClr>
+              </a:solidFill>
+              <a:round/>
+            </a:ln>
+            <a:effectLst/>
+          </c:spPr>
+        </c:majorGridlines>
+        <c:numFmt formatCode="General" sourceLinked="1"/>
+        <c:majorTickMark val="none"/>
+        <c:minorTickMark val="none"/>
+        <c:tickLblPos val="nextTo"/>
+        <c:spPr>
+          <a:noFill/>
+          <a:ln>
+            <a:noFill/>
+          </a:ln>
+          <a:effectLst/>
+        </c:spPr>
+        <c:txPr>
+          <a:bodyPr rot="-60000000" spcFirstLastPara="1" vertOverflow="ellipsis" vert="horz" wrap="square" anchor="ctr" anchorCtr="1"/>
+          <a:lstStyle/>
+          <a:p>
+            <a:pPr>
+              <a:defRPr sz="900" b="0" i="0" u="none" strike="noStrike" kern="1200" baseline="0">
+                <a:solidFill>
+                  <a:schemeClr val="tx1">
+                    <a:lumMod val="65000"/>
+                    <a:lumOff val="35000"/>
+                  </a:schemeClr>
+                </a:solidFill>
+                <a:latin typeface="+mn-lt"/>
+                <a:ea typeface="+mn-ea"/>
+                <a:cs typeface="+mn-cs"/>
+              </a:defRPr>
+            </a:pPr>
+            <a:endParaRPr lang="zh-CN"/>
+          </a:p>
+        </c:txPr>
+        <c:crossAx val="453463576"/>
+        <c:crosses val="autoZero"/>
+        <c:crossBetween val="between"/>
+      </c:valAx>
+      <c:spPr>
+        <a:noFill/>
+        <a:ln>
+          <a:noFill/>
+        </a:ln>
+        <a:effectLst/>
+      </c:spPr>
+    </c:plotArea>
+    <c:legend>
+      <c:legendPos val="b"/>
+      <c:layout/>
+      <c:overlay val="0"/>
+      <c:spPr>
+        <a:noFill/>
+        <a:ln>
+          <a:noFill/>
+        </a:ln>
+        <a:effectLst/>
+      </c:spPr>
+      <c:txPr>
+        <a:bodyPr rot="0" spcFirstLastPara="1" vertOverflow="ellipsis" vert="horz" wrap="square" anchor="ctr" anchorCtr="1"/>
+        <a:lstStyle/>
+        <a:p>
+          <a:pPr>
+            <a:defRPr sz="900" b="0" i="0" u="none" strike="noStrike" kern="1200" baseline="0">
+              <a:solidFill>
+                <a:schemeClr val="tx1">
+                  <a:lumMod val="65000"/>
+                  <a:lumOff val="35000"/>
+                </a:schemeClr>
+              </a:solidFill>
+              <a:latin typeface="+mn-lt"/>
+              <a:ea typeface="+mn-ea"/>
+              <a:cs typeface="+mn-cs"/>
+            </a:defRPr>
+          </a:pPr>
+          <a:endParaRPr lang="zh-CN"/>
+        </a:p>
+      </c:txPr>
+    </c:legend>
+    <c:plotVisOnly val="1"/>
+    <c:dispBlanksAs val="gap"/>
+    <c:showDLblsOverMax val="0"/>
+  </c:chart>
+  <c:spPr>
+    <a:noFill/>
+    <a:ln>
+      <a:noFill/>
+    </a:ln>
+    <a:effectLst/>
+  </c:spPr>
+  <c:txPr>
+    <a:bodyPr/>
+    <a:lstStyle/>
+    <a:p>
+      <a:pPr>
+        <a:defRPr/>
+      </a:pPr>
+      <a:endParaRPr lang="zh-CN"/>
+    </a:p>
+  </c:txPr>
+  <c:externalData r:id="rId3">
+    <c:autoUpdate val="0"/>
+  </c:externalData>
+</c:chartSpace>
+</file>
+
+<file path=ppt/charts/colors1.xml><?xml version="1.0" encoding="utf-8"?>
+<cs:colorStyle xmlns:cs="http://schemas.microsoft.com/office/drawing/2012/chartStyle" xmlns:a="http://schemas.openxmlformats.org/drawingml/2006/main" meth="cycle" id="10">
+  <a:schemeClr val="accent1"/>
+  <a:schemeClr val="accent2"/>
+  <a:schemeClr val="accent3"/>
+  <a:schemeClr val="accent4"/>
+  <a:schemeClr val="accent5"/>
+  <a:schemeClr val="accent6"/>
+  <cs:variation/>
+  <cs:variation>
+    <a:lumMod val="60000"/>
+  </cs:variation>
+  <cs:variation>
+    <a:lumMod val="80000"/>
+    <a:lumOff val="20000"/>
+  </cs:variation>
+  <cs:variation>
+    <a:lumMod val="80000"/>
+  </cs:variation>
+  <cs:variation>
+    <a:lumMod val="60000"/>
+    <a:lumOff val="40000"/>
+  </cs:variation>
+  <cs:variation>
+    <a:lumMod val="50000"/>
+  </cs:variation>
+  <cs:variation>
+    <a:lumMod val="70000"/>
+    <a:lumOff val="30000"/>
+  </cs:variation>
+  <cs:variation>
+    <a:lumMod val="70000"/>
+  </cs:variation>
+  <cs:variation>
+    <a:lumMod val="50000"/>
+    <a:lumOff val="50000"/>
+  </cs:variation>
+</cs:colorStyle>
+</file>
+
+<file path=ppt/charts/style1.xml><?xml version="1.0" encoding="utf-8"?>
+<cs:chartStyle xmlns:cs="http://schemas.microsoft.com/office/drawing/2012/chartStyle" xmlns:a="http://schemas.openxmlformats.org/drawingml/2006/main" id="201">
+  <cs:axisTitle>
+    <cs:lnRef idx="0"/>
+    <cs:fillRef idx="0"/>
+    <cs:effectRef idx="0"/>
+    <cs:fontRef idx="minor">
+      <a:schemeClr val="tx1">
+        <a:lumMod val="65000"/>
+        <a:lumOff val="35000"/>
+      </a:schemeClr>
+    </cs:fontRef>
+    <cs:defRPr sz="1000" kern="1200"/>
+  </cs:axisTitle>
+  <cs:categoryAxis>
+    <cs:lnRef idx="0"/>
+    <cs:fillRef idx="0"/>
+    <cs:effectRef idx="0"/>
+    <cs:fontRef idx="minor">
+      <a:schemeClr val="tx1">
+        <a:lumMod val="65000"/>
+        <a:lumOff val="35000"/>
+      </a:schemeClr>
+    </cs:fontRef>
+    <cs:spPr>
+      <a:ln w="9525" cap="flat" cmpd="sng" algn="ctr">
+        <a:solidFill>
+          <a:schemeClr val="tx1">
+            <a:lumMod val="15000"/>
+            <a:lumOff val="85000"/>
+          </a:schemeClr>
+        </a:solidFill>
+        <a:round/>
+      </a:ln>
+    </cs:spPr>
+    <cs:defRPr sz="900" kern="1200"/>
+  </cs:categoryAxis>
+  <cs:chartArea mods="allowNoFillOverride allowNoLineOverride">
+    <cs:lnRef idx="0"/>
+    <cs:fillRef idx="0"/>
+    <cs:effectRef idx="0"/>
+    <cs:fontRef idx="minor">
+      <a:schemeClr val="tx1"/>
+    </cs:fontRef>
+    <cs:spPr>
+      <a:solidFill>
+        <a:schemeClr val="bg1"/>
+      </a:solidFill>
+      <a:ln w="9525" cap="flat" cmpd="sng" algn="ctr">
+        <a:solidFill>
+          <a:schemeClr val="tx1">
+            <a:lumMod val="15000"/>
+            <a:lumOff val="85000"/>
+          </a:schemeClr>
+        </a:solidFill>
+        <a:round/>
+      </a:ln>
+    </cs:spPr>
+    <cs:defRPr sz="1000" kern="1200"/>
+  </cs:chartArea>
+  <cs:dataLabel>
+    <cs:lnRef idx="0"/>
+    <cs:fillRef idx="0"/>
+    <cs:effectRef idx="0"/>
+    <cs:fontRef idx="minor">
+      <a:schemeClr val="tx1">
+        <a:lumMod val="75000"/>
+        <a:lumOff val="25000"/>
+      </a:schemeClr>
+    </cs:fontRef>
+    <cs:defRPr sz="900" kern="1200"/>
+  </cs:dataLabel>
+  <cs:dataLabelCallout>
+    <cs:lnRef idx="0"/>
+    <cs:fillRef idx="0"/>
+    <cs:effectRef idx="0"/>
+    <cs:fontRef idx="minor">
+      <a:schemeClr val="dk1">
+        <a:lumMod val="65000"/>
+        <a:lumOff val="35000"/>
+      </a:schemeClr>
+    </cs:fontRef>
+    <cs:spPr>
+      <a:solidFill>
+        <a:schemeClr val="lt1"/>
+      </a:solidFill>
+      <a:ln>
+        <a:solidFill>
+          <a:schemeClr val="dk1">
+            <a:lumMod val="25000"/>
+            <a:lumOff val="75000"/>
+          </a:schemeClr>
+        </a:solidFill>
+      </a:ln>
+    </cs:spPr>
+    <cs:defRPr sz="900" kern="1200"/>
+    <cs:bodyPr rot="0" spcFirstLastPara="1" vertOverflow="clip" horzOverflow="clip" vert="horz" wrap="square" lIns="36576" tIns="18288" rIns="36576" bIns="18288" anchor="ctr" anchorCtr="1">
+      <a:spAutoFit/>
+    </cs:bodyPr>
+  </cs:dataLabelCallout>
+  <cs:dataPoint>
+    <cs:lnRef idx="0"/>
+    <cs:fillRef idx="1">
+      <cs:styleClr val="auto"/>
+    </cs:fillRef>
+    <cs:effectRef idx="0"/>
+    <cs:fontRef idx="minor">
+      <a:schemeClr val="tx1"/>
+    </cs:fontRef>
+  </cs:dataPoint>
+  <cs:dataPoint3D>
+    <cs:lnRef idx="0"/>
+    <cs:fillRef idx="1">
+      <cs:styleClr val="auto"/>
+    </cs:fillRef>
+    <cs:effectRef idx="0"/>
+    <cs:fontRef idx="minor">
+      <a:schemeClr val="tx1"/>
+    </cs:fontRef>
+  </cs:dataPoint3D>
+  <cs:dataPointLine>
+    <cs:lnRef idx="0">
+      <cs:styleClr val="auto"/>
+    </cs:lnRef>
+    <cs:fillRef idx="1"/>
+    <cs:effectRef idx="0"/>
+    <cs:fontRef idx="minor">
+      <a:schemeClr val="tx1"/>
+    </cs:fontRef>
+    <cs:spPr>
+      <a:ln w="28575" cap="rnd">
+        <a:solidFill>
+          <a:schemeClr val="phClr"/>
+        </a:solidFill>
+        <a:round/>
+      </a:ln>
+    </cs:spPr>
+  </cs:dataPointLine>
+  <cs:dataPointMarker>
+    <cs:lnRef idx="0">
+      <cs:styleClr val="auto"/>
+    </cs:lnRef>
+    <cs:fillRef idx="1">
+      <cs:styleClr val="auto"/>
+    </cs:fillRef>
+    <cs:effectRef idx="0"/>
+    <cs:fontRef idx="minor">
+      <a:schemeClr val="tx1"/>
+    </cs:fontRef>
+    <cs:spPr>
+      <a:ln w="9525">
+        <a:solidFill>
+          <a:schemeClr val="phClr"/>
+        </a:solidFill>
+      </a:ln>
+    </cs:spPr>
+  </cs:dataPointMarker>
+  <cs:dataPointMarkerLayout symbol="circle" size="5"/>
+  <cs:dataPointWireframe>
+    <cs:lnRef idx="0">
+      <cs:styleClr val="auto"/>
+    </cs:lnRef>
+    <cs:fillRef idx="1"/>
+    <cs:effectRef idx="0"/>
+    <cs:fontRef idx="minor">
+      <a:schemeClr val="tx1"/>
+    </cs:fontRef>
+    <cs:spPr>
+      <a:ln w="9525" cap="rnd">
+        <a:solidFill>
+          <a:schemeClr val="phClr"/>
+        </a:solidFill>
+        <a:round/>
+      </a:ln>
+    </cs:spPr>
+  </cs:dataPointWireframe>
+  <cs:dataTable>
+    <cs:lnRef idx="0"/>
+    <cs:fillRef idx="0"/>
+    <cs:effectRef idx="0"/>
+    <cs:fontRef idx="minor">
+      <a:schemeClr val="tx1">
+        <a:lumMod val="65000"/>
+        <a:lumOff val="35000"/>
+      </a:schemeClr>
+    </cs:fontRef>
+    <cs:spPr>
+      <a:noFill/>
+      <a:ln w="9525" cap="flat" cmpd="sng" algn="ctr">
+        <a:solidFill>
+          <a:schemeClr val="tx1">
+            <a:lumMod val="15000"/>
+            <a:lumOff val="85000"/>
+          </a:schemeClr>
+        </a:solidFill>
+        <a:round/>
+      </a:ln>
+    </cs:spPr>
+    <cs:defRPr sz="900" kern="1200"/>
+  </cs:dataTable>
+  <cs:downBar>
+    <cs:lnRef idx="0"/>
+    <cs:fillRef idx="0"/>
+    <cs:effectRef idx="0"/>
+    <cs:fontRef idx="minor">
+      <a:schemeClr val="dk1"/>
+    </cs:fontRef>
+    <cs:spPr>
+      <a:solidFill>
+        <a:schemeClr val="dk1">
+          <a:lumMod val="65000"/>
+          <a:lumOff val="35000"/>
+        </a:schemeClr>
+      </a:solidFill>
+      <a:ln w="9525">
+        <a:solidFill>
+          <a:schemeClr val="tx1">
+            <a:lumMod val="65000"/>
+            <a:lumOff val="35000"/>
+          </a:schemeClr>
+        </a:solidFill>
+      </a:ln>
+    </cs:spPr>
+  </cs:downBar>
+  <cs:dropLine>
+    <cs:lnRef idx="0"/>
+    <cs:fillRef idx="0"/>
+    <cs:effectRef idx="0"/>
+    <cs:fontRef idx="minor">
+      <a:schemeClr val="tx1"/>
+    </cs:fontRef>
+    <cs:spPr>
+      <a:ln w="9525" cap="flat" cmpd="sng" algn="ctr">
+        <a:solidFill>
+          <a:schemeClr val="tx1">
+            <a:lumMod val="35000"/>
+            <a:lumOff val="65000"/>
+          </a:schemeClr>
+        </a:solidFill>
+        <a:round/>
+      </a:ln>
+    </cs:spPr>
+  </cs:dropLine>
+  <cs:errorBar>
+    <cs:lnRef idx="0"/>
+    <cs:fillRef idx="0"/>
+    <cs:effectRef idx="0"/>
+    <cs:fontRef idx="minor">
+      <a:schemeClr val="tx1"/>
+    </cs:fontRef>
+    <cs:spPr>
+      <a:ln w="9525" cap="flat" cmpd="sng" algn="ctr">
+        <a:solidFill>
+          <a:schemeClr val="tx1">
+            <a:lumMod val="65000"/>
+            <a:lumOff val="35000"/>
+          </a:schemeClr>
+        </a:solidFill>
+        <a:round/>
+      </a:ln>
+    </cs:spPr>
+  </cs:errorBar>
+  <cs:floor>
+    <cs:lnRef idx="0"/>
+    <cs:fillRef idx="0"/>
+    <cs:effectRef idx="0"/>
+    <cs:fontRef idx="minor">
+      <a:schemeClr val="tx1"/>
+    </cs:fontRef>
+    <cs:spPr>
+      <a:noFill/>
+      <a:ln>
+        <a:noFill/>
+      </a:ln>
+    </cs:spPr>
+  </cs:floor>
+  <cs:gridlineMajor>
+    <cs:lnRef idx="0"/>
+    <cs:fillRef idx="0"/>
+    <cs:effectRef idx="0"/>
+    <cs:fontRef idx="minor">
+      <a:schemeClr val="tx1"/>
+    </cs:fontRef>
+    <cs:spPr>
+      <a:ln w="9525" cap="flat" cmpd="sng" algn="ctr">
+        <a:solidFill>
+          <a:schemeClr val="tx1">
+            <a:lumMod val="15000"/>
+            <a:lumOff val="85000"/>
+          </a:schemeClr>
+        </a:solidFill>
+        <a:round/>
+      </a:ln>
+    </cs:spPr>
+  </cs:gridlineMajor>
+  <cs:gridlineMinor>
+    <cs:lnRef idx="0"/>
+    <cs:fillRef idx="0"/>
+    <cs:effectRef idx="0"/>
+    <cs:fontRef idx="minor">
+      <a:schemeClr val="tx1"/>
+    </cs:fontRef>
+    <cs:spPr>
+      <a:ln w="9525" cap="flat" cmpd="sng" algn="ctr">
+        <a:solidFill>
+          <a:schemeClr val="tx1">
+            <a:lumMod val="5000"/>
+            <a:lumOff val="95000"/>
+          </a:schemeClr>
+        </a:solidFill>
+        <a:round/>
+      </a:ln>
+    </cs:spPr>
+  </cs:gridlineMinor>
+  <cs:hiLoLine>
+    <cs:lnRef idx="0"/>
+    <cs:fillRef idx="0"/>
+    <cs:effectRef idx="0"/>
+    <cs:fontRef idx="minor">
+      <a:schemeClr val="tx1"/>
+    </cs:fontRef>
+    <cs:spPr>
+      <a:ln w="9525" cap="flat" cmpd="sng" algn="ctr">
+        <a:solidFill>
+          <a:schemeClr val="tx1">
+            <a:lumMod val="75000"/>
+            <a:lumOff val="25000"/>
+          </a:schemeClr>
+        </a:solidFill>
+        <a:round/>
+      </a:ln>
+    </cs:spPr>
+  </cs:hiLoLine>
+  <cs:leaderLine>
+    <cs:lnRef idx="0"/>
+    <cs:fillRef idx="0"/>
+    <cs:effectRef idx="0"/>
+    <cs:fontRef idx="minor">
+      <a:schemeClr val="tx1"/>
+    </cs:fontRef>
+    <cs:spPr>
+      <a:ln w="9525" cap="flat" cmpd="sng" algn="ctr">
+        <a:solidFill>
+          <a:schemeClr val="tx1">
+            <a:lumMod val="35000"/>
+            <a:lumOff val="65000"/>
+          </a:schemeClr>
+        </a:solidFill>
+        <a:round/>
+      </a:ln>
+    </cs:spPr>
+  </cs:leaderLine>
+  <cs:legend>
+    <cs:lnRef idx="0"/>
+    <cs:fillRef idx="0"/>
+    <cs:effectRef idx="0"/>
+    <cs:fontRef idx="minor">
+      <a:schemeClr val="tx1">
+        <a:lumMod val="65000"/>
+        <a:lumOff val="35000"/>
+      </a:schemeClr>
+    </cs:fontRef>
+    <cs:defRPr sz="900" kern="1200"/>
+  </cs:legend>
+  <cs:plotArea mods="allowNoFillOverride allowNoLineOverride">
+    <cs:lnRef idx="0"/>
+    <cs:fillRef idx="0"/>
+    <cs:effectRef idx="0"/>
+    <cs:fontRef idx="minor">
+      <a:schemeClr val="tx1"/>
+    </cs:fontRef>
+  </cs:plotArea>
+  <cs:plotArea3D mods="allowNoFillOverride allowNoLineOverride">
+    <cs:lnRef idx="0"/>
+    <cs:fillRef idx="0"/>
+    <cs:effectRef idx="0"/>
+    <cs:fontRef idx="minor">
+      <a:schemeClr val="tx1"/>
+    </cs:fontRef>
+  </cs:plotArea3D>
+  <cs:seriesAxis>
+    <cs:lnRef idx="0"/>
+    <cs:fillRef idx="0"/>
+    <cs:effectRef idx="0"/>
+    <cs:fontRef idx="minor">
+      <a:schemeClr val="tx1">
+        <a:lumMod val="65000"/>
+        <a:lumOff val="35000"/>
+      </a:schemeClr>
+    </cs:fontRef>
+    <cs:defRPr sz="900" kern="1200"/>
+  </cs:seriesAxis>
+  <cs:seriesLine>
+    <cs:lnRef idx="0"/>
+    <cs:fillRef idx="0"/>
+    <cs:effectRef idx="0"/>
+    <cs:fontRef idx="minor">
+      <a:schemeClr val="tx1"/>
+    </cs:fontRef>
+    <cs:spPr>
+      <a:ln w="9525" cap="flat" cmpd="sng" algn="ctr">
+        <a:solidFill>
+          <a:schemeClr val="tx1">
+            <a:lumMod val="35000"/>
+            <a:lumOff val="65000"/>
+          </a:schemeClr>
+        </a:solidFill>
+        <a:round/>
+      </a:ln>
+    </cs:spPr>
+  </cs:seriesLine>
+  <cs:title>
+    <cs:lnRef idx="0"/>
+    <cs:fillRef idx="0"/>
+    <cs:effectRef idx="0"/>
+    <cs:fontRef idx="minor">
+      <a:schemeClr val="tx1">
+        <a:lumMod val="65000"/>
+        <a:lumOff val="35000"/>
+      </a:schemeClr>
+    </cs:fontRef>
+    <cs:defRPr sz="1400" b="0" kern="1200" spc="0" baseline="0"/>
+  </cs:title>
+  <cs:trendline>
+    <cs:lnRef idx="0">
+      <cs:styleClr val="auto"/>
+    </cs:lnRef>
+    <cs:fillRef idx="0"/>
+    <cs:effectRef idx="0"/>
+    <cs:fontRef idx="minor">
+      <a:schemeClr val="tx1"/>
+    </cs:fontRef>
+    <cs:spPr>
+      <a:ln w="19050" cap="rnd">
+        <a:solidFill>
+          <a:schemeClr val="phClr"/>
+        </a:solidFill>
+        <a:prstDash val="sysDot"/>
+      </a:ln>
+    </cs:spPr>
+  </cs:trendline>
+  <cs:trendlineLabel>
+    <cs:lnRef idx="0"/>
+    <cs:fillRef idx="0"/>
+    <cs:effectRef idx="0"/>
+    <cs:fontRef idx="minor">
+      <a:schemeClr val="tx1">
+        <a:lumMod val="65000"/>
+        <a:lumOff val="35000"/>
+      </a:schemeClr>
+    </cs:fontRef>
+    <cs:defRPr sz="900" kern="1200"/>
+  </cs:trendlineLabel>
+  <cs:upBar>
+    <cs:lnRef idx="0"/>
+    <cs:fillRef idx="0"/>
+    <cs:effectRef idx="0"/>
+    <cs:fontRef idx="minor">
+      <a:schemeClr val="dk1"/>
+    </cs:fontRef>
+    <cs:spPr>
+      <a:solidFill>
+        <a:schemeClr val="lt1"/>
+      </a:solidFill>
+      <a:ln w="9525">
+        <a:solidFill>
+          <a:schemeClr val="tx1">
+            <a:lumMod val="15000"/>
+            <a:lumOff val="85000"/>
+          </a:schemeClr>
+        </a:solidFill>
+      </a:ln>
+    </cs:spPr>
+  </cs:upBar>
+  <cs:valueAxis>
+    <cs:lnRef idx="0"/>
+    <cs:fillRef idx="0"/>
+    <cs:effectRef idx="0"/>
+    <cs:fontRef idx="minor">
+      <a:schemeClr val="tx1">
+        <a:lumMod val="65000"/>
+        <a:lumOff val="35000"/>
+      </a:schemeClr>
+    </cs:fontRef>
+    <cs:defRPr sz="900" kern="1200"/>
+  </cs:valueAxis>
+  <cs:wall>
+    <cs:lnRef idx="0"/>
+    <cs:fillRef idx="0"/>
+    <cs:effectRef idx="0"/>
+    <cs:fontRef idx="minor">
+      <a:schemeClr val="tx1"/>
+    </cs:fontRef>
+    <cs:spPr>
+      <a:noFill/>
+      <a:ln>
+        <a:noFill/>
+      </a:ln>
+    </cs:spPr>
+  </cs:wall>
+</cs:chartStyle>
 </file>
 
 <file path=ppt/notesMasters/notesMaster1.xml><?xml version="1.0" encoding="utf-8"?>
@@ -201,7 +1468,7 @@
           <a:p>
             <a:fld id="{04A52E7E-A21E-5843-BAFD-321DE44D297A}" type="datetimeFigureOut">
               <a:rPr kumimoji="1" lang="zh-CN" altLang="en-US" smtClean="0"/>
-              <a:t>13-12-30</a:t>
+              <a:t>2013/12/31</a:t>
             </a:fld>
             <a:endParaRPr kumimoji="1" lang="zh-CN" altLang="en-US"/>
           </a:p>
@@ -738,7 +2005,7 @@
           <a:p>
             <a:fld id="{90134E3A-0F35-DE4F-AD49-AAA2915957C4}" type="datetimeFigureOut">
               <a:rPr kumimoji="1" lang="zh-CN" altLang="en-US" smtClean="0"/>
-              <a:t>13-12-30</a:t>
+              <a:t>2013/12/31</a:t>
             </a:fld>
             <a:endParaRPr kumimoji="1" lang="zh-CN" altLang="en-US"/>
           </a:p>
@@ -908,7 +2175,7 @@
           <a:p>
             <a:fld id="{90134E3A-0F35-DE4F-AD49-AAA2915957C4}" type="datetimeFigureOut">
               <a:rPr kumimoji="1" lang="zh-CN" altLang="en-US" smtClean="0"/>
-              <a:t>13-12-30</a:t>
+              <a:t>2013/12/31</a:t>
             </a:fld>
             <a:endParaRPr kumimoji="1" lang="zh-CN" altLang="en-US"/>
           </a:p>
@@ -1088,7 +2355,7 @@
           <a:p>
             <a:fld id="{90134E3A-0F35-DE4F-AD49-AAA2915957C4}" type="datetimeFigureOut">
               <a:rPr kumimoji="1" lang="zh-CN" altLang="en-US" smtClean="0"/>
-              <a:t>13-12-30</a:t>
+              <a:t>2013/12/31</a:t>
             </a:fld>
             <a:endParaRPr kumimoji="1" lang="zh-CN" altLang="en-US"/>
           </a:p>
@@ -1258,7 +2525,7 @@
           <a:p>
             <a:fld id="{90134E3A-0F35-DE4F-AD49-AAA2915957C4}" type="datetimeFigureOut">
               <a:rPr kumimoji="1" lang="zh-CN" altLang="en-US" smtClean="0"/>
-              <a:t>13-12-30</a:t>
+              <a:t>2013/12/31</a:t>
             </a:fld>
             <a:endParaRPr kumimoji="1" lang="zh-CN" altLang="en-US"/>
           </a:p>
@@ -1504,7 +2771,7 @@
           <a:p>
             <a:fld id="{90134E3A-0F35-DE4F-AD49-AAA2915957C4}" type="datetimeFigureOut">
               <a:rPr kumimoji="1" lang="zh-CN" altLang="en-US" smtClean="0"/>
-              <a:t>13-12-30</a:t>
+              <a:t>2013/12/31</a:t>
             </a:fld>
             <a:endParaRPr kumimoji="1" lang="zh-CN" altLang="en-US"/>
           </a:p>
@@ -1792,7 +3059,7 @@
           <a:p>
             <a:fld id="{90134E3A-0F35-DE4F-AD49-AAA2915957C4}" type="datetimeFigureOut">
               <a:rPr kumimoji="1" lang="zh-CN" altLang="en-US" smtClean="0"/>
-              <a:t>13-12-30</a:t>
+              <a:t>2013/12/31</a:t>
             </a:fld>
             <a:endParaRPr kumimoji="1" lang="zh-CN" altLang="en-US"/>
           </a:p>
@@ -2214,7 +3481,7 @@
           <a:p>
             <a:fld id="{90134E3A-0F35-DE4F-AD49-AAA2915957C4}" type="datetimeFigureOut">
               <a:rPr kumimoji="1" lang="zh-CN" altLang="en-US" smtClean="0"/>
-              <a:t>13-12-30</a:t>
+              <a:t>2013/12/31</a:t>
             </a:fld>
             <a:endParaRPr kumimoji="1" lang="zh-CN" altLang="en-US"/>
           </a:p>
@@ -2332,7 +3599,7 @@
           <a:p>
             <a:fld id="{90134E3A-0F35-DE4F-AD49-AAA2915957C4}" type="datetimeFigureOut">
               <a:rPr kumimoji="1" lang="zh-CN" altLang="en-US" smtClean="0"/>
-              <a:t>13-12-30</a:t>
+              <a:t>2013/12/31</a:t>
             </a:fld>
             <a:endParaRPr kumimoji="1" lang="zh-CN" altLang="en-US"/>
           </a:p>
@@ -2427,7 +3694,7 @@
           <a:p>
             <a:fld id="{90134E3A-0F35-DE4F-AD49-AAA2915957C4}" type="datetimeFigureOut">
               <a:rPr kumimoji="1" lang="zh-CN" altLang="en-US" smtClean="0"/>
-              <a:t>13-12-30</a:t>
+              <a:t>2013/12/31</a:t>
             </a:fld>
             <a:endParaRPr kumimoji="1" lang="zh-CN" altLang="en-US"/>
           </a:p>
@@ -2704,7 +3971,7 @@
           <a:p>
             <a:fld id="{90134E3A-0F35-DE4F-AD49-AAA2915957C4}" type="datetimeFigureOut">
               <a:rPr kumimoji="1" lang="zh-CN" altLang="en-US" smtClean="0"/>
-              <a:t>13-12-30</a:t>
+              <a:t>2013/12/31</a:t>
             </a:fld>
             <a:endParaRPr kumimoji="1" lang="zh-CN" altLang="en-US"/>
           </a:p>
@@ -2957,7 +4224,7 @@
           <a:p>
             <a:fld id="{90134E3A-0F35-DE4F-AD49-AAA2915957C4}" type="datetimeFigureOut">
               <a:rPr kumimoji="1" lang="zh-CN" altLang="en-US" smtClean="0"/>
-              <a:t>13-12-30</a:t>
+              <a:t>2013/12/31</a:t>
             </a:fld>
             <a:endParaRPr kumimoji="1" lang="zh-CN" altLang="en-US"/>
           </a:p>
@@ -3170,7 +4437,7 @@
           <a:p>
             <a:fld id="{90134E3A-0F35-DE4F-AD49-AAA2915957C4}" type="datetimeFigureOut">
               <a:rPr kumimoji="1" lang="zh-CN" altLang="en-US" smtClean="0"/>
-              <a:t>13-12-30</a:t>
+              <a:t>2013/12/31</a:t>
             </a:fld>
             <a:endParaRPr kumimoji="1" lang="zh-CN" altLang="en-US"/>
           </a:p>
@@ -3562,7 +4829,7 @@
           <a:p>
             <a:r>
               <a:rPr kumimoji="1" lang="zh-CN" altLang="en-US" dirty="0" smtClean="0"/>
-              <a:t>求起一个高大上的题目</a:t>
+              <a:t>人人用户性格分析与预测</a:t>
             </a:r>
             <a:endParaRPr kumimoji="1" lang="zh-CN" altLang="en-US" dirty="0"/>
           </a:p>
@@ -3647,6 +4914,13 @@
   <p:clrMapOvr>
     <a:masterClrMapping/>
   </p:clrMapOvr>
+  <p:timing>
+    <p:tnLst>
+      <p:par>
+        <p:cTn id="1" dur="indefinite" restart="never" nodeType="tmRoot"/>
+      </p:par>
+    </p:tnLst>
+  </p:timing>
 </p:sld>
 </file>
 
@@ -3690,672 +4964,32 @@
           </a:p>
         </p:txBody>
       </p:sp>
-      <p:graphicFrame>
-        <p:nvGraphicFramePr>
-          <p:cNvPr id="6" name="内容占位符 5"/>
-          <p:cNvGraphicFramePr>
-            <a:graphicFrameLocks noGrp="1"/>
-          </p:cNvGraphicFramePr>
+      <p:pic>
+        <p:nvPicPr>
+          <p:cNvPr id="5" name="内容占位符 4"/>
+          <p:cNvPicPr>
+            <a:picLocks noGrp="1" noChangeAspect="1"/>
+          </p:cNvPicPr>
           <p:nvPr>
             <p:ph idx="1"/>
-            <p:extLst>
-              <p:ext uri="{D42A27DB-BD31-4B8C-83A1-F6EECF244321}">
-                <p14:modId xmlns:p14="http://schemas.microsoft.com/office/powerpoint/2010/main" val="188902073"/>
-              </p:ext>
-            </p:extLst>
-          </p:nvPr>
-        </p:nvGraphicFramePr>
-        <p:xfrm>
-          <a:off x="457200" y="1600200"/>
-          <a:ext cx="8229595" cy="1854200"/>
-        </p:xfrm>
-        <a:graphic>
-          <a:graphicData uri="http://schemas.openxmlformats.org/drawingml/2006/table">
-            <a:tbl>
-              <a:tblPr firstRow="1" bandRow="1">
-                <a:tableStyleId>{5C22544A-7EE6-4342-B048-85BDC9FD1C3A}</a:tableStyleId>
-              </a:tblPr>
-              <a:tblGrid>
-                <a:gridCol w="748145"/>
-                <a:gridCol w="748145"/>
-                <a:gridCol w="748145"/>
-                <a:gridCol w="748145"/>
-                <a:gridCol w="748145"/>
-                <a:gridCol w="748145"/>
-                <a:gridCol w="748145"/>
-                <a:gridCol w="748145"/>
-                <a:gridCol w="748145"/>
-                <a:gridCol w="748145"/>
-                <a:gridCol w="748145"/>
-              </a:tblGrid>
-              <a:tr h="370840">
-                <a:tc>
-                  <a:txBody>
-                    <a:bodyPr/>
-                    <a:lstStyle/>
-                    <a:p>
-                      <a:endParaRPr lang="zh-CN" altLang="en-US" dirty="0"/>
-                    </a:p>
-                  </a:txBody>
-                  <a:tcPr/>
-                </a:tc>
-                <a:tc>
-                  <a:txBody>
-                    <a:bodyPr/>
-                    <a:lstStyle/>
-                    <a:p>
-                      <a:r>
-                        <a:rPr lang="en-US" altLang="zh-CN" dirty="0" smtClean="0"/>
-                        <a:t>O</a:t>
-                      </a:r>
-                      <a:endParaRPr lang="zh-CN" altLang="en-US" dirty="0"/>
-                    </a:p>
-                  </a:txBody>
-                  <a:tcPr/>
-                </a:tc>
-                <a:tc>
-                  <a:txBody>
-                    <a:bodyPr/>
-                    <a:lstStyle/>
-                    <a:p>
-                      <a:endParaRPr lang="zh-CN" altLang="en-US"/>
-                    </a:p>
-                  </a:txBody>
-                  <a:tcPr/>
-                </a:tc>
-                <a:tc>
-                  <a:txBody>
-                    <a:bodyPr/>
-                    <a:lstStyle/>
-                    <a:p>
-                      <a:r>
-                        <a:rPr lang="en-US" altLang="zh-CN" dirty="0" smtClean="0"/>
-                        <a:t>C</a:t>
-                      </a:r>
-                      <a:endParaRPr lang="zh-CN" altLang="en-US" dirty="0"/>
-                    </a:p>
-                  </a:txBody>
-                  <a:tcPr/>
-                </a:tc>
-                <a:tc>
-                  <a:txBody>
-                    <a:bodyPr/>
-                    <a:lstStyle/>
-                    <a:p>
-                      <a:endParaRPr lang="zh-CN" altLang="en-US"/>
-                    </a:p>
-                  </a:txBody>
-                  <a:tcPr/>
-                </a:tc>
-                <a:tc>
-                  <a:txBody>
-                    <a:bodyPr/>
-                    <a:lstStyle/>
-                    <a:p>
-                      <a:r>
-                        <a:rPr lang="en-US" altLang="zh-CN" dirty="0" smtClean="0"/>
-                        <a:t>E</a:t>
-                      </a:r>
-                      <a:endParaRPr lang="zh-CN" altLang="en-US" dirty="0"/>
-                    </a:p>
-                  </a:txBody>
-                  <a:tcPr/>
-                </a:tc>
-                <a:tc>
-                  <a:txBody>
-                    <a:bodyPr/>
-                    <a:lstStyle/>
-                    <a:p>
-                      <a:endParaRPr lang="zh-CN" altLang="en-US"/>
-                    </a:p>
-                  </a:txBody>
-                  <a:tcPr/>
-                </a:tc>
-                <a:tc>
-                  <a:txBody>
-                    <a:bodyPr/>
-                    <a:lstStyle/>
-                    <a:p>
-                      <a:r>
-                        <a:rPr lang="en-US" altLang="zh-CN" dirty="0" smtClean="0"/>
-                        <a:t>N</a:t>
-                      </a:r>
-                      <a:endParaRPr lang="zh-CN" altLang="en-US" dirty="0"/>
-                    </a:p>
-                  </a:txBody>
-                  <a:tcPr/>
-                </a:tc>
-                <a:tc>
-                  <a:txBody>
-                    <a:bodyPr/>
-                    <a:lstStyle/>
-                    <a:p>
-                      <a:endParaRPr lang="zh-CN" altLang="en-US"/>
-                    </a:p>
-                  </a:txBody>
-                  <a:tcPr/>
-                </a:tc>
-                <a:tc>
-                  <a:txBody>
-                    <a:bodyPr/>
-                    <a:lstStyle/>
-                    <a:p>
-                      <a:r>
-                        <a:rPr lang="en-US" altLang="zh-CN" dirty="0" smtClean="0"/>
-                        <a:t>M</a:t>
-                      </a:r>
-                      <a:endParaRPr lang="zh-CN" altLang="en-US" dirty="0"/>
-                    </a:p>
-                  </a:txBody>
-                  <a:tcPr/>
-                </a:tc>
-                <a:tc>
-                  <a:txBody>
-                    <a:bodyPr/>
-                    <a:lstStyle/>
-                    <a:p>
-                      <a:endParaRPr lang="zh-CN" altLang="en-US"/>
-                    </a:p>
-                  </a:txBody>
-                  <a:tcPr/>
-                </a:tc>
-              </a:tr>
-              <a:tr h="370840">
-                <a:tc>
-                  <a:txBody>
-                    <a:bodyPr/>
-                    <a:lstStyle/>
-                    <a:p>
-                      <a:r>
-                        <a:rPr lang="en-US" altLang="zh-CN" dirty="0" err="1" smtClean="0"/>
-                        <a:t>zrfan</a:t>
-                      </a:r>
-                      <a:endParaRPr lang="zh-CN" altLang="en-US" dirty="0"/>
-                    </a:p>
-                  </a:txBody>
-                  <a:tcPr/>
-                </a:tc>
-                <a:tc>
-                  <a:txBody>
-                    <a:bodyPr/>
-                    <a:lstStyle/>
-                    <a:p>
-                      <a:r>
-                        <a:rPr lang="en-US" altLang="zh-CN" dirty="0" smtClean="0"/>
-                        <a:t>0.75</a:t>
-                      </a:r>
-                      <a:endParaRPr lang="zh-CN" altLang="en-US" dirty="0"/>
-                    </a:p>
-                  </a:txBody>
-                  <a:tcPr/>
-                </a:tc>
-                <a:tc>
-                  <a:txBody>
-                    <a:bodyPr/>
-                    <a:lstStyle/>
-                    <a:p>
-                      <a:r>
-                        <a:rPr lang="en-US" altLang="zh-CN" dirty="0" smtClean="0"/>
-                        <a:t>0.594</a:t>
-                      </a:r>
-                      <a:endParaRPr lang="zh-CN" altLang="en-US" dirty="0"/>
-                    </a:p>
-                  </a:txBody>
-                  <a:tcPr/>
-                </a:tc>
-                <a:tc>
-                  <a:txBody>
-                    <a:bodyPr/>
-                    <a:lstStyle/>
-                    <a:p>
-                      <a:r>
-                        <a:rPr lang="en-US" altLang="zh-CN" dirty="0" smtClean="0"/>
-                        <a:t>0.611</a:t>
-                      </a:r>
-                      <a:endParaRPr lang="zh-CN" altLang="en-US" dirty="0"/>
-                    </a:p>
-                  </a:txBody>
-                  <a:tcPr/>
-                </a:tc>
-                <a:tc>
-                  <a:txBody>
-                    <a:bodyPr/>
-                    <a:lstStyle/>
-                    <a:p>
-                      <a:r>
-                        <a:rPr lang="en-US" altLang="zh-CN" dirty="0" smtClean="0"/>
-                        <a:t>0.619</a:t>
-                      </a:r>
-                      <a:endParaRPr lang="zh-CN" altLang="en-US" dirty="0"/>
-                    </a:p>
-                  </a:txBody>
-                  <a:tcPr/>
-                </a:tc>
-                <a:tc>
-                  <a:txBody>
-                    <a:bodyPr/>
-                    <a:lstStyle/>
-                    <a:p>
-                      <a:r>
-                        <a:rPr lang="en-US" altLang="zh-CN" dirty="0" smtClean="0"/>
-                        <a:t>0.562</a:t>
-                      </a:r>
-                      <a:endParaRPr lang="zh-CN" altLang="en-US" dirty="0"/>
-                    </a:p>
-                  </a:txBody>
-                  <a:tcPr/>
-                </a:tc>
-                <a:tc>
-                  <a:txBody>
-                    <a:bodyPr/>
-                    <a:lstStyle/>
-                    <a:p>
-                      <a:r>
-                        <a:rPr lang="en-US" altLang="zh-CN" dirty="0" smtClean="0"/>
-                        <a:t>0.626</a:t>
-                      </a:r>
-                      <a:endParaRPr lang="zh-CN" altLang="en-US" dirty="0"/>
-                    </a:p>
-                  </a:txBody>
-                  <a:tcPr/>
-                </a:tc>
-                <a:tc>
-                  <a:txBody>
-                    <a:bodyPr/>
-                    <a:lstStyle/>
-                    <a:p>
-                      <a:r>
-                        <a:rPr lang="en-US" altLang="zh-CN" dirty="0" smtClean="0"/>
-                        <a:t>0.611</a:t>
-                      </a:r>
-                      <a:endParaRPr lang="zh-CN" altLang="en-US" dirty="0"/>
-                    </a:p>
-                  </a:txBody>
-                  <a:tcPr/>
-                </a:tc>
-                <a:tc>
-                  <a:txBody>
-                    <a:bodyPr/>
-                    <a:lstStyle/>
-                    <a:p>
-                      <a:r>
-                        <a:rPr lang="en-US" altLang="zh-CN" dirty="0" smtClean="0"/>
-                        <a:t>0.566</a:t>
-                      </a:r>
-                      <a:endParaRPr lang="zh-CN" altLang="en-US" dirty="0"/>
-                    </a:p>
-                  </a:txBody>
-                  <a:tcPr/>
-                </a:tc>
-                <a:tc>
-                  <a:txBody>
-                    <a:bodyPr/>
-                    <a:lstStyle/>
-                    <a:p>
-                      <a:r>
-                        <a:rPr lang="en-US" altLang="zh-CN" dirty="0" smtClean="0"/>
-                        <a:t>0.469</a:t>
-                      </a:r>
-                      <a:endParaRPr lang="zh-CN" altLang="en-US" dirty="0"/>
-                    </a:p>
-                  </a:txBody>
-                  <a:tcPr/>
-                </a:tc>
-                <a:tc>
-                  <a:txBody>
-                    <a:bodyPr/>
-                    <a:lstStyle/>
-                    <a:p>
-                      <a:r>
-                        <a:rPr lang="en-US" altLang="zh-CN" dirty="0" smtClean="0"/>
-                        <a:t>0.500</a:t>
-                      </a:r>
-                      <a:endParaRPr lang="zh-CN" altLang="en-US" dirty="0"/>
-                    </a:p>
-                  </a:txBody>
-                  <a:tcPr/>
-                </a:tc>
-              </a:tr>
-              <a:tr h="370840">
-                <a:tc>
-                  <a:txBody>
-                    <a:bodyPr/>
-                    <a:lstStyle/>
-                    <a:p>
-                      <a:endParaRPr lang="zh-CN" altLang="en-US" dirty="0"/>
-                    </a:p>
-                  </a:txBody>
-                  <a:tcPr/>
-                </a:tc>
-                <a:tc>
-                  <a:txBody>
-                    <a:bodyPr/>
-                    <a:lstStyle/>
-                    <a:p>
-                      <a:endParaRPr lang="zh-CN" altLang="en-US" dirty="0"/>
-                    </a:p>
-                  </a:txBody>
-                  <a:tcPr/>
-                </a:tc>
-                <a:tc>
-                  <a:txBody>
-                    <a:bodyPr/>
-                    <a:lstStyle/>
-                    <a:p>
-                      <a:endParaRPr lang="zh-CN" altLang="en-US" dirty="0"/>
-                    </a:p>
-                  </a:txBody>
-                  <a:tcPr/>
-                </a:tc>
-                <a:tc>
-                  <a:txBody>
-                    <a:bodyPr/>
-                    <a:lstStyle/>
-                    <a:p>
-                      <a:endParaRPr lang="zh-CN" altLang="en-US" dirty="0"/>
-                    </a:p>
-                  </a:txBody>
-                  <a:tcPr/>
-                </a:tc>
-                <a:tc>
-                  <a:txBody>
-                    <a:bodyPr/>
-                    <a:lstStyle/>
-                    <a:p>
-                      <a:endParaRPr lang="zh-CN" altLang="en-US" dirty="0"/>
-                    </a:p>
-                  </a:txBody>
-                  <a:tcPr/>
-                </a:tc>
-                <a:tc>
-                  <a:txBody>
-                    <a:bodyPr/>
-                    <a:lstStyle/>
-                    <a:p>
-                      <a:endParaRPr lang="zh-CN" altLang="en-US" dirty="0"/>
-                    </a:p>
-                  </a:txBody>
-                  <a:tcPr/>
-                </a:tc>
-                <a:tc>
-                  <a:txBody>
-                    <a:bodyPr/>
-                    <a:lstStyle/>
-                    <a:p>
-                      <a:endParaRPr lang="zh-CN" altLang="en-US" dirty="0"/>
-                    </a:p>
-                  </a:txBody>
-                  <a:tcPr/>
-                </a:tc>
-                <a:tc>
-                  <a:txBody>
-                    <a:bodyPr/>
-                    <a:lstStyle/>
-                    <a:p>
-                      <a:endParaRPr lang="zh-CN" altLang="en-US" dirty="0"/>
-                    </a:p>
-                  </a:txBody>
-                  <a:tcPr/>
-                </a:tc>
-                <a:tc>
-                  <a:txBody>
-                    <a:bodyPr/>
-                    <a:lstStyle/>
-                    <a:p>
-                      <a:endParaRPr lang="zh-CN" altLang="en-US" dirty="0"/>
-                    </a:p>
-                  </a:txBody>
-                  <a:tcPr/>
-                </a:tc>
-                <a:tc>
-                  <a:txBody>
-                    <a:bodyPr/>
-                    <a:lstStyle/>
-                    <a:p>
-                      <a:endParaRPr lang="zh-CN" altLang="en-US" dirty="0"/>
-                    </a:p>
-                  </a:txBody>
-                  <a:tcPr/>
-                </a:tc>
-                <a:tc>
-                  <a:txBody>
-                    <a:bodyPr/>
-                    <a:lstStyle/>
-                    <a:p>
-                      <a:endParaRPr lang="zh-CN" altLang="en-US" dirty="0"/>
-                    </a:p>
-                  </a:txBody>
-                  <a:tcPr/>
-                </a:tc>
-              </a:tr>
-              <a:tr h="370840">
-                <a:tc>
-                  <a:txBody>
-                    <a:bodyPr/>
-                    <a:lstStyle/>
-                    <a:p>
-                      <a:endParaRPr lang="zh-CN" altLang="en-US" dirty="0"/>
-                    </a:p>
-                  </a:txBody>
-                  <a:tcPr/>
-                </a:tc>
-                <a:tc>
-                  <a:txBody>
-                    <a:bodyPr/>
-                    <a:lstStyle/>
-                    <a:p>
-                      <a:endParaRPr lang="zh-CN" altLang="en-US" dirty="0"/>
-                    </a:p>
-                  </a:txBody>
-                  <a:tcPr/>
-                </a:tc>
-                <a:tc>
-                  <a:txBody>
-                    <a:bodyPr/>
-                    <a:lstStyle/>
-                    <a:p>
-                      <a:endParaRPr lang="zh-CN" altLang="en-US" dirty="0"/>
-                    </a:p>
-                  </a:txBody>
-                  <a:tcPr/>
-                </a:tc>
-                <a:tc>
-                  <a:txBody>
-                    <a:bodyPr/>
-                    <a:lstStyle/>
-                    <a:p>
-                      <a:endParaRPr lang="zh-CN" altLang="en-US" dirty="0"/>
-                    </a:p>
-                  </a:txBody>
-                  <a:tcPr/>
-                </a:tc>
-                <a:tc>
-                  <a:txBody>
-                    <a:bodyPr/>
-                    <a:lstStyle/>
-                    <a:p>
-                      <a:endParaRPr lang="zh-CN" altLang="en-US" dirty="0"/>
-                    </a:p>
-                  </a:txBody>
-                  <a:tcPr/>
-                </a:tc>
-                <a:tc>
-                  <a:txBody>
-                    <a:bodyPr/>
-                    <a:lstStyle/>
-                    <a:p>
-                      <a:endParaRPr lang="zh-CN" altLang="en-US" dirty="0"/>
-                    </a:p>
-                  </a:txBody>
-                  <a:tcPr/>
-                </a:tc>
-                <a:tc>
-                  <a:txBody>
-                    <a:bodyPr/>
-                    <a:lstStyle/>
-                    <a:p>
-                      <a:endParaRPr lang="zh-CN" altLang="en-US" dirty="0"/>
-                    </a:p>
-                  </a:txBody>
-                  <a:tcPr/>
-                </a:tc>
-                <a:tc>
-                  <a:txBody>
-                    <a:bodyPr/>
-                    <a:lstStyle/>
-                    <a:p>
-                      <a:endParaRPr lang="zh-CN" altLang="en-US" dirty="0"/>
-                    </a:p>
-                  </a:txBody>
-                  <a:tcPr/>
-                </a:tc>
-                <a:tc>
-                  <a:txBody>
-                    <a:bodyPr/>
-                    <a:lstStyle/>
-                    <a:p>
-                      <a:endParaRPr lang="zh-CN" altLang="en-US" dirty="0"/>
-                    </a:p>
-                  </a:txBody>
-                  <a:tcPr/>
-                </a:tc>
-                <a:tc>
-                  <a:txBody>
-                    <a:bodyPr/>
-                    <a:lstStyle/>
-                    <a:p>
-                      <a:endParaRPr lang="zh-CN" altLang="en-US" dirty="0"/>
-                    </a:p>
-                  </a:txBody>
-                  <a:tcPr/>
-                </a:tc>
-                <a:tc>
-                  <a:txBody>
-                    <a:bodyPr/>
-                    <a:lstStyle/>
-                    <a:p>
-                      <a:endParaRPr lang="zh-CN" altLang="en-US" dirty="0"/>
-                    </a:p>
-                  </a:txBody>
-                  <a:tcPr/>
-                </a:tc>
-              </a:tr>
-              <a:tr h="370840">
-                <a:tc>
-                  <a:txBody>
-                    <a:bodyPr/>
-                    <a:lstStyle/>
-                    <a:p>
-                      <a:endParaRPr lang="zh-CN" altLang="en-US" dirty="0"/>
-                    </a:p>
-                  </a:txBody>
-                  <a:tcPr/>
-                </a:tc>
-                <a:tc>
-                  <a:txBody>
-                    <a:bodyPr/>
-                    <a:lstStyle/>
-                    <a:p>
-                      <a:endParaRPr lang="zh-CN" altLang="en-US" dirty="0"/>
-                    </a:p>
-                  </a:txBody>
-                  <a:tcPr/>
-                </a:tc>
-                <a:tc>
-                  <a:txBody>
-                    <a:bodyPr/>
-                    <a:lstStyle/>
-                    <a:p>
-                      <a:endParaRPr lang="zh-CN" altLang="en-US" dirty="0"/>
-                    </a:p>
-                  </a:txBody>
-                  <a:tcPr/>
-                </a:tc>
-                <a:tc>
-                  <a:txBody>
-                    <a:bodyPr/>
-                    <a:lstStyle/>
-                    <a:p>
-                      <a:endParaRPr lang="zh-CN" altLang="en-US" dirty="0"/>
-                    </a:p>
-                  </a:txBody>
-                  <a:tcPr/>
-                </a:tc>
-                <a:tc>
-                  <a:txBody>
-                    <a:bodyPr/>
-                    <a:lstStyle/>
-                    <a:p>
-                      <a:endParaRPr lang="zh-CN" altLang="en-US" dirty="0"/>
-                    </a:p>
-                  </a:txBody>
-                  <a:tcPr/>
-                </a:tc>
-                <a:tc>
-                  <a:txBody>
-                    <a:bodyPr/>
-                    <a:lstStyle/>
-                    <a:p>
-                      <a:endParaRPr lang="zh-CN" altLang="en-US" dirty="0"/>
-                    </a:p>
-                  </a:txBody>
-                  <a:tcPr/>
-                </a:tc>
-                <a:tc>
-                  <a:txBody>
-                    <a:bodyPr/>
-                    <a:lstStyle/>
-                    <a:p>
-                      <a:endParaRPr lang="zh-CN" altLang="en-US" dirty="0"/>
-                    </a:p>
-                  </a:txBody>
-                  <a:tcPr/>
-                </a:tc>
-                <a:tc>
-                  <a:txBody>
-                    <a:bodyPr/>
-                    <a:lstStyle/>
-                    <a:p>
-                      <a:endParaRPr lang="zh-CN" altLang="en-US" dirty="0"/>
-                    </a:p>
-                  </a:txBody>
-                  <a:tcPr/>
-                </a:tc>
-                <a:tc>
-                  <a:txBody>
-                    <a:bodyPr/>
-                    <a:lstStyle/>
-                    <a:p>
-                      <a:endParaRPr lang="zh-CN" altLang="en-US" dirty="0"/>
-                    </a:p>
-                  </a:txBody>
-                  <a:tcPr/>
-                </a:tc>
-                <a:tc>
-                  <a:txBody>
-                    <a:bodyPr/>
-                    <a:lstStyle/>
-                    <a:p>
-                      <a:endParaRPr lang="zh-CN" altLang="en-US" dirty="0"/>
-                    </a:p>
-                  </a:txBody>
-                  <a:tcPr/>
-                </a:tc>
-                <a:tc>
-                  <a:txBody>
-                    <a:bodyPr/>
-                    <a:lstStyle/>
-                    <a:p>
-                      <a:endParaRPr lang="zh-CN" altLang="en-US" dirty="0"/>
-                    </a:p>
-                  </a:txBody>
-                  <a:tcPr/>
-                </a:tc>
-              </a:tr>
-            </a:tbl>
-          </a:graphicData>
-        </a:graphic>
-      </p:graphicFrame>
+          </p:nvPr>
+        </p:nvPicPr>
+        <p:blipFill>
+          <a:blip r:embed="rId2"/>
+          <a:stretch>
+            <a:fillRect/>
+          </a:stretch>
+        </p:blipFill>
+        <p:spPr>
+          <a:xfrm>
+            <a:off x="1607959" y="1956261"/>
+            <a:ext cx="5928082" cy="3543785"/>
+          </a:xfrm>
+          <a:prstGeom prst="rect">
+            <a:avLst/>
+          </a:prstGeom>
+        </p:spPr>
+      </p:pic>
     </p:spTree>
     <p:extLst>
       <p:ext uri="{BB962C8B-B14F-4D97-AF65-F5344CB8AC3E}">
@@ -4366,6 +5000,723 @@
   <p:clrMapOvr>
     <a:masterClrMapping/>
   </p:clrMapOvr>
+  <p:timing>
+    <p:tnLst>
+      <p:par>
+        <p:cTn id="1" dur="indefinite" restart="never" nodeType="tmRoot"/>
+      </p:par>
+    </p:tnLst>
+  </p:timing>
+</p:sld>
+</file>
+
+<file path=ppt/slides/slide11.xml><?xml version="1.0" encoding="utf-8"?>
+<p:sld xmlns:a="http://schemas.openxmlformats.org/drawingml/2006/main" xmlns:r="http://schemas.openxmlformats.org/officeDocument/2006/relationships" xmlns:p="http://schemas.openxmlformats.org/presentationml/2006/main">
+  <p:cSld>
+    <p:spTree>
+      <p:nvGrpSpPr>
+        <p:cNvPr id="1" name=""/>
+        <p:cNvGrpSpPr/>
+        <p:nvPr/>
+      </p:nvGrpSpPr>
+      <p:grpSpPr>
+        <a:xfrm>
+          <a:off x="0" y="0"/>
+          <a:ext cx="0" cy="0"/>
+          <a:chOff x="0" y="0"/>
+          <a:chExt cx="0" cy="0"/>
+        </a:xfrm>
+      </p:grpSpPr>
+      <p:sp>
+        <p:nvSpPr>
+          <p:cNvPr id="2" name="标题 1"/>
+          <p:cNvSpPr>
+            <a:spLocks noGrp="1"/>
+          </p:cNvSpPr>
+          <p:nvPr>
+            <p:ph type="title"/>
+          </p:nvPr>
+        </p:nvSpPr>
+        <p:spPr/>
+        <p:txBody>
+          <a:bodyPr/>
+          <a:lstStyle/>
+          <a:p>
+            <a:r>
+              <a:rPr lang="zh-CN" altLang="en-US" dirty="0" smtClean="0"/>
+              <a:t>拟合效果</a:t>
+            </a:r>
+            <a:endParaRPr lang="zh-CN" altLang="en-US" dirty="0"/>
+          </a:p>
+        </p:txBody>
+      </p:sp>
+      <p:graphicFrame>
+        <p:nvGraphicFramePr>
+          <p:cNvPr id="5" name="内容占位符 4"/>
+          <p:cNvGraphicFramePr>
+            <a:graphicFrameLocks noGrp="1"/>
+          </p:cNvGraphicFramePr>
+          <p:nvPr>
+            <p:ph idx="1"/>
+            <p:extLst>
+              <p:ext uri="{D42A27DB-BD31-4B8C-83A1-F6EECF244321}">
+                <p14:modId xmlns:p14="http://schemas.microsoft.com/office/powerpoint/2010/main" val="1099781078"/>
+              </p:ext>
+            </p:extLst>
+          </p:nvPr>
+        </p:nvGraphicFramePr>
+        <p:xfrm>
+          <a:off x="457199" y="2074461"/>
+          <a:ext cx="8229600" cy="2680676"/>
+        </p:xfrm>
+        <a:graphic>
+          <a:graphicData uri="http://schemas.openxmlformats.org/drawingml/2006/table">
+            <a:tbl>
+              <a:tblPr firstRow="1" firstCol="1" bandRow="1">
+                <a:tableStyleId>{5C22544A-7EE6-4342-B048-85BDC9FD1C3A}</a:tableStyleId>
+              </a:tblPr>
+              <a:tblGrid>
+                <a:gridCol w="1370940"/>
+                <a:gridCol w="1370940"/>
+                <a:gridCol w="1371930"/>
+                <a:gridCol w="1371930"/>
+                <a:gridCol w="1371930"/>
+                <a:gridCol w="1371930"/>
+              </a:tblGrid>
+              <a:tr h="1079732">
+                <a:tc>
+                  <a:txBody>
+                    <a:bodyPr/>
+                    <a:lstStyle/>
+                    <a:p>
+                      <a:pPr algn="just">
+                        <a:lnSpc>
+                          <a:spcPct val="120000"/>
+                        </a:lnSpc>
+                        <a:spcAft>
+                          <a:spcPts val="0"/>
+                        </a:spcAft>
+                      </a:pPr>
+                      <a:r>
+                        <a:rPr lang="en-US" sz="2000" kern="100" dirty="0">
+                          <a:effectLst/>
+                        </a:rPr>
+                        <a:t>Correlation Coefficient</a:t>
+                      </a:r>
+                      <a:endParaRPr lang="zh-CN" sz="2000" kern="100" dirty="0">
+                        <a:effectLst/>
+                        <a:latin typeface="Calibri" panose="020F0502020204030204" pitchFamily="34" charset="0"/>
+                        <a:ea typeface="宋体" panose="02010600030101010101" pitchFamily="2" charset="-122"/>
+                        <a:cs typeface="Times New Roman" panose="02020603050405020304" pitchFamily="18" charset="0"/>
+                      </a:endParaRPr>
+                    </a:p>
+                  </a:txBody>
+                  <a:tcPr marL="68580" marR="68580" marT="0" marB="0"/>
+                </a:tc>
+                <a:tc>
+                  <a:txBody>
+                    <a:bodyPr/>
+                    <a:lstStyle/>
+                    <a:p>
+                      <a:pPr algn="just">
+                        <a:lnSpc>
+                          <a:spcPct val="120000"/>
+                        </a:lnSpc>
+                        <a:spcAft>
+                          <a:spcPts val="0"/>
+                        </a:spcAft>
+                      </a:pPr>
+                      <a:r>
+                        <a:rPr lang="en-US" sz="2000" kern="100" dirty="0">
+                          <a:effectLst/>
+                        </a:rPr>
+                        <a:t>Agreeableness</a:t>
+                      </a:r>
+                      <a:endParaRPr lang="zh-CN" sz="2000" kern="100" dirty="0">
+                        <a:effectLst/>
+                        <a:latin typeface="Calibri" panose="020F0502020204030204" pitchFamily="34" charset="0"/>
+                        <a:ea typeface="宋体" panose="02010600030101010101" pitchFamily="2" charset="-122"/>
+                        <a:cs typeface="Times New Roman" panose="02020603050405020304" pitchFamily="18" charset="0"/>
+                      </a:endParaRPr>
+                    </a:p>
+                  </a:txBody>
+                  <a:tcPr marL="68580" marR="68580" marT="0" marB="0"/>
+                </a:tc>
+                <a:tc>
+                  <a:txBody>
+                    <a:bodyPr/>
+                    <a:lstStyle/>
+                    <a:p>
+                      <a:pPr algn="just">
+                        <a:lnSpc>
+                          <a:spcPct val="120000"/>
+                        </a:lnSpc>
+                        <a:spcAft>
+                          <a:spcPts val="0"/>
+                        </a:spcAft>
+                      </a:pPr>
+                      <a:r>
+                        <a:rPr lang="en-US" sz="2000" kern="100" dirty="0">
+                          <a:effectLst/>
+                        </a:rPr>
+                        <a:t>Openness</a:t>
+                      </a:r>
+                      <a:endParaRPr lang="zh-CN" sz="2000" kern="100" dirty="0">
+                        <a:effectLst/>
+                        <a:latin typeface="Calibri" panose="020F0502020204030204" pitchFamily="34" charset="0"/>
+                        <a:ea typeface="宋体" panose="02010600030101010101" pitchFamily="2" charset="-122"/>
+                        <a:cs typeface="Times New Roman" panose="02020603050405020304" pitchFamily="18" charset="0"/>
+                      </a:endParaRPr>
+                    </a:p>
+                  </a:txBody>
+                  <a:tcPr marL="68580" marR="68580" marT="0" marB="0"/>
+                </a:tc>
+                <a:tc>
+                  <a:txBody>
+                    <a:bodyPr/>
+                    <a:lstStyle/>
+                    <a:p>
+                      <a:pPr algn="just">
+                        <a:lnSpc>
+                          <a:spcPct val="120000"/>
+                        </a:lnSpc>
+                        <a:spcAft>
+                          <a:spcPts val="0"/>
+                        </a:spcAft>
+                      </a:pPr>
+                      <a:r>
+                        <a:rPr lang="en-US" sz="2000" kern="100" dirty="0">
+                          <a:effectLst/>
+                        </a:rPr>
+                        <a:t>Conscientiousness</a:t>
+                      </a:r>
+                      <a:endParaRPr lang="zh-CN" sz="2000" kern="100" dirty="0">
+                        <a:effectLst/>
+                        <a:latin typeface="Calibri" panose="020F0502020204030204" pitchFamily="34" charset="0"/>
+                        <a:ea typeface="宋体" panose="02010600030101010101" pitchFamily="2" charset="-122"/>
+                        <a:cs typeface="Times New Roman" panose="02020603050405020304" pitchFamily="18" charset="0"/>
+                      </a:endParaRPr>
+                    </a:p>
+                  </a:txBody>
+                  <a:tcPr marL="68580" marR="68580" marT="0" marB="0"/>
+                </a:tc>
+                <a:tc>
+                  <a:txBody>
+                    <a:bodyPr/>
+                    <a:lstStyle/>
+                    <a:p>
+                      <a:pPr algn="just">
+                        <a:lnSpc>
+                          <a:spcPct val="120000"/>
+                        </a:lnSpc>
+                        <a:spcAft>
+                          <a:spcPts val="0"/>
+                        </a:spcAft>
+                      </a:pPr>
+                      <a:r>
+                        <a:rPr lang="en-US" sz="2000" kern="100">
+                          <a:effectLst/>
+                        </a:rPr>
+                        <a:t>Neuroticism</a:t>
+                      </a:r>
+                      <a:endParaRPr lang="zh-CN" sz="2000" kern="100">
+                        <a:effectLst/>
+                        <a:latin typeface="Calibri" panose="020F0502020204030204" pitchFamily="34" charset="0"/>
+                        <a:ea typeface="宋体" panose="02010600030101010101" pitchFamily="2" charset="-122"/>
+                        <a:cs typeface="Times New Roman" panose="02020603050405020304" pitchFamily="18" charset="0"/>
+                      </a:endParaRPr>
+                    </a:p>
+                  </a:txBody>
+                  <a:tcPr marL="68580" marR="68580" marT="0" marB="0"/>
+                </a:tc>
+                <a:tc>
+                  <a:txBody>
+                    <a:bodyPr/>
+                    <a:lstStyle/>
+                    <a:p>
+                      <a:pPr algn="just">
+                        <a:lnSpc>
+                          <a:spcPct val="120000"/>
+                        </a:lnSpc>
+                        <a:spcAft>
+                          <a:spcPts val="0"/>
+                        </a:spcAft>
+                      </a:pPr>
+                      <a:r>
+                        <a:rPr lang="en-US" sz="2000" kern="100">
+                          <a:effectLst/>
+                        </a:rPr>
+                        <a:t>Extraversion</a:t>
+                      </a:r>
+                      <a:endParaRPr lang="zh-CN" sz="2000" kern="100">
+                        <a:effectLst/>
+                        <a:latin typeface="Calibri" panose="020F0502020204030204" pitchFamily="34" charset="0"/>
+                        <a:ea typeface="宋体" panose="02010600030101010101" pitchFamily="2" charset="-122"/>
+                        <a:cs typeface="Times New Roman" panose="02020603050405020304" pitchFamily="18" charset="0"/>
+                      </a:endParaRPr>
+                    </a:p>
+                  </a:txBody>
+                  <a:tcPr marL="68580" marR="68580" marT="0" marB="0"/>
+                </a:tc>
+              </a:tr>
+              <a:tr h="521212">
+                <a:tc>
+                  <a:txBody>
+                    <a:bodyPr/>
+                    <a:lstStyle/>
+                    <a:p>
+                      <a:pPr algn="just">
+                        <a:lnSpc>
+                          <a:spcPct val="120000"/>
+                        </a:lnSpc>
+                        <a:spcAft>
+                          <a:spcPts val="0"/>
+                        </a:spcAft>
+                      </a:pPr>
+                      <a:r>
+                        <a:rPr lang="en-US" sz="2000" kern="100">
+                          <a:effectLst/>
+                        </a:rPr>
+                        <a:t>M5Rules</a:t>
+                      </a:r>
+                      <a:endParaRPr lang="zh-CN" sz="2000" kern="100">
+                        <a:effectLst/>
+                        <a:latin typeface="Calibri" panose="020F0502020204030204" pitchFamily="34" charset="0"/>
+                        <a:ea typeface="宋体" panose="02010600030101010101" pitchFamily="2" charset="-122"/>
+                        <a:cs typeface="Times New Roman" panose="02020603050405020304" pitchFamily="18" charset="0"/>
+                      </a:endParaRPr>
+                    </a:p>
+                  </a:txBody>
+                  <a:tcPr marL="68580" marR="68580" marT="0" marB="0"/>
+                </a:tc>
+                <a:tc>
+                  <a:txBody>
+                    <a:bodyPr/>
+                    <a:lstStyle/>
+                    <a:p>
+                      <a:pPr algn="just">
+                        <a:lnSpc>
+                          <a:spcPct val="120000"/>
+                        </a:lnSpc>
+                        <a:spcAft>
+                          <a:spcPts val="0"/>
+                        </a:spcAft>
+                      </a:pPr>
+                      <a:r>
+                        <a:rPr lang="en-US" sz="2000" kern="100">
+                          <a:effectLst/>
+                        </a:rPr>
+                        <a:t>0.7353</a:t>
+                      </a:r>
+                      <a:endParaRPr lang="zh-CN" sz="2000" kern="100">
+                        <a:effectLst/>
+                        <a:latin typeface="Calibri" panose="020F0502020204030204" pitchFamily="34" charset="0"/>
+                        <a:ea typeface="宋体" panose="02010600030101010101" pitchFamily="2" charset="-122"/>
+                        <a:cs typeface="Times New Roman" panose="02020603050405020304" pitchFamily="18" charset="0"/>
+                      </a:endParaRPr>
+                    </a:p>
+                  </a:txBody>
+                  <a:tcPr marL="68580" marR="68580" marT="0" marB="0"/>
+                </a:tc>
+                <a:tc>
+                  <a:txBody>
+                    <a:bodyPr/>
+                    <a:lstStyle/>
+                    <a:p>
+                      <a:pPr algn="just">
+                        <a:lnSpc>
+                          <a:spcPct val="120000"/>
+                        </a:lnSpc>
+                        <a:spcAft>
+                          <a:spcPts val="0"/>
+                        </a:spcAft>
+                      </a:pPr>
+                      <a:r>
+                        <a:rPr lang="en-US" sz="2000" kern="100" dirty="0">
+                          <a:effectLst/>
+                        </a:rPr>
+                        <a:t>0.7335</a:t>
+                      </a:r>
+                      <a:endParaRPr lang="zh-CN" sz="2000" kern="100" dirty="0">
+                        <a:effectLst/>
+                        <a:latin typeface="Calibri" panose="020F0502020204030204" pitchFamily="34" charset="0"/>
+                        <a:ea typeface="宋体" panose="02010600030101010101" pitchFamily="2" charset="-122"/>
+                        <a:cs typeface="Times New Roman" panose="02020603050405020304" pitchFamily="18" charset="0"/>
+                      </a:endParaRPr>
+                    </a:p>
+                  </a:txBody>
+                  <a:tcPr marL="68580" marR="68580" marT="0" marB="0"/>
+                </a:tc>
+                <a:tc>
+                  <a:txBody>
+                    <a:bodyPr/>
+                    <a:lstStyle/>
+                    <a:p>
+                      <a:pPr algn="just">
+                        <a:lnSpc>
+                          <a:spcPct val="120000"/>
+                        </a:lnSpc>
+                        <a:spcAft>
+                          <a:spcPts val="0"/>
+                        </a:spcAft>
+                      </a:pPr>
+                      <a:r>
+                        <a:rPr lang="en-US" sz="2000" kern="100" dirty="0">
+                          <a:effectLst/>
+                        </a:rPr>
+                        <a:t>0.8241</a:t>
+                      </a:r>
+                      <a:endParaRPr lang="zh-CN" sz="2000" kern="100" dirty="0">
+                        <a:effectLst/>
+                        <a:latin typeface="Calibri" panose="020F0502020204030204" pitchFamily="34" charset="0"/>
+                        <a:ea typeface="宋体" panose="02010600030101010101" pitchFamily="2" charset="-122"/>
+                        <a:cs typeface="Times New Roman" panose="02020603050405020304" pitchFamily="18" charset="0"/>
+                      </a:endParaRPr>
+                    </a:p>
+                  </a:txBody>
+                  <a:tcPr marL="68580" marR="68580" marT="0" marB="0"/>
+                </a:tc>
+                <a:tc>
+                  <a:txBody>
+                    <a:bodyPr/>
+                    <a:lstStyle/>
+                    <a:p>
+                      <a:pPr algn="just">
+                        <a:lnSpc>
+                          <a:spcPct val="120000"/>
+                        </a:lnSpc>
+                        <a:spcAft>
+                          <a:spcPts val="0"/>
+                        </a:spcAft>
+                      </a:pPr>
+                      <a:r>
+                        <a:rPr lang="en-US" sz="2000" kern="100" dirty="0">
+                          <a:effectLst/>
+                        </a:rPr>
+                        <a:t>0.7196</a:t>
+                      </a:r>
+                      <a:endParaRPr lang="zh-CN" sz="2000" kern="100" dirty="0">
+                        <a:effectLst/>
+                        <a:latin typeface="Calibri" panose="020F0502020204030204" pitchFamily="34" charset="0"/>
+                        <a:ea typeface="宋体" panose="02010600030101010101" pitchFamily="2" charset="-122"/>
+                        <a:cs typeface="Times New Roman" panose="02020603050405020304" pitchFamily="18" charset="0"/>
+                      </a:endParaRPr>
+                    </a:p>
+                  </a:txBody>
+                  <a:tcPr marL="68580" marR="68580" marT="0" marB="0"/>
+                </a:tc>
+                <a:tc>
+                  <a:txBody>
+                    <a:bodyPr/>
+                    <a:lstStyle/>
+                    <a:p>
+                      <a:pPr algn="just">
+                        <a:lnSpc>
+                          <a:spcPct val="120000"/>
+                        </a:lnSpc>
+                        <a:spcAft>
+                          <a:spcPts val="0"/>
+                        </a:spcAft>
+                      </a:pPr>
+                      <a:r>
+                        <a:rPr lang="en-US" sz="2000" kern="100" dirty="0">
+                          <a:effectLst/>
+                        </a:rPr>
+                        <a:t>0.4644</a:t>
+                      </a:r>
+                      <a:endParaRPr lang="zh-CN" sz="2000" kern="100" dirty="0">
+                        <a:effectLst/>
+                        <a:latin typeface="Calibri" panose="020F0502020204030204" pitchFamily="34" charset="0"/>
+                        <a:ea typeface="宋体" panose="02010600030101010101" pitchFamily="2" charset="-122"/>
+                        <a:cs typeface="Times New Roman" panose="02020603050405020304" pitchFamily="18" charset="0"/>
+                      </a:endParaRPr>
+                    </a:p>
+                  </a:txBody>
+                  <a:tcPr marL="68580" marR="68580" marT="0" marB="0"/>
+                </a:tc>
+              </a:tr>
+              <a:tr h="1079732">
+                <a:tc>
+                  <a:txBody>
+                    <a:bodyPr/>
+                    <a:lstStyle/>
+                    <a:p>
+                      <a:pPr algn="just">
+                        <a:lnSpc>
+                          <a:spcPct val="120000"/>
+                        </a:lnSpc>
+                        <a:spcAft>
+                          <a:spcPts val="0"/>
+                        </a:spcAft>
+                      </a:pPr>
+                      <a:r>
+                        <a:rPr lang="en-US" sz="2000" kern="100">
+                          <a:effectLst/>
+                        </a:rPr>
+                        <a:t>Gaussian Process</a:t>
+                      </a:r>
+                      <a:endParaRPr lang="zh-CN" sz="2000" kern="100">
+                        <a:effectLst/>
+                        <a:latin typeface="Calibri" panose="020F0502020204030204" pitchFamily="34" charset="0"/>
+                        <a:ea typeface="宋体" panose="02010600030101010101" pitchFamily="2" charset="-122"/>
+                        <a:cs typeface="Times New Roman" panose="02020603050405020304" pitchFamily="18" charset="0"/>
+                      </a:endParaRPr>
+                    </a:p>
+                  </a:txBody>
+                  <a:tcPr marL="68580" marR="68580" marT="0" marB="0"/>
+                </a:tc>
+                <a:tc>
+                  <a:txBody>
+                    <a:bodyPr/>
+                    <a:lstStyle/>
+                    <a:p>
+                      <a:pPr algn="just">
+                        <a:lnSpc>
+                          <a:spcPct val="120000"/>
+                        </a:lnSpc>
+                        <a:spcAft>
+                          <a:spcPts val="0"/>
+                        </a:spcAft>
+                      </a:pPr>
+                      <a:r>
+                        <a:rPr lang="en-US" sz="2000" kern="100">
+                          <a:effectLst/>
+                        </a:rPr>
+                        <a:t>0.9602</a:t>
+                      </a:r>
+                      <a:endParaRPr lang="zh-CN" sz="2000" kern="100">
+                        <a:effectLst/>
+                        <a:latin typeface="Calibri" panose="020F0502020204030204" pitchFamily="34" charset="0"/>
+                        <a:ea typeface="宋体" panose="02010600030101010101" pitchFamily="2" charset="-122"/>
+                        <a:cs typeface="Times New Roman" panose="02020603050405020304" pitchFamily="18" charset="0"/>
+                      </a:endParaRPr>
+                    </a:p>
+                  </a:txBody>
+                  <a:tcPr marL="68580" marR="68580" marT="0" marB="0"/>
+                </a:tc>
+                <a:tc>
+                  <a:txBody>
+                    <a:bodyPr/>
+                    <a:lstStyle/>
+                    <a:p>
+                      <a:pPr algn="just">
+                        <a:lnSpc>
+                          <a:spcPct val="120000"/>
+                        </a:lnSpc>
+                        <a:spcAft>
+                          <a:spcPts val="0"/>
+                        </a:spcAft>
+                      </a:pPr>
+                      <a:r>
+                        <a:rPr lang="en-US" sz="2000" kern="100">
+                          <a:effectLst/>
+                        </a:rPr>
+                        <a:t>0.9663</a:t>
+                      </a:r>
+                      <a:endParaRPr lang="zh-CN" sz="2000" kern="100">
+                        <a:effectLst/>
+                        <a:latin typeface="Calibri" panose="020F0502020204030204" pitchFamily="34" charset="0"/>
+                        <a:ea typeface="宋体" panose="02010600030101010101" pitchFamily="2" charset="-122"/>
+                        <a:cs typeface="Times New Roman" panose="02020603050405020304" pitchFamily="18" charset="0"/>
+                      </a:endParaRPr>
+                    </a:p>
+                  </a:txBody>
+                  <a:tcPr marL="68580" marR="68580" marT="0" marB="0"/>
+                </a:tc>
+                <a:tc>
+                  <a:txBody>
+                    <a:bodyPr/>
+                    <a:lstStyle/>
+                    <a:p>
+                      <a:pPr algn="just">
+                        <a:lnSpc>
+                          <a:spcPct val="120000"/>
+                        </a:lnSpc>
+                        <a:spcAft>
+                          <a:spcPts val="0"/>
+                        </a:spcAft>
+                      </a:pPr>
+                      <a:r>
+                        <a:rPr lang="en-US" sz="2000" kern="100">
+                          <a:effectLst/>
+                        </a:rPr>
+                        <a:t>0.9618</a:t>
+                      </a:r>
+                      <a:endParaRPr lang="zh-CN" sz="2000" kern="100">
+                        <a:effectLst/>
+                        <a:latin typeface="Calibri" panose="020F0502020204030204" pitchFamily="34" charset="0"/>
+                        <a:ea typeface="宋体" panose="02010600030101010101" pitchFamily="2" charset="-122"/>
+                        <a:cs typeface="Times New Roman" panose="02020603050405020304" pitchFamily="18" charset="0"/>
+                      </a:endParaRPr>
+                    </a:p>
+                  </a:txBody>
+                  <a:tcPr marL="68580" marR="68580" marT="0" marB="0"/>
+                </a:tc>
+                <a:tc>
+                  <a:txBody>
+                    <a:bodyPr/>
+                    <a:lstStyle/>
+                    <a:p>
+                      <a:pPr algn="just">
+                        <a:lnSpc>
+                          <a:spcPct val="120000"/>
+                        </a:lnSpc>
+                        <a:spcAft>
+                          <a:spcPts val="0"/>
+                        </a:spcAft>
+                      </a:pPr>
+                      <a:r>
+                        <a:rPr lang="en-US" sz="2000" kern="100" dirty="0">
+                          <a:effectLst/>
+                        </a:rPr>
+                        <a:t>0.9621</a:t>
+                      </a:r>
+                      <a:endParaRPr lang="zh-CN" sz="2000" kern="100" dirty="0">
+                        <a:effectLst/>
+                        <a:latin typeface="Calibri" panose="020F0502020204030204" pitchFamily="34" charset="0"/>
+                        <a:ea typeface="宋体" panose="02010600030101010101" pitchFamily="2" charset="-122"/>
+                        <a:cs typeface="Times New Roman" panose="02020603050405020304" pitchFamily="18" charset="0"/>
+                      </a:endParaRPr>
+                    </a:p>
+                  </a:txBody>
+                  <a:tcPr marL="68580" marR="68580" marT="0" marB="0"/>
+                </a:tc>
+                <a:tc>
+                  <a:txBody>
+                    <a:bodyPr/>
+                    <a:lstStyle/>
+                    <a:p>
+                      <a:pPr algn="just">
+                        <a:lnSpc>
+                          <a:spcPct val="120000"/>
+                        </a:lnSpc>
+                        <a:spcAft>
+                          <a:spcPts val="0"/>
+                        </a:spcAft>
+                      </a:pPr>
+                      <a:r>
+                        <a:rPr lang="en-US" sz="2000" kern="100" dirty="0">
+                          <a:effectLst/>
+                        </a:rPr>
+                        <a:t>0.9583</a:t>
+                      </a:r>
+                      <a:endParaRPr lang="zh-CN" sz="2000" kern="100" dirty="0">
+                        <a:effectLst/>
+                        <a:latin typeface="Calibri" panose="020F0502020204030204" pitchFamily="34" charset="0"/>
+                        <a:ea typeface="宋体" panose="02010600030101010101" pitchFamily="2" charset="-122"/>
+                        <a:cs typeface="Times New Roman" panose="02020603050405020304" pitchFamily="18" charset="0"/>
+                      </a:endParaRPr>
+                    </a:p>
+                  </a:txBody>
+                  <a:tcPr marL="68580" marR="68580" marT="0" marB="0"/>
+                </a:tc>
+              </a:tr>
+            </a:tbl>
+          </a:graphicData>
+        </a:graphic>
+      </p:graphicFrame>
+    </p:spTree>
+    <p:extLst>
+      <p:ext uri="{BB962C8B-B14F-4D97-AF65-F5344CB8AC3E}">
+        <p14:creationId xmlns:p14="http://schemas.microsoft.com/office/powerpoint/2010/main" val="2565809163"/>
+      </p:ext>
+    </p:extLst>
+  </p:cSld>
+  <p:clrMapOvr>
+    <a:masterClrMapping/>
+  </p:clrMapOvr>
+  <p:timing>
+    <p:tnLst>
+      <p:par>
+        <p:cTn id="1" dur="indefinite" restart="never" nodeType="tmRoot"/>
+      </p:par>
+    </p:tnLst>
+  </p:timing>
+</p:sld>
+</file>
+
+<file path=ppt/slides/slide12.xml><?xml version="1.0" encoding="utf-8"?>
+<p:sld xmlns:a="http://schemas.openxmlformats.org/drawingml/2006/main" xmlns:r="http://schemas.openxmlformats.org/officeDocument/2006/relationships" xmlns:p="http://schemas.openxmlformats.org/presentationml/2006/main">
+  <p:cSld>
+    <p:spTree>
+      <p:nvGrpSpPr>
+        <p:cNvPr id="1" name=""/>
+        <p:cNvGrpSpPr/>
+        <p:nvPr/>
+      </p:nvGrpSpPr>
+      <p:grpSpPr>
+        <a:xfrm>
+          <a:off x="0" y="0"/>
+          <a:ext cx="0" cy="0"/>
+          <a:chOff x="0" y="0"/>
+          <a:chExt cx="0" cy="0"/>
+        </a:xfrm>
+      </p:grpSpPr>
+      <p:sp>
+        <p:nvSpPr>
+          <p:cNvPr id="2" name="标题 1"/>
+          <p:cNvSpPr>
+            <a:spLocks noGrp="1"/>
+          </p:cNvSpPr>
+          <p:nvPr>
+            <p:ph type="title"/>
+          </p:nvPr>
+        </p:nvSpPr>
+        <p:spPr/>
+        <p:txBody>
+          <a:bodyPr/>
+          <a:lstStyle/>
+          <a:p>
+            <a:r>
+              <a:rPr lang="zh-CN" altLang="en-US" dirty="0" smtClean="0"/>
+              <a:t>平均性格指数</a:t>
+            </a:r>
+            <a:endParaRPr lang="zh-CN" altLang="en-US" dirty="0"/>
+          </a:p>
+        </p:txBody>
+      </p:sp>
+      <p:graphicFrame>
+        <p:nvGraphicFramePr>
+          <p:cNvPr id="4" name="内容占位符 3"/>
+          <p:cNvGraphicFramePr>
+            <a:graphicFrameLocks noGrp="1"/>
+          </p:cNvGraphicFramePr>
+          <p:nvPr>
+            <p:ph idx="1"/>
+            <p:extLst>
+              <p:ext uri="{D42A27DB-BD31-4B8C-83A1-F6EECF244321}">
+                <p14:modId xmlns:p14="http://schemas.microsoft.com/office/powerpoint/2010/main" val="4287690436"/>
+              </p:ext>
+            </p:extLst>
+          </p:nvPr>
+        </p:nvGraphicFramePr>
+        <p:xfrm>
+          <a:off x="211540" y="1417638"/>
+          <a:ext cx="4046561" cy="4628320"/>
+        </p:xfrm>
+        <a:graphic>
+          <a:graphicData uri="http://schemas.openxmlformats.org/drawingml/2006/chart">
+            <c:chart xmlns:c="http://schemas.openxmlformats.org/drawingml/2006/chart" xmlns:r="http://schemas.openxmlformats.org/officeDocument/2006/relationships" r:id="rId2"/>
+          </a:graphicData>
+        </a:graphic>
+      </p:graphicFrame>
+    </p:spTree>
+    <p:extLst>
+      <p:ext uri="{BB962C8B-B14F-4D97-AF65-F5344CB8AC3E}">
+        <p14:creationId xmlns:p14="http://schemas.microsoft.com/office/powerpoint/2010/main" val="4203535315"/>
+      </p:ext>
+    </p:extLst>
+  </p:cSld>
+  <p:clrMapOvr>
+    <a:masterClrMapping/>
+  </p:clrMapOvr>
+  <p:timing>
+    <p:tnLst>
+      <p:par>
+        <p:cTn id="1" dur="indefinite" restart="never" nodeType="tmRoot"/>
+      </p:par>
+    </p:tnLst>
+  </p:timing>
 </p:sld>
 </file>
 
@@ -4428,7 +5779,43 @@
           <a:bodyPr/>
           <a:lstStyle/>
           <a:p>
-            <a:endParaRPr kumimoji="1" lang="zh-CN" altLang="en-US"/>
+            <a:r>
+              <a:rPr kumimoji="1" lang="zh-CN" altLang="en-US" dirty="0"/>
+              <a:t>利用丰富的人人网的用户数据（文字、图片、音频）</a:t>
+            </a:r>
+            <a:endParaRPr kumimoji="1" lang="en-US" altLang="zh-CN" dirty="0"/>
+          </a:p>
+          <a:p>
+            <a:r>
+              <a:rPr kumimoji="1" lang="zh-CN" altLang="en-US" dirty="0"/>
+              <a:t>分析用户的性格特点（</a:t>
+            </a:r>
+            <a:r>
+              <a:rPr kumimoji="1" lang="en-US" altLang="zh-CN" dirty="0"/>
+              <a:t>Agreeableness, Openness, Conscientiousness, Neuroticism, Extraversion</a:t>
+            </a:r>
+            <a:r>
+              <a:rPr kumimoji="1" lang="zh-CN" altLang="en-US" dirty="0"/>
+              <a:t>）</a:t>
+            </a:r>
+            <a:endParaRPr kumimoji="1" lang="en-US" altLang="zh-CN" dirty="0"/>
+          </a:p>
+          <a:p>
+            <a:r>
+              <a:rPr kumimoji="1" lang="zh-CN" altLang="en-US" dirty="0"/>
+              <a:t>从数据中提取特征，训练出可预测用户性格的模型</a:t>
+            </a:r>
+          </a:p>
+          <a:p>
+            <a:r>
+              <a:rPr kumimoji="1" lang="zh-CN" altLang="en-US" dirty="0" smtClean="0"/>
+              <a:t>提供一个人人</a:t>
+            </a:r>
+            <a:r>
+              <a:rPr kumimoji="1" lang="en-US" altLang="zh-CN" dirty="0" smtClean="0"/>
+              <a:t>APP</a:t>
+            </a:r>
+            <a:endParaRPr kumimoji="1" lang="zh-CN" altLang="en-US" dirty="0"/>
           </a:p>
         </p:txBody>
       </p:sp>
@@ -4442,6 +5829,13 @@
   <p:clrMapOvr>
     <a:masterClrMapping/>
   </p:clrMapOvr>
+  <p:timing>
+    <p:tnLst>
+      <p:par>
+        <p:cTn id="1" dur="indefinite" restart="never" nodeType="tmRoot"/>
+      </p:par>
+    </p:tnLst>
+  </p:timing>
 </p:sld>
 </file>
 
@@ -4618,6 +6012,13 @@
   <p:clrMapOvr>
     <a:masterClrMapping/>
   </p:clrMapOvr>
+  <p:timing>
+    <p:tnLst>
+      <p:par>
+        <p:cTn id="1" dur="indefinite" restart="never" nodeType="tmRoot"/>
+      </p:par>
+    </p:tnLst>
+  </p:timing>
 </p:sld>
 </file>
 
@@ -4682,11 +6083,15 @@
             </a:r>
             <a:r>
               <a:rPr kumimoji="1" lang="en-US" altLang="zh-CN" dirty="0" smtClean="0"/>
-              <a:t>86</a:t>
+              <a:t>88</a:t>
             </a:r>
             <a:r>
               <a:rPr kumimoji="1" lang="zh-CN" altLang="en-US" dirty="0" smtClean="0"/>
-              <a:t>份问卷</a:t>
+              <a:t>份</a:t>
+            </a:r>
+            <a:r>
+              <a:rPr kumimoji="1" lang="zh-CN" altLang="en-US" dirty="0" smtClean="0"/>
+              <a:t>问卷</a:t>
             </a:r>
             <a:endParaRPr kumimoji="1" lang="en-US" altLang="zh-CN" dirty="0" smtClean="0"/>
           </a:p>
@@ -4772,6 +6177,13 @@
   <p:clrMapOvr>
     <a:masterClrMapping/>
   </p:clrMapOvr>
+  <p:timing>
+    <p:tnLst>
+      <p:par>
+        <p:cTn id="1" dur="indefinite" restart="never" nodeType="tmRoot"/>
+      </p:par>
+    </p:tnLst>
+  </p:timing>
 </p:sld>
 </file>
 
@@ -4830,10 +6242,129 @@
           <a:bodyPr/>
           <a:lstStyle/>
           <a:p>
-            <a:endParaRPr kumimoji="1" lang="zh-CN" altLang="en-US"/>
-          </a:p>
-        </p:txBody>
-      </p:sp>
+            <a:r>
+              <a:rPr kumimoji="1" lang="zh-CN" altLang="en-US" dirty="0" smtClean="0"/>
+              <a:t>文本特征</a:t>
+            </a:r>
+            <a:endParaRPr kumimoji="1" lang="en-US" altLang="zh-CN" dirty="0" smtClean="0"/>
+          </a:p>
+          <a:p>
+            <a:r>
+              <a:rPr kumimoji="1" lang="zh-CN" altLang="en-US" dirty="0" smtClean="0"/>
+              <a:t>对状态、日志、分享、个人主页的信息进行量化处理</a:t>
+            </a:r>
+            <a:endParaRPr kumimoji="1" lang="en-US" altLang="zh-CN" dirty="0" smtClean="0"/>
+          </a:p>
+          <a:p>
+            <a:r>
+              <a:rPr kumimoji="1" lang="zh-CN" altLang="en-US" dirty="0"/>
+              <a:t>正</a:t>
+            </a:r>
+            <a:r>
+              <a:rPr kumimoji="1" lang="zh-CN" altLang="en-US" dirty="0" smtClean="0"/>
+              <a:t>负面情感词</a:t>
+            </a:r>
+            <a:endParaRPr kumimoji="1" lang="en-US" altLang="zh-CN" dirty="0" smtClean="0"/>
+          </a:p>
+          <a:p>
+            <a:endParaRPr kumimoji="1" lang="en-US" altLang="zh-CN" dirty="0" smtClean="0"/>
+          </a:p>
+          <a:p>
+            <a:endParaRPr kumimoji="1" lang="zh-CN" altLang="en-US" dirty="0"/>
+          </a:p>
+        </p:txBody>
+      </p:sp>
+      <p:grpSp>
+        <p:nvGrpSpPr>
+          <p:cNvPr id="6" name="组合 5"/>
+          <p:cNvGrpSpPr/>
+          <p:nvPr/>
+        </p:nvGrpSpPr>
+        <p:grpSpPr>
+          <a:xfrm>
+            <a:off x="889094" y="4044877"/>
+            <a:ext cx="7369817" cy="1336131"/>
+            <a:chOff x="889094" y="4044877"/>
+            <a:chExt cx="7369817" cy="1336131"/>
+          </a:xfrm>
+        </p:grpSpPr>
+        <p:pic>
+          <p:nvPicPr>
+            <p:cNvPr id="4" name="图片 3"/>
+            <p:cNvPicPr>
+              <a:picLocks noChangeAspect="1"/>
+            </p:cNvPicPr>
+            <p:nvPr/>
+          </p:nvPicPr>
+          <p:blipFill>
+            <a:blip r:embed="rId2"/>
+            <a:stretch>
+              <a:fillRect/>
+            </a:stretch>
+          </p:blipFill>
+          <p:spPr>
+            <a:xfrm>
+              <a:off x="889094" y="4044877"/>
+              <a:ext cx="7369817" cy="1336131"/>
+            </a:xfrm>
+            <a:prstGeom prst="rect">
+              <a:avLst/>
+            </a:prstGeom>
+          </p:spPr>
+        </p:pic>
+        <p:sp>
+          <p:nvSpPr>
+            <p:cNvPr id="5" name="矩形 4"/>
+            <p:cNvSpPr/>
+            <p:nvPr/>
+          </p:nvSpPr>
+          <p:spPr>
+            <a:xfrm>
+              <a:off x="1787857" y="4135270"/>
+              <a:ext cx="900752" cy="272956"/>
+            </a:xfrm>
+            <a:prstGeom prst="rect">
+              <a:avLst/>
+            </a:prstGeom>
+            <a:solidFill>
+              <a:schemeClr val="tx1">
+                <a:lumMod val="50000"/>
+                <a:lumOff val="50000"/>
+              </a:schemeClr>
+            </a:solidFill>
+            <a:ln>
+              <a:solidFill>
+                <a:schemeClr val="tx1">
+                  <a:lumMod val="50000"/>
+                  <a:lumOff val="50000"/>
+                </a:schemeClr>
+              </a:solidFill>
+            </a:ln>
+          </p:spPr>
+          <p:style>
+            <a:lnRef idx="2">
+              <a:schemeClr val="accent6"/>
+            </a:lnRef>
+            <a:fillRef idx="1">
+              <a:schemeClr val="lt1"/>
+            </a:fillRef>
+            <a:effectRef idx="0">
+              <a:schemeClr val="accent6"/>
+            </a:effectRef>
+            <a:fontRef idx="minor">
+              <a:schemeClr val="dk1"/>
+            </a:fontRef>
+          </p:style>
+          <p:txBody>
+            <a:bodyPr rtlCol="0" anchor="ctr"/>
+            <a:lstStyle/>
+            <a:p>
+              <a:pPr algn="ctr"/>
+              <a:endParaRPr lang="zh-CN" altLang="en-US"/>
+            </a:p>
+          </p:txBody>
+        </p:sp>
+      </p:grpSp>
     </p:spTree>
     <p:extLst>
       <p:ext uri="{BB962C8B-B14F-4D97-AF65-F5344CB8AC3E}">
@@ -4844,6 +6375,13 @@
   <p:clrMapOvr>
     <a:masterClrMapping/>
   </p:clrMapOvr>
+  <p:timing>
+    <p:tnLst>
+      <p:par>
+        <p:cTn id="1" dur="indefinite" restart="never" nodeType="tmRoot"/>
+      </p:par>
+    </p:tnLst>
+  </p:timing>
 </p:sld>
 </file>
 
@@ -5015,6 +6553,13 @@
   <p:clrMapOvr>
     <a:masterClrMapping/>
   </p:clrMapOvr>
+  <p:timing>
+    <p:tnLst>
+      <p:par>
+        <p:cTn id="1" dur="indefinite" restart="never" nodeType="tmRoot"/>
+      </p:par>
+    </p:tnLst>
+  </p:timing>
 </p:sld>
 </file>
 
@@ -5154,6 +6699,13 @@
   <p:clrMapOvr>
     <a:masterClrMapping/>
   </p:clrMapOvr>
+  <p:timing>
+    <p:tnLst>
+      <p:par>
+        <p:cTn id="1" dur="indefinite" restart="never" nodeType="tmRoot"/>
+      </p:par>
+    </p:tnLst>
+  </p:timing>
 </p:sld>
 </file>
 
@@ -5285,6 +6837,13 @@
   <p:clrMapOvr>
     <a:masterClrMapping/>
   </p:clrMapOvr>
+  <p:timing>
+    <p:tnLst>
+      <p:par>
+        <p:cTn id="1" dur="indefinite" restart="never" nodeType="tmRoot"/>
+      </p:par>
+    </p:tnLst>
+  </p:timing>
 </p:sld>
 </file>
 
@@ -5449,6 +7008,13 @@
   <p:clrMapOvr>
     <a:masterClrMapping/>
   </p:clrMapOvr>
+  <p:timing>
+    <p:tnLst>
+      <p:par>
+        <p:cTn id="1" dur="indefinite" restart="never" nodeType="tmRoot"/>
+      </p:par>
+    </p:tnLst>
+  </p:timing>
 </p:sld>
 </file>
 

--- a/slides.pptx
+++ b/slides.pptx
@@ -5,7 +5,7 @@
     <p:sldMasterId id="2147483648" r:id="rId1"/>
   </p:sldMasterIdLst>
   <p:notesMasterIdLst>
-    <p:notesMasterId r:id="rId14"/>
+    <p:notesMasterId r:id="rId15"/>
   </p:notesMasterIdLst>
   <p:sldIdLst>
     <p:sldId id="256" r:id="rId2"/>
@@ -17,9 +17,10 @@
     <p:sldId id="263" r:id="rId8"/>
     <p:sldId id="264" r:id="rId9"/>
     <p:sldId id="265" r:id="rId10"/>
-    <p:sldId id="260" r:id="rId11"/>
-    <p:sldId id="267" r:id="rId12"/>
-    <p:sldId id="266" r:id="rId13"/>
+    <p:sldId id="270" r:id="rId11"/>
+    <p:sldId id="271" r:id="rId12"/>
+    <p:sldId id="267" r:id="rId13"/>
+    <p:sldId id="268" r:id="rId14"/>
   </p:sldIdLst>
   <p:sldSz cx="9144000" cy="6858000" type="screen4x3"/>
   <p:notesSz cx="6858000" cy="9144000"/>
@@ -665,11 +666,11 @@
         </c:dLbls>
         <c:gapWidth val="219"/>
         <c:overlap val="-27"/>
-        <c:axId val="453463576"/>
-        <c:axId val="453463968"/>
+        <c:axId val="384615008"/>
+        <c:axId val="384612264"/>
       </c:barChart>
       <c:catAx>
-        <c:axId val="453463576"/>
+        <c:axId val="384615008"/>
         <c:scaling>
           <c:orientation val="minMax"/>
         </c:scaling>
@@ -712,7 +713,7 @@
             <a:endParaRPr lang="zh-CN"/>
           </a:p>
         </c:txPr>
-        <c:crossAx val="453463968"/>
+        <c:crossAx val="384612264"/>
         <c:crosses val="autoZero"/>
         <c:auto val="1"/>
         <c:lblAlgn val="ctr"/>
@@ -720,7 +721,7 @@
         <c:noMultiLvlLbl val="0"/>
       </c:catAx>
       <c:valAx>
-        <c:axId val="453463968"/>
+        <c:axId val="384612264"/>
         <c:scaling>
           <c:orientation val="minMax"/>
           <c:max val="1"/>
@@ -772,7 +773,7 @@
             <a:endParaRPr lang="zh-CN"/>
           </a:p>
         </c:txPr>
-        <c:crossAx val="453463576"/>
+        <c:crossAx val="384615008"/>
         <c:crosses val="autoZero"/>
         <c:crossBetween val="between"/>
       </c:valAx>
@@ -4957,43 +4958,42 @@
           <a:lstStyle/>
           <a:p>
             <a:r>
-              <a:rPr kumimoji="1" lang="zh-CN" altLang="en-US" dirty="0" smtClean="0"/>
-              <a:t>实验对比</a:t>
-            </a:r>
-            <a:endParaRPr kumimoji="1" lang="zh-CN" altLang="en-US" dirty="0"/>
+              <a:rPr lang="zh-CN" altLang="en-US" dirty="0" smtClean="0"/>
+              <a:t>平均性格指数</a:t>
+            </a:r>
+            <a:endParaRPr lang="zh-CN" altLang="en-US" dirty="0"/>
           </a:p>
         </p:txBody>
       </p:sp>
-      <p:pic>
-        <p:nvPicPr>
-          <p:cNvPr id="5" name="内容占位符 4"/>
-          <p:cNvPicPr>
-            <a:picLocks noGrp="1" noChangeAspect="1"/>
-          </p:cNvPicPr>
+      <p:graphicFrame>
+        <p:nvGraphicFramePr>
+          <p:cNvPr id="4" name="内容占位符 3"/>
+          <p:cNvGraphicFramePr>
+            <a:graphicFrameLocks noGrp="1"/>
+          </p:cNvGraphicFramePr>
           <p:nvPr>
             <p:ph idx="1"/>
+            <p:extLst>
+              <p:ext uri="{D42A27DB-BD31-4B8C-83A1-F6EECF244321}">
+                <p14:modId xmlns:p14="http://schemas.microsoft.com/office/powerpoint/2010/main" val="582309531"/>
+              </p:ext>
+            </p:extLst>
           </p:nvPr>
-        </p:nvPicPr>
-        <p:blipFill>
-          <a:blip r:embed="rId2"/>
-          <a:stretch>
-            <a:fillRect/>
-          </a:stretch>
-        </p:blipFill>
-        <p:spPr>
-          <a:xfrm>
-            <a:off x="1607959" y="1956261"/>
-            <a:ext cx="5928082" cy="3543785"/>
-          </a:xfrm>
-          <a:prstGeom prst="rect">
-            <a:avLst/>
-          </a:prstGeom>
-        </p:spPr>
-      </p:pic>
+        </p:nvGraphicFramePr>
+        <p:xfrm>
+          <a:off x="1712793" y="1253865"/>
+          <a:ext cx="5616054" cy="5310708"/>
+        </p:xfrm>
+        <a:graphic>
+          <a:graphicData uri="http://schemas.openxmlformats.org/drawingml/2006/chart">
+            <c:chart xmlns:c="http://schemas.openxmlformats.org/drawingml/2006/chart" xmlns:r="http://schemas.openxmlformats.org/officeDocument/2006/relationships" r:id="rId2"/>
+          </a:graphicData>
+        </a:graphic>
+      </p:graphicFrame>
     </p:spTree>
     <p:extLst>
       <p:ext uri="{BB962C8B-B14F-4D97-AF65-F5344CB8AC3E}">
-        <p14:creationId xmlns:p14="http://schemas.microsoft.com/office/powerpoint/2010/main" val="2807817629"/>
+        <p14:creationId xmlns:p14="http://schemas.microsoft.com/office/powerpoint/2010/main" val="608832454"/>
       </p:ext>
     </p:extLst>
   </p:cSld>
@@ -5037,14 +5037,19 @@
             <p:ph type="title"/>
           </p:nvPr>
         </p:nvSpPr>
-        <p:spPr/>
+        <p:spPr>
+          <a:xfrm>
+            <a:off x="457200" y="-203031"/>
+            <a:ext cx="8229600" cy="1143000"/>
+          </a:xfrm>
+        </p:spPr>
         <p:txBody>
           <a:bodyPr/>
           <a:lstStyle/>
           <a:p>
             <a:r>
               <a:rPr lang="zh-CN" altLang="en-US" dirty="0" smtClean="0"/>
-              <a:t>拟合效果</a:t>
+              <a:t>相关性检验</a:t>
             </a:r>
             <a:endParaRPr lang="zh-CN" altLang="en-US" dirty="0"/>
           </a:p>
@@ -5052,7 +5057,7 @@
       </p:sp>
       <p:graphicFrame>
         <p:nvGraphicFramePr>
-          <p:cNvPr id="5" name="内容占位符 4"/>
+          <p:cNvPr id="4" name="内容占位符 3"/>
           <p:cNvGraphicFramePr>
             <a:graphicFrameLocks noGrp="1"/>
           </p:cNvGraphicFramePr>
@@ -5060,14 +5065,14 @@
             <p:ph idx="1"/>
             <p:extLst>
               <p:ext uri="{D42A27DB-BD31-4B8C-83A1-F6EECF244321}">
-                <p14:modId xmlns:p14="http://schemas.microsoft.com/office/powerpoint/2010/main" val="1099781078"/>
+                <p14:modId xmlns:p14="http://schemas.microsoft.com/office/powerpoint/2010/main" val="457768376"/>
               </p:ext>
             </p:extLst>
           </p:nvPr>
         </p:nvGraphicFramePr>
         <p:xfrm>
-          <a:off x="457199" y="2074461"/>
-          <a:ext cx="8229600" cy="2680676"/>
+          <a:off x="457200" y="754036"/>
+          <a:ext cx="8229600" cy="5995209"/>
         </p:xfrm>
         <a:graphic>
           <a:graphicData uri="http://schemas.openxmlformats.org/drawingml/2006/table">
@@ -5076,539 +5081,4584 @@
                 <a:tableStyleId>{5C22544A-7EE6-4342-B048-85BDC9FD1C3A}</a:tableStyleId>
               </a:tblPr>
               <a:tblGrid>
-                <a:gridCol w="1370940"/>
-                <a:gridCol w="1370940"/>
-                <a:gridCol w="1371930"/>
-                <a:gridCol w="1371930"/>
-                <a:gridCol w="1371930"/>
-                <a:gridCol w="1371930"/>
+                <a:gridCol w="1743803"/>
+                <a:gridCol w="1743803"/>
+                <a:gridCol w="987059"/>
+                <a:gridCol w="974720"/>
+                <a:gridCol w="1003509"/>
+                <a:gridCol w="888353"/>
+                <a:gridCol w="888353"/>
               </a:tblGrid>
-              <a:tr h="1079732">
-                <a:tc>
-                  <a:txBody>
-                    <a:bodyPr/>
-                    <a:lstStyle/>
-                    <a:p>
-                      <a:pPr algn="just">
-                        <a:lnSpc>
-                          <a:spcPct val="120000"/>
-                        </a:lnSpc>
-                        <a:spcAft>
-                          <a:spcPts val="0"/>
-                        </a:spcAft>
-                      </a:pPr>
-                      <a:r>
-                        <a:rPr lang="en-US" sz="2000" kern="100" dirty="0">
-                          <a:effectLst/>
-                        </a:rPr>
-                        <a:t>Correlation Coefficient</a:t>
-                      </a:r>
-                      <a:endParaRPr lang="zh-CN" sz="2000" kern="100" dirty="0">
-                        <a:effectLst/>
-                        <a:latin typeface="Calibri" panose="020F0502020204030204" pitchFamily="34" charset="0"/>
-                        <a:ea typeface="宋体" panose="02010600030101010101" pitchFamily="2" charset="-122"/>
-                        <a:cs typeface="Times New Roman" panose="02020603050405020304" pitchFamily="18" charset="0"/>
-                      </a:endParaRPr>
-                    </a:p>
-                  </a:txBody>
-                  <a:tcPr marL="68580" marR="68580" marT="0" marB="0"/>
-                </a:tc>
-                <a:tc>
-                  <a:txBody>
-                    <a:bodyPr/>
-                    <a:lstStyle/>
-                    <a:p>
-                      <a:pPr algn="just">
-                        <a:lnSpc>
-                          <a:spcPct val="120000"/>
-                        </a:lnSpc>
-                        <a:spcAft>
-                          <a:spcPts val="0"/>
-                        </a:spcAft>
-                      </a:pPr>
-                      <a:r>
-                        <a:rPr lang="en-US" sz="2000" kern="100" dirty="0">
+              <a:tr h="452703">
+                <a:tc gridSpan="2">
+                  <a:txBody>
+                    <a:bodyPr/>
+                    <a:lstStyle/>
+                    <a:p>
+                      <a:pPr algn="ctr" fontAlgn="ctr"/>
+                      <a:r>
+                        <a:rPr lang="zh-CN" altLang="en-US" sz="1300" u="none" strike="noStrike" dirty="0">
+                          <a:effectLst/>
+                        </a:rPr>
+                        <a:t> </a:t>
+                      </a:r>
+                      <a:endParaRPr lang="zh-CN" altLang="en-US" sz="1300" b="0" i="0" u="none" strike="noStrike" dirty="0">
+                        <a:effectLst/>
+                        <a:latin typeface="Arial" panose="020B0604020202020204" pitchFamily="34" charset="0"/>
+                      </a:endParaRPr>
+                    </a:p>
+                  </a:txBody>
+                  <a:tcPr marL="7158" marR="7158" marT="7158" marB="0" anchor="ctr"/>
+                </a:tc>
+                <a:tc hMerge="1">
+                  <a:txBody>
+                    <a:bodyPr/>
+                    <a:lstStyle/>
+                    <a:p>
+                      <a:endParaRPr lang="zh-CN" altLang="en-US"/>
+                    </a:p>
+                  </a:txBody>
+                  <a:tcPr/>
+                </a:tc>
+                <a:tc>
+                  <a:txBody>
+                    <a:bodyPr/>
+                    <a:lstStyle/>
+                    <a:p>
+                      <a:pPr algn="ctr" fontAlgn="b"/>
+                      <a:r>
+                        <a:rPr lang="en-US" sz="1300" u="none" strike="noStrike">
                           <a:effectLst/>
                         </a:rPr>
                         <a:t>Agreeableness</a:t>
                       </a:r>
-                      <a:endParaRPr lang="zh-CN" sz="2000" kern="100" dirty="0">
-                        <a:effectLst/>
-                        <a:latin typeface="Calibri" panose="020F0502020204030204" pitchFamily="34" charset="0"/>
-                        <a:ea typeface="宋体" panose="02010600030101010101" pitchFamily="2" charset="-122"/>
-                        <a:cs typeface="Times New Roman" panose="02020603050405020304" pitchFamily="18" charset="0"/>
-                      </a:endParaRPr>
-                    </a:p>
-                  </a:txBody>
-                  <a:tcPr marL="68580" marR="68580" marT="0" marB="0"/>
-                </a:tc>
-                <a:tc>
-                  <a:txBody>
-                    <a:bodyPr/>
-                    <a:lstStyle/>
-                    <a:p>
-                      <a:pPr algn="just">
-                        <a:lnSpc>
-                          <a:spcPct val="120000"/>
-                        </a:lnSpc>
-                        <a:spcAft>
-                          <a:spcPts val="0"/>
-                        </a:spcAft>
-                      </a:pPr>
-                      <a:r>
-                        <a:rPr lang="en-US" sz="2000" kern="100" dirty="0">
+                      <a:endParaRPr lang="en-US" sz="1300" b="0" i="0" u="none" strike="noStrike">
+                        <a:solidFill>
+                          <a:srgbClr val="000000"/>
+                        </a:solidFill>
+                        <a:effectLst/>
+                        <a:latin typeface="MingLiU" panose="02020509000000000000" pitchFamily="49" charset="-120"/>
+                        <a:ea typeface="MingLiU" panose="02020509000000000000" pitchFamily="49" charset="-120"/>
+                      </a:endParaRPr>
+                    </a:p>
+                  </a:txBody>
+                  <a:tcPr marL="7158" marR="7158" marT="7158" marB="0" anchor="ctr"/>
+                </a:tc>
+                <a:tc>
+                  <a:txBody>
+                    <a:bodyPr/>
+                    <a:lstStyle/>
+                    <a:p>
+                      <a:pPr algn="ctr" fontAlgn="b"/>
+                      <a:r>
+                        <a:rPr lang="en-US" sz="1300" u="none" strike="noStrike">
                           <a:effectLst/>
                         </a:rPr>
                         <a:t>Openness</a:t>
                       </a:r>
-                      <a:endParaRPr lang="zh-CN" sz="2000" kern="100" dirty="0">
-                        <a:effectLst/>
-                        <a:latin typeface="Calibri" panose="020F0502020204030204" pitchFamily="34" charset="0"/>
-                        <a:ea typeface="宋体" panose="02010600030101010101" pitchFamily="2" charset="-122"/>
-                        <a:cs typeface="Times New Roman" panose="02020603050405020304" pitchFamily="18" charset="0"/>
-                      </a:endParaRPr>
-                    </a:p>
-                  </a:txBody>
-                  <a:tcPr marL="68580" marR="68580" marT="0" marB="0"/>
-                </a:tc>
-                <a:tc>
-                  <a:txBody>
-                    <a:bodyPr/>
-                    <a:lstStyle/>
-                    <a:p>
-                      <a:pPr algn="just">
-                        <a:lnSpc>
-                          <a:spcPct val="120000"/>
-                        </a:lnSpc>
-                        <a:spcAft>
-                          <a:spcPts val="0"/>
-                        </a:spcAft>
-                      </a:pPr>
-                      <a:r>
-                        <a:rPr lang="en-US" sz="2000" kern="100" dirty="0">
+                      <a:endParaRPr lang="en-US" sz="1300" b="0" i="0" u="none" strike="noStrike">
+                        <a:solidFill>
+                          <a:srgbClr val="000000"/>
+                        </a:solidFill>
+                        <a:effectLst/>
+                        <a:latin typeface="MingLiU" panose="02020509000000000000" pitchFamily="49" charset="-120"/>
+                        <a:ea typeface="MingLiU" panose="02020509000000000000" pitchFamily="49" charset="-120"/>
+                      </a:endParaRPr>
+                    </a:p>
+                  </a:txBody>
+                  <a:tcPr marL="7158" marR="7158" marT="7158" marB="0" anchor="ctr"/>
+                </a:tc>
+                <a:tc>
+                  <a:txBody>
+                    <a:bodyPr/>
+                    <a:lstStyle/>
+                    <a:p>
+                      <a:pPr algn="ctr" fontAlgn="b"/>
+                      <a:r>
+                        <a:rPr lang="en-US" sz="1300" u="none" strike="noStrike">
                           <a:effectLst/>
                         </a:rPr>
                         <a:t>Conscientiousness</a:t>
                       </a:r>
-                      <a:endParaRPr lang="zh-CN" sz="2000" kern="100" dirty="0">
-                        <a:effectLst/>
-                        <a:latin typeface="Calibri" panose="020F0502020204030204" pitchFamily="34" charset="0"/>
-                        <a:ea typeface="宋体" panose="02010600030101010101" pitchFamily="2" charset="-122"/>
-                        <a:cs typeface="Times New Roman" panose="02020603050405020304" pitchFamily="18" charset="0"/>
-                      </a:endParaRPr>
-                    </a:p>
-                  </a:txBody>
-                  <a:tcPr marL="68580" marR="68580" marT="0" marB="0"/>
-                </a:tc>
-                <a:tc>
-                  <a:txBody>
-                    <a:bodyPr/>
-                    <a:lstStyle/>
-                    <a:p>
-                      <a:pPr algn="just">
-                        <a:lnSpc>
-                          <a:spcPct val="120000"/>
-                        </a:lnSpc>
-                        <a:spcAft>
-                          <a:spcPts val="0"/>
-                        </a:spcAft>
-                      </a:pPr>
-                      <a:r>
-                        <a:rPr lang="en-US" sz="2000" kern="100">
+                      <a:endParaRPr lang="en-US" sz="1300" b="0" i="0" u="none" strike="noStrike">
+                        <a:solidFill>
+                          <a:srgbClr val="000000"/>
+                        </a:solidFill>
+                        <a:effectLst/>
+                        <a:latin typeface="MingLiU" panose="02020509000000000000" pitchFamily="49" charset="-120"/>
+                        <a:ea typeface="MingLiU" panose="02020509000000000000" pitchFamily="49" charset="-120"/>
+                      </a:endParaRPr>
+                    </a:p>
+                  </a:txBody>
+                  <a:tcPr marL="7158" marR="7158" marT="7158" marB="0" anchor="ctr"/>
+                </a:tc>
+                <a:tc>
+                  <a:txBody>
+                    <a:bodyPr/>
+                    <a:lstStyle/>
+                    <a:p>
+                      <a:pPr algn="ctr" fontAlgn="b"/>
+                      <a:r>
+                        <a:rPr lang="en-US" sz="1300" u="none" strike="noStrike">
                           <a:effectLst/>
                         </a:rPr>
                         <a:t>Neuroticism</a:t>
                       </a:r>
-                      <a:endParaRPr lang="zh-CN" sz="2000" kern="100">
-                        <a:effectLst/>
-                        <a:latin typeface="Calibri" panose="020F0502020204030204" pitchFamily="34" charset="0"/>
-                        <a:ea typeface="宋体" panose="02010600030101010101" pitchFamily="2" charset="-122"/>
-                        <a:cs typeface="Times New Roman" panose="02020603050405020304" pitchFamily="18" charset="0"/>
-                      </a:endParaRPr>
-                    </a:p>
-                  </a:txBody>
-                  <a:tcPr marL="68580" marR="68580" marT="0" marB="0"/>
-                </a:tc>
-                <a:tc>
-                  <a:txBody>
-                    <a:bodyPr/>
-                    <a:lstStyle/>
-                    <a:p>
-                      <a:pPr algn="just">
-                        <a:lnSpc>
-                          <a:spcPct val="120000"/>
-                        </a:lnSpc>
-                        <a:spcAft>
-                          <a:spcPts val="0"/>
-                        </a:spcAft>
-                      </a:pPr>
-                      <a:r>
-                        <a:rPr lang="en-US" sz="2000" kern="100">
+                      <a:endParaRPr lang="en-US" sz="1300" b="0" i="0" u="none" strike="noStrike">
+                        <a:solidFill>
+                          <a:srgbClr val="000000"/>
+                        </a:solidFill>
+                        <a:effectLst/>
+                        <a:latin typeface="MingLiU" panose="02020509000000000000" pitchFamily="49" charset="-120"/>
+                        <a:ea typeface="MingLiU" panose="02020509000000000000" pitchFamily="49" charset="-120"/>
+                      </a:endParaRPr>
+                    </a:p>
+                  </a:txBody>
+                  <a:tcPr marL="7158" marR="7158" marT="7158" marB="0" anchor="ctr"/>
+                </a:tc>
+                <a:tc>
+                  <a:txBody>
+                    <a:bodyPr/>
+                    <a:lstStyle/>
+                    <a:p>
+                      <a:pPr algn="ctr" fontAlgn="b"/>
+                      <a:r>
+                        <a:rPr lang="en-US" sz="1300" u="none" strike="noStrike">
                           <a:effectLst/>
                         </a:rPr>
                         <a:t>Extraversion</a:t>
                       </a:r>
-                      <a:endParaRPr lang="zh-CN" sz="2000" kern="100">
-                        <a:effectLst/>
-                        <a:latin typeface="Calibri" panose="020F0502020204030204" pitchFamily="34" charset="0"/>
-                        <a:ea typeface="宋体" panose="02010600030101010101" pitchFamily="2" charset="-122"/>
-                        <a:cs typeface="Times New Roman" panose="02020603050405020304" pitchFamily="18" charset="0"/>
-                      </a:endParaRPr>
-                    </a:p>
-                  </a:txBody>
-                  <a:tcPr marL="68580" marR="68580" marT="0" marB="0"/>
+                      <a:endParaRPr lang="en-US" sz="1300" b="0" i="0" u="none" strike="noStrike">
+                        <a:solidFill>
+                          <a:srgbClr val="000000"/>
+                        </a:solidFill>
+                        <a:effectLst/>
+                        <a:latin typeface="MingLiU" panose="02020509000000000000" pitchFamily="49" charset="-120"/>
+                        <a:ea typeface="MingLiU" panose="02020509000000000000" pitchFamily="49" charset="-120"/>
+                      </a:endParaRPr>
+                    </a:p>
+                  </a:txBody>
+                  <a:tcPr marL="7158" marR="7158" marT="7158" marB="0" anchor="ctr"/>
                 </a:tc>
               </a:tr>
-              <a:tr h="521212">
-                <a:tc>
-                  <a:txBody>
-                    <a:bodyPr/>
-                    <a:lstStyle/>
-                    <a:p>
-                      <a:pPr algn="just">
-                        <a:lnSpc>
-                          <a:spcPct val="120000"/>
-                        </a:lnSpc>
-                        <a:spcAft>
-                          <a:spcPts val="0"/>
-                        </a:spcAft>
-                      </a:pPr>
-                      <a:r>
-                        <a:rPr lang="en-US" sz="2000" kern="100">
-                          <a:effectLst/>
-                        </a:rPr>
-                        <a:t>M5Rules</a:t>
-                      </a:r>
-                      <a:endParaRPr lang="zh-CN" sz="2000" kern="100">
-                        <a:effectLst/>
-                        <a:latin typeface="Calibri" panose="020F0502020204030204" pitchFamily="34" charset="0"/>
-                        <a:ea typeface="宋体" panose="02010600030101010101" pitchFamily="2" charset="-122"/>
-                        <a:cs typeface="Times New Roman" panose="02020603050405020304" pitchFamily="18" charset="0"/>
-                      </a:endParaRPr>
-                    </a:p>
-                  </a:txBody>
-                  <a:tcPr marL="68580" marR="68580" marT="0" marB="0"/>
-                </a:tc>
-                <a:tc>
-                  <a:txBody>
-                    <a:bodyPr/>
-                    <a:lstStyle/>
-                    <a:p>
-                      <a:pPr algn="just">
-                        <a:lnSpc>
-                          <a:spcPct val="120000"/>
-                        </a:lnSpc>
-                        <a:spcAft>
-                          <a:spcPts val="0"/>
-                        </a:spcAft>
-                      </a:pPr>
-                      <a:r>
-                        <a:rPr lang="en-US" sz="2000" kern="100">
-                          <a:effectLst/>
-                        </a:rPr>
-                        <a:t>0.7353</a:t>
-                      </a:r>
-                      <a:endParaRPr lang="zh-CN" sz="2000" kern="100">
-                        <a:effectLst/>
-                        <a:latin typeface="Calibri" panose="020F0502020204030204" pitchFamily="34" charset="0"/>
-                        <a:ea typeface="宋体" panose="02010600030101010101" pitchFamily="2" charset="-122"/>
-                        <a:cs typeface="Times New Roman" panose="02020603050405020304" pitchFamily="18" charset="0"/>
-                      </a:endParaRPr>
-                    </a:p>
-                  </a:txBody>
-                  <a:tcPr marL="68580" marR="68580" marT="0" marB="0"/>
-                </a:tc>
-                <a:tc>
-                  <a:txBody>
-                    <a:bodyPr/>
-                    <a:lstStyle/>
-                    <a:p>
-                      <a:pPr algn="just">
-                        <a:lnSpc>
-                          <a:spcPct val="120000"/>
-                        </a:lnSpc>
-                        <a:spcAft>
-                          <a:spcPts val="0"/>
-                        </a:spcAft>
-                      </a:pPr>
-                      <a:r>
-                        <a:rPr lang="en-US" sz="2000" kern="100" dirty="0">
-                          <a:effectLst/>
-                        </a:rPr>
-                        <a:t>0.7335</a:t>
-                      </a:r>
-                      <a:endParaRPr lang="zh-CN" sz="2000" kern="100" dirty="0">
-                        <a:effectLst/>
-                        <a:latin typeface="Calibri" panose="020F0502020204030204" pitchFamily="34" charset="0"/>
-                        <a:ea typeface="宋体" panose="02010600030101010101" pitchFamily="2" charset="-122"/>
-                        <a:cs typeface="Times New Roman" panose="02020603050405020304" pitchFamily="18" charset="0"/>
-                      </a:endParaRPr>
-                    </a:p>
-                  </a:txBody>
-                  <a:tcPr marL="68580" marR="68580" marT="0" marB="0"/>
-                </a:tc>
-                <a:tc>
-                  <a:txBody>
-                    <a:bodyPr/>
-                    <a:lstStyle/>
-                    <a:p>
-                      <a:pPr algn="just">
-                        <a:lnSpc>
-                          <a:spcPct val="120000"/>
-                        </a:lnSpc>
-                        <a:spcAft>
-                          <a:spcPts val="0"/>
-                        </a:spcAft>
-                      </a:pPr>
-                      <a:r>
-                        <a:rPr lang="en-US" sz="2000" kern="100" dirty="0">
-                          <a:effectLst/>
-                        </a:rPr>
-                        <a:t>0.8241</a:t>
-                      </a:r>
-                      <a:endParaRPr lang="zh-CN" sz="2000" kern="100" dirty="0">
-                        <a:effectLst/>
-                        <a:latin typeface="Calibri" panose="020F0502020204030204" pitchFamily="34" charset="0"/>
-                        <a:ea typeface="宋体" panose="02010600030101010101" pitchFamily="2" charset="-122"/>
-                        <a:cs typeface="Times New Roman" panose="02020603050405020304" pitchFamily="18" charset="0"/>
-                      </a:endParaRPr>
-                    </a:p>
-                  </a:txBody>
-                  <a:tcPr marL="68580" marR="68580" marT="0" marB="0"/>
-                </a:tc>
-                <a:tc>
-                  <a:txBody>
-                    <a:bodyPr/>
-                    <a:lstStyle/>
-                    <a:p>
-                      <a:pPr algn="just">
-                        <a:lnSpc>
-                          <a:spcPct val="120000"/>
-                        </a:lnSpc>
-                        <a:spcAft>
-                          <a:spcPts val="0"/>
-                        </a:spcAft>
-                      </a:pPr>
-                      <a:r>
-                        <a:rPr lang="en-US" sz="2000" kern="100" dirty="0">
-                          <a:effectLst/>
-                        </a:rPr>
-                        <a:t>0.7196</a:t>
-                      </a:r>
-                      <a:endParaRPr lang="zh-CN" sz="2000" kern="100" dirty="0">
-                        <a:effectLst/>
-                        <a:latin typeface="Calibri" panose="020F0502020204030204" pitchFamily="34" charset="0"/>
-                        <a:ea typeface="宋体" panose="02010600030101010101" pitchFamily="2" charset="-122"/>
-                        <a:cs typeface="Times New Roman" panose="02020603050405020304" pitchFamily="18" charset="0"/>
-                      </a:endParaRPr>
-                    </a:p>
-                  </a:txBody>
-                  <a:tcPr marL="68580" marR="68580" marT="0" marB="0"/>
-                </a:tc>
-                <a:tc>
-                  <a:txBody>
-                    <a:bodyPr/>
-                    <a:lstStyle/>
-                    <a:p>
-                      <a:pPr algn="just">
-                        <a:lnSpc>
-                          <a:spcPct val="120000"/>
-                        </a:lnSpc>
-                        <a:spcAft>
-                          <a:spcPts val="0"/>
-                        </a:spcAft>
-                      </a:pPr>
-                      <a:r>
-                        <a:rPr lang="en-US" sz="2000" kern="100" dirty="0">
-                          <a:effectLst/>
-                        </a:rPr>
-                        <a:t>0.4644</a:t>
-                      </a:r>
-                      <a:endParaRPr lang="zh-CN" sz="2000" kern="100" dirty="0">
-                        <a:effectLst/>
-                        <a:latin typeface="Calibri" panose="020F0502020204030204" pitchFamily="34" charset="0"/>
-                        <a:ea typeface="宋体" panose="02010600030101010101" pitchFamily="2" charset="-122"/>
-                        <a:cs typeface="Times New Roman" panose="02020603050405020304" pitchFamily="18" charset="0"/>
-                      </a:endParaRPr>
-                    </a:p>
-                  </a:txBody>
-                  <a:tcPr marL="68580" marR="68580" marT="0" marB="0"/>
+              <a:tr h="187914">
+                <a:tc rowSpan="3">
+                  <a:txBody>
+                    <a:bodyPr/>
+                    <a:lstStyle/>
+                    <a:p>
+                      <a:pPr algn="ctr" fontAlgn="t"/>
+                      <a:r>
+                        <a:rPr lang="en-US" sz="1300" u="none" strike="noStrike" dirty="0" err="1">
+                          <a:effectLst/>
+                        </a:rPr>
+                        <a:t>PosWordNum</a:t>
+                      </a:r>
+                      <a:endParaRPr lang="en-US" sz="1300" b="0" i="0" u="none" strike="noStrike" dirty="0">
+                        <a:solidFill>
+                          <a:srgbClr val="000000"/>
+                        </a:solidFill>
+                        <a:effectLst/>
+                        <a:latin typeface="MingLiU" panose="02020509000000000000" pitchFamily="49" charset="-120"/>
+                        <a:ea typeface="MingLiU" panose="02020509000000000000" pitchFamily="49" charset="-120"/>
+                      </a:endParaRPr>
+                    </a:p>
+                  </a:txBody>
+                  <a:tcPr marL="7158" marR="7158" marT="7158" marB="0" anchor="ctr"/>
+                </a:tc>
+                <a:tc>
+                  <a:txBody>
+                    <a:bodyPr/>
+                    <a:lstStyle/>
+                    <a:p>
+                      <a:pPr algn="ctr" fontAlgn="t"/>
+                      <a:r>
+                        <a:rPr lang="en-US" sz="1300" u="none" strike="noStrike" dirty="0">
+                          <a:effectLst/>
+                        </a:rPr>
+                        <a:t>Pearson </a:t>
+                      </a:r>
+                      <a:r>
+                        <a:rPr lang="zh-CN" altLang="en-US" sz="1300" u="none" strike="noStrike" dirty="0">
+                          <a:effectLst/>
+                        </a:rPr>
+                        <a:t>相关性</a:t>
+                      </a:r>
+                      <a:endParaRPr lang="zh-CN" altLang="en-US" sz="1300" b="0" i="0" u="none" strike="noStrike" dirty="0">
+                        <a:solidFill>
+                          <a:srgbClr val="000000"/>
+                        </a:solidFill>
+                        <a:effectLst/>
+                        <a:latin typeface="MingLiU" panose="02020509000000000000" pitchFamily="49" charset="-120"/>
+                        <a:ea typeface="MingLiU" panose="02020509000000000000" pitchFamily="49" charset="-120"/>
+                      </a:endParaRPr>
+                    </a:p>
+                  </a:txBody>
+                  <a:tcPr marL="7158" marR="7158" marT="7158" marB="0" anchor="ctr"/>
+                </a:tc>
+                <a:tc>
+                  <a:txBody>
+                    <a:bodyPr/>
+                    <a:lstStyle/>
+                    <a:p>
+                      <a:pPr algn="ctr" fontAlgn="t"/>
+                      <a:r>
+                        <a:rPr lang="en-US" altLang="zh-CN" sz="1300" u="none" strike="noStrike" dirty="0">
+                          <a:effectLst/>
+                        </a:rPr>
+                        <a:t>-.091</a:t>
+                      </a:r>
+                      <a:endParaRPr lang="en-US" altLang="zh-CN" sz="1300" b="0" i="0" u="none" strike="noStrike" dirty="0">
+                        <a:solidFill>
+                          <a:srgbClr val="000000"/>
+                        </a:solidFill>
+                        <a:effectLst/>
+                        <a:latin typeface="MingLiU" panose="02020509000000000000" pitchFamily="49" charset="-120"/>
+                        <a:ea typeface="MingLiU" panose="02020509000000000000" pitchFamily="49" charset="-120"/>
+                      </a:endParaRPr>
+                    </a:p>
+                  </a:txBody>
+                  <a:tcPr marL="7158" marR="7158" marT="7158" marB="0" anchor="ctr"/>
+                </a:tc>
+                <a:tc>
+                  <a:txBody>
+                    <a:bodyPr/>
+                    <a:lstStyle/>
+                    <a:p>
+                      <a:pPr algn="ctr" fontAlgn="t"/>
+                      <a:r>
+                        <a:rPr lang="en-US" altLang="zh-CN" sz="1300" u="none" strike="noStrike">
+                          <a:effectLst/>
+                        </a:rPr>
+                        <a:t>-.022</a:t>
+                      </a:r>
+                      <a:endParaRPr lang="en-US" altLang="zh-CN" sz="1300" b="0" i="0" u="none" strike="noStrike">
+                        <a:solidFill>
+                          <a:srgbClr val="000000"/>
+                        </a:solidFill>
+                        <a:effectLst/>
+                        <a:latin typeface="MingLiU" panose="02020509000000000000" pitchFamily="49" charset="-120"/>
+                        <a:ea typeface="MingLiU" panose="02020509000000000000" pitchFamily="49" charset="-120"/>
+                      </a:endParaRPr>
+                    </a:p>
+                  </a:txBody>
+                  <a:tcPr marL="7158" marR="7158" marT="7158" marB="0" anchor="ctr"/>
+                </a:tc>
+                <a:tc>
+                  <a:txBody>
+                    <a:bodyPr/>
+                    <a:lstStyle/>
+                    <a:p>
+                      <a:pPr algn="ctr" fontAlgn="t"/>
+                      <a:r>
+                        <a:rPr lang="en-US" altLang="zh-CN" sz="1300" u="none" strike="noStrike">
+                          <a:effectLst/>
+                        </a:rPr>
+                        <a:t>-.007</a:t>
+                      </a:r>
+                      <a:endParaRPr lang="en-US" altLang="zh-CN" sz="1300" b="0" i="0" u="none" strike="noStrike">
+                        <a:solidFill>
+                          <a:srgbClr val="000000"/>
+                        </a:solidFill>
+                        <a:effectLst/>
+                        <a:latin typeface="MingLiU" panose="02020509000000000000" pitchFamily="49" charset="-120"/>
+                        <a:ea typeface="MingLiU" panose="02020509000000000000" pitchFamily="49" charset="-120"/>
+                      </a:endParaRPr>
+                    </a:p>
+                  </a:txBody>
+                  <a:tcPr marL="7158" marR="7158" marT="7158" marB="0" anchor="ctr"/>
+                </a:tc>
+                <a:tc>
+                  <a:txBody>
+                    <a:bodyPr/>
+                    <a:lstStyle/>
+                    <a:p>
+                      <a:pPr algn="ctr" fontAlgn="t"/>
+                      <a:r>
+                        <a:rPr lang="en-US" altLang="zh-CN" sz="1300" u="none" strike="noStrike">
+                          <a:effectLst/>
+                        </a:rPr>
+                        <a:t>-.019</a:t>
+                      </a:r>
+                      <a:endParaRPr lang="en-US" altLang="zh-CN" sz="1300" b="0" i="0" u="none" strike="noStrike">
+                        <a:solidFill>
+                          <a:srgbClr val="000000"/>
+                        </a:solidFill>
+                        <a:effectLst/>
+                        <a:latin typeface="MingLiU" panose="02020509000000000000" pitchFamily="49" charset="-120"/>
+                        <a:ea typeface="MingLiU" panose="02020509000000000000" pitchFamily="49" charset="-120"/>
+                      </a:endParaRPr>
+                    </a:p>
+                  </a:txBody>
+                  <a:tcPr marL="7158" marR="7158" marT="7158" marB="0" anchor="ctr"/>
+                </a:tc>
+                <a:tc>
+                  <a:txBody>
+                    <a:bodyPr/>
+                    <a:lstStyle/>
+                    <a:p>
+                      <a:pPr algn="ctr" fontAlgn="t"/>
+                      <a:r>
+                        <a:rPr lang="en-US" altLang="zh-CN" sz="1300" u="none" strike="noStrike">
+                          <a:effectLst/>
+                        </a:rPr>
+                        <a:t>.072</a:t>
+                      </a:r>
+                      <a:endParaRPr lang="en-US" altLang="zh-CN" sz="1300" b="0" i="0" u="none" strike="noStrike">
+                        <a:solidFill>
+                          <a:srgbClr val="000000"/>
+                        </a:solidFill>
+                        <a:effectLst/>
+                        <a:latin typeface="MingLiU" panose="02020509000000000000" pitchFamily="49" charset="-120"/>
+                        <a:ea typeface="MingLiU" panose="02020509000000000000" pitchFamily="49" charset="-120"/>
+                      </a:endParaRPr>
+                    </a:p>
+                  </a:txBody>
+                  <a:tcPr marL="7158" marR="7158" marT="7158" marB="0" anchor="ctr"/>
                 </a:tc>
               </a:tr>
-              <a:tr h="1079732">
-                <a:tc>
-                  <a:txBody>
-                    <a:bodyPr/>
-                    <a:lstStyle/>
-                    <a:p>
-                      <a:pPr algn="just">
-                        <a:lnSpc>
-                          <a:spcPct val="120000"/>
-                        </a:lnSpc>
-                        <a:spcAft>
-                          <a:spcPts val="0"/>
-                        </a:spcAft>
-                      </a:pPr>
-                      <a:r>
-                        <a:rPr lang="en-US" sz="2000" kern="100">
-                          <a:effectLst/>
-                        </a:rPr>
-                        <a:t>Gaussian Process</a:t>
-                      </a:r>
-                      <a:endParaRPr lang="zh-CN" sz="2000" kern="100">
-                        <a:effectLst/>
-                        <a:latin typeface="Calibri" panose="020F0502020204030204" pitchFamily="34" charset="0"/>
-                        <a:ea typeface="宋体" panose="02010600030101010101" pitchFamily="2" charset="-122"/>
-                        <a:cs typeface="Times New Roman" panose="02020603050405020304" pitchFamily="18" charset="0"/>
-                      </a:endParaRPr>
-                    </a:p>
-                  </a:txBody>
-                  <a:tcPr marL="68580" marR="68580" marT="0" marB="0"/>
-                </a:tc>
-                <a:tc>
-                  <a:txBody>
-                    <a:bodyPr/>
-                    <a:lstStyle/>
-                    <a:p>
-                      <a:pPr algn="just">
-                        <a:lnSpc>
-                          <a:spcPct val="120000"/>
-                        </a:lnSpc>
-                        <a:spcAft>
-                          <a:spcPts val="0"/>
-                        </a:spcAft>
-                      </a:pPr>
-                      <a:r>
-                        <a:rPr lang="en-US" sz="2000" kern="100">
-                          <a:effectLst/>
-                        </a:rPr>
-                        <a:t>0.9602</a:t>
-                      </a:r>
-                      <a:endParaRPr lang="zh-CN" sz="2000" kern="100">
-                        <a:effectLst/>
-                        <a:latin typeface="Calibri" panose="020F0502020204030204" pitchFamily="34" charset="0"/>
-                        <a:ea typeface="宋体" panose="02010600030101010101" pitchFamily="2" charset="-122"/>
-                        <a:cs typeface="Times New Roman" panose="02020603050405020304" pitchFamily="18" charset="0"/>
-                      </a:endParaRPr>
-                    </a:p>
-                  </a:txBody>
-                  <a:tcPr marL="68580" marR="68580" marT="0" marB="0"/>
-                </a:tc>
-                <a:tc>
-                  <a:txBody>
-                    <a:bodyPr/>
-                    <a:lstStyle/>
-                    <a:p>
-                      <a:pPr algn="just">
-                        <a:lnSpc>
-                          <a:spcPct val="120000"/>
-                        </a:lnSpc>
-                        <a:spcAft>
-                          <a:spcPts val="0"/>
-                        </a:spcAft>
-                      </a:pPr>
-                      <a:r>
-                        <a:rPr lang="en-US" sz="2000" kern="100">
-                          <a:effectLst/>
-                        </a:rPr>
-                        <a:t>0.9663</a:t>
-                      </a:r>
-                      <a:endParaRPr lang="zh-CN" sz="2000" kern="100">
-                        <a:effectLst/>
-                        <a:latin typeface="Calibri" panose="020F0502020204030204" pitchFamily="34" charset="0"/>
-                        <a:ea typeface="宋体" panose="02010600030101010101" pitchFamily="2" charset="-122"/>
-                        <a:cs typeface="Times New Roman" panose="02020603050405020304" pitchFamily="18" charset="0"/>
-                      </a:endParaRPr>
-                    </a:p>
-                  </a:txBody>
-                  <a:tcPr marL="68580" marR="68580" marT="0" marB="0"/>
-                </a:tc>
-                <a:tc>
-                  <a:txBody>
-                    <a:bodyPr/>
-                    <a:lstStyle/>
-                    <a:p>
-                      <a:pPr algn="just">
-                        <a:lnSpc>
-                          <a:spcPct val="120000"/>
-                        </a:lnSpc>
-                        <a:spcAft>
-                          <a:spcPts val="0"/>
-                        </a:spcAft>
-                      </a:pPr>
-                      <a:r>
-                        <a:rPr lang="en-US" sz="2000" kern="100">
-                          <a:effectLst/>
-                        </a:rPr>
-                        <a:t>0.9618</a:t>
-                      </a:r>
-                      <a:endParaRPr lang="zh-CN" sz="2000" kern="100">
-                        <a:effectLst/>
-                        <a:latin typeface="Calibri" panose="020F0502020204030204" pitchFamily="34" charset="0"/>
-                        <a:ea typeface="宋体" panose="02010600030101010101" pitchFamily="2" charset="-122"/>
-                        <a:cs typeface="Times New Roman" panose="02020603050405020304" pitchFamily="18" charset="0"/>
-                      </a:endParaRPr>
-                    </a:p>
-                  </a:txBody>
-                  <a:tcPr marL="68580" marR="68580" marT="0" marB="0"/>
-                </a:tc>
-                <a:tc>
-                  <a:txBody>
-                    <a:bodyPr/>
-                    <a:lstStyle/>
-                    <a:p>
-                      <a:pPr algn="just">
-                        <a:lnSpc>
-                          <a:spcPct val="120000"/>
-                        </a:lnSpc>
-                        <a:spcAft>
-                          <a:spcPts val="0"/>
-                        </a:spcAft>
-                      </a:pPr>
-                      <a:r>
-                        <a:rPr lang="en-US" sz="2000" kern="100" dirty="0">
-                          <a:effectLst/>
-                        </a:rPr>
-                        <a:t>0.9621</a:t>
-                      </a:r>
-                      <a:endParaRPr lang="zh-CN" sz="2000" kern="100" dirty="0">
-                        <a:effectLst/>
-                        <a:latin typeface="Calibri" panose="020F0502020204030204" pitchFamily="34" charset="0"/>
-                        <a:ea typeface="宋体" panose="02010600030101010101" pitchFamily="2" charset="-122"/>
-                        <a:cs typeface="Times New Roman" panose="02020603050405020304" pitchFamily="18" charset="0"/>
-                      </a:endParaRPr>
-                    </a:p>
-                  </a:txBody>
-                  <a:tcPr marL="68580" marR="68580" marT="0" marB="0"/>
-                </a:tc>
-                <a:tc>
-                  <a:txBody>
-                    <a:bodyPr/>
-                    <a:lstStyle/>
-                    <a:p>
-                      <a:pPr algn="just">
-                        <a:lnSpc>
-                          <a:spcPct val="120000"/>
-                        </a:lnSpc>
-                        <a:spcAft>
-                          <a:spcPts val="0"/>
-                        </a:spcAft>
-                      </a:pPr>
-                      <a:r>
-                        <a:rPr lang="en-US" sz="2000" kern="100" dirty="0">
-                          <a:effectLst/>
-                        </a:rPr>
-                        <a:t>0.9583</a:t>
-                      </a:r>
-                      <a:endParaRPr lang="zh-CN" sz="2000" kern="100" dirty="0">
-                        <a:effectLst/>
-                        <a:latin typeface="Calibri" panose="020F0502020204030204" pitchFamily="34" charset="0"/>
-                        <a:ea typeface="宋体" panose="02010600030101010101" pitchFamily="2" charset="-122"/>
-                        <a:cs typeface="Times New Roman" panose="02020603050405020304" pitchFamily="18" charset="0"/>
-                      </a:endParaRPr>
-                    </a:p>
-                  </a:txBody>
-                  <a:tcPr marL="68580" marR="68580" marT="0" marB="0"/>
+              <a:tr h="181650">
+                <a:tc vMerge="1">
+                  <a:txBody>
+                    <a:bodyPr/>
+                    <a:lstStyle/>
+                    <a:p>
+                      <a:endParaRPr lang="zh-CN" altLang="en-US"/>
+                    </a:p>
+                  </a:txBody>
+                  <a:tcPr/>
+                </a:tc>
+                <a:tc>
+                  <a:txBody>
+                    <a:bodyPr/>
+                    <a:lstStyle/>
+                    <a:p>
+                      <a:pPr algn="ctr" fontAlgn="t"/>
+                      <a:r>
+                        <a:rPr lang="zh-CN" altLang="en-US" sz="1300" u="none" strike="noStrike">
+                          <a:effectLst/>
+                        </a:rPr>
+                        <a:t>显著性（双侧）</a:t>
+                      </a:r>
+                      <a:endParaRPr lang="zh-CN" altLang="en-US" sz="1300" b="0" i="0" u="none" strike="noStrike">
+                        <a:solidFill>
+                          <a:srgbClr val="000000"/>
+                        </a:solidFill>
+                        <a:effectLst/>
+                        <a:latin typeface="MingLiU" panose="02020509000000000000" pitchFamily="49" charset="-120"/>
+                        <a:ea typeface="MingLiU" panose="02020509000000000000" pitchFamily="49" charset="-120"/>
+                      </a:endParaRPr>
+                    </a:p>
+                  </a:txBody>
+                  <a:tcPr marL="7158" marR="7158" marT="7158" marB="0" anchor="ctr"/>
+                </a:tc>
+                <a:tc>
+                  <a:txBody>
+                    <a:bodyPr/>
+                    <a:lstStyle/>
+                    <a:p>
+                      <a:pPr algn="ctr" fontAlgn="t"/>
+                      <a:r>
+                        <a:rPr lang="en-US" altLang="zh-CN" sz="1300" u="none" strike="noStrike">
+                          <a:effectLst/>
+                        </a:rPr>
+                        <a:t>.400</a:t>
+                      </a:r>
+                      <a:endParaRPr lang="en-US" altLang="zh-CN" sz="1300" b="0" i="0" u="none" strike="noStrike">
+                        <a:solidFill>
+                          <a:srgbClr val="000000"/>
+                        </a:solidFill>
+                        <a:effectLst/>
+                        <a:latin typeface="MingLiU" panose="02020509000000000000" pitchFamily="49" charset="-120"/>
+                        <a:ea typeface="MingLiU" panose="02020509000000000000" pitchFamily="49" charset="-120"/>
+                      </a:endParaRPr>
+                    </a:p>
+                  </a:txBody>
+                  <a:tcPr marL="7158" marR="7158" marT="7158" marB="0" anchor="ctr"/>
+                </a:tc>
+                <a:tc>
+                  <a:txBody>
+                    <a:bodyPr/>
+                    <a:lstStyle/>
+                    <a:p>
+                      <a:pPr algn="ctr" fontAlgn="t"/>
+                      <a:r>
+                        <a:rPr lang="en-US" altLang="zh-CN" sz="1300" u="none" strike="noStrike">
+                          <a:effectLst/>
+                        </a:rPr>
+                        <a:t>.835</a:t>
+                      </a:r>
+                      <a:endParaRPr lang="en-US" altLang="zh-CN" sz="1300" b="0" i="0" u="none" strike="noStrike">
+                        <a:solidFill>
+                          <a:srgbClr val="000000"/>
+                        </a:solidFill>
+                        <a:effectLst/>
+                        <a:latin typeface="MingLiU" panose="02020509000000000000" pitchFamily="49" charset="-120"/>
+                        <a:ea typeface="MingLiU" panose="02020509000000000000" pitchFamily="49" charset="-120"/>
+                      </a:endParaRPr>
+                    </a:p>
+                  </a:txBody>
+                  <a:tcPr marL="7158" marR="7158" marT="7158" marB="0" anchor="ctr"/>
+                </a:tc>
+                <a:tc>
+                  <a:txBody>
+                    <a:bodyPr/>
+                    <a:lstStyle/>
+                    <a:p>
+                      <a:pPr algn="ctr" fontAlgn="t"/>
+                      <a:r>
+                        <a:rPr lang="en-US" altLang="zh-CN" sz="1300" u="none" strike="noStrike">
+                          <a:effectLst/>
+                        </a:rPr>
+                        <a:t>.945</a:t>
+                      </a:r>
+                      <a:endParaRPr lang="en-US" altLang="zh-CN" sz="1300" b="0" i="0" u="none" strike="noStrike">
+                        <a:solidFill>
+                          <a:srgbClr val="000000"/>
+                        </a:solidFill>
+                        <a:effectLst/>
+                        <a:latin typeface="MingLiU" panose="02020509000000000000" pitchFamily="49" charset="-120"/>
+                        <a:ea typeface="MingLiU" panose="02020509000000000000" pitchFamily="49" charset="-120"/>
+                      </a:endParaRPr>
+                    </a:p>
+                  </a:txBody>
+                  <a:tcPr marL="7158" marR="7158" marT="7158" marB="0" anchor="ctr"/>
+                </a:tc>
+                <a:tc>
+                  <a:txBody>
+                    <a:bodyPr/>
+                    <a:lstStyle/>
+                    <a:p>
+                      <a:pPr algn="ctr" fontAlgn="t"/>
+                      <a:r>
+                        <a:rPr lang="en-US" altLang="zh-CN" sz="1300" u="none" strike="noStrike">
+                          <a:effectLst/>
+                        </a:rPr>
+                        <a:t>.861</a:t>
+                      </a:r>
+                      <a:endParaRPr lang="en-US" altLang="zh-CN" sz="1300" b="0" i="0" u="none" strike="noStrike">
+                        <a:solidFill>
+                          <a:srgbClr val="000000"/>
+                        </a:solidFill>
+                        <a:effectLst/>
+                        <a:latin typeface="MingLiU" panose="02020509000000000000" pitchFamily="49" charset="-120"/>
+                        <a:ea typeface="MingLiU" panose="02020509000000000000" pitchFamily="49" charset="-120"/>
+                      </a:endParaRPr>
+                    </a:p>
+                  </a:txBody>
+                  <a:tcPr marL="7158" marR="7158" marT="7158" marB="0" anchor="ctr"/>
+                </a:tc>
+                <a:tc>
+                  <a:txBody>
+                    <a:bodyPr/>
+                    <a:lstStyle/>
+                    <a:p>
+                      <a:pPr algn="ctr" fontAlgn="t"/>
+                      <a:r>
+                        <a:rPr lang="en-US" altLang="zh-CN" sz="1300" u="none" strike="noStrike">
+                          <a:effectLst/>
+                        </a:rPr>
+                        <a:t>.507</a:t>
+                      </a:r>
+                      <a:endParaRPr lang="en-US" altLang="zh-CN" sz="1300" b="0" i="0" u="none" strike="noStrike">
+                        <a:solidFill>
+                          <a:srgbClr val="000000"/>
+                        </a:solidFill>
+                        <a:effectLst/>
+                        <a:latin typeface="MingLiU" panose="02020509000000000000" pitchFamily="49" charset="-120"/>
+                        <a:ea typeface="MingLiU" panose="02020509000000000000" pitchFamily="49" charset="-120"/>
+                      </a:endParaRPr>
+                    </a:p>
+                  </a:txBody>
+                  <a:tcPr marL="7158" marR="7158" marT="7158" marB="0" anchor="ctr"/>
+                </a:tc>
+              </a:tr>
+              <a:tr h="181650">
+                <a:tc vMerge="1">
+                  <a:txBody>
+                    <a:bodyPr/>
+                    <a:lstStyle/>
+                    <a:p>
+                      <a:endParaRPr lang="zh-CN" altLang="en-US"/>
+                    </a:p>
+                  </a:txBody>
+                  <a:tcPr/>
+                </a:tc>
+                <a:tc>
+                  <a:txBody>
+                    <a:bodyPr/>
+                    <a:lstStyle/>
+                    <a:p>
+                      <a:pPr algn="ctr" fontAlgn="t"/>
+                      <a:r>
+                        <a:rPr lang="en-US" sz="1300" u="none" strike="noStrike" dirty="0">
+                          <a:effectLst/>
+                        </a:rPr>
+                        <a:t>N</a:t>
+                      </a:r>
+                      <a:endParaRPr lang="en-US" sz="1300" b="0" i="0" u="none" strike="noStrike" dirty="0">
+                        <a:solidFill>
+                          <a:srgbClr val="000000"/>
+                        </a:solidFill>
+                        <a:effectLst/>
+                        <a:latin typeface="MingLiU" panose="02020509000000000000" pitchFamily="49" charset="-120"/>
+                        <a:ea typeface="MingLiU" panose="02020509000000000000" pitchFamily="49" charset="-120"/>
+                      </a:endParaRPr>
+                    </a:p>
+                  </a:txBody>
+                  <a:tcPr marL="7158" marR="7158" marT="7158" marB="0" anchor="ctr"/>
+                </a:tc>
+                <a:tc>
+                  <a:txBody>
+                    <a:bodyPr/>
+                    <a:lstStyle/>
+                    <a:p>
+                      <a:pPr algn="ctr" fontAlgn="t"/>
+                      <a:r>
+                        <a:rPr lang="en-US" altLang="zh-CN" sz="1300" u="none" strike="noStrike">
+                          <a:effectLst/>
+                        </a:rPr>
+                        <a:t>88</a:t>
+                      </a:r>
+                      <a:endParaRPr lang="en-US" altLang="zh-CN" sz="1300" b="0" i="0" u="none" strike="noStrike">
+                        <a:solidFill>
+                          <a:srgbClr val="000000"/>
+                        </a:solidFill>
+                        <a:effectLst/>
+                        <a:latin typeface="MingLiU" panose="02020509000000000000" pitchFamily="49" charset="-120"/>
+                        <a:ea typeface="MingLiU" panose="02020509000000000000" pitchFamily="49" charset="-120"/>
+                      </a:endParaRPr>
+                    </a:p>
+                  </a:txBody>
+                  <a:tcPr marL="7158" marR="7158" marT="7158" marB="0" anchor="ctr"/>
+                </a:tc>
+                <a:tc>
+                  <a:txBody>
+                    <a:bodyPr/>
+                    <a:lstStyle/>
+                    <a:p>
+                      <a:pPr algn="ctr" fontAlgn="t"/>
+                      <a:r>
+                        <a:rPr lang="en-US" altLang="zh-CN" sz="1300" u="none" strike="noStrike">
+                          <a:effectLst/>
+                        </a:rPr>
+                        <a:t>88</a:t>
+                      </a:r>
+                      <a:endParaRPr lang="en-US" altLang="zh-CN" sz="1300" b="0" i="0" u="none" strike="noStrike">
+                        <a:solidFill>
+                          <a:srgbClr val="000000"/>
+                        </a:solidFill>
+                        <a:effectLst/>
+                        <a:latin typeface="MingLiU" panose="02020509000000000000" pitchFamily="49" charset="-120"/>
+                        <a:ea typeface="MingLiU" panose="02020509000000000000" pitchFamily="49" charset="-120"/>
+                      </a:endParaRPr>
+                    </a:p>
+                  </a:txBody>
+                  <a:tcPr marL="7158" marR="7158" marT="7158" marB="0" anchor="ctr"/>
+                </a:tc>
+                <a:tc>
+                  <a:txBody>
+                    <a:bodyPr/>
+                    <a:lstStyle/>
+                    <a:p>
+                      <a:pPr algn="ctr" fontAlgn="t"/>
+                      <a:r>
+                        <a:rPr lang="en-US" altLang="zh-CN" sz="1300" u="none" strike="noStrike">
+                          <a:effectLst/>
+                        </a:rPr>
+                        <a:t>88</a:t>
+                      </a:r>
+                      <a:endParaRPr lang="en-US" altLang="zh-CN" sz="1300" b="0" i="0" u="none" strike="noStrike">
+                        <a:solidFill>
+                          <a:srgbClr val="000000"/>
+                        </a:solidFill>
+                        <a:effectLst/>
+                        <a:latin typeface="MingLiU" panose="02020509000000000000" pitchFamily="49" charset="-120"/>
+                        <a:ea typeface="MingLiU" panose="02020509000000000000" pitchFamily="49" charset="-120"/>
+                      </a:endParaRPr>
+                    </a:p>
+                  </a:txBody>
+                  <a:tcPr marL="7158" marR="7158" marT="7158" marB="0" anchor="ctr"/>
+                </a:tc>
+                <a:tc>
+                  <a:txBody>
+                    <a:bodyPr/>
+                    <a:lstStyle/>
+                    <a:p>
+                      <a:pPr algn="ctr" fontAlgn="t"/>
+                      <a:r>
+                        <a:rPr lang="en-US" altLang="zh-CN" sz="1300" u="none" strike="noStrike">
+                          <a:effectLst/>
+                        </a:rPr>
+                        <a:t>88</a:t>
+                      </a:r>
+                      <a:endParaRPr lang="en-US" altLang="zh-CN" sz="1300" b="0" i="0" u="none" strike="noStrike">
+                        <a:solidFill>
+                          <a:srgbClr val="000000"/>
+                        </a:solidFill>
+                        <a:effectLst/>
+                        <a:latin typeface="MingLiU" panose="02020509000000000000" pitchFamily="49" charset="-120"/>
+                        <a:ea typeface="MingLiU" panose="02020509000000000000" pitchFamily="49" charset="-120"/>
+                      </a:endParaRPr>
+                    </a:p>
+                  </a:txBody>
+                  <a:tcPr marL="7158" marR="7158" marT="7158" marB="0" anchor="ctr"/>
+                </a:tc>
+                <a:tc>
+                  <a:txBody>
+                    <a:bodyPr/>
+                    <a:lstStyle/>
+                    <a:p>
+                      <a:pPr algn="ctr" fontAlgn="t"/>
+                      <a:r>
+                        <a:rPr lang="en-US" altLang="zh-CN" sz="1300" u="none" strike="noStrike">
+                          <a:effectLst/>
+                        </a:rPr>
+                        <a:t>88</a:t>
+                      </a:r>
+                      <a:endParaRPr lang="en-US" altLang="zh-CN" sz="1300" b="0" i="0" u="none" strike="noStrike">
+                        <a:solidFill>
+                          <a:srgbClr val="000000"/>
+                        </a:solidFill>
+                        <a:effectLst/>
+                        <a:latin typeface="MingLiU" panose="02020509000000000000" pitchFamily="49" charset="-120"/>
+                        <a:ea typeface="MingLiU" panose="02020509000000000000" pitchFamily="49" charset="-120"/>
+                      </a:endParaRPr>
+                    </a:p>
+                  </a:txBody>
+                  <a:tcPr marL="7158" marR="7158" marT="7158" marB="0" anchor="ctr"/>
+                </a:tc>
+              </a:tr>
+              <a:tr h="179373">
+                <a:tc rowSpan="3">
+                  <a:txBody>
+                    <a:bodyPr/>
+                    <a:lstStyle/>
+                    <a:p>
+                      <a:pPr algn="ctr" fontAlgn="t"/>
+                      <a:r>
+                        <a:rPr lang="en-US" sz="1300" u="none" strike="noStrike">
+                          <a:effectLst/>
+                        </a:rPr>
+                        <a:t>NegWordNum</a:t>
+                      </a:r>
+                      <a:endParaRPr lang="en-US" sz="1300" b="0" i="0" u="none" strike="noStrike">
+                        <a:solidFill>
+                          <a:srgbClr val="000000"/>
+                        </a:solidFill>
+                        <a:effectLst/>
+                        <a:latin typeface="MingLiU" panose="02020509000000000000" pitchFamily="49" charset="-120"/>
+                        <a:ea typeface="MingLiU" panose="02020509000000000000" pitchFamily="49" charset="-120"/>
+                      </a:endParaRPr>
+                    </a:p>
+                  </a:txBody>
+                  <a:tcPr marL="7158" marR="7158" marT="7158" marB="0" anchor="ctr"/>
+                </a:tc>
+                <a:tc>
+                  <a:txBody>
+                    <a:bodyPr/>
+                    <a:lstStyle/>
+                    <a:p>
+                      <a:pPr algn="ctr" fontAlgn="t"/>
+                      <a:r>
+                        <a:rPr lang="en-US" sz="1300" u="none" strike="noStrike">
+                          <a:effectLst/>
+                        </a:rPr>
+                        <a:t>Pearson </a:t>
+                      </a:r>
+                      <a:r>
+                        <a:rPr lang="zh-CN" altLang="en-US" sz="1300" u="none" strike="noStrike">
+                          <a:effectLst/>
+                        </a:rPr>
+                        <a:t>相关性</a:t>
+                      </a:r>
+                      <a:endParaRPr lang="zh-CN" altLang="en-US" sz="1300" b="0" i="0" u="none" strike="noStrike">
+                        <a:solidFill>
+                          <a:srgbClr val="000000"/>
+                        </a:solidFill>
+                        <a:effectLst/>
+                        <a:latin typeface="MingLiU" panose="02020509000000000000" pitchFamily="49" charset="-120"/>
+                        <a:ea typeface="MingLiU" panose="02020509000000000000" pitchFamily="49" charset="-120"/>
+                      </a:endParaRPr>
+                    </a:p>
+                  </a:txBody>
+                  <a:tcPr marL="7158" marR="7158" marT="7158" marB="0" anchor="ctr"/>
+                </a:tc>
+                <a:tc>
+                  <a:txBody>
+                    <a:bodyPr/>
+                    <a:lstStyle/>
+                    <a:p>
+                      <a:pPr algn="ctr" fontAlgn="t"/>
+                      <a:r>
+                        <a:rPr lang="en-US" altLang="zh-CN" sz="1300" u="none" strike="noStrike" dirty="0">
+                          <a:effectLst/>
+                        </a:rPr>
+                        <a:t>-.128</a:t>
+                      </a:r>
+                      <a:endParaRPr lang="en-US" altLang="zh-CN" sz="1300" b="0" i="0" u="none" strike="noStrike" dirty="0">
+                        <a:solidFill>
+                          <a:srgbClr val="000000"/>
+                        </a:solidFill>
+                        <a:effectLst/>
+                        <a:latin typeface="MingLiU" panose="02020509000000000000" pitchFamily="49" charset="-120"/>
+                        <a:ea typeface="MingLiU" panose="02020509000000000000" pitchFamily="49" charset="-120"/>
+                      </a:endParaRPr>
+                    </a:p>
+                  </a:txBody>
+                  <a:tcPr marL="7158" marR="7158" marT="7158" marB="0" anchor="ctr"/>
+                </a:tc>
+                <a:tc>
+                  <a:txBody>
+                    <a:bodyPr/>
+                    <a:lstStyle/>
+                    <a:p>
+                      <a:pPr algn="ctr" fontAlgn="t"/>
+                      <a:r>
+                        <a:rPr lang="en-US" altLang="zh-CN" sz="1300" u="none" strike="noStrike">
+                          <a:effectLst/>
+                        </a:rPr>
+                        <a:t>.041</a:t>
+                      </a:r>
+                      <a:endParaRPr lang="en-US" altLang="zh-CN" sz="1300" b="0" i="0" u="none" strike="noStrike">
+                        <a:solidFill>
+                          <a:srgbClr val="000000"/>
+                        </a:solidFill>
+                        <a:effectLst/>
+                        <a:latin typeface="MingLiU" panose="02020509000000000000" pitchFamily="49" charset="-120"/>
+                        <a:ea typeface="MingLiU" panose="02020509000000000000" pitchFamily="49" charset="-120"/>
+                      </a:endParaRPr>
+                    </a:p>
+                  </a:txBody>
+                  <a:tcPr marL="7158" marR="7158" marT="7158" marB="0" anchor="ctr"/>
+                </a:tc>
+                <a:tc>
+                  <a:txBody>
+                    <a:bodyPr/>
+                    <a:lstStyle/>
+                    <a:p>
+                      <a:pPr algn="ctr" fontAlgn="t"/>
+                      <a:r>
+                        <a:rPr lang="en-US" altLang="zh-CN" sz="1300" u="none" strike="noStrike">
+                          <a:effectLst/>
+                        </a:rPr>
+                        <a:t>.181</a:t>
+                      </a:r>
+                      <a:endParaRPr lang="en-US" altLang="zh-CN" sz="1300" b="0" i="0" u="none" strike="noStrike">
+                        <a:solidFill>
+                          <a:srgbClr val="000000"/>
+                        </a:solidFill>
+                        <a:effectLst/>
+                        <a:latin typeface="MingLiU" panose="02020509000000000000" pitchFamily="49" charset="-120"/>
+                        <a:ea typeface="MingLiU" panose="02020509000000000000" pitchFamily="49" charset="-120"/>
+                      </a:endParaRPr>
+                    </a:p>
+                  </a:txBody>
+                  <a:tcPr marL="7158" marR="7158" marT="7158" marB="0" anchor="ctr"/>
+                </a:tc>
+                <a:tc>
+                  <a:txBody>
+                    <a:bodyPr/>
+                    <a:lstStyle/>
+                    <a:p>
+                      <a:pPr algn="ctr" fontAlgn="t"/>
+                      <a:r>
+                        <a:rPr lang="en-US" altLang="zh-CN" sz="1300" u="none" strike="noStrike">
+                          <a:effectLst/>
+                        </a:rPr>
+                        <a:t>.098</a:t>
+                      </a:r>
+                      <a:endParaRPr lang="en-US" altLang="zh-CN" sz="1300" b="0" i="0" u="none" strike="noStrike">
+                        <a:solidFill>
+                          <a:srgbClr val="000000"/>
+                        </a:solidFill>
+                        <a:effectLst/>
+                        <a:latin typeface="MingLiU" panose="02020509000000000000" pitchFamily="49" charset="-120"/>
+                        <a:ea typeface="MingLiU" panose="02020509000000000000" pitchFamily="49" charset="-120"/>
+                      </a:endParaRPr>
+                    </a:p>
+                  </a:txBody>
+                  <a:tcPr marL="7158" marR="7158" marT="7158" marB="0" anchor="ctr"/>
+                </a:tc>
+                <a:tc>
+                  <a:txBody>
+                    <a:bodyPr/>
+                    <a:lstStyle/>
+                    <a:p>
+                      <a:pPr algn="ctr" fontAlgn="t"/>
+                      <a:r>
+                        <a:rPr lang="en-US" altLang="zh-CN" sz="1300" u="none" strike="noStrike">
+                          <a:effectLst/>
+                        </a:rPr>
+                        <a:t>.131</a:t>
+                      </a:r>
+                      <a:endParaRPr lang="en-US" altLang="zh-CN" sz="1300" b="0" i="0" u="none" strike="noStrike">
+                        <a:solidFill>
+                          <a:srgbClr val="000000"/>
+                        </a:solidFill>
+                        <a:effectLst/>
+                        <a:latin typeface="MingLiU" panose="02020509000000000000" pitchFamily="49" charset="-120"/>
+                        <a:ea typeface="MingLiU" panose="02020509000000000000" pitchFamily="49" charset="-120"/>
+                      </a:endParaRPr>
+                    </a:p>
+                  </a:txBody>
+                  <a:tcPr marL="7158" marR="7158" marT="7158" marB="0" anchor="ctr"/>
+                </a:tc>
+              </a:tr>
+              <a:tr h="179373">
+                <a:tc vMerge="1">
+                  <a:txBody>
+                    <a:bodyPr/>
+                    <a:lstStyle/>
+                    <a:p>
+                      <a:endParaRPr lang="zh-CN" altLang="en-US"/>
+                    </a:p>
+                  </a:txBody>
+                  <a:tcPr/>
+                </a:tc>
+                <a:tc>
+                  <a:txBody>
+                    <a:bodyPr/>
+                    <a:lstStyle/>
+                    <a:p>
+                      <a:pPr algn="ctr" fontAlgn="t"/>
+                      <a:r>
+                        <a:rPr lang="zh-CN" altLang="en-US" sz="1300" u="none" strike="noStrike">
+                          <a:effectLst/>
+                        </a:rPr>
+                        <a:t>显著性（双侧）</a:t>
+                      </a:r>
+                      <a:endParaRPr lang="zh-CN" altLang="en-US" sz="1300" b="0" i="0" u="none" strike="noStrike">
+                        <a:solidFill>
+                          <a:srgbClr val="000000"/>
+                        </a:solidFill>
+                        <a:effectLst/>
+                        <a:latin typeface="MingLiU" panose="02020509000000000000" pitchFamily="49" charset="-120"/>
+                        <a:ea typeface="MingLiU" panose="02020509000000000000" pitchFamily="49" charset="-120"/>
+                      </a:endParaRPr>
+                    </a:p>
+                  </a:txBody>
+                  <a:tcPr marL="7158" marR="7158" marT="7158" marB="0" anchor="ctr"/>
+                </a:tc>
+                <a:tc>
+                  <a:txBody>
+                    <a:bodyPr/>
+                    <a:lstStyle/>
+                    <a:p>
+                      <a:pPr algn="ctr" fontAlgn="t"/>
+                      <a:r>
+                        <a:rPr lang="en-US" altLang="zh-CN" sz="1300" u="none" strike="noStrike">
+                          <a:effectLst/>
+                        </a:rPr>
+                        <a:t>.236</a:t>
+                      </a:r>
+                      <a:endParaRPr lang="en-US" altLang="zh-CN" sz="1300" b="0" i="0" u="none" strike="noStrike">
+                        <a:solidFill>
+                          <a:srgbClr val="000000"/>
+                        </a:solidFill>
+                        <a:effectLst/>
+                        <a:latin typeface="MingLiU" panose="02020509000000000000" pitchFamily="49" charset="-120"/>
+                        <a:ea typeface="MingLiU" panose="02020509000000000000" pitchFamily="49" charset="-120"/>
+                      </a:endParaRPr>
+                    </a:p>
+                  </a:txBody>
+                  <a:tcPr marL="7158" marR="7158" marT="7158" marB="0" anchor="ctr"/>
+                </a:tc>
+                <a:tc>
+                  <a:txBody>
+                    <a:bodyPr/>
+                    <a:lstStyle/>
+                    <a:p>
+                      <a:pPr algn="ctr" fontAlgn="t"/>
+                      <a:r>
+                        <a:rPr lang="en-US" altLang="zh-CN" sz="1300" u="none" strike="noStrike">
+                          <a:effectLst/>
+                        </a:rPr>
+                        <a:t>.706</a:t>
+                      </a:r>
+                      <a:endParaRPr lang="en-US" altLang="zh-CN" sz="1300" b="0" i="0" u="none" strike="noStrike">
+                        <a:solidFill>
+                          <a:srgbClr val="000000"/>
+                        </a:solidFill>
+                        <a:effectLst/>
+                        <a:latin typeface="MingLiU" panose="02020509000000000000" pitchFamily="49" charset="-120"/>
+                        <a:ea typeface="MingLiU" panose="02020509000000000000" pitchFamily="49" charset="-120"/>
+                      </a:endParaRPr>
+                    </a:p>
+                  </a:txBody>
+                  <a:tcPr marL="7158" marR="7158" marT="7158" marB="0" anchor="ctr"/>
+                </a:tc>
+                <a:tc>
+                  <a:txBody>
+                    <a:bodyPr/>
+                    <a:lstStyle/>
+                    <a:p>
+                      <a:pPr algn="ctr" fontAlgn="t"/>
+                      <a:r>
+                        <a:rPr lang="en-US" altLang="zh-CN" sz="1300" u="none" strike="noStrike">
+                          <a:effectLst/>
+                        </a:rPr>
+                        <a:t>.091</a:t>
+                      </a:r>
+                      <a:endParaRPr lang="en-US" altLang="zh-CN" sz="1300" b="0" i="0" u="none" strike="noStrike">
+                        <a:solidFill>
+                          <a:srgbClr val="000000"/>
+                        </a:solidFill>
+                        <a:effectLst/>
+                        <a:latin typeface="MingLiU" panose="02020509000000000000" pitchFamily="49" charset="-120"/>
+                        <a:ea typeface="MingLiU" panose="02020509000000000000" pitchFamily="49" charset="-120"/>
+                      </a:endParaRPr>
+                    </a:p>
+                  </a:txBody>
+                  <a:tcPr marL="7158" marR="7158" marT="7158" marB="0" anchor="ctr"/>
+                </a:tc>
+                <a:tc>
+                  <a:txBody>
+                    <a:bodyPr/>
+                    <a:lstStyle/>
+                    <a:p>
+                      <a:pPr algn="ctr" fontAlgn="t"/>
+                      <a:r>
+                        <a:rPr lang="en-US" altLang="zh-CN" sz="1300" u="none" strike="noStrike">
+                          <a:effectLst/>
+                        </a:rPr>
+                        <a:t>.365</a:t>
+                      </a:r>
+                      <a:endParaRPr lang="en-US" altLang="zh-CN" sz="1300" b="0" i="0" u="none" strike="noStrike">
+                        <a:solidFill>
+                          <a:srgbClr val="000000"/>
+                        </a:solidFill>
+                        <a:effectLst/>
+                        <a:latin typeface="MingLiU" panose="02020509000000000000" pitchFamily="49" charset="-120"/>
+                        <a:ea typeface="MingLiU" panose="02020509000000000000" pitchFamily="49" charset="-120"/>
+                      </a:endParaRPr>
+                    </a:p>
+                  </a:txBody>
+                  <a:tcPr marL="7158" marR="7158" marT="7158" marB="0" anchor="ctr"/>
+                </a:tc>
+                <a:tc>
+                  <a:txBody>
+                    <a:bodyPr/>
+                    <a:lstStyle/>
+                    <a:p>
+                      <a:pPr algn="ctr" fontAlgn="t"/>
+                      <a:r>
+                        <a:rPr lang="en-US" altLang="zh-CN" sz="1300" u="none" strike="noStrike">
+                          <a:effectLst/>
+                        </a:rPr>
+                        <a:t>.223</a:t>
+                      </a:r>
+                      <a:endParaRPr lang="en-US" altLang="zh-CN" sz="1300" b="0" i="0" u="none" strike="noStrike">
+                        <a:solidFill>
+                          <a:srgbClr val="000000"/>
+                        </a:solidFill>
+                        <a:effectLst/>
+                        <a:latin typeface="MingLiU" panose="02020509000000000000" pitchFamily="49" charset="-120"/>
+                        <a:ea typeface="MingLiU" panose="02020509000000000000" pitchFamily="49" charset="-120"/>
+                      </a:endParaRPr>
+                    </a:p>
+                  </a:txBody>
+                  <a:tcPr marL="7158" marR="7158" marT="7158" marB="0" anchor="ctr"/>
+                </a:tc>
+              </a:tr>
+              <a:tr h="179373">
+                <a:tc vMerge="1">
+                  <a:txBody>
+                    <a:bodyPr/>
+                    <a:lstStyle/>
+                    <a:p>
+                      <a:endParaRPr lang="zh-CN" altLang="en-US"/>
+                    </a:p>
+                  </a:txBody>
+                  <a:tcPr/>
+                </a:tc>
+                <a:tc>
+                  <a:txBody>
+                    <a:bodyPr/>
+                    <a:lstStyle/>
+                    <a:p>
+                      <a:pPr algn="ctr" fontAlgn="t"/>
+                      <a:r>
+                        <a:rPr lang="en-US" sz="1300" u="none" strike="noStrike">
+                          <a:effectLst/>
+                        </a:rPr>
+                        <a:t>N</a:t>
+                      </a:r>
+                      <a:endParaRPr lang="en-US" sz="1300" b="0" i="0" u="none" strike="noStrike">
+                        <a:solidFill>
+                          <a:srgbClr val="000000"/>
+                        </a:solidFill>
+                        <a:effectLst/>
+                        <a:latin typeface="MingLiU" panose="02020509000000000000" pitchFamily="49" charset="-120"/>
+                        <a:ea typeface="MingLiU" panose="02020509000000000000" pitchFamily="49" charset="-120"/>
+                      </a:endParaRPr>
+                    </a:p>
+                  </a:txBody>
+                  <a:tcPr marL="7158" marR="7158" marT="7158" marB="0" anchor="ctr"/>
+                </a:tc>
+                <a:tc>
+                  <a:txBody>
+                    <a:bodyPr/>
+                    <a:lstStyle/>
+                    <a:p>
+                      <a:pPr algn="ctr" fontAlgn="t"/>
+                      <a:r>
+                        <a:rPr lang="en-US" altLang="zh-CN" sz="1300" u="none" strike="noStrike">
+                          <a:effectLst/>
+                        </a:rPr>
+                        <a:t>88</a:t>
+                      </a:r>
+                      <a:endParaRPr lang="en-US" altLang="zh-CN" sz="1300" b="0" i="0" u="none" strike="noStrike">
+                        <a:solidFill>
+                          <a:srgbClr val="000000"/>
+                        </a:solidFill>
+                        <a:effectLst/>
+                        <a:latin typeface="MingLiU" panose="02020509000000000000" pitchFamily="49" charset="-120"/>
+                        <a:ea typeface="MingLiU" panose="02020509000000000000" pitchFamily="49" charset="-120"/>
+                      </a:endParaRPr>
+                    </a:p>
+                  </a:txBody>
+                  <a:tcPr marL="7158" marR="7158" marT="7158" marB="0" anchor="ctr"/>
+                </a:tc>
+                <a:tc>
+                  <a:txBody>
+                    <a:bodyPr/>
+                    <a:lstStyle/>
+                    <a:p>
+                      <a:pPr algn="ctr" fontAlgn="t"/>
+                      <a:r>
+                        <a:rPr lang="en-US" altLang="zh-CN" sz="1300" u="none" strike="noStrike">
+                          <a:effectLst/>
+                        </a:rPr>
+                        <a:t>88</a:t>
+                      </a:r>
+                      <a:endParaRPr lang="en-US" altLang="zh-CN" sz="1300" b="0" i="0" u="none" strike="noStrike">
+                        <a:solidFill>
+                          <a:srgbClr val="000000"/>
+                        </a:solidFill>
+                        <a:effectLst/>
+                        <a:latin typeface="MingLiU" panose="02020509000000000000" pitchFamily="49" charset="-120"/>
+                        <a:ea typeface="MingLiU" panose="02020509000000000000" pitchFamily="49" charset="-120"/>
+                      </a:endParaRPr>
+                    </a:p>
+                  </a:txBody>
+                  <a:tcPr marL="7158" marR="7158" marT="7158" marB="0" anchor="ctr"/>
+                </a:tc>
+                <a:tc>
+                  <a:txBody>
+                    <a:bodyPr/>
+                    <a:lstStyle/>
+                    <a:p>
+                      <a:pPr algn="ctr" fontAlgn="t"/>
+                      <a:r>
+                        <a:rPr lang="en-US" altLang="zh-CN" sz="1300" u="none" strike="noStrike">
+                          <a:effectLst/>
+                        </a:rPr>
+                        <a:t>88</a:t>
+                      </a:r>
+                      <a:endParaRPr lang="en-US" altLang="zh-CN" sz="1300" b="0" i="0" u="none" strike="noStrike">
+                        <a:solidFill>
+                          <a:srgbClr val="000000"/>
+                        </a:solidFill>
+                        <a:effectLst/>
+                        <a:latin typeface="MingLiU" panose="02020509000000000000" pitchFamily="49" charset="-120"/>
+                        <a:ea typeface="MingLiU" panose="02020509000000000000" pitchFamily="49" charset="-120"/>
+                      </a:endParaRPr>
+                    </a:p>
+                  </a:txBody>
+                  <a:tcPr marL="7158" marR="7158" marT="7158" marB="0" anchor="ctr"/>
+                </a:tc>
+                <a:tc>
+                  <a:txBody>
+                    <a:bodyPr/>
+                    <a:lstStyle/>
+                    <a:p>
+                      <a:pPr algn="ctr" fontAlgn="t"/>
+                      <a:r>
+                        <a:rPr lang="en-US" altLang="zh-CN" sz="1300" u="none" strike="noStrike">
+                          <a:effectLst/>
+                        </a:rPr>
+                        <a:t>88</a:t>
+                      </a:r>
+                      <a:endParaRPr lang="en-US" altLang="zh-CN" sz="1300" b="0" i="0" u="none" strike="noStrike">
+                        <a:solidFill>
+                          <a:srgbClr val="000000"/>
+                        </a:solidFill>
+                        <a:effectLst/>
+                        <a:latin typeface="MingLiU" panose="02020509000000000000" pitchFamily="49" charset="-120"/>
+                        <a:ea typeface="MingLiU" panose="02020509000000000000" pitchFamily="49" charset="-120"/>
+                      </a:endParaRPr>
+                    </a:p>
+                  </a:txBody>
+                  <a:tcPr marL="7158" marR="7158" marT="7158" marB="0" anchor="ctr"/>
+                </a:tc>
+                <a:tc>
+                  <a:txBody>
+                    <a:bodyPr/>
+                    <a:lstStyle/>
+                    <a:p>
+                      <a:pPr algn="ctr" fontAlgn="t"/>
+                      <a:r>
+                        <a:rPr lang="en-US" altLang="zh-CN" sz="1300" u="none" strike="noStrike">
+                          <a:effectLst/>
+                        </a:rPr>
+                        <a:t>88</a:t>
+                      </a:r>
+                      <a:endParaRPr lang="en-US" altLang="zh-CN" sz="1300" b="0" i="0" u="none" strike="noStrike">
+                        <a:solidFill>
+                          <a:srgbClr val="000000"/>
+                        </a:solidFill>
+                        <a:effectLst/>
+                        <a:latin typeface="MingLiU" panose="02020509000000000000" pitchFamily="49" charset="-120"/>
+                        <a:ea typeface="MingLiU" panose="02020509000000000000" pitchFamily="49" charset="-120"/>
+                      </a:endParaRPr>
+                    </a:p>
+                  </a:txBody>
+                  <a:tcPr marL="7158" marR="7158" marT="7158" marB="0" anchor="ctr"/>
+                </a:tc>
+              </a:tr>
+              <a:tr h="204997">
+                <a:tc rowSpan="3">
+                  <a:txBody>
+                    <a:bodyPr/>
+                    <a:lstStyle/>
+                    <a:p>
+                      <a:pPr algn="ctr" fontAlgn="t"/>
+                      <a:r>
+                        <a:rPr lang="en-US" sz="1300" u="none" strike="noStrike">
+                          <a:effectLst/>
+                        </a:rPr>
+                        <a:t>PosStatusRatio</a:t>
+                      </a:r>
+                      <a:endParaRPr lang="en-US" sz="1300" b="0" i="0" u="none" strike="noStrike">
+                        <a:solidFill>
+                          <a:srgbClr val="000000"/>
+                        </a:solidFill>
+                        <a:effectLst/>
+                        <a:latin typeface="MingLiU" panose="02020509000000000000" pitchFamily="49" charset="-120"/>
+                        <a:ea typeface="MingLiU" panose="02020509000000000000" pitchFamily="49" charset="-120"/>
+                      </a:endParaRPr>
+                    </a:p>
+                  </a:txBody>
+                  <a:tcPr marL="7158" marR="7158" marT="7158" marB="0" anchor="ctr"/>
+                </a:tc>
+                <a:tc>
+                  <a:txBody>
+                    <a:bodyPr/>
+                    <a:lstStyle/>
+                    <a:p>
+                      <a:pPr algn="ctr" fontAlgn="t"/>
+                      <a:r>
+                        <a:rPr lang="en-US" sz="1300" u="none" strike="noStrike">
+                          <a:effectLst/>
+                        </a:rPr>
+                        <a:t>Pearson </a:t>
+                      </a:r>
+                      <a:r>
+                        <a:rPr lang="zh-CN" altLang="en-US" sz="1300" u="none" strike="noStrike">
+                          <a:effectLst/>
+                        </a:rPr>
+                        <a:t>相关性</a:t>
+                      </a:r>
+                      <a:endParaRPr lang="zh-CN" altLang="en-US" sz="1300" b="0" i="0" u="none" strike="noStrike">
+                        <a:solidFill>
+                          <a:srgbClr val="000000"/>
+                        </a:solidFill>
+                        <a:effectLst/>
+                        <a:latin typeface="MingLiU" panose="02020509000000000000" pitchFamily="49" charset="-120"/>
+                        <a:ea typeface="MingLiU" panose="02020509000000000000" pitchFamily="49" charset="-120"/>
+                      </a:endParaRPr>
+                    </a:p>
+                  </a:txBody>
+                  <a:tcPr marL="7158" marR="7158" marT="7158" marB="0" anchor="ctr"/>
+                </a:tc>
+                <a:tc>
+                  <a:txBody>
+                    <a:bodyPr/>
+                    <a:lstStyle/>
+                    <a:p>
+                      <a:pPr algn="ctr" fontAlgn="t"/>
+                      <a:r>
+                        <a:rPr lang="en-US" altLang="zh-CN" sz="1300" u="none" strike="noStrike">
+                          <a:effectLst/>
+                        </a:rPr>
+                        <a:t>.062</a:t>
+                      </a:r>
+                      <a:endParaRPr lang="en-US" altLang="zh-CN" sz="1300" b="0" i="0" u="none" strike="noStrike">
+                        <a:solidFill>
+                          <a:srgbClr val="000000"/>
+                        </a:solidFill>
+                        <a:effectLst/>
+                        <a:latin typeface="MingLiU" panose="02020509000000000000" pitchFamily="49" charset="-120"/>
+                        <a:ea typeface="MingLiU" panose="02020509000000000000" pitchFamily="49" charset="-120"/>
+                      </a:endParaRPr>
+                    </a:p>
+                  </a:txBody>
+                  <a:tcPr marL="7158" marR="7158" marT="7158" marB="0" anchor="ctr"/>
+                </a:tc>
+                <a:tc>
+                  <a:txBody>
+                    <a:bodyPr/>
+                    <a:lstStyle/>
+                    <a:p>
+                      <a:pPr algn="ctr" fontAlgn="t"/>
+                      <a:r>
+                        <a:rPr lang="en-US" altLang="zh-CN" sz="1300" u="none" strike="noStrike">
+                          <a:effectLst/>
+                        </a:rPr>
+                        <a:t>-.090</a:t>
+                      </a:r>
+                      <a:endParaRPr lang="en-US" altLang="zh-CN" sz="1300" b="0" i="0" u="none" strike="noStrike">
+                        <a:solidFill>
+                          <a:srgbClr val="000000"/>
+                        </a:solidFill>
+                        <a:effectLst/>
+                        <a:latin typeface="MingLiU" panose="02020509000000000000" pitchFamily="49" charset="-120"/>
+                        <a:ea typeface="MingLiU" panose="02020509000000000000" pitchFamily="49" charset="-120"/>
+                      </a:endParaRPr>
+                    </a:p>
+                  </a:txBody>
+                  <a:tcPr marL="7158" marR="7158" marT="7158" marB="0" anchor="ctr"/>
+                </a:tc>
+                <a:tc>
+                  <a:txBody>
+                    <a:bodyPr/>
+                    <a:lstStyle/>
+                    <a:p>
+                      <a:pPr algn="ctr" fontAlgn="t"/>
+                      <a:r>
+                        <a:rPr lang="en-US" altLang="zh-CN" sz="1300" u="none" strike="noStrike">
+                          <a:effectLst/>
+                        </a:rPr>
+                        <a:t>-.223</a:t>
+                      </a:r>
+                      <a:r>
+                        <a:rPr lang="zh-CN" altLang="en-US" sz="1300" u="none" strike="noStrike" baseline="30000">
+                          <a:effectLst/>
+                        </a:rPr>
+                        <a:t>*</a:t>
+                      </a:r>
+                      <a:endParaRPr lang="zh-CN" altLang="en-US" sz="1300" b="0" i="0" u="none" strike="noStrike">
+                        <a:solidFill>
+                          <a:srgbClr val="000000"/>
+                        </a:solidFill>
+                        <a:effectLst/>
+                        <a:latin typeface="MingLiU" panose="02020509000000000000" pitchFamily="49" charset="-120"/>
+                        <a:ea typeface="MingLiU" panose="02020509000000000000" pitchFamily="49" charset="-120"/>
+                      </a:endParaRPr>
+                    </a:p>
+                  </a:txBody>
+                  <a:tcPr marL="7158" marR="7158" marT="7158" marB="0" anchor="ctr"/>
+                </a:tc>
+                <a:tc>
+                  <a:txBody>
+                    <a:bodyPr/>
+                    <a:lstStyle/>
+                    <a:p>
+                      <a:pPr algn="ctr" fontAlgn="t"/>
+                      <a:r>
+                        <a:rPr lang="en-US" altLang="zh-CN" sz="1300" u="none" strike="noStrike">
+                          <a:effectLst/>
+                        </a:rPr>
+                        <a:t>-.088</a:t>
+                      </a:r>
+                      <a:endParaRPr lang="en-US" altLang="zh-CN" sz="1300" b="0" i="0" u="none" strike="noStrike">
+                        <a:solidFill>
+                          <a:srgbClr val="000000"/>
+                        </a:solidFill>
+                        <a:effectLst/>
+                        <a:latin typeface="MingLiU" panose="02020509000000000000" pitchFamily="49" charset="-120"/>
+                        <a:ea typeface="MingLiU" panose="02020509000000000000" pitchFamily="49" charset="-120"/>
+                      </a:endParaRPr>
+                    </a:p>
+                  </a:txBody>
+                  <a:tcPr marL="7158" marR="7158" marT="7158" marB="0" anchor="ctr"/>
+                </a:tc>
+                <a:tc>
+                  <a:txBody>
+                    <a:bodyPr/>
+                    <a:lstStyle/>
+                    <a:p>
+                      <a:pPr algn="ctr" fontAlgn="t"/>
+                      <a:r>
+                        <a:rPr lang="en-US" altLang="zh-CN" sz="1300" u="none" strike="noStrike">
+                          <a:effectLst/>
+                        </a:rPr>
+                        <a:t>-.080</a:t>
+                      </a:r>
+                      <a:endParaRPr lang="en-US" altLang="zh-CN" sz="1300" b="0" i="0" u="none" strike="noStrike">
+                        <a:solidFill>
+                          <a:srgbClr val="000000"/>
+                        </a:solidFill>
+                        <a:effectLst/>
+                        <a:latin typeface="MingLiU" panose="02020509000000000000" pitchFamily="49" charset="-120"/>
+                        <a:ea typeface="MingLiU" panose="02020509000000000000" pitchFamily="49" charset="-120"/>
+                      </a:endParaRPr>
+                    </a:p>
+                  </a:txBody>
+                  <a:tcPr marL="7158" marR="7158" marT="7158" marB="0" anchor="ctr"/>
+                </a:tc>
+              </a:tr>
+              <a:tr h="204997">
+                <a:tc vMerge="1">
+                  <a:txBody>
+                    <a:bodyPr/>
+                    <a:lstStyle/>
+                    <a:p>
+                      <a:endParaRPr lang="zh-CN" altLang="en-US"/>
+                    </a:p>
+                  </a:txBody>
+                  <a:tcPr/>
+                </a:tc>
+                <a:tc>
+                  <a:txBody>
+                    <a:bodyPr/>
+                    <a:lstStyle/>
+                    <a:p>
+                      <a:pPr algn="ctr" fontAlgn="t"/>
+                      <a:r>
+                        <a:rPr lang="zh-CN" altLang="en-US" sz="1300" u="none" strike="noStrike">
+                          <a:effectLst/>
+                        </a:rPr>
+                        <a:t>显著性（双侧）</a:t>
+                      </a:r>
+                      <a:endParaRPr lang="zh-CN" altLang="en-US" sz="1300" b="0" i="0" u="none" strike="noStrike">
+                        <a:solidFill>
+                          <a:srgbClr val="000000"/>
+                        </a:solidFill>
+                        <a:effectLst/>
+                        <a:latin typeface="MingLiU" panose="02020509000000000000" pitchFamily="49" charset="-120"/>
+                        <a:ea typeface="MingLiU" panose="02020509000000000000" pitchFamily="49" charset="-120"/>
+                      </a:endParaRPr>
+                    </a:p>
+                  </a:txBody>
+                  <a:tcPr marL="7158" marR="7158" marT="7158" marB="0" anchor="ctr"/>
+                </a:tc>
+                <a:tc>
+                  <a:txBody>
+                    <a:bodyPr/>
+                    <a:lstStyle/>
+                    <a:p>
+                      <a:pPr algn="ctr" fontAlgn="t"/>
+                      <a:r>
+                        <a:rPr lang="en-US" altLang="zh-CN" sz="1300" u="none" strike="noStrike" dirty="0">
+                          <a:effectLst/>
+                        </a:rPr>
+                        <a:t>.564</a:t>
+                      </a:r>
+                      <a:endParaRPr lang="en-US" altLang="zh-CN" sz="1300" b="0" i="0" u="none" strike="noStrike" dirty="0">
+                        <a:solidFill>
+                          <a:srgbClr val="000000"/>
+                        </a:solidFill>
+                        <a:effectLst/>
+                        <a:latin typeface="MingLiU" panose="02020509000000000000" pitchFamily="49" charset="-120"/>
+                        <a:ea typeface="MingLiU" panose="02020509000000000000" pitchFamily="49" charset="-120"/>
+                      </a:endParaRPr>
+                    </a:p>
+                  </a:txBody>
+                  <a:tcPr marL="7158" marR="7158" marT="7158" marB="0" anchor="ctr"/>
+                </a:tc>
+                <a:tc>
+                  <a:txBody>
+                    <a:bodyPr/>
+                    <a:lstStyle/>
+                    <a:p>
+                      <a:pPr algn="ctr" fontAlgn="t"/>
+                      <a:r>
+                        <a:rPr lang="en-US" altLang="zh-CN" sz="1300" u="none" strike="noStrike" dirty="0">
+                          <a:effectLst/>
+                        </a:rPr>
+                        <a:t>.405</a:t>
+                      </a:r>
+                      <a:endParaRPr lang="en-US" altLang="zh-CN" sz="1300" b="0" i="0" u="none" strike="noStrike" dirty="0">
+                        <a:solidFill>
+                          <a:srgbClr val="000000"/>
+                        </a:solidFill>
+                        <a:effectLst/>
+                        <a:latin typeface="MingLiU" panose="02020509000000000000" pitchFamily="49" charset="-120"/>
+                        <a:ea typeface="MingLiU" panose="02020509000000000000" pitchFamily="49" charset="-120"/>
+                      </a:endParaRPr>
+                    </a:p>
+                  </a:txBody>
+                  <a:tcPr marL="7158" marR="7158" marT="7158" marB="0" anchor="ctr"/>
+                </a:tc>
+                <a:tc>
+                  <a:txBody>
+                    <a:bodyPr/>
+                    <a:lstStyle/>
+                    <a:p>
+                      <a:pPr algn="ctr" fontAlgn="t"/>
+                      <a:r>
+                        <a:rPr lang="en-US" altLang="zh-CN" sz="1300" u="none" strike="noStrike">
+                          <a:effectLst/>
+                        </a:rPr>
+                        <a:t>.036</a:t>
+                      </a:r>
+                      <a:endParaRPr lang="en-US" altLang="zh-CN" sz="1300" b="0" i="0" u="none" strike="noStrike">
+                        <a:solidFill>
+                          <a:srgbClr val="000000"/>
+                        </a:solidFill>
+                        <a:effectLst/>
+                        <a:latin typeface="MingLiU" panose="02020509000000000000" pitchFamily="49" charset="-120"/>
+                        <a:ea typeface="MingLiU" panose="02020509000000000000" pitchFamily="49" charset="-120"/>
+                      </a:endParaRPr>
+                    </a:p>
+                  </a:txBody>
+                  <a:tcPr marL="7158" marR="7158" marT="7158" marB="0" anchor="ctr"/>
+                </a:tc>
+                <a:tc>
+                  <a:txBody>
+                    <a:bodyPr/>
+                    <a:lstStyle/>
+                    <a:p>
+                      <a:pPr algn="ctr" fontAlgn="t"/>
+                      <a:r>
+                        <a:rPr lang="en-US" altLang="zh-CN" sz="1300" u="none" strike="noStrike">
+                          <a:effectLst/>
+                        </a:rPr>
+                        <a:t>.413</a:t>
+                      </a:r>
+                      <a:endParaRPr lang="en-US" altLang="zh-CN" sz="1300" b="0" i="0" u="none" strike="noStrike">
+                        <a:solidFill>
+                          <a:srgbClr val="000000"/>
+                        </a:solidFill>
+                        <a:effectLst/>
+                        <a:latin typeface="MingLiU" panose="02020509000000000000" pitchFamily="49" charset="-120"/>
+                        <a:ea typeface="MingLiU" panose="02020509000000000000" pitchFamily="49" charset="-120"/>
+                      </a:endParaRPr>
+                    </a:p>
+                  </a:txBody>
+                  <a:tcPr marL="7158" marR="7158" marT="7158" marB="0" anchor="ctr"/>
+                </a:tc>
+                <a:tc>
+                  <a:txBody>
+                    <a:bodyPr/>
+                    <a:lstStyle/>
+                    <a:p>
+                      <a:pPr algn="ctr" fontAlgn="t"/>
+                      <a:r>
+                        <a:rPr lang="en-US" altLang="zh-CN" sz="1300" u="none" strike="noStrike">
+                          <a:effectLst/>
+                        </a:rPr>
+                        <a:t>.461</a:t>
+                      </a:r>
+                      <a:endParaRPr lang="en-US" altLang="zh-CN" sz="1300" b="0" i="0" u="none" strike="noStrike">
+                        <a:solidFill>
+                          <a:srgbClr val="000000"/>
+                        </a:solidFill>
+                        <a:effectLst/>
+                        <a:latin typeface="MingLiU" panose="02020509000000000000" pitchFamily="49" charset="-120"/>
+                        <a:ea typeface="MingLiU" panose="02020509000000000000" pitchFamily="49" charset="-120"/>
+                      </a:endParaRPr>
+                    </a:p>
+                  </a:txBody>
+                  <a:tcPr marL="7158" marR="7158" marT="7158" marB="0" anchor="ctr"/>
+                </a:tc>
+              </a:tr>
+              <a:tr h="179373">
+                <a:tc vMerge="1">
+                  <a:txBody>
+                    <a:bodyPr/>
+                    <a:lstStyle/>
+                    <a:p>
+                      <a:endParaRPr lang="zh-CN" altLang="en-US"/>
+                    </a:p>
+                  </a:txBody>
+                  <a:tcPr/>
+                </a:tc>
+                <a:tc>
+                  <a:txBody>
+                    <a:bodyPr/>
+                    <a:lstStyle/>
+                    <a:p>
+                      <a:pPr algn="ctr" fontAlgn="t"/>
+                      <a:r>
+                        <a:rPr lang="en-US" sz="1300" u="none" strike="noStrike">
+                          <a:effectLst/>
+                        </a:rPr>
+                        <a:t>N</a:t>
+                      </a:r>
+                      <a:endParaRPr lang="en-US" sz="1300" b="0" i="0" u="none" strike="noStrike">
+                        <a:solidFill>
+                          <a:srgbClr val="000000"/>
+                        </a:solidFill>
+                        <a:effectLst/>
+                        <a:latin typeface="MingLiU" panose="02020509000000000000" pitchFamily="49" charset="-120"/>
+                        <a:ea typeface="MingLiU" panose="02020509000000000000" pitchFamily="49" charset="-120"/>
+                      </a:endParaRPr>
+                    </a:p>
+                  </a:txBody>
+                  <a:tcPr marL="7158" marR="7158" marT="7158" marB="0" anchor="ctr"/>
+                </a:tc>
+                <a:tc>
+                  <a:txBody>
+                    <a:bodyPr/>
+                    <a:lstStyle/>
+                    <a:p>
+                      <a:pPr algn="ctr" fontAlgn="t"/>
+                      <a:r>
+                        <a:rPr lang="en-US" altLang="zh-CN" sz="1300" u="none" strike="noStrike">
+                          <a:effectLst/>
+                        </a:rPr>
+                        <a:t>88</a:t>
+                      </a:r>
+                      <a:endParaRPr lang="en-US" altLang="zh-CN" sz="1300" b="0" i="0" u="none" strike="noStrike">
+                        <a:solidFill>
+                          <a:srgbClr val="000000"/>
+                        </a:solidFill>
+                        <a:effectLst/>
+                        <a:latin typeface="MingLiU" panose="02020509000000000000" pitchFamily="49" charset="-120"/>
+                        <a:ea typeface="MingLiU" panose="02020509000000000000" pitchFamily="49" charset="-120"/>
+                      </a:endParaRPr>
+                    </a:p>
+                  </a:txBody>
+                  <a:tcPr marL="7158" marR="7158" marT="7158" marB="0" anchor="ctr"/>
+                </a:tc>
+                <a:tc>
+                  <a:txBody>
+                    <a:bodyPr/>
+                    <a:lstStyle/>
+                    <a:p>
+                      <a:pPr algn="ctr" fontAlgn="t"/>
+                      <a:r>
+                        <a:rPr lang="en-US" altLang="zh-CN" sz="1300" u="none" strike="noStrike" dirty="0">
+                          <a:effectLst/>
+                        </a:rPr>
+                        <a:t>88</a:t>
+                      </a:r>
+                      <a:endParaRPr lang="en-US" altLang="zh-CN" sz="1300" b="0" i="0" u="none" strike="noStrike" dirty="0">
+                        <a:solidFill>
+                          <a:srgbClr val="000000"/>
+                        </a:solidFill>
+                        <a:effectLst/>
+                        <a:latin typeface="MingLiU" panose="02020509000000000000" pitchFamily="49" charset="-120"/>
+                        <a:ea typeface="MingLiU" panose="02020509000000000000" pitchFamily="49" charset="-120"/>
+                      </a:endParaRPr>
+                    </a:p>
+                  </a:txBody>
+                  <a:tcPr marL="7158" marR="7158" marT="7158" marB="0" anchor="ctr"/>
+                </a:tc>
+                <a:tc>
+                  <a:txBody>
+                    <a:bodyPr/>
+                    <a:lstStyle/>
+                    <a:p>
+                      <a:pPr algn="ctr" fontAlgn="t"/>
+                      <a:r>
+                        <a:rPr lang="en-US" altLang="zh-CN" sz="1300" u="none" strike="noStrike">
+                          <a:effectLst/>
+                        </a:rPr>
+                        <a:t>88</a:t>
+                      </a:r>
+                      <a:endParaRPr lang="en-US" altLang="zh-CN" sz="1300" b="0" i="0" u="none" strike="noStrike">
+                        <a:solidFill>
+                          <a:srgbClr val="000000"/>
+                        </a:solidFill>
+                        <a:effectLst/>
+                        <a:latin typeface="MingLiU" panose="02020509000000000000" pitchFamily="49" charset="-120"/>
+                        <a:ea typeface="MingLiU" panose="02020509000000000000" pitchFamily="49" charset="-120"/>
+                      </a:endParaRPr>
+                    </a:p>
+                  </a:txBody>
+                  <a:tcPr marL="7158" marR="7158" marT="7158" marB="0" anchor="ctr"/>
+                </a:tc>
+                <a:tc>
+                  <a:txBody>
+                    <a:bodyPr/>
+                    <a:lstStyle/>
+                    <a:p>
+                      <a:pPr algn="ctr" fontAlgn="t"/>
+                      <a:r>
+                        <a:rPr lang="en-US" altLang="zh-CN" sz="1300" u="none" strike="noStrike">
+                          <a:effectLst/>
+                        </a:rPr>
+                        <a:t>88</a:t>
+                      </a:r>
+                      <a:endParaRPr lang="en-US" altLang="zh-CN" sz="1300" b="0" i="0" u="none" strike="noStrike">
+                        <a:solidFill>
+                          <a:srgbClr val="000000"/>
+                        </a:solidFill>
+                        <a:effectLst/>
+                        <a:latin typeface="MingLiU" panose="02020509000000000000" pitchFamily="49" charset="-120"/>
+                        <a:ea typeface="MingLiU" panose="02020509000000000000" pitchFamily="49" charset="-120"/>
+                      </a:endParaRPr>
+                    </a:p>
+                  </a:txBody>
+                  <a:tcPr marL="7158" marR="7158" marT="7158" marB="0" anchor="ctr"/>
+                </a:tc>
+                <a:tc>
+                  <a:txBody>
+                    <a:bodyPr/>
+                    <a:lstStyle/>
+                    <a:p>
+                      <a:pPr algn="ctr" fontAlgn="t"/>
+                      <a:r>
+                        <a:rPr lang="en-US" altLang="zh-CN" sz="1300" u="none" strike="noStrike">
+                          <a:effectLst/>
+                        </a:rPr>
+                        <a:t>88</a:t>
+                      </a:r>
+                      <a:endParaRPr lang="en-US" altLang="zh-CN" sz="1300" b="0" i="0" u="none" strike="noStrike">
+                        <a:solidFill>
+                          <a:srgbClr val="000000"/>
+                        </a:solidFill>
+                        <a:effectLst/>
+                        <a:latin typeface="MingLiU" panose="02020509000000000000" pitchFamily="49" charset="-120"/>
+                        <a:ea typeface="MingLiU" panose="02020509000000000000" pitchFamily="49" charset="-120"/>
+                      </a:endParaRPr>
+                    </a:p>
+                  </a:txBody>
+                  <a:tcPr marL="7158" marR="7158" marT="7158" marB="0" anchor="ctr"/>
+                </a:tc>
+              </a:tr>
+              <a:tr h="181650">
+                <a:tc rowSpan="3">
+                  <a:txBody>
+                    <a:bodyPr/>
+                    <a:lstStyle/>
+                    <a:p>
+                      <a:pPr algn="ctr" fontAlgn="t"/>
+                      <a:r>
+                        <a:rPr lang="en-US" sz="1300" u="none" strike="noStrike">
+                          <a:effectLst/>
+                        </a:rPr>
+                        <a:t>NegStatusRatio</a:t>
+                      </a:r>
+                      <a:endParaRPr lang="en-US" sz="1300" b="0" i="0" u="none" strike="noStrike">
+                        <a:solidFill>
+                          <a:srgbClr val="000000"/>
+                        </a:solidFill>
+                        <a:effectLst/>
+                        <a:latin typeface="MingLiU" panose="02020509000000000000" pitchFamily="49" charset="-120"/>
+                        <a:ea typeface="MingLiU" panose="02020509000000000000" pitchFamily="49" charset="-120"/>
+                      </a:endParaRPr>
+                    </a:p>
+                  </a:txBody>
+                  <a:tcPr marL="7158" marR="7158" marT="7158" marB="0" anchor="ctr"/>
+                </a:tc>
+                <a:tc>
+                  <a:txBody>
+                    <a:bodyPr/>
+                    <a:lstStyle/>
+                    <a:p>
+                      <a:pPr algn="ctr" fontAlgn="t"/>
+                      <a:r>
+                        <a:rPr lang="en-US" sz="1300" u="none" strike="noStrike">
+                          <a:effectLst/>
+                        </a:rPr>
+                        <a:t>Pearson </a:t>
+                      </a:r>
+                      <a:r>
+                        <a:rPr lang="zh-CN" altLang="en-US" sz="1300" u="none" strike="noStrike">
+                          <a:effectLst/>
+                        </a:rPr>
+                        <a:t>相关性</a:t>
+                      </a:r>
+                      <a:endParaRPr lang="zh-CN" altLang="en-US" sz="1300" b="0" i="0" u="none" strike="noStrike">
+                        <a:solidFill>
+                          <a:srgbClr val="000000"/>
+                        </a:solidFill>
+                        <a:effectLst/>
+                        <a:latin typeface="MingLiU" panose="02020509000000000000" pitchFamily="49" charset="-120"/>
+                        <a:ea typeface="MingLiU" panose="02020509000000000000" pitchFamily="49" charset="-120"/>
+                      </a:endParaRPr>
+                    </a:p>
+                  </a:txBody>
+                  <a:tcPr marL="7158" marR="7158" marT="7158" marB="0" anchor="ctr"/>
+                </a:tc>
+                <a:tc>
+                  <a:txBody>
+                    <a:bodyPr/>
+                    <a:lstStyle/>
+                    <a:p>
+                      <a:pPr algn="ctr" fontAlgn="t"/>
+                      <a:r>
+                        <a:rPr lang="en-US" altLang="zh-CN" sz="1300" u="none" strike="noStrike">
+                          <a:effectLst/>
+                        </a:rPr>
+                        <a:t>-.062</a:t>
+                      </a:r>
+                      <a:endParaRPr lang="en-US" altLang="zh-CN" sz="1300" b="0" i="0" u="none" strike="noStrike">
+                        <a:solidFill>
+                          <a:srgbClr val="000000"/>
+                        </a:solidFill>
+                        <a:effectLst/>
+                        <a:latin typeface="MingLiU" panose="02020509000000000000" pitchFamily="49" charset="-120"/>
+                        <a:ea typeface="MingLiU" panose="02020509000000000000" pitchFamily="49" charset="-120"/>
+                      </a:endParaRPr>
+                    </a:p>
+                  </a:txBody>
+                  <a:tcPr marL="7158" marR="7158" marT="7158" marB="0" anchor="ctr"/>
+                </a:tc>
+                <a:tc>
+                  <a:txBody>
+                    <a:bodyPr/>
+                    <a:lstStyle/>
+                    <a:p>
+                      <a:pPr algn="ctr" fontAlgn="t"/>
+                      <a:r>
+                        <a:rPr lang="en-US" altLang="zh-CN" sz="1300" u="none" strike="noStrike" dirty="0">
+                          <a:effectLst/>
+                        </a:rPr>
+                        <a:t>.090</a:t>
+                      </a:r>
+                      <a:endParaRPr lang="en-US" altLang="zh-CN" sz="1300" b="0" i="0" u="none" strike="noStrike" dirty="0">
+                        <a:solidFill>
+                          <a:srgbClr val="000000"/>
+                        </a:solidFill>
+                        <a:effectLst/>
+                        <a:latin typeface="MingLiU" panose="02020509000000000000" pitchFamily="49" charset="-120"/>
+                        <a:ea typeface="MingLiU" panose="02020509000000000000" pitchFamily="49" charset="-120"/>
+                      </a:endParaRPr>
+                    </a:p>
+                  </a:txBody>
+                  <a:tcPr marL="7158" marR="7158" marT="7158" marB="0" anchor="ctr"/>
+                </a:tc>
+                <a:tc>
+                  <a:txBody>
+                    <a:bodyPr/>
+                    <a:lstStyle/>
+                    <a:p>
+                      <a:pPr algn="ctr" fontAlgn="t"/>
+                      <a:r>
+                        <a:rPr lang="en-US" altLang="zh-CN" sz="1300" u="none" strike="noStrike">
+                          <a:effectLst/>
+                        </a:rPr>
+                        <a:t>.223</a:t>
+                      </a:r>
+                      <a:r>
+                        <a:rPr lang="zh-CN" altLang="en-US" sz="1300" u="none" strike="noStrike" baseline="30000">
+                          <a:effectLst/>
+                        </a:rPr>
+                        <a:t>*</a:t>
+                      </a:r>
+                      <a:endParaRPr lang="zh-CN" altLang="en-US" sz="1300" b="0" i="0" u="none" strike="noStrike">
+                        <a:solidFill>
+                          <a:srgbClr val="000000"/>
+                        </a:solidFill>
+                        <a:effectLst/>
+                        <a:latin typeface="MingLiU" panose="02020509000000000000" pitchFamily="49" charset="-120"/>
+                        <a:ea typeface="MingLiU" panose="02020509000000000000" pitchFamily="49" charset="-120"/>
+                      </a:endParaRPr>
+                    </a:p>
+                  </a:txBody>
+                  <a:tcPr marL="7158" marR="7158" marT="7158" marB="0" anchor="ctr"/>
+                </a:tc>
+                <a:tc>
+                  <a:txBody>
+                    <a:bodyPr/>
+                    <a:lstStyle/>
+                    <a:p>
+                      <a:pPr algn="ctr" fontAlgn="t"/>
+                      <a:r>
+                        <a:rPr lang="en-US" altLang="zh-CN" sz="1300" u="none" strike="noStrike">
+                          <a:effectLst/>
+                        </a:rPr>
+                        <a:t>.088</a:t>
+                      </a:r>
+                      <a:endParaRPr lang="en-US" altLang="zh-CN" sz="1300" b="0" i="0" u="none" strike="noStrike">
+                        <a:solidFill>
+                          <a:srgbClr val="000000"/>
+                        </a:solidFill>
+                        <a:effectLst/>
+                        <a:latin typeface="MingLiU" panose="02020509000000000000" pitchFamily="49" charset="-120"/>
+                        <a:ea typeface="MingLiU" panose="02020509000000000000" pitchFamily="49" charset="-120"/>
+                      </a:endParaRPr>
+                    </a:p>
+                  </a:txBody>
+                  <a:tcPr marL="7158" marR="7158" marT="7158" marB="0" anchor="ctr"/>
+                </a:tc>
+                <a:tc>
+                  <a:txBody>
+                    <a:bodyPr/>
+                    <a:lstStyle/>
+                    <a:p>
+                      <a:pPr algn="ctr" fontAlgn="t"/>
+                      <a:r>
+                        <a:rPr lang="en-US" altLang="zh-CN" sz="1300" u="none" strike="noStrike">
+                          <a:effectLst/>
+                        </a:rPr>
+                        <a:t>.080</a:t>
+                      </a:r>
+                      <a:endParaRPr lang="en-US" altLang="zh-CN" sz="1300" b="0" i="0" u="none" strike="noStrike">
+                        <a:solidFill>
+                          <a:srgbClr val="000000"/>
+                        </a:solidFill>
+                        <a:effectLst/>
+                        <a:latin typeface="MingLiU" panose="02020509000000000000" pitchFamily="49" charset="-120"/>
+                        <a:ea typeface="MingLiU" panose="02020509000000000000" pitchFamily="49" charset="-120"/>
+                      </a:endParaRPr>
+                    </a:p>
+                  </a:txBody>
+                  <a:tcPr marL="7158" marR="7158" marT="7158" marB="0" anchor="ctr"/>
+                </a:tc>
+              </a:tr>
+              <a:tr h="181650">
+                <a:tc vMerge="1">
+                  <a:txBody>
+                    <a:bodyPr/>
+                    <a:lstStyle/>
+                    <a:p>
+                      <a:endParaRPr lang="zh-CN" altLang="en-US"/>
+                    </a:p>
+                  </a:txBody>
+                  <a:tcPr/>
+                </a:tc>
+                <a:tc>
+                  <a:txBody>
+                    <a:bodyPr/>
+                    <a:lstStyle/>
+                    <a:p>
+                      <a:pPr algn="ctr" fontAlgn="t"/>
+                      <a:r>
+                        <a:rPr lang="zh-CN" altLang="en-US" sz="1300" u="none" strike="noStrike">
+                          <a:effectLst/>
+                        </a:rPr>
+                        <a:t>显著性（双侧）</a:t>
+                      </a:r>
+                      <a:endParaRPr lang="zh-CN" altLang="en-US" sz="1300" b="0" i="0" u="none" strike="noStrike">
+                        <a:solidFill>
+                          <a:srgbClr val="000000"/>
+                        </a:solidFill>
+                        <a:effectLst/>
+                        <a:latin typeface="MingLiU" panose="02020509000000000000" pitchFamily="49" charset="-120"/>
+                        <a:ea typeface="MingLiU" panose="02020509000000000000" pitchFamily="49" charset="-120"/>
+                      </a:endParaRPr>
+                    </a:p>
+                  </a:txBody>
+                  <a:tcPr marL="7158" marR="7158" marT="7158" marB="0" anchor="ctr"/>
+                </a:tc>
+                <a:tc>
+                  <a:txBody>
+                    <a:bodyPr/>
+                    <a:lstStyle/>
+                    <a:p>
+                      <a:pPr algn="ctr" fontAlgn="t"/>
+                      <a:r>
+                        <a:rPr lang="en-US" altLang="zh-CN" sz="1300" u="none" strike="noStrike">
+                          <a:effectLst/>
+                        </a:rPr>
+                        <a:t>.564</a:t>
+                      </a:r>
+                      <a:endParaRPr lang="en-US" altLang="zh-CN" sz="1300" b="0" i="0" u="none" strike="noStrike">
+                        <a:solidFill>
+                          <a:srgbClr val="000000"/>
+                        </a:solidFill>
+                        <a:effectLst/>
+                        <a:latin typeface="MingLiU" panose="02020509000000000000" pitchFamily="49" charset="-120"/>
+                        <a:ea typeface="MingLiU" panose="02020509000000000000" pitchFamily="49" charset="-120"/>
+                      </a:endParaRPr>
+                    </a:p>
+                  </a:txBody>
+                  <a:tcPr marL="7158" marR="7158" marT="7158" marB="0" anchor="ctr"/>
+                </a:tc>
+                <a:tc>
+                  <a:txBody>
+                    <a:bodyPr/>
+                    <a:lstStyle/>
+                    <a:p>
+                      <a:pPr algn="ctr" fontAlgn="t"/>
+                      <a:r>
+                        <a:rPr lang="en-US" altLang="zh-CN" sz="1300" u="none" strike="noStrike" dirty="0">
+                          <a:effectLst/>
+                        </a:rPr>
+                        <a:t>.405</a:t>
+                      </a:r>
+                      <a:endParaRPr lang="en-US" altLang="zh-CN" sz="1300" b="0" i="0" u="none" strike="noStrike" dirty="0">
+                        <a:solidFill>
+                          <a:srgbClr val="000000"/>
+                        </a:solidFill>
+                        <a:effectLst/>
+                        <a:latin typeface="MingLiU" panose="02020509000000000000" pitchFamily="49" charset="-120"/>
+                        <a:ea typeface="MingLiU" panose="02020509000000000000" pitchFamily="49" charset="-120"/>
+                      </a:endParaRPr>
+                    </a:p>
+                  </a:txBody>
+                  <a:tcPr marL="7158" marR="7158" marT="7158" marB="0" anchor="ctr"/>
+                </a:tc>
+                <a:tc>
+                  <a:txBody>
+                    <a:bodyPr/>
+                    <a:lstStyle/>
+                    <a:p>
+                      <a:pPr algn="ctr" fontAlgn="t"/>
+                      <a:r>
+                        <a:rPr lang="en-US" altLang="zh-CN" sz="1300" u="none" strike="noStrike" dirty="0">
+                          <a:effectLst/>
+                        </a:rPr>
+                        <a:t>.036</a:t>
+                      </a:r>
+                      <a:endParaRPr lang="en-US" altLang="zh-CN" sz="1300" b="0" i="0" u="none" strike="noStrike" dirty="0">
+                        <a:solidFill>
+                          <a:srgbClr val="000000"/>
+                        </a:solidFill>
+                        <a:effectLst/>
+                        <a:latin typeface="MingLiU" panose="02020509000000000000" pitchFamily="49" charset="-120"/>
+                        <a:ea typeface="MingLiU" panose="02020509000000000000" pitchFamily="49" charset="-120"/>
+                      </a:endParaRPr>
+                    </a:p>
+                  </a:txBody>
+                  <a:tcPr marL="7158" marR="7158" marT="7158" marB="0" anchor="ctr"/>
+                </a:tc>
+                <a:tc>
+                  <a:txBody>
+                    <a:bodyPr/>
+                    <a:lstStyle/>
+                    <a:p>
+                      <a:pPr algn="ctr" fontAlgn="t"/>
+                      <a:r>
+                        <a:rPr lang="en-US" altLang="zh-CN" sz="1300" u="none" strike="noStrike">
+                          <a:effectLst/>
+                        </a:rPr>
+                        <a:t>.413</a:t>
+                      </a:r>
+                      <a:endParaRPr lang="en-US" altLang="zh-CN" sz="1300" b="0" i="0" u="none" strike="noStrike">
+                        <a:solidFill>
+                          <a:srgbClr val="000000"/>
+                        </a:solidFill>
+                        <a:effectLst/>
+                        <a:latin typeface="MingLiU" panose="02020509000000000000" pitchFamily="49" charset="-120"/>
+                        <a:ea typeface="MingLiU" panose="02020509000000000000" pitchFamily="49" charset="-120"/>
+                      </a:endParaRPr>
+                    </a:p>
+                  </a:txBody>
+                  <a:tcPr marL="7158" marR="7158" marT="7158" marB="0" anchor="ctr"/>
+                </a:tc>
+                <a:tc>
+                  <a:txBody>
+                    <a:bodyPr/>
+                    <a:lstStyle/>
+                    <a:p>
+                      <a:pPr algn="ctr" fontAlgn="t"/>
+                      <a:r>
+                        <a:rPr lang="en-US" altLang="zh-CN" sz="1300" u="none" strike="noStrike">
+                          <a:effectLst/>
+                        </a:rPr>
+                        <a:t>.461</a:t>
+                      </a:r>
+                      <a:endParaRPr lang="en-US" altLang="zh-CN" sz="1300" b="0" i="0" u="none" strike="noStrike">
+                        <a:solidFill>
+                          <a:srgbClr val="000000"/>
+                        </a:solidFill>
+                        <a:effectLst/>
+                        <a:latin typeface="MingLiU" panose="02020509000000000000" pitchFamily="49" charset="-120"/>
+                        <a:ea typeface="MingLiU" panose="02020509000000000000" pitchFamily="49" charset="-120"/>
+                      </a:endParaRPr>
+                    </a:p>
+                  </a:txBody>
+                  <a:tcPr marL="7158" marR="7158" marT="7158" marB="0" anchor="ctr"/>
+                </a:tc>
+              </a:tr>
+              <a:tr h="181650">
+                <a:tc vMerge="1">
+                  <a:txBody>
+                    <a:bodyPr/>
+                    <a:lstStyle/>
+                    <a:p>
+                      <a:endParaRPr lang="zh-CN" altLang="en-US"/>
+                    </a:p>
+                  </a:txBody>
+                  <a:tcPr/>
+                </a:tc>
+                <a:tc>
+                  <a:txBody>
+                    <a:bodyPr/>
+                    <a:lstStyle/>
+                    <a:p>
+                      <a:pPr algn="ctr" fontAlgn="t"/>
+                      <a:r>
+                        <a:rPr lang="en-US" sz="1300" u="none" strike="noStrike">
+                          <a:effectLst/>
+                        </a:rPr>
+                        <a:t>N</a:t>
+                      </a:r>
+                      <a:endParaRPr lang="en-US" sz="1300" b="0" i="0" u="none" strike="noStrike">
+                        <a:solidFill>
+                          <a:srgbClr val="000000"/>
+                        </a:solidFill>
+                        <a:effectLst/>
+                        <a:latin typeface="MingLiU" panose="02020509000000000000" pitchFamily="49" charset="-120"/>
+                        <a:ea typeface="MingLiU" panose="02020509000000000000" pitchFamily="49" charset="-120"/>
+                      </a:endParaRPr>
+                    </a:p>
+                  </a:txBody>
+                  <a:tcPr marL="7158" marR="7158" marT="7158" marB="0" anchor="ctr"/>
+                </a:tc>
+                <a:tc>
+                  <a:txBody>
+                    <a:bodyPr/>
+                    <a:lstStyle/>
+                    <a:p>
+                      <a:pPr algn="ctr" fontAlgn="t"/>
+                      <a:r>
+                        <a:rPr lang="en-US" altLang="zh-CN" sz="1300" u="none" strike="noStrike">
+                          <a:effectLst/>
+                        </a:rPr>
+                        <a:t>88</a:t>
+                      </a:r>
+                      <a:endParaRPr lang="en-US" altLang="zh-CN" sz="1300" b="0" i="0" u="none" strike="noStrike">
+                        <a:solidFill>
+                          <a:srgbClr val="000000"/>
+                        </a:solidFill>
+                        <a:effectLst/>
+                        <a:latin typeface="MingLiU" panose="02020509000000000000" pitchFamily="49" charset="-120"/>
+                        <a:ea typeface="MingLiU" panose="02020509000000000000" pitchFamily="49" charset="-120"/>
+                      </a:endParaRPr>
+                    </a:p>
+                  </a:txBody>
+                  <a:tcPr marL="7158" marR="7158" marT="7158" marB="0" anchor="ctr"/>
+                </a:tc>
+                <a:tc>
+                  <a:txBody>
+                    <a:bodyPr/>
+                    <a:lstStyle/>
+                    <a:p>
+                      <a:pPr algn="ctr" fontAlgn="t"/>
+                      <a:r>
+                        <a:rPr lang="en-US" altLang="zh-CN" sz="1300" u="none" strike="noStrike" dirty="0">
+                          <a:effectLst/>
+                        </a:rPr>
+                        <a:t>88</a:t>
+                      </a:r>
+                      <a:endParaRPr lang="en-US" altLang="zh-CN" sz="1300" b="0" i="0" u="none" strike="noStrike" dirty="0">
+                        <a:solidFill>
+                          <a:srgbClr val="000000"/>
+                        </a:solidFill>
+                        <a:effectLst/>
+                        <a:latin typeface="MingLiU" panose="02020509000000000000" pitchFamily="49" charset="-120"/>
+                        <a:ea typeface="MingLiU" panose="02020509000000000000" pitchFamily="49" charset="-120"/>
+                      </a:endParaRPr>
+                    </a:p>
+                  </a:txBody>
+                  <a:tcPr marL="7158" marR="7158" marT="7158" marB="0" anchor="ctr"/>
+                </a:tc>
+                <a:tc>
+                  <a:txBody>
+                    <a:bodyPr/>
+                    <a:lstStyle/>
+                    <a:p>
+                      <a:pPr algn="ctr" fontAlgn="t"/>
+                      <a:r>
+                        <a:rPr lang="en-US" altLang="zh-CN" sz="1300" u="none" strike="noStrike">
+                          <a:effectLst/>
+                        </a:rPr>
+                        <a:t>88</a:t>
+                      </a:r>
+                      <a:endParaRPr lang="en-US" altLang="zh-CN" sz="1300" b="0" i="0" u="none" strike="noStrike">
+                        <a:solidFill>
+                          <a:srgbClr val="000000"/>
+                        </a:solidFill>
+                        <a:effectLst/>
+                        <a:latin typeface="MingLiU" panose="02020509000000000000" pitchFamily="49" charset="-120"/>
+                        <a:ea typeface="MingLiU" panose="02020509000000000000" pitchFamily="49" charset="-120"/>
+                      </a:endParaRPr>
+                    </a:p>
+                  </a:txBody>
+                  <a:tcPr marL="7158" marR="7158" marT="7158" marB="0" anchor="ctr"/>
+                </a:tc>
+                <a:tc>
+                  <a:txBody>
+                    <a:bodyPr/>
+                    <a:lstStyle/>
+                    <a:p>
+                      <a:pPr algn="ctr" fontAlgn="t"/>
+                      <a:r>
+                        <a:rPr lang="en-US" altLang="zh-CN" sz="1300" u="none" strike="noStrike">
+                          <a:effectLst/>
+                        </a:rPr>
+                        <a:t>88</a:t>
+                      </a:r>
+                      <a:endParaRPr lang="en-US" altLang="zh-CN" sz="1300" b="0" i="0" u="none" strike="noStrike">
+                        <a:solidFill>
+                          <a:srgbClr val="000000"/>
+                        </a:solidFill>
+                        <a:effectLst/>
+                        <a:latin typeface="MingLiU" panose="02020509000000000000" pitchFamily="49" charset="-120"/>
+                        <a:ea typeface="MingLiU" panose="02020509000000000000" pitchFamily="49" charset="-120"/>
+                      </a:endParaRPr>
+                    </a:p>
+                  </a:txBody>
+                  <a:tcPr marL="7158" marR="7158" marT="7158" marB="0" anchor="ctr"/>
+                </a:tc>
+                <a:tc>
+                  <a:txBody>
+                    <a:bodyPr/>
+                    <a:lstStyle/>
+                    <a:p>
+                      <a:pPr algn="ctr" fontAlgn="t"/>
+                      <a:r>
+                        <a:rPr lang="en-US" altLang="zh-CN" sz="1300" u="none" strike="noStrike">
+                          <a:effectLst/>
+                        </a:rPr>
+                        <a:t>88</a:t>
+                      </a:r>
+                      <a:endParaRPr lang="en-US" altLang="zh-CN" sz="1300" b="0" i="0" u="none" strike="noStrike">
+                        <a:solidFill>
+                          <a:srgbClr val="000000"/>
+                        </a:solidFill>
+                        <a:effectLst/>
+                        <a:latin typeface="MingLiU" panose="02020509000000000000" pitchFamily="49" charset="-120"/>
+                        <a:ea typeface="MingLiU" panose="02020509000000000000" pitchFamily="49" charset="-120"/>
+                      </a:endParaRPr>
+                    </a:p>
+                  </a:txBody>
+                  <a:tcPr marL="7158" marR="7158" marT="7158" marB="0" anchor="ctr"/>
+                </a:tc>
+              </a:tr>
+              <a:tr h="181650">
+                <a:tc rowSpan="3">
+                  <a:txBody>
+                    <a:bodyPr/>
+                    <a:lstStyle/>
+                    <a:p>
+                      <a:pPr algn="ctr" fontAlgn="t"/>
+                      <a:r>
+                        <a:rPr lang="en-US" sz="1300" u="none" strike="noStrike">
+                          <a:effectLst/>
+                        </a:rPr>
+                        <a:t>Agreeableness</a:t>
+                      </a:r>
+                      <a:endParaRPr lang="en-US" sz="1300" b="0" i="0" u="none" strike="noStrike">
+                        <a:solidFill>
+                          <a:srgbClr val="000000"/>
+                        </a:solidFill>
+                        <a:effectLst/>
+                        <a:latin typeface="MingLiU" panose="02020509000000000000" pitchFamily="49" charset="-120"/>
+                        <a:ea typeface="MingLiU" panose="02020509000000000000" pitchFamily="49" charset="-120"/>
+                      </a:endParaRPr>
+                    </a:p>
+                  </a:txBody>
+                  <a:tcPr marL="7158" marR="7158" marT="7158" marB="0" anchor="ctr"/>
+                </a:tc>
+                <a:tc>
+                  <a:txBody>
+                    <a:bodyPr/>
+                    <a:lstStyle/>
+                    <a:p>
+                      <a:pPr algn="ctr" fontAlgn="t"/>
+                      <a:r>
+                        <a:rPr lang="en-US" sz="1300" u="none" strike="noStrike">
+                          <a:effectLst/>
+                        </a:rPr>
+                        <a:t>Pearson </a:t>
+                      </a:r>
+                      <a:r>
+                        <a:rPr lang="zh-CN" altLang="en-US" sz="1300" u="none" strike="noStrike">
+                          <a:effectLst/>
+                        </a:rPr>
+                        <a:t>相关性</a:t>
+                      </a:r>
+                      <a:endParaRPr lang="zh-CN" altLang="en-US" sz="1300" b="0" i="0" u="none" strike="noStrike">
+                        <a:solidFill>
+                          <a:srgbClr val="000000"/>
+                        </a:solidFill>
+                        <a:effectLst/>
+                        <a:latin typeface="MingLiU" panose="02020509000000000000" pitchFamily="49" charset="-120"/>
+                        <a:ea typeface="MingLiU" panose="02020509000000000000" pitchFamily="49" charset="-120"/>
+                      </a:endParaRPr>
+                    </a:p>
+                  </a:txBody>
+                  <a:tcPr marL="7158" marR="7158" marT="7158" marB="0" anchor="ctr"/>
+                </a:tc>
+                <a:tc>
+                  <a:txBody>
+                    <a:bodyPr/>
+                    <a:lstStyle/>
+                    <a:p>
+                      <a:pPr algn="ctr" fontAlgn="t"/>
+                      <a:r>
+                        <a:rPr lang="en-US" altLang="zh-CN" sz="1300" u="none" strike="noStrike">
+                          <a:effectLst/>
+                        </a:rPr>
+                        <a:t>1</a:t>
+                      </a:r>
+                      <a:endParaRPr lang="en-US" altLang="zh-CN" sz="1300" b="0" i="0" u="none" strike="noStrike">
+                        <a:solidFill>
+                          <a:srgbClr val="000000"/>
+                        </a:solidFill>
+                        <a:effectLst/>
+                        <a:latin typeface="MingLiU" panose="02020509000000000000" pitchFamily="49" charset="-120"/>
+                        <a:ea typeface="MingLiU" panose="02020509000000000000" pitchFamily="49" charset="-120"/>
+                      </a:endParaRPr>
+                    </a:p>
+                  </a:txBody>
+                  <a:tcPr marL="7158" marR="7158" marT="7158" marB="0" anchor="ctr"/>
+                </a:tc>
+                <a:tc>
+                  <a:txBody>
+                    <a:bodyPr/>
+                    <a:lstStyle/>
+                    <a:p>
+                      <a:pPr algn="ctr" fontAlgn="t"/>
+                      <a:r>
+                        <a:rPr lang="en-US" altLang="zh-CN" sz="1300" u="none" strike="noStrike">
+                          <a:effectLst/>
+                        </a:rPr>
+                        <a:t>.056</a:t>
+                      </a:r>
+                      <a:endParaRPr lang="en-US" altLang="zh-CN" sz="1300" b="0" i="0" u="none" strike="noStrike">
+                        <a:solidFill>
+                          <a:srgbClr val="000000"/>
+                        </a:solidFill>
+                        <a:effectLst/>
+                        <a:latin typeface="MingLiU" panose="02020509000000000000" pitchFamily="49" charset="-120"/>
+                        <a:ea typeface="MingLiU" panose="02020509000000000000" pitchFamily="49" charset="-120"/>
+                      </a:endParaRPr>
+                    </a:p>
+                  </a:txBody>
+                  <a:tcPr marL="7158" marR="7158" marT="7158" marB="0" anchor="ctr"/>
+                </a:tc>
+                <a:tc>
+                  <a:txBody>
+                    <a:bodyPr/>
+                    <a:lstStyle/>
+                    <a:p>
+                      <a:pPr algn="ctr" fontAlgn="t"/>
+                      <a:r>
+                        <a:rPr lang="en-US" altLang="zh-CN" sz="1300" u="none" strike="noStrike">
+                          <a:effectLst/>
+                        </a:rPr>
+                        <a:t>-.006</a:t>
+                      </a:r>
+                      <a:endParaRPr lang="en-US" altLang="zh-CN" sz="1300" b="0" i="0" u="none" strike="noStrike">
+                        <a:solidFill>
+                          <a:srgbClr val="000000"/>
+                        </a:solidFill>
+                        <a:effectLst/>
+                        <a:latin typeface="MingLiU" panose="02020509000000000000" pitchFamily="49" charset="-120"/>
+                        <a:ea typeface="MingLiU" panose="02020509000000000000" pitchFamily="49" charset="-120"/>
+                      </a:endParaRPr>
+                    </a:p>
+                  </a:txBody>
+                  <a:tcPr marL="7158" marR="7158" marT="7158" marB="0" anchor="ctr"/>
+                </a:tc>
+                <a:tc>
+                  <a:txBody>
+                    <a:bodyPr/>
+                    <a:lstStyle/>
+                    <a:p>
+                      <a:pPr algn="ctr" fontAlgn="t"/>
+                      <a:r>
+                        <a:rPr lang="en-US" altLang="zh-CN" sz="1300" u="none" strike="noStrike">
+                          <a:effectLst/>
+                        </a:rPr>
+                        <a:t>-.477</a:t>
+                      </a:r>
+                      <a:r>
+                        <a:rPr lang="zh-CN" altLang="en-US" sz="1300" u="none" strike="noStrike" baseline="30000">
+                          <a:effectLst/>
+                        </a:rPr>
+                        <a:t>**</a:t>
+                      </a:r>
+                      <a:endParaRPr lang="zh-CN" altLang="en-US" sz="1300" b="0" i="0" u="none" strike="noStrike">
+                        <a:solidFill>
+                          <a:srgbClr val="000000"/>
+                        </a:solidFill>
+                        <a:effectLst/>
+                        <a:latin typeface="MingLiU" panose="02020509000000000000" pitchFamily="49" charset="-120"/>
+                        <a:ea typeface="MingLiU" panose="02020509000000000000" pitchFamily="49" charset="-120"/>
+                      </a:endParaRPr>
+                    </a:p>
+                  </a:txBody>
+                  <a:tcPr marL="7158" marR="7158" marT="7158" marB="0" anchor="ctr"/>
+                </a:tc>
+                <a:tc>
+                  <a:txBody>
+                    <a:bodyPr/>
+                    <a:lstStyle/>
+                    <a:p>
+                      <a:pPr algn="ctr" fontAlgn="t"/>
+                      <a:r>
+                        <a:rPr lang="en-US" altLang="zh-CN" sz="1300" u="none" strike="noStrike">
+                          <a:effectLst/>
+                        </a:rPr>
+                        <a:t>.272</a:t>
+                      </a:r>
+                      <a:r>
+                        <a:rPr lang="zh-CN" altLang="en-US" sz="1300" u="none" strike="noStrike" baseline="30000">
+                          <a:effectLst/>
+                        </a:rPr>
+                        <a:t>*</a:t>
+                      </a:r>
+                      <a:endParaRPr lang="zh-CN" altLang="en-US" sz="1300" b="0" i="0" u="none" strike="noStrike">
+                        <a:solidFill>
+                          <a:srgbClr val="000000"/>
+                        </a:solidFill>
+                        <a:effectLst/>
+                        <a:latin typeface="MingLiU" panose="02020509000000000000" pitchFamily="49" charset="-120"/>
+                        <a:ea typeface="MingLiU" panose="02020509000000000000" pitchFamily="49" charset="-120"/>
+                      </a:endParaRPr>
+                    </a:p>
+                  </a:txBody>
+                  <a:tcPr marL="7158" marR="7158" marT="7158" marB="0" anchor="ctr"/>
+                </a:tc>
+              </a:tr>
+              <a:tr h="181650">
+                <a:tc vMerge="1">
+                  <a:txBody>
+                    <a:bodyPr/>
+                    <a:lstStyle/>
+                    <a:p>
+                      <a:endParaRPr lang="zh-CN" altLang="en-US"/>
+                    </a:p>
+                  </a:txBody>
+                  <a:tcPr/>
+                </a:tc>
+                <a:tc>
+                  <a:txBody>
+                    <a:bodyPr/>
+                    <a:lstStyle/>
+                    <a:p>
+                      <a:pPr algn="ctr" fontAlgn="t"/>
+                      <a:r>
+                        <a:rPr lang="zh-CN" altLang="en-US" sz="1300" u="none" strike="noStrike">
+                          <a:effectLst/>
+                        </a:rPr>
+                        <a:t>显著性（双侧）</a:t>
+                      </a:r>
+                      <a:endParaRPr lang="zh-CN" altLang="en-US" sz="1300" b="0" i="0" u="none" strike="noStrike">
+                        <a:solidFill>
+                          <a:srgbClr val="000000"/>
+                        </a:solidFill>
+                        <a:effectLst/>
+                        <a:latin typeface="MingLiU" panose="02020509000000000000" pitchFamily="49" charset="-120"/>
+                        <a:ea typeface="MingLiU" panose="02020509000000000000" pitchFamily="49" charset="-120"/>
+                      </a:endParaRPr>
+                    </a:p>
+                  </a:txBody>
+                  <a:tcPr marL="7158" marR="7158" marT="7158" marB="0" anchor="ctr"/>
+                </a:tc>
+                <a:tc>
+                  <a:txBody>
+                    <a:bodyPr/>
+                    <a:lstStyle/>
+                    <a:p>
+                      <a:pPr algn="ctr" fontAlgn="ctr"/>
+                      <a:r>
+                        <a:rPr lang="zh-CN" altLang="en-US" sz="1300" u="none" strike="noStrike">
+                          <a:effectLst/>
+                        </a:rPr>
+                        <a:t>　</a:t>
+                      </a:r>
+                      <a:endParaRPr lang="zh-CN" altLang="en-US" sz="1300" b="0" i="0" u="none" strike="noStrike">
+                        <a:effectLst/>
+                        <a:latin typeface="Arial" panose="020B0604020202020204" pitchFamily="34" charset="0"/>
+                      </a:endParaRPr>
+                    </a:p>
+                  </a:txBody>
+                  <a:tcPr marL="7158" marR="7158" marT="7158" marB="0" anchor="ctr"/>
+                </a:tc>
+                <a:tc>
+                  <a:txBody>
+                    <a:bodyPr/>
+                    <a:lstStyle/>
+                    <a:p>
+                      <a:pPr algn="ctr" fontAlgn="t"/>
+                      <a:r>
+                        <a:rPr lang="en-US" altLang="zh-CN" sz="1300" u="none" strike="noStrike">
+                          <a:effectLst/>
+                        </a:rPr>
+                        <a:t>.601</a:t>
+                      </a:r>
+                      <a:endParaRPr lang="en-US" altLang="zh-CN" sz="1300" b="0" i="0" u="none" strike="noStrike">
+                        <a:solidFill>
+                          <a:srgbClr val="000000"/>
+                        </a:solidFill>
+                        <a:effectLst/>
+                        <a:latin typeface="MingLiU" panose="02020509000000000000" pitchFamily="49" charset="-120"/>
+                        <a:ea typeface="MingLiU" panose="02020509000000000000" pitchFamily="49" charset="-120"/>
+                      </a:endParaRPr>
+                    </a:p>
+                  </a:txBody>
+                  <a:tcPr marL="7158" marR="7158" marT="7158" marB="0" anchor="ctr"/>
+                </a:tc>
+                <a:tc>
+                  <a:txBody>
+                    <a:bodyPr/>
+                    <a:lstStyle/>
+                    <a:p>
+                      <a:pPr algn="ctr" fontAlgn="t"/>
+                      <a:r>
+                        <a:rPr lang="en-US" altLang="zh-CN" sz="1300" u="none" strike="noStrike">
+                          <a:effectLst/>
+                        </a:rPr>
+                        <a:t>.955</a:t>
+                      </a:r>
+                      <a:endParaRPr lang="en-US" altLang="zh-CN" sz="1300" b="0" i="0" u="none" strike="noStrike">
+                        <a:solidFill>
+                          <a:srgbClr val="000000"/>
+                        </a:solidFill>
+                        <a:effectLst/>
+                        <a:latin typeface="MingLiU" panose="02020509000000000000" pitchFamily="49" charset="-120"/>
+                        <a:ea typeface="MingLiU" panose="02020509000000000000" pitchFamily="49" charset="-120"/>
+                      </a:endParaRPr>
+                    </a:p>
+                  </a:txBody>
+                  <a:tcPr marL="7158" marR="7158" marT="7158" marB="0" anchor="ctr"/>
+                </a:tc>
+                <a:tc>
+                  <a:txBody>
+                    <a:bodyPr/>
+                    <a:lstStyle/>
+                    <a:p>
+                      <a:pPr algn="ctr" fontAlgn="t"/>
+                      <a:r>
+                        <a:rPr lang="en-US" altLang="zh-CN" sz="1300" u="none" strike="noStrike">
+                          <a:effectLst/>
+                        </a:rPr>
+                        <a:t>.000</a:t>
+                      </a:r>
+                      <a:endParaRPr lang="en-US" altLang="zh-CN" sz="1300" b="0" i="0" u="none" strike="noStrike">
+                        <a:solidFill>
+                          <a:srgbClr val="000000"/>
+                        </a:solidFill>
+                        <a:effectLst/>
+                        <a:latin typeface="MingLiU" panose="02020509000000000000" pitchFamily="49" charset="-120"/>
+                        <a:ea typeface="MingLiU" panose="02020509000000000000" pitchFamily="49" charset="-120"/>
+                      </a:endParaRPr>
+                    </a:p>
+                  </a:txBody>
+                  <a:tcPr marL="7158" marR="7158" marT="7158" marB="0" anchor="ctr"/>
+                </a:tc>
+                <a:tc>
+                  <a:txBody>
+                    <a:bodyPr/>
+                    <a:lstStyle/>
+                    <a:p>
+                      <a:pPr algn="ctr" fontAlgn="t"/>
+                      <a:r>
+                        <a:rPr lang="en-US" altLang="zh-CN" sz="1300" u="none" strike="noStrike">
+                          <a:effectLst/>
+                        </a:rPr>
+                        <a:t>.010</a:t>
+                      </a:r>
+                      <a:endParaRPr lang="en-US" altLang="zh-CN" sz="1300" b="0" i="0" u="none" strike="noStrike">
+                        <a:solidFill>
+                          <a:srgbClr val="000000"/>
+                        </a:solidFill>
+                        <a:effectLst/>
+                        <a:latin typeface="MingLiU" panose="02020509000000000000" pitchFamily="49" charset="-120"/>
+                        <a:ea typeface="MingLiU" panose="02020509000000000000" pitchFamily="49" charset="-120"/>
+                      </a:endParaRPr>
+                    </a:p>
+                  </a:txBody>
+                  <a:tcPr marL="7158" marR="7158" marT="7158" marB="0" anchor="ctr"/>
+                </a:tc>
+              </a:tr>
+              <a:tr h="181650">
+                <a:tc vMerge="1">
+                  <a:txBody>
+                    <a:bodyPr/>
+                    <a:lstStyle/>
+                    <a:p>
+                      <a:endParaRPr lang="zh-CN" altLang="en-US"/>
+                    </a:p>
+                  </a:txBody>
+                  <a:tcPr/>
+                </a:tc>
+                <a:tc>
+                  <a:txBody>
+                    <a:bodyPr/>
+                    <a:lstStyle/>
+                    <a:p>
+                      <a:pPr algn="ctr" fontAlgn="t"/>
+                      <a:r>
+                        <a:rPr lang="en-US" sz="1300" u="none" strike="noStrike">
+                          <a:effectLst/>
+                        </a:rPr>
+                        <a:t>N</a:t>
+                      </a:r>
+                      <a:endParaRPr lang="en-US" sz="1300" b="0" i="0" u="none" strike="noStrike">
+                        <a:solidFill>
+                          <a:srgbClr val="000000"/>
+                        </a:solidFill>
+                        <a:effectLst/>
+                        <a:latin typeface="MingLiU" panose="02020509000000000000" pitchFamily="49" charset="-120"/>
+                        <a:ea typeface="MingLiU" panose="02020509000000000000" pitchFamily="49" charset="-120"/>
+                      </a:endParaRPr>
+                    </a:p>
+                  </a:txBody>
+                  <a:tcPr marL="7158" marR="7158" marT="7158" marB="0" anchor="ctr"/>
+                </a:tc>
+                <a:tc>
+                  <a:txBody>
+                    <a:bodyPr/>
+                    <a:lstStyle/>
+                    <a:p>
+                      <a:pPr algn="ctr" fontAlgn="t"/>
+                      <a:r>
+                        <a:rPr lang="en-US" altLang="zh-CN" sz="1300" u="none" strike="noStrike">
+                          <a:effectLst/>
+                        </a:rPr>
+                        <a:t>88</a:t>
+                      </a:r>
+                      <a:endParaRPr lang="en-US" altLang="zh-CN" sz="1300" b="0" i="0" u="none" strike="noStrike">
+                        <a:solidFill>
+                          <a:srgbClr val="000000"/>
+                        </a:solidFill>
+                        <a:effectLst/>
+                        <a:latin typeface="MingLiU" panose="02020509000000000000" pitchFamily="49" charset="-120"/>
+                        <a:ea typeface="MingLiU" panose="02020509000000000000" pitchFamily="49" charset="-120"/>
+                      </a:endParaRPr>
+                    </a:p>
+                  </a:txBody>
+                  <a:tcPr marL="7158" marR="7158" marT="7158" marB="0" anchor="ctr"/>
+                </a:tc>
+                <a:tc>
+                  <a:txBody>
+                    <a:bodyPr/>
+                    <a:lstStyle/>
+                    <a:p>
+                      <a:pPr algn="ctr" fontAlgn="t"/>
+                      <a:r>
+                        <a:rPr lang="en-US" altLang="zh-CN" sz="1300" u="none" strike="noStrike">
+                          <a:effectLst/>
+                        </a:rPr>
+                        <a:t>88</a:t>
+                      </a:r>
+                      <a:endParaRPr lang="en-US" altLang="zh-CN" sz="1300" b="0" i="0" u="none" strike="noStrike">
+                        <a:solidFill>
+                          <a:srgbClr val="000000"/>
+                        </a:solidFill>
+                        <a:effectLst/>
+                        <a:latin typeface="MingLiU" panose="02020509000000000000" pitchFamily="49" charset="-120"/>
+                        <a:ea typeface="MingLiU" panose="02020509000000000000" pitchFamily="49" charset="-120"/>
+                      </a:endParaRPr>
+                    </a:p>
+                  </a:txBody>
+                  <a:tcPr marL="7158" marR="7158" marT="7158" marB="0" anchor="ctr"/>
+                </a:tc>
+                <a:tc>
+                  <a:txBody>
+                    <a:bodyPr/>
+                    <a:lstStyle/>
+                    <a:p>
+                      <a:pPr algn="ctr" fontAlgn="t"/>
+                      <a:r>
+                        <a:rPr lang="en-US" altLang="zh-CN" sz="1300" u="none" strike="noStrike" dirty="0">
+                          <a:effectLst/>
+                        </a:rPr>
+                        <a:t>88</a:t>
+                      </a:r>
+                      <a:endParaRPr lang="en-US" altLang="zh-CN" sz="1300" b="0" i="0" u="none" strike="noStrike" dirty="0">
+                        <a:solidFill>
+                          <a:srgbClr val="000000"/>
+                        </a:solidFill>
+                        <a:effectLst/>
+                        <a:latin typeface="MingLiU" panose="02020509000000000000" pitchFamily="49" charset="-120"/>
+                        <a:ea typeface="MingLiU" panose="02020509000000000000" pitchFamily="49" charset="-120"/>
+                      </a:endParaRPr>
+                    </a:p>
+                  </a:txBody>
+                  <a:tcPr marL="7158" marR="7158" marT="7158" marB="0" anchor="ctr"/>
+                </a:tc>
+                <a:tc>
+                  <a:txBody>
+                    <a:bodyPr/>
+                    <a:lstStyle/>
+                    <a:p>
+                      <a:pPr algn="ctr" fontAlgn="t"/>
+                      <a:r>
+                        <a:rPr lang="en-US" altLang="zh-CN" sz="1300" u="none" strike="noStrike">
+                          <a:effectLst/>
+                        </a:rPr>
+                        <a:t>88</a:t>
+                      </a:r>
+                      <a:endParaRPr lang="en-US" altLang="zh-CN" sz="1300" b="0" i="0" u="none" strike="noStrike">
+                        <a:solidFill>
+                          <a:srgbClr val="000000"/>
+                        </a:solidFill>
+                        <a:effectLst/>
+                        <a:latin typeface="MingLiU" panose="02020509000000000000" pitchFamily="49" charset="-120"/>
+                        <a:ea typeface="MingLiU" panose="02020509000000000000" pitchFamily="49" charset="-120"/>
+                      </a:endParaRPr>
+                    </a:p>
+                  </a:txBody>
+                  <a:tcPr marL="7158" marR="7158" marT="7158" marB="0" anchor="ctr"/>
+                </a:tc>
+                <a:tc>
+                  <a:txBody>
+                    <a:bodyPr/>
+                    <a:lstStyle/>
+                    <a:p>
+                      <a:pPr algn="ctr" fontAlgn="t"/>
+                      <a:r>
+                        <a:rPr lang="en-US" altLang="zh-CN" sz="1300" u="none" strike="noStrike">
+                          <a:effectLst/>
+                        </a:rPr>
+                        <a:t>88</a:t>
+                      </a:r>
+                      <a:endParaRPr lang="en-US" altLang="zh-CN" sz="1300" b="0" i="0" u="none" strike="noStrike">
+                        <a:solidFill>
+                          <a:srgbClr val="000000"/>
+                        </a:solidFill>
+                        <a:effectLst/>
+                        <a:latin typeface="MingLiU" panose="02020509000000000000" pitchFamily="49" charset="-120"/>
+                        <a:ea typeface="MingLiU" panose="02020509000000000000" pitchFamily="49" charset="-120"/>
+                      </a:endParaRPr>
+                    </a:p>
+                  </a:txBody>
+                  <a:tcPr marL="7158" marR="7158" marT="7158" marB="0" anchor="ctr"/>
+                </a:tc>
+              </a:tr>
+              <a:tr h="181650">
+                <a:tc rowSpan="3">
+                  <a:txBody>
+                    <a:bodyPr/>
+                    <a:lstStyle/>
+                    <a:p>
+                      <a:pPr algn="ctr" fontAlgn="t"/>
+                      <a:r>
+                        <a:rPr lang="en-US" sz="1300" u="none" strike="noStrike">
+                          <a:effectLst/>
+                        </a:rPr>
+                        <a:t>Openness</a:t>
+                      </a:r>
+                      <a:endParaRPr lang="en-US" sz="1300" b="0" i="0" u="none" strike="noStrike">
+                        <a:solidFill>
+                          <a:srgbClr val="000000"/>
+                        </a:solidFill>
+                        <a:effectLst/>
+                        <a:latin typeface="MingLiU" panose="02020509000000000000" pitchFamily="49" charset="-120"/>
+                        <a:ea typeface="MingLiU" panose="02020509000000000000" pitchFamily="49" charset="-120"/>
+                      </a:endParaRPr>
+                    </a:p>
+                  </a:txBody>
+                  <a:tcPr marL="7158" marR="7158" marT="7158" marB="0" anchor="ctr"/>
+                </a:tc>
+                <a:tc>
+                  <a:txBody>
+                    <a:bodyPr/>
+                    <a:lstStyle/>
+                    <a:p>
+                      <a:pPr algn="ctr" fontAlgn="t"/>
+                      <a:r>
+                        <a:rPr lang="en-US" sz="1300" u="none" strike="noStrike">
+                          <a:effectLst/>
+                        </a:rPr>
+                        <a:t>Pearson </a:t>
+                      </a:r>
+                      <a:r>
+                        <a:rPr lang="zh-CN" altLang="en-US" sz="1300" u="none" strike="noStrike">
+                          <a:effectLst/>
+                        </a:rPr>
+                        <a:t>相关性</a:t>
+                      </a:r>
+                      <a:endParaRPr lang="zh-CN" altLang="en-US" sz="1300" b="0" i="0" u="none" strike="noStrike">
+                        <a:solidFill>
+                          <a:srgbClr val="000000"/>
+                        </a:solidFill>
+                        <a:effectLst/>
+                        <a:latin typeface="MingLiU" panose="02020509000000000000" pitchFamily="49" charset="-120"/>
+                        <a:ea typeface="MingLiU" panose="02020509000000000000" pitchFamily="49" charset="-120"/>
+                      </a:endParaRPr>
+                    </a:p>
+                  </a:txBody>
+                  <a:tcPr marL="7158" marR="7158" marT="7158" marB="0" anchor="ctr"/>
+                </a:tc>
+                <a:tc>
+                  <a:txBody>
+                    <a:bodyPr/>
+                    <a:lstStyle/>
+                    <a:p>
+                      <a:pPr algn="ctr" fontAlgn="t"/>
+                      <a:r>
+                        <a:rPr lang="en-US" altLang="zh-CN" sz="1300" u="none" strike="noStrike">
+                          <a:effectLst/>
+                        </a:rPr>
+                        <a:t>.056</a:t>
+                      </a:r>
+                      <a:endParaRPr lang="en-US" altLang="zh-CN" sz="1300" b="0" i="0" u="none" strike="noStrike">
+                        <a:solidFill>
+                          <a:srgbClr val="000000"/>
+                        </a:solidFill>
+                        <a:effectLst/>
+                        <a:latin typeface="MingLiU" panose="02020509000000000000" pitchFamily="49" charset="-120"/>
+                        <a:ea typeface="MingLiU" panose="02020509000000000000" pitchFamily="49" charset="-120"/>
+                      </a:endParaRPr>
+                    </a:p>
+                  </a:txBody>
+                  <a:tcPr marL="7158" marR="7158" marT="7158" marB="0" anchor="ctr"/>
+                </a:tc>
+                <a:tc>
+                  <a:txBody>
+                    <a:bodyPr/>
+                    <a:lstStyle/>
+                    <a:p>
+                      <a:pPr algn="ctr" fontAlgn="t"/>
+                      <a:r>
+                        <a:rPr lang="en-US" altLang="zh-CN" sz="1300" u="none" strike="noStrike">
+                          <a:effectLst/>
+                        </a:rPr>
+                        <a:t>1</a:t>
+                      </a:r>
+                      <a:endParaRPr lang="en-US" altLang="zh-CN" sz="1300" b="0" i="0" u="none" strike="noStrike">
+                        <a:solidFill>
+                          <a:srgbClr val="000000"/>
+                        </a:solidFill>
+                        <a:effectLst/>
+                        <a:latin typeface="MingLiU" panose="02020509000000000000" pitchFamily="49" charset="-120"/>
+                        <a:ea typeface="MingLiU" panose="02020509000000000000" pitchFamily="49" charset="-120"/>
+                      </a:endParaRPr>
+                    </a:p>
+                  </a:txBody>
+                  <a:tcPr marL="7158" marR="7158" marT="7158" marB="0" anchor="ctr"/>
+                </a:tc>
+                <a:tc>
+                  <a:txBody>
+                    <a:bodyPr/>
+                    <a:lstStyle/>
+                    <a:p>
+                      <a:pPr algn="ctr" fontAlgn="t"/>
+                      <a:r>
+                        <a:rPr lang="en-US" altLang="zh-CN" sz="1300" u="none" strike="noStrike" dirty="0">
+                          <a:effectLst/>
+                        </a:rPr>
+                        <a:t>.173</a:t>
+                      </a:r>
+                      <a:endParaRPr lang="en-US" altLang="zh-CN" sz="1300" b="0" i="0" u="none" strike="noStrike" dirty="0">
+                        <a:solidFill>
+                          <a:srgbClr val="000000"/>
+                        </a:solidFill>
+                        <a:effectLst/>
+                        <a:latin typeface="MingLiU" panose="02020509000000000000" pitchFamily="49" charset="-120"/>
+                        <a:ea typeface="MingLiU" panose="02020509000000000000" pitchFamily="49" charset="-120"/>
+                      </a:endParaRPr>
+                    </a:p>
+                  </a:txBody>
+                  <a:tcPr marL="7158" marR="7158" marT="7158" marB="0" anchor="ctr"/>
+                </a:tc>
+                <a:tc>
+                  <a:txBody>
+                    <a:bodyPr/>
+                    <a:lstStyle/>
+                    <a:p>
+                      <a:pPr algn="ctr" fontAlgn="t"/>
+                      <a:r>
+                        <a:rPr lang="en-US" altLang="zh-CN" sz="1300" u="none" strike="noStrike" dirty="0">
+                          <a:effectLst/>
+                        </a:rPr>
+                        <a:t>.104</a:t>
+                      </a:r>
+                      <a:endParaRPr lang="en-US" altLang="zh-CN" sz="1300" b="0" i="0" u="none" strike="noStrike" dirty="0">
+                        <a:solidFill>
+                          <a:srgbClr val="000000"/>
+                        </a:solidFill>
+                        <a:effectLst/>
+                        <a:latin typeface="MingLiU" panose="02020509000000000000" pitchFamily="49" charset="-120"/>
+                        <a:ea typeface="MingLiU" panose="02020509000000000000" pitchFamily="49" charset="-120"/>
+                      </a:endParaRPr>
+                    </a:p>
+                  </a:txBody>
+                  <a:tcPr marL="7158" marR="7158" marT="7158" marB="0" anchor="ctr"/>
+                </a:tc>
+                <a:tc>
+                  <a:txBody>
+                    <a:bodyPr/>
+                    <a:lstStyle/>
+                    <a:p>
+                      <a:pPr algn="ctr" fontAlgn="t"/>
+                      <a:r>
+                        <a:rPr lang="en-US" altLang="zh-CN" sz="1300" u="none" strike="noStrike">
+                          <a:effectLst/>
+                        </a:rPr>
+                        <a:t>.183</a:t>
+                      </a:r>
+                      <a:endParaRPr lang="en-US" altLang="zh-CN" sz="1300" b="0" i="0" u="none" strike="noStrike">
+                        <a:solidFill>
+                          <a:srgbClr val="000000"/>
+                        </a:solidFill>
+                        <a:effectLst/>
+                        <a:latin typeface="MingLiU" panose="02020509000000000000" pitchFamily="49" charset="-120"/>
+                        <a:ea typeface="MingLiU" panose="02020509000000000000" pitchFamily="49" charset="-120"/>
+                      </a:endParaRPr>
+                    </a:p>
+                  </a:txBody>
+                  <a:tcPr marL="7158" marR="7158" marT="7158" marB="0" anchor="ctr"/>
+                </a:tc>
+              </a:tr>
+              <a:tr h="181650">
+                <a:tc vMerge="1">
+                  <a:txBody>
+                    <a:bodyPr/>
+                    <a:lstStyle/>
+                    <a:p>
+                      <a:endParaRPr lang="zh-CN" altLang="en-US"/>
+                    </a:p>
+                  </a:txBody>
+                  <a:tcPr/>
+                </a:tc>
+                <a:tc>
+                  <a:txBody>
+                    <a:bodyPr/>
+                    <a:lstStyle/>
+                    <a:p>
+                      <a:pPr algn="ctr" fontAlgn="t"/>
+                      <a:r>
+                        <a:rPr lang="zh-CN" altLang="en-US" sz="1300" u="none" strike="noStrike">
+                          <a:effectLst/>
+                        </a:rPr>
+                        <a:t>显著性（双侧）</a:t>
+                      </a:r>
+                      <a:endParaRPr lang="zh-CN" altLang="en-US" sz="1300" b="0" i="0" u="none" strike="noStrike">
+                        <a:solidFill>
+                          <a:srgbClr val="000000"/>
+                        </a:solidFill>
+                        <a:effectLst/>
+                        <a:latin typeface="MingLiU" panose="02020509000000000000" pitchFamily="49" charset="-120"/>
+                        <a:ea typeface="MingLiU" panose="02020509000000000000" pitchFamily="49" charset="-120"/>
+                      </a:endParaRPr>
+                    </a:p>
+                  </a:txBody>
+                  <a:tcPr marL="7158" marR="7158" marT="7158" marB="0" anchor="ctr"/>
+                </a:tc>
+                <a:tc>
+                  <a:txBody>
+                    <a:bodyPr/>
+                    <a:lstStyle/>
+                    <a:p>
+                      <a:pPr algn="ctr" fontAlgn="t"/>
+                      <a:r>
+                        <a:rPr lang="en-US" altLang="zh-CN" sz="1300" u="none" strike="noStrike">
+                          <a:effectLst/>
+                        </a:rPr>
+                        <a:t>.601</a:t>
+                      </a:r>
+                      <a:endParaRPr lang="en-US" altLang="zh-CN" sz="1300" b="0" i="0" u="none" strike="noStrike">
+                        <a:solidFill>
+                          <a:srgbClr val="000000"/>
+                        </a:solidFill>
+                        <a:effectLst/>
+                        <a:latin typeface="MingLiU" panose="02020509000000000000" pitchFamily="49" charset="-120"/>
+                        <a:ea typeface="MingLiU" panose="02020509000000000000" pitchFamily="49" charset="-120"/>
+                      </a:endParaRPr>
+                    </a:p>
+                  </a:txBody>
+                  <a:tcPr marL="7158" marR="7158" marT="7158" marB="0" anchor="ctr"/>
+                </a:tc>
+                <a:tc>
+                  <a:txBody>
+                    <a:bodyPr/>
+                    <a:lstStyle/>
+                    <a:p>
+                      <a:pPr algn="ctr" fontAlgn="ctr"/>
+                      <a:r>
+                        <a:rPr lang="zh-CN" altLang="en-US" sz="1300" u="none" strike="noStrike">
+                          <a:effectLst/>
+                        </a:rPr>
+                        <a:t>　</a:t>
+                      </a:r>
+                      <a:endParaRPr lang="zh-CN" altLang="en-US" sz="1300" b="0" i="0" u="none" strike="noStrike">
+                        <a:effectLst/>
+                        <a:latin typeface="Arial" panose="020B0604020202020204" pitchFamily="34" charset="0"/>
+                      </a:endParaRPr>
+                    </a:p>
+                  </a:txBody>
+                  <a:tcPr marL="7158" marR="7158" marT="7158" marB="0" anchor="ctr"/>
+                </a:tc>
+                <a:tc>
+                  <a:txBody>
+                    <a:bodyPr/>
+                    <a:lstStyle/>
+                    <a:p>
+                      <a:pPr algn="ctr" fontAlgn="t"/>
+                      <a:r>
+                        <a:rPr lang="en-US" altLang="zh-CN" sz="1300" u="none" strike="noStrike" dirty="0">
+                          <a:effectLst/>
+                        </a:rPr>
+                        <a:t>.107</a:t>
+                      </a:r>
+                      <a:endParaRPr lang="en-US" altLang="zh-CN" sz="1300" b="0" i="0" u="none" strike="noStrike" dirty="0">
+                        <a:solidFill>
+                          <a:srgbClr val="000000"/>
+                        </a:solidFill>
+                        <a:effectLst/>
+                        <a:latin typeface="MingLiU" panose="02020509000000000000" pitchFamily="49" charset="-120"/>
+                        <a:ea typeface="MingLiU" panose="02020509000000000000" pitchFamily="49" charset="-120"/>
+                      </a:endParaRPr>
+                    </a:p>
+                  </a:txBody>
+                  <a:tcPr marL="7158" marR="7158" marT="7158" marB="0" anchor="ctr"/>
+                </a:tc>
+                <a:tc>
+                  <a:txBody>
+                    <a:bodyPr/>
+                    <a:lstStyle/>
+                    <a:p>
+                      <a:pPr algn="ctr" fontAlgn="t"/>
+                      <a:r>
+                        <a:rPr lang="en-US" altLang="zh-CN" sz="1300" u="none" strike="noStrike">
+                          <a:effectLst/>
+                        </a:rPr>
+                        <a:t>.333</a:t>
+                      </a:r>
+                      <a:endParaRPr lang="en-US" altLang="zh-CN" sz="1300" b="0" i="0" u="none" strike="noStrike">
+                        <a:solidFill>
+                          <a:srgbClr val="000000"/>
+                        </a:solidFill>
+                        <a:effectLst/>
+                        <a:latin typeface="MingLiU" panose="02020509000000000000" pitchFamily="49" charset="-120"/>
+                        <a:ea typeface="MingLiU" panose="02020509000000000000" pitchFamily="49" charset="-120"/>
+                      </a:endParaRPr>
+                    </a:p>
+                  </a:txBody>
+                  <a:tcPr marL="7158" marR="7158" marT="7158" marB="0" anchor="ctr"/>
+                </a:tc>
+                <a:tc>
+                  <a:txBody>
+                    <a:bodyPr/>
+                    <a:lstStyle/>
+                    <a:p>
+                      <a:pPr algn="ctr" fontAlgn="t"/>
+                      <a:r>
+                        <a:rPr lang="en-US" altLang="zh-CN" sz="1300" u="none" strike="noStrike">
+                          <a:effectLst/>
+                        </a:rPr>
+                        <a:t>.088</a:t>
+                      </a:r>
+                      <a:endParaRPr lang="en-US" altLang="zh-CN" sz="1300" b="0" i="0" u="none" strike="noStrike">
+                        <a:solidFill>
+                          <a:srgbClr val="000000"/>
+                        </a:solidFill>
+                        <a:effectLst/>
+                        <a:latin typeface="MingLiU" panose="02020509000000000000" pitchFamily="49" charset="-120"/>
+                        <a:ea typeface="MingLiU" panose="02020509000000000000" pitchFamily="49" charset="-120"/>
+                      </a:endParaRPr>
+                    </a:p>
+                  </a:txBody>
+                  <a:tcPr marL="7158" marR="7158" marT="7158" marB="0" anchor="ctr"/>
+                </a:tc>
+              </a:tr>
+              <a:tr h="181650">
+                <a:tc vMerge="1">
+                  <a:txBody>
+                    <a:bodyPr/>
+                    <a:lstStyle/>
+                    <a:p>
+                      <a:endParaRPr lang="zh-CN" altLang="en-US"/>
+                    </a:p>
+                  </a:txBody>
+                  <a:tcPr/>
+                </a:tc>
+                <a:tc>
+                  <a:txBody>
+                    <a:bodyPr/>
+                    <a:lstStyle/>
+                    <a:p>
+                      <a:pPr algn="ctr" fontAlgn="t"/>
+                      <a:r>
+                        <a:rPr lang="en-US" sz="1300" u="none" strike="noStrike">
+                          <a:effectLst/>
+                        </a:rPr>
+                        <a:t>N</a:t>
+                      </a:r>
+                      <a:endParaRPr lang="en-US" sz="1300" b="0" i="0" u="none" strike="noStrike">
+                        <a:solidFill>
+                          <a:srgbClr val="000000"/>
+                        </a:solidFill>
+                        <a:effectLst/>
+                        <a:latin typeface="MingLiU" panose="02020509000000000000" pitchFamily="49" charset="-120"/>
+                        <a:ea typeface="MingLiU" panose="02020509000000000000" pitchFamily="49" charset="-120"/>
+                      </a:endParaRPr>
+                    </a:p>
+                  </a:txBody>
+                  <a:tcPr marL="7158" marR="7158" marT="7158" marB="0" anchor="ctr"/>
+                </a:tc>
+                <a:tc>
+                  <a:txBody>
+                    <a:bodyPr/>
+                    <a:lstStyle/>
+                    <a:p>
+                      <a:pPr algn="ctr" fontAlgn="t"/>
+                      <a:r>
+                        <a:rPr lang="en-US" altLang="zh-CN" sz="1300" u="none" strike="noStrike">
+                          <a:effectLst/>
+                        </a:rPr>
+                        <a:t>88</a:t>
+                      </a:r>
+                      <a:endParaRPr lang="en-US" altLang="zh-CN" sz="1300" b="0" i="0" u="none" strike="noStrike">
+                        <a:solidFill>
+                          <a:srgbClr val="000000"/>
+                        </a:solidFill>
+                        <a:effectLst/>
+                        <a:latin typeface="MingLiU" panose="02020509000000000000" pitchFamily="49" charset="-120"/>
+                        <a:ea typeface="MingLiU" panose="02020509000000000000" pitchFamily="49" charset="-120"/>
+                      </a:endParaRPr>
+                    </a:p>
+                  </a:txBody>
+                  <a:tcPr marL="7158" marR="7158" marT="7158" marB="0" anchor="ctr"/>
+                </a:tc>
+                <a:tc>
+                  <a:txBody>
+                    <a:bodyPr/>
+                    <a:lstStyle/>
+                    <a:p>
+                      <a:pPr algn="ctr" fontAlgn="t"/>
+                      <a:r>
+                        <a:rPr lang="en-US" altLang="zh-CN" sz="1300" u="none" strike="noStrike">
+                          <a:effectLst/>
+                        </a:rPr>
+                        <a:t>88</a:t>
+                      </a:r>
+                      <a:endParaRPr lang="en-US" altLang="zh-CN" sz="1300" b="0" i="0" u="none" strike="noStrike">
+                        <a:solidFill>
+                          <a:srgbClr val="000000"/>
+                        </a:solidFill>
+                        <a:effectLst/>
+                        <a:latin typeface="MingLiU" panose="02020509000000000000" pitchFamily="49" charset="-120"/>
+                        <a:ea typeface="MingLiU" panose="02020509000000000000" pitchFamily="49" charset="-120"/>
+                      </a:endParaRPr>
+                    </a:p>
+                  </a:txBody>
+                  <a:tcPr marL="7158" marR="7158" marT="7158" marB="0" anchor="ctr"/>
+                </a:tc>
+                <a:tc>
+                  <a:txBody>
+                    <a:bodyPr/>
+                    <a:lstStyle/>
+                    <a:p>
+                      <a:pPr algn="ctr" fontAlgn="t"/>
+                      <a:r>
+                        <a:rPr lang="en-US" altLang="zh-CN" sz="1300" u="none" strike="noStrike">
+                          <a:effectLst/>
+                        </a:rPr>
+                        <a:t>88</a:t>
+                      </a:r>
+                      <a:endParaRPr lang="en-US" altLang="zh-CN" sz="1300" b="0" i="0" u="none" strike="noStrike">
+                        <a:solidFill>
+                          <a:srgbClr val="000000"/>
+                        </a:solidFill>
+                        <a:effectLst/>
+                        <a:latin typeface="MingLiU" panose="02020509000000000000" pitchFamily="49" charset="-120"/>
+                        <a:ea typeface="MingLiU" panose="02020509000000000000" pitchFamily="49" charset="-120"/>
+                      </a:endParaRPr>
+                    </a:p>
+                  </a:txBody>
+                  <a:tcPr marL="7158" marR="7158" marT="7158" marB="0" anchor="ctr"/>
+                </a:tc>
+                <a:tc>
+                  <a:txBody>
+                    <a:bodyPr/>
+                    <a:lstStyle/>
+                    <a:p>
+                      <a:pPr algn="ctr" fontAlgn="t"/>
+                      <a:r>
+                        <a:rPr lang="en-US" altLang="zh-CN" sz="1300" u="none" strike="noStrike">
+                          <a:effectLst/>
+                        </a:rPr>
+                        <a:t>88</a:t>
+                      </a:r>
+                      <a:endParaRPr lang="en-US" altLang="zh-CN" sz="1300" b="0" i="0" u="none" strike="noStrike">
+                        <a:solidFill>
+                          <a:srgbClr val="000000"/>
+                        </a:solidFill>
+                        <a:effectLst/>
+                        <a:latin typeface="MingLiU" panose="02020509000000000000" pitchFamily="49" charset="-120"/>
+                        <a:ea typeface="MingLiU" panose="02020509000000000000" pitchFamily="49" charset="-120"/>
+                      </a:endParaRPr>
+                    </a:p>
+                  </a:txBody>
+                  <a:tcPr marL="7158" marR="7158" marT="7158" marB="0" anchor="ctr"/>
+                </a:tc>
+                <a:tc>
+                  <a:txBody>
+                    <a:bodyPr/>
+                    <a:lstStyle/>
+                    <a:p>
+                      <a:pPr algn="ctr" fontAlgn="t"/>
+                      <a:r>
+                        <a:rPr lang="en-US" altLang="zh-CN" sz="1300" u="none" strike="noStrike">
+                          <a:effectLst/>
+                        </a:rPr>
+                        <a:t>88</a:t>
+                      </a:r>
+                      <a:endParaRPr lang="en-US" altLang="zh-CN" sz="1300" b="0" i="0" u="none" strike="noStrike">
+                        <a:solidFill>
+                          <a:srgbClr val="000000"/>
+                        </a:solidFill>
+                        <a:effectLst/>
+                        <a:latin typeface="MingLiU" panose="02020509000000000000" pitchFamily="49" charset="-120"/>
+                        <a:ea typeface="MingLiU" panose="02020509000000000000" pitchFamily="49" charset="-120"/>
+                      </a:endParaRPr>
+                    </a:p>
+                  </a:txBody>
+                  <a:tcPr marL="7158" marR="7158" marT="7158" marB="0" anchor="ctr"/>
+                </a:tc>
+              </a:tr>
+              <a:tr h="181650">
+                <a:tc rowSpan="3">
+                  <a:txBody>
+                    <a:bodyPr/>
+                    <a:lstStyle/>
+                    <a:p>
+                      <a:pPr algn="ctr" fontAlgn="t"/>
+                      <a:r>
+                        <a:rPr lang="en-US" sz="1300" u="none" strike="noStrike">
+                          <a:effectLst/>
+                        </a:rPr>
+                        <a:t>Conscientiousness</a:t>
+                      </a:r>
+                      <a:endParaRPr lang="en-US" sz="1300" b="0" i="0" u="none" strike="noStrike">
+                        <a:solidFill>
+                          <a:srgbClr val="000000"/>
+                        </a:solidFill>
+                        <a:effectLst/>
+                        <a:latin typeface="MingLiU" panose="02020509000000000000" pitchFamily="49" charset="-120"/>
+                        <a:ea typeface="MingLiU" panose="02020509000000000000" pitchFamily="49" charset="-120"/>
+                      </a:endParaRPr>
+                    </a:p>
+                  </a:txBody>
+                  <a:tcPr marL="7158" marR="7158" marT="7158" marB="0" anchor="ctr"/>
+                </a:tc>
+                <a:tc>
+                  <a:txBody>
+                    <a:bodyPr/>
+                    <a:lstStyle/>
+                    <a:p>
+                      <a:pPr algn="ctr" fontAlgn="t"/>
+                      <a:r>
+                        <a:rPr lang="en-US" sz="1300" u="none" strike="noStrike">
+                          <a:effectLst/>
+                        </a:rPr>
+                        <a:t>Pearson </a:t>
+                      </a:r>
+                      <a:r>
+                        <a:rPr lang="zh-CN" altLang="en-US" sz="1300" u="none" strike="noStrike">
+                          <a:effectLst/>
+                        </a:rPr>
+                        <a:t>相关性</a:t>
+                      </a:r>
+                      <a:endParaRPr lang="zh-CN" altLang="en-US" sz="1300" b="0" i="0" u="none" strike="noStrike">
+                        <a:solidFill>
+                          <a:srgbClr val="000000"/>
+                        </a:solidFill>
+                        <a:effectLst/>
+                        <a:latin typeface="MingLiU" panose="02020509000000000000" pitchFamily="49" charset="-120"/>
+                        <a:ea typeface="MingLiU" panose="02020509000000000000" pitchFamily="49" charset="-120"/>
+                      </a:endParaRPr>
+                    </a:p>
+                  </a:txBody>
+                  <a:tcPr marL="7158" marR="7158" marT="7158" marB="0" anchor="ctr"/>
+                </a:tc>
+                <a:tc>
+                  <a:txBody>
+                    <a:bodyPr/>
+                    <a:lstStyle/>
+                    <a:p>
+                      <a:pPr algn="ctr" fontAlgn="t"/>
+                      <a:r>
+                        <a:rPr lang="en-US" altLang="zh-CN" sz="1300" u="none" strike="noStrike">
+                          <a:effectLst/>
+                        </a:rPr>
+                        <a:t>-.006</a:t>
+                      </a:r>
+                      <a:endParaRPr lang="en-US" altLang="zh-CN" sz="1300" b="0" i="0" u="none" strike="noStrike">
+                        <a:solidFill>
+                          <a:srgbClr val="000000"/>
+                        </a:solidFill>
+                        <a:effectLst/>
+                        <a:latin typeface="MingLiU" panose="02020509000000000000" pitchFamily="49" charset="-120"/>
+                        <a:ea typeface="MingLiU" panose="02020509000000000000" pitchFamily="49" charset="-120"/>
+                      </a:endParaRPr>
+                    </a:p>
+                  </a:txBody>
+                  <a:tcPr marL="7158" marR="7158" marT="7158" marB="0" anchor="ctr"/>
+                </a:tc>
+                <a:tc>
+                  <a:txBody>
+                    <a:bodyPr/>
+                    <a:lstStyle/>
+                    <a:p>
+                      <a:pPr algn="ctr" fontAlgn="t"/>
+                      <a:r>
+                        <a:rPr lang="en-US" altLang="zh-CN" sz="1300" u="none" strike="noStrike">
+                          <a:effectLst/>
+                        </a:rPr>
+                        <a:t>.173</a:t>
+                      </a:r>
+                      <a:endParaRPr lang="en-US" altLang="zh-CN" sz="1300" b="0" i="0" u="none" strike="noStrike">
+                        <a:solidFill>
+                          <a:srgbClr val="000000"/>
+                        </a:solidFill>
+                        <a:effectLst/>
+                        <a:latin typeface="MingLiU" panose="02020509000000000000" pitchFamily="49" charset="-120"/>
+                        <a:ea typeface="MingLiU" panose="02020509000000000000" pitchFamily="49" charset="-120"/>
+                      </a:endParaRPr>
+                    </a:p>
+                  </a:txBody>
+                  <a:tcPr marL="7158" marR="7158" marT="7158" marB="0" anchor="ctr"/>
+                </a:tc>
+                <a:tc>
+                  <a:txBody>
+                    <a:bodyPr/>
+                    <a:lstStyle/>
+                    <a:p>
+                      <a:pPr algn="ctr" fontAlgn="t"/>
+                      <a:r>
+                        <a:rPr lang="en-US" altLang="zh-CN" sz="1300" u="none" strike="noStrike" dirty="0">
+                          <a:effectLst/>
+                        </a:rPr>
+                        <a:t>1</a:t>
+                      </a:r>
+                      <a:endParaRPr lang="en-US" altLang="zh-CN" sz="1300" b="0" i="0" u="none" strike="noStrike" dirty="0">
+                        <a:solidFill>
+                          <a:srgbClr val="000000"/>
+                        </a:solidFill>
+                        <a:effectLst/>
+                        <a:latin typeface="MingLiU" panose="02020509000000000000" pitchFamily="49" charset="-120"/>
+                        <a:ea typeface="MingLiU" panose="02020509000000000000" pitchFamily="49" charset="-120"/>
+                      </a:endParaRPr>
+                    </a:p>
+                  </a:txBody>
+                  <a:tcPr marL="7158" marR="7158" marT="7158" marB="0" anchor="ctr"/>
+                </a:tc>
+                <a:tc>
+                  <a:txBody>
+                    <a:bodyPr/>
+                    <a:lstStyle/>
+                    <a:p>
+                      <a:pPr algn="ctr" fontAlgn="t"/>
+                      <a:r>
+                        <a:rPr lang="en-US" altLang="zh-CN" sz="1300" u="none" strike="noStrike" dirty="0">
+                          <a:effectLst/>
+                        </a:rPr>
+                        <a:t>-.170</a:t>
+                      </a:r>
+                      <a:endParaRPr lang="en-US" altLang="zh-CN" sz="1300" b="0" i="0" u="none" strike="noStrike" dirty="0">
+                        <a:solidFill>
+                          <a:srgbClr val="000000"/>
+                        </a:solidFill>
+                        <a:effectLst/>
+                        <a:latin typeface="MingLiU" panose="02020509000000000000" pitchFamily="49" charset="-120"/>
+                        <a:ea typeface="MingLiU" panose="02020509000000000000" pitchFamily="49" charset="-120"/>
+                      </a:endParaRPr>
+                    </a:p>
+                  </a:txBody>
+                  <a:tcPr marL="7158" marR="7158" marT="7158" marB="0" anchor="ctr"/>
+                </a:tc>
+                <a:tc>
+                  <a:txBody>
+                    <a:bodyPr/>
+                    <a:lstStyle/>
+                    <a:p>
+                      <a:pPr algn="ctr" fontAlgn="t"/>
+                      <a:r>
+                        <a:rPr lang="en-US" altLang="zh-CN" sz="1300" u="none" strike="noStrike">
+                          <a:effectLst/>
+                        </a:rPr>
+                        <a:t>.200</a:t>
+                      </a:r>
+                      <a:endParaRPr lang="en-US" altLang="zh-CN" sz="1300" b="0" i="0" u="none" strike="noStrike">
+                        <a:solidFill>
+                          <a:srgbClr val="000000"/>
+                        </a:solidFill>
+                        <a:effectLst/>
+                        <a:latin typeface="MingLiU" panose="02020509000000000000" pitchFamily="49" charset="-120"/>
+                        <a:ea typeface="MingLiU" panose="02020509000000000000" pitchFamily="49" charset="-120"/>
+                      </a:endParaRPr>
+                    </a:p>
+                  </a:txBody>
+                  <a:tcPr marL="7158" marR="7158" marT="7158" marB="0" anchor="ctr"/>
+                </a:tc>
+              </a:tr>
+              <a:tr h="181650">
+                <a:tc vMerge="1">
+                  <a:txBody>
+                    <a:bodyPr/>
+                    <a:lstStyle/>
+                    <a:p>
+                      <a:endParaRPr lang="zh-CN" altLang="en-US"/>
+                    </a:p>
+                  </a:txBody>
+                  <a:tcPr/>
+                </a:tc>
+                <a:tc>
+                  <a:txBody>
+                    <a:bodyPr/>
+                    <a:lstStyle/>
+                    <a:p>
+                      <a:pPr algn="ctr" fontAlgn="t"/>
+                      <a:r>
+                        <a:rPr lang="zh-CN" altLang="en-US" sz="1300" u="none" strike="noStrike">
+                          <a:effectLst/>
+                        </a:rPr>
+                        <a:t>显著性（双侧）</a:t>
+                      </a:r>
+                      <a:endParaRPr lang="zh-CN" altLang="en-US" sz="1300" b="0" i="0" u="none" strike="noStrike">
+                        <a:solidFill>
+                          <a:srgbClr val="000000"/>
+                        </a:solidFill>
+                        <a:effectLst/>
+                        <a:latin typeface="MingLiU" panose="02020509000000000000" pitchFamily="49" charset="-120"/>
+                        <a:ea typeface="MingLiU" panose="02020509000000000000" pitchFamily="49" charset="-120"/>
+                      </a:endParaRPr>
+                    </a:p>
+                  </a:txBody>
+                  <a:tcPr marL="7158" marR="7158" marT="7158" marB="0" anchor="ctr"/>
+                </a:tc>
+                <a:tc>
+                  <a:txBody>
+                    <a:bodyPr/>
+                    <a:lstStyle/>
+                    <a:p>
+                      <a:pPr algn="ctr" fontAlgn="t"/>
+                      <a:r>
+                        <a:rPr lang="en-US" altLang="zh-CN" sz="1300" u="none" strike="noStrike">
+                          <a:effectLst/>
+                        </a:rPr>
+                        <a:t>.955</a:t>
+                      </a:r>
+                      <a:endParaRPr lang="en-US" altLang="zh-CN" sz="1300" b="0" i="0" u="none" strike="noStrike">
+                        <a:solidFill>
+                          <a:srgbClr val="000000"/>
+                        </a:solidFill>
+                        <a:effectLst/>
+                        <a:latin typeface="MingLiU" panose="02020509000000000000" pitchFamily="49" charset="-120"/>
+                        <a:ea typeface="MingLiU" panose="02020509000000000000" pitchFamily="49" charset="-120"/>
+                      </a:endParaRPr>
+                    </a:p>
+                  </a:txBody>
+                  <a:tcPr marL="7158" marR="7158" marT="7158" marB="0" anchor="ctr"/>
+                </a:tc>
+                <a:tc>
+                  <a:txBody>
+                    <a:bodyPr/>
+                    <a:lstStyle/>
+                    <a:p>
+                      <a:pPr algn="ctr" fontAlgn="t"/>
+                      <a:r>
+                        <a:rPr lang="en-US" altLang="zh-CN" sz="1300" u="none" strike="noStrike">
+                          <a:effectLst/>
+                        </a:rPr>
+                        <a:t>.107</a:t>
+                      </a:r>
+                      <a:endParaRPr lang="en-US" altLang="zh-CN" sz="1300" b="0" i="0" u="none" strike="noStrike">
+                        <a:solidFill>
+                          <a:srgbClr val="000000"/>
+                        </a:solidFill>
+                        <a:effectLst/>
+                        <a:latin typeface="MingLiU" panose="02020509000000000000" pitchFamily="49" charset="-120"/>
+                        <a:ea typeface="MingLiU" panose="02020509000000000000" pitchFamily="49" charset="-120"/>
+                      </a:endParaRPr>
+                    </a:p>
+                  </a:txBody>
+                  <a:tcPr marL="7158" marR="7158" marT="7158" marB="0" anchor="ctr"/>
+                </a:tc>
+                <a:tc>
+                  <a:txBody>
+                    <a:bodyPr/>
+                    <a:lstStyle/>
+                    <a:p>
+                      <a:pPr algn="ctr" fontAlgn="ctr"/>
+                      <a:r>
+                        <a:rPr lang="zh-CN" altLang="en-US" sz="1300" u="none" strike="noStrike" dirty="0">
+                          <a:effectLst/>
+                        </a:rPr>
+                        <a:t>　</a:t>
+                      </a:r>
+                      <a:endParaRPr lang="zh-CN" altLang="en-US" sz="1300" b="0" i="0" u="none" strike="noStrike" dirty="0">
+                        <a:effectLst/>
+                        <a:latin typeface="Arial" panose="020B0604020202020204" pitchFamily="34" charset="0"/>
+                      </a:endParaRPr>
+                    </a:p>
+                  </a:txBody>
+                  <a:tcPr marL="7158" marR="7158" marT="7158" marB="0" anchor="ctr"/>
+                </a:tc>
+                <a:tc>
+                  <a:txBody>
+                    <a:bodyPr/>
+                    <a:lstStyle/>
+                    <a:p>
+                      <a:pPr algn="ctr" fontAlgn="t"/>
+                      <a:r>
+                        <a:rPr lang="en-US" altLang="zh-CN" sz="1300" u="none" strike="noStrike">
+                          <a:effectLst/>
+                        </a:rPr>
+                        <a:t>.114</a:t>
+                      </a:r>
+                      <a:endParaRPr lang="en-US" altLang="zh-CN" sz="1300" b="0" i="0" u="none" strike="noStrike">
+                        <a:solidFill>
+                          <a:srgbClr val="000000"/>
+                        </a:solidFill>
+                        <a:effectLst/>
+                        <a:latin typeface="MingLiU" panose="02020509000000000000" pitchFamily="49" charset="-120"/>
+                        <a:ea typeface="MingLiU" panose="02020509000000000000" pitchFamily="49" charset="-120"/>
+                      </a:endParaRPr>
+                    </a:p>
+                  </a:txBody>
+                  <a:tcPr marL="7158" marR="7158" marT="7158" marB="0" anchor="ctr"/>
+                </a:tc>
+                <a:tc>
+                  <a:txBody>
+                    <a:bodyPr/>
+                    <a:lstStyle/>
+                    <a:p>
+                      <a:pPr algn="ctr" fontAlgn="t"/>
+                      <a:r>
+                        <a:rPr lang="en-US" altLang="zh-CN" sz="1300" u="none" strike="noStrike" dirty="0">
+                          <a:effectLst/>
+                        </a:rPr>
+                        <a:t>.061</a:t>
+                      </a:r>
+                      <a:endParaRPr lang="en-US" altLang="zh-CN" sz="1300" b="0" i="0" u="none" strike="noStrike" dirty="0">
+                        <a:solidFill>
+                          <a:srgbClr val="000000"/>
+                        </a:solidFill>
+                        <a:effectLst/>
+                        <a:latin typeface="MingLiU" panose="02020509000000000000" pitchFamily="49" charset="-120"/>
+                        <a:ea typeface="MingLiU" panose="02020509000000000000" pitchFamily="49" charset="-120"/>
+                      </a:endParaRPr>
+                    </a:p>
+                  </a:txBody>
+                  <a:tcPr marL="7158" marR="7158" marT="7158" marB="0" anchor="ctr"/>
+                </a:tc>
+              </a:tr>
+              <a:tr h="181650">
+                <a:tc vMerge="1">
+                  <a:txBody>
+                    <a:bodyPr/>
+                    <a:lstStyle/>
+                    <a:p>
+                      <a:endParaRPr lang="zh-CN" altLang="en-US"/>
+                    </a:p>
+                  </a:txBody>
+                  <a:tcPr/>
+                </a:tc>
+                <a:tc>
+                  <a:txBody>
+                    <a:bodyPr/>
+                    <a:lstStyle/>
+                    <a:p>
+                      <a:pPr algn="ctr" fontAlgn="t"/>
+                      <a:r>
+                        <a:rPr lang="en-US" sz="1300" u="none" strike="noStrike">
+                          <a:effectLst/>
+                        </a:rPr>
+                        <a:t>N</a:t>
+                      </a:r>
+                      <a:endParaRPr lang="en-US" sz="1300" b="0" i="0" u="none" strike="noStrike">
+                        <a:solidFill>
+                          <a:srgbClr val="000000"/>
+                        </a:solidFill>
+                        <a:effectLst/>
+                        <a:latin typeface="MingLiU" panose="02020509000000000000" pitchFamily="49" charset="-120"/>
+                        <a:ea typeface="MingLiU" panose="02020509000000000000" pitchFamily="49" charset="-120"/>
+                      </a:endParaRPr>
+                    </a:p>
+                  </a:txBody>
+                  <a:tcPr marL="7158" marR="7158" marT="7158" marB="0" anchor="ctr"/>
+                </a:tc>
+                <a:tc>
+                  <a:txBody>
+                    <a:bodyPr/>
+                    <a:lstStyle/>
+                    <a:p>
+                      <a:pPr algn="ctr" fontAlgn="t"/>
+                      <a:r>
+                        <a:rPr lang="en-US" altLang="zh-CN" sz="1300" u="none" strike="noStrike">
+                          <a:effectLst/>
+                        </a:rPr>
+                        <a:t>88</a:t>
+                      </a:r>
+                      <a:endParaRPr lang="en-US" altLang="zh-CN" sz="1300" b="0" i="0" u="none" strike="noStrike">
+                        <a:solidFill>
+                          <a:srgbClr val="000000"/>
+                        </a:solidFill>
+                        <a:effectLst/>
+                        <a:latin typeface="MingLiU" panose="02020509000000000000" pitchFamily="49" charset="-120"/>
+                        <a:ea typeface="MingLiU" panose="02020509000000000000" pitchFamily="49" charset="-120"/>
+                      </a:endParaRPr>
+                    </a:p>
+                  </a:txBody>
+                  <a:tcPr marL="7158" marR="7158" marT="7158" marB="0" anchor="ctr"/>
+                </a:tc>
+                <a:tc>
+                  <a:txBody>
+                    <a:bodyPr/>
+                    <a:lstStyle/>
+                    <a:p>
+                      <a:pPr algn="ctr" fontAlgn="t"/>
+                      <a:r>
+                        <a:rPr lang="en-US" altLang="zh-CN" sz="1300" u="none" strike="noStrike">
+                          <a:effectLst/>
+                        </a:rPr>
+                        <a:t>88</a:t>
+                      </a:r>
+                      <a:endParaRPr lang="en-US" altLang="zh-CN" sz="1300" b="0" i="0" u="none" strike="noStrike">
+                        <a:solidFill>
+                          <a:srgbClr val="000000"/>
+                        </a:solidFill>
+                        <a:effectLst/>
+                        <a:latin typeface="MingLiU" panose="02020509000000000000" pitchFamily="49" charset="-120"/>
+                        <a:ea typeface="MingLiU" panose="02020509000000000000" pitchFamily="49" charset="-120"/>
+                      </a:endParaRPr>
+                    </a:p>
+                  </a:txBody>
+                  <a:tcPr marL="7158" marR="7158" marT="7158" marB="0" anchor="ctr"/>
+                </a:tc>
+                <a:tc>
+                  <a:txBody>
+                    <a:bodyPr/>
+                    <a:lstStyle/>
+                    <a:p>
+                      <a:pPr algn="ctr" fontAlgn="t"/>
+                      <a:r>
+                        <a:rPr lang="en-US" altLang="zh-CN" sz="1300" u="none" strike="noStrike" dirty="0">
+                          <a:effectLst/>
+                        </a:rPr>
+                        <a:t>88</a:t>
+                      </a:r>
+                      <a:endParaRPr lang="en-US" altLang="zh-CN" sz="1300" b="0" i="0" u="none" strike="noStrike" dirty="0">
+                        <a:solidFill>
+                          <a:srgbClr val="000000"/>
+                        </a:solidFill>
+                        <a:effectLst/>
+                        <a:latin typeface="MingLiU" panose="02020509000000000000" pitchFamily="49" charset="-120"/>
+                        <a:ea typeface="MingLiU" panose="02020509000000000000" pitchFamily="49" charset="-120"/>
+                      </a:endParaRPr>
+                    </a:p>
+                  </a:txBody>
+                  <a:tcPr marL="7158" marR="7158" marT="7158" marB="0" anchor="ctr"/>
+                </a:tc>
+                <a:tc>
+                  <a:txBody>
+                    <a:bodyPr/>
+                    <a:lstStyle/>
+                    <a:p>
+                      <a:pPr algn="ctr" fontAlgn="t"/>
+                      <a:r>
+                        <a:rPr lang="en-US" altLang="zh-CN" sz="1300" u="none" strike="noStrike">
+                          <a:effectLst/>
+                        </a:rPr>
+                        <a:t>88</a:t>
+                      </a:r>
+                      <a:endParaRPr lang="en-US" altLang="zh-CN" sz="1300" b="0" i="0" u="none" strike="noStrike">
+                        <a:solidFill>
+                          <a:srgbClr val="000000"/>
+                        </a:solidFill>
+                        <a:effectLst/>
+                        <a:latin typeface="MingLiU" panose="02020509000000000000" pitchFamily="49" charset="-120"/>
+                        <a:ea typeface="MingLiU" panose="02020509000000000000" pitchFamily="49" charset="-120"/>
+                      </a:endParaRPr>
+                    </a:p>
+                  </a:txBody>
+                  <a:tcPr marL="7158" marR="7158" marT="7158" marB="0" anchor="ctr"/>
+                </a:tc>
+                <a:tc>
+                  <a:txBody>
+                    <a:bodyPr/>
+                    <a:lstStyle/>
+                    <a:p>
+                      <a:pPr algn="ctr" fontAlgn="t"/>
+                      <a:r>
+                        <a:rPr lang="en-US" altLang="zh-CN" sz="1300" u="none" strike="noStrike">
+                          <a:effectLst/>
+                        </a:rPr>
+                        <a:t>88</a:t>
+                      </a:r>
+                      <a:endParaRPr lang="en-US" altLang="zh-CN" sz="1300" b="0" i="0" u="none" strike="noStrike">
+                        <a:solidFill>
+                          <a:srgbClr val="000000"/>
+                        </a:solidFill>
+                        <a:effectLst/>
+                        <a:latin typeface="MingLiU" panose="02020509000000000000" pitchFamily="49" charset="-120"/>
+                        <a:ea typeface="MingLiU" panose="02020509000000000000" pitchFamily="49" charset="-120"/>
+                      </a:endParaRPr>
+                    </a:p>
+                  </a:txBody>
+                  <a:tcPr marL="7158" marR="7158" marT="7158" marB="0" anchor="ctr"/>
+                </a:tc>
+              </a:tr>
+              <a:tr h="181650">
+                <a:tc rowSpan="3">
+                  <a:txBody>
+                    <a:bodyPr/>
+                    <a:lstStyle/>
+                    <a:p>
+                      <a:pPr algn="ctr" fontAlgn="t"/>
+                      <a:r>
+                        <a:rPr lang="en-US" sz="1300" u="none" strike="noStrike">
+                          <a:effectLst/>
+                        </a:rPr>
+                        <a:t>Neuroticism</a:t>
+                      </a:r>
+                      <a:endParaRPr lang="en-US" sz="1300" b="0" i="0" u="none" strike="noStrike">
+                        <a:solidFill>
+                          <a:srgbClr val="000000"/>
+                        </a:solidFill>
+                        <a:effectLst/>
+                        <a:latin typeface="MingLiU" panose="02020509000000000000" pitchFamily="49" charset="-120"/>
+                        <a:ea typeface="MingLiU" panose="02020509000000000000" pitchFamily="49" charset="-120"/>
+                      </a:endParaRPr>
+                    </a:p>
+                  </a:txBody>
+                  <a:tcPr marL="7158" marR="7158" marT="7158" marB="0" anchor="ctr"/>
+                </a:tc>
+                <a:tc>
+                  <a:txBody>
+                    <a:bodyPr/>
+                    <a:lstStyle/>
+                    <a:p>
+                      <a:pPr algn="ctr" fontAlgn="t"/>
+                      <a:r>
+                        <a:rPr lang="en-US" sz="1300" u="none" strike="noStrike">
+                          <a:effectLst/>
+                        </a:rPr>
+                        <a:t>Pearson </a:t>
+                      </a:r>
+                      <a:r>
+                        <a:rPr lang="zh-CN" altLang="en-US" sz="1300" u="none" strike="noStrike">
+                          <a:effectLst/>
+                        </a:rPr>
+                        <a:t>相关性</a:t>
+                      </a:r>
+                      <a:endParaRPr lang="zh-CN" altLang="en-US" sz="1300" b="0" i="0" u="none" strike="noStrike">
+                        <a:solidFill>
+                          <a:srgbClr val="000000"/>
+                        </a:solidFill>
+                        <a:effectLst/>
+                        <a:latin typeface="MingLiU" panose="02020509000000000000" pitchFamily="49" charset="-120"/>
+                        <a:ea typeface="MingLiU" panose="02020509000000000000" pitchFamily="49" charset="-120"/>
+                      </a:endParaRPr>
+                    </a:p>
+                  </a:txBody>
+                  <a:tcPr marL="7158" marR="7158" marT="7158" marB="0" anchor="ctr"/>
+                </a:tc>
+                <a:tc>
+                  <a:txBody>
+                    <a:bodyPr/>
+                    <a:lstStyle/>
+                    <a:p>
+                      <a:pPr algn="ctr" fontAlgn="t"/>
+                      <a:r>
+                        <a:rPr lang="en-US" altLang="zh-CN" sz="1300" u="none" strike="noStrike">
+                          <a:effectLst/>
+                        </a:rPr>
+                        <a:t>-.477</a:t>
+                      </a:r>
+                      <a:r>
+                        <a:rPr lang="zh-CN" altLang="en-US" sz="1300" u="none" strike="noStrike" baseline="30000">
+                          <a:effectLst/>
+                        </a:rPr>
+                        <a:t>**</a:t>
+                      </a:r>
+                      <a:endParaRPr lang="zh-CN" altLang="en-US" sz="1300" b="0" i="0" u="none" strike="noStrike">
+                        <a:solidFill>
+                          <a:srgbClr val="000000"/>
+                        </a:solidFill>
+                        <a:effectLst/>
+                        <a:latin typeface="MingLiU" panose="02020509000000000000" pitchFamily="49" charset="-120"/>
+                        <a:ea typeface="MingLiU" panose="02020509000000000000" pitchFamily="49" charset="-120"/>
+                      </a:endParaRPr>
+                    </a:p>
+                  </a:txBody>
+                  <a:tcPr marL="7158" marR="7158" marT="7158" marB="0" anchor="ctr"/>
+                </a:tc>
+                <a:tc>
+                  <a:txBody>
+                    <a:bodyPr/>
+                    <a:lstStyle/>
+                    <a:p>
+                      <a:pPr algn="ctr" fontAlgn="t"/>
+                      <a:r>
+                        <a:rPr lang="en-US" altLang="zh-CN" sz="1300" u="none" strike="noStrike">
+                          <a:effectLst/>
+                        </a:rPr>
+                        <a:t>.104</a:t>
+                      </a:r>
+                      <a:endParaRPr lang="en-US" altLang="zh-CN" sz="1300" b="0" i="0" u="none" strike="noStrike">
+                        <a:solidFill>
+                          <a:srgbClr val="000000"/>
+                        </a:solidFill>
+                        <a:effectLst/>
+                        <a:latin typeface="MingLiU" panose="02020509000000000000" pitchFamily="49" charset="-120"/>
+                        <a:ea typeface="MingLiU" panose="02020509000000000000" pitchFamily="49" charset="-120"/>
+                      </a:endParaRPr>
+                    </a:p>
+                  </a:txBody>
+                  <a:tcPr marL="7158" marR="7158" marT="7158" marB="0" anchor="ctr"/>
+                </a:tc>
+                <a:tc>
+                  <a:txBody>
+                    <a:bodyPr/>
+                    <a:lstStyle/>
+                    <a:p>
+                      <a:pPr algn="ctr" fontAlgn="t"/>
+                      <a:r>
+                        <a:rPr lang="en-US" altLang="zh-CN" sz="1300" u="none" strike="noStrike">
+                          <a:effectLst/>
+                        </a:rPr>
+                        <a:t>-.170</a:t>
+                      </a:r>
+                      <a:endParaRPr lang="en-US" altLang="zh-CN" sz="1300" b="0" i="0" u="none" strike="noStrike">
+                        <a:solidFill>
+                          <a:srgbClr val="000000"/>
+                        </a:solidFill>
+                        <a:effectLst/>
+                        <a:latin typeface="MingLiU" panose="02020509000000000000" pitchFamily="49" charset="-120"/>
+                        <a:ea typeface="MingLiU" panose="02020509000000000000" pitchFamily="49" charset="-120"/>
+                      </a:endParaRPr>
+                    </a:p>
+                  </a:txBody>
+                  <a:tcPr marL="7158" marR="7158" marT="7158" marB="0" anchor="ctr"/>
+                </a:tc>
+                <a:tc>
+                  <a:txBody>
+                    <a:bodyPr/>
+                    <a:lstStyle/>
+                    <a:p>
+                      <a:pPr algn="ctr" fontAlgn="t"/>
+                      <a:r>
+                        <a:rPr lang="en-US" altLang="zh-CN" sz="1300" u="none" strike="noStrike">
+                          <a:effectLst/>
+                        </a:rPr>
+                        <a:t>1</a:t>
+                      </a:r>
+                      <a:endParaRPr lang="en-US" altLang="zh-CN" sz="1300" b="0" i="0" u="none" strike="noStrike">
+                        <a:solidFill>
+                          <a:srgbClr val="000000"/>
+                        </a:solidFill>
+                        <a:effectLst/>
+                        <a:latin typeface="MingLiU" panose="02020509000000000000" pitchFamily="49" charset="-120"/>
+                        <a:ea typeface="MingLiU" panose="02020509000000000000" pitchFamily="49" charset="-120"/>
+                      </a:endParaRPr>
+                    </a:p>
+                  </a:txBody>
+                  <a:tcPr marL="7158" marR="7158" marT="7158" marB="0" anchor="ctr"/>
+                </a:tc>
+                <a:tc>
+                  <a:txBody>
+                    <a:bodyPr/>
+                    <a:lstStyle/>
+                    <a:p>
+                      <a:pPr algn="ctr" fontAlgn="t"/>
+                      <a:r>
+                        <a:rPr lang="en-US" altLang="zh-CN" sz="1300" u="none" strike="noStrike" dirty="0">
+                          <a:effectLst/>
+                        </a:rPr>
+                        <a:t>-.251</a:t>
+                      </a:r>
+                      <a:r>
+                        <a:rPr lang="zh-CN" altLang="en-US" sz="1300" u="none" strike="noStrike" baseline="30000" dirty="0">
+                          <a:effectLst/>
+                        </a:rPr>
+                        <a:t>*</a:t>
+                      </a:r>
+                      <a:endParaRPr lang="zh-CN" altLang="en-US" sz="1300" b="0" i="0" u="none" strike="noStrike" dirty="0">
+                        <a:solidFill>
+                          <a:srgbClr val="000000"/>
+                        </a:solidFill>
+                        <a:effectLst/>
+                        <a:latin typeface="MingLiU" panose="02020509000000000000" pitchFamily="49" charset="-120"/>
+                        <a:ea typeface="MingLiU" panose="02020509000000000000" pitchFamily="49" charset="-120"/>
+                      </a:endParaRPr>
+                    </a:p>
+                  </a:txBody>
+                  <a:tcPr marL="7158" marR="7158" marT="7158" marB="0" anchor="ctr"/>
+                </a:tc>
+              </a:tr>
+              <a:tr h="181650">
+                <a:tc vMerge="1">
+                  <a:txBody>
+                    <a:bodyPr/>
+                    <a:lstStyle/>
+                    <a:p>
+                      <a:endParaRPr lang="zh-CN" altLang="en-US"/>
+                    </a:p>
+                  </a:txBody>
+                  <a:tcPr/>
+                </a:tc>
+                <a:tc>
+                  <a:txBody>
+                    <a:bodyPr/>
+                    <a:lstStyle/>
+                    <a:p>
+                      <a:pPr algn="ctr" fontAlgn="t"/>
+                      <a:r>
+                        <a:rPr lang="zh-CN" altLang="en-US" sz="1300" u="none" strike="noStrike">
+                          <a:effectLst/>
+                        </a:rPr>
+                        <a:t>显著性（双侧）</a:t>
+                      </a:r>
+                      <a:endParaRPr lang="zh-CN" altLang="en-US" sz="1300" b="0" i="0" u="none" strike="noStrike">
+                        <a:solidFill>
+                          <a:srgbClr val="000000"/>
+                        </a:solidFill>
+                        <a:effectLst/>
+                        <a:latin typeface="MingLiU" panose="02020509000000000000" pitchFamily="49" charset="-120"/>
+                        <a:ea typeface="MingLiU" panose="02020509000000000000" pitchFamily="49" charset="-120"/>
+                      </a:endParaRPr>
+                    </a:p>
+                  </a:txBody>
+                  <a:tcPr marL="7158" marR="7158" marT="7158" marB="0" anchor="ctr"/>
+                </a:tc>
+                <a:tc>
+                  <a:txBody>
+                    <a:bodyPr/>
+                    <a:lstStyle/>
+                    <a:p>
+                      <a:pPr algn="ctr" fontAlgn="t"/>
+                      <a:r>
+                        <a:rPr lang="en-US" altLang="zh-CN" sz="1300" u="none" strike="noStrike">
+                          <a:effectLst/>
+                        </a:rPr>
+                        <a:t>.000</a:t>
+                      </a:r>
+                      <a:endParaRPr lang="en-US" altLang="zh-CN" sz="1300" b="0" i="0" u="none" strike="noStrike">
+                        <a:solidFill>
+                          <a:srgbClr val="000000"/>
+                        </a:solidFill>
+                        <a:effectLst/>
+                        <a:latin typeface="MingLiU" panose="02020509000000000000" pitchFamily="49" charset="-120"/>
+                        <a:ea typeface="MingLiU" panose="02020509000000000000" pitchFamily="49" charset="-120"/>
+                      </a:endParaRPr>
+                    </a:p>
+                  </a:txBody>
+                  <a:tcPr marL="7158" marR="7158" marT="7158" marB="0" anchor="ctr"/>
+                </a:tc>
+                <a:tc>
+                  <a:txBody>
+                    <a:bodyPr/>
+                    <a:lstStyle/>
+                    <a:p>
+                      <a:pPr algn="ctr" fontAlgn="t"/>
+                      <a:r>
+                        <a:rPr lang="en-US" altLang="zh-CN" sz="1300" u="none" strike="noStrike">
+                          <a:effectLst/>
+                        </a:rPr>
+                        <a:t>.333</a:t>
+                      </a:r>
+                      <a:endParaRPr lang="en-US" altLang="zh-CN" sz="1300" b="0" i="0" u="none" strike="noStrike">
+                        <a:solidFill>
+                          <a:srgbClr val="000000"/>
+                        </a:solidFill>
+                        <a:effectLst/>
+                        <a:latin typeface="MingLiU" panose="02020509000000000000" pitchFamily="49" charset="-120"/>
+                        <a:ea typeface="MingLiU" panose="02020509000000000000" pitchFamily="49" charset="-120"/>
+                      </a:endParaRPr>
+                    </a:p>
+                  </a:txBody>
+                  <a:tcPr marL="7158" marR="7158" marT="7158" marB="0" anchor="ctr"/>
+                </a:tc>
+                <a:tc>
+                  <a:txBody>
+                    <a:bodyPr/>
+                    <a:lstStyle/>
+                    <a:p>
+                      <a:pPr algn="ctr" fontAlgn="t"/>
+                      <a:r>
+                        <a:rPr lang="en-US" altLang="zh-CN" sz="1300" u="none" strike="noStrike">
+                          <a:effectLst/>
+                        </a:rPr>
+                        <a:t>.114</a:t>
+                      </a:r>
+                      <a:endParaRPr lang="en-US" altLang="zh-CN" sz="1300" b="0" i="0" u="none" strike="noStrike">
+                        <a:solidFill>
+                          <a:srgbClr val="000000"/>
+                        </a:solidFill>
+                        <a:effectLst/>
+                        <a:latin typeface="MingLiU" panose="02020509000000000000" pitchFamily="49" charset="-120"/>
+                        <a:ea typeface="MingLiU" panose="02020509000000000000" pitchFamily="49" charset="-120"/>
+                      </a:endParaRPr>
+                    </a:p>
+                  </a:txBody>
+                  <a:tcPr marL="7158" marR="7158" marT="7158" marB="0" anchor="ctr"/>
+                </a:tc>
+                <a:tc>
+                  <a:txBody>
+                    <a:bodyPr/>
+                    <a:lstStyle/>
+                    <a:p>
+                      <a:pPr algn="ctr" fontAlgn="ctr"/>
+                      <a:r>
+                        <a:rPr lang="zh-CN" altLang="en-US" sz="1300" u="none" strike="noStrike" dirty="0">
+                          <a:effectLst/>
+                        </a:rPr>
+                        <a:t>　</a:t>
+                      </a:r>
+                      <a:endParaRPr lang="zh-CN" altLang="en-US" sz="1300" b="0" i="0" u="none" strike="noStrike" dirty="0">
+                        <a:effectLst/>
+                        <a:latin typeface="Arial" panose="020B0604020202020204" pitchFamily="34" charset="0"/>
+                      </a:endParaRPr>
+                    </a:p>
+                  </a:txBody>
+                  <a:tcPr marL="7158" marR="7158" marT="7158" marB="0" anchor="ctr"/>
+                </a:tc>
+                <a:tc>
+                  <a:txBody>
+                    <a:bodyPr/>
+                    <a:lstStyle/>
+                    <a:p>
+                      <a:pPr algn="ctr" fontAlgn="t"/>
+                      <a:r>
+                        <a:rPr lang="en-US" altLang="zh-CN" sz="1300" u="none" strike="noStrike">
+                          <a:effectLst/>
+                        </a:rPr>
+                        <a:t>.018</a:t>
+                      </a:r>
+                      <a:endParaRPr lang="en-US" altLang="zh-CN" sz="1300" b="0" i="0" u="none" strike="noStrike">
+                        <a:solidFill>
+                          <a:srgbClr val="000000"/>
+                        </a:solidFill>
+                        <a:effectLst/>
+                        <a:latin typeface="MingLiU" panose="02020509000000000000" pitchFamily="49" charset="-120"/>
+                        <a:ea typeface="MingLiU" panose="02020509000000000000" pitchFamily="49" charset="-120"/>
+                      </a:endParaRPr>
+                    </a:p>
+                  </a:txBody>
+                  <a:tcPr marL="7158" marR="7158" marT="7158" marB="0" anchor="ctr"/>
+                </a:tc>
+              </a:tr>
+              <a:tr h="181650">
+                <a:tc vMerge="1">
+                  <a:txBody>
+                    <a:bodyPr/>
+                    <a:lstStyle/>
+                    <a:p>
+                      <a:endParaRPr lang="zh-CN" altLang="en-US"/>
+                    </a:p>
+                  </a:txBody>
+                  <a:tcPr/>
+                </a:tc>
+                <a:tc>
+                  <a:txBody>
+                    <a:bodyPr/>
+                    <a:lstStyle/>
+                    <a:p>
+                      <a:pPr algn="ctr" fontAlgn="t"/>
+                      <a:r>
+                        <a:rPr lang="en-US" sz="1300" u="none" strike="noStrike">
+                          <a:effectLst/>
+                        </a:rPr>
+                        <a:t>N</a:t>
+                      </a:r>
+                      <a:endParaRPr lang="en-US" sz="1300" b="0" i="0" u="none" strike="noStrike">
+                        <a:solidFill>
+                          <a:srgbClr val="000000"/>
+                        </a:solidFill>
+                        <a:effectLst/>
+                        <a:latin typeface="MingLiU" panose="02020509000000000000" pitchFamily="49" charset="-120"/>
+                        <a:ea typeface="MingLiU" panose="02020509000000000000" pitchFamily="49" charset="-120"/>
+                      </a:endParaRPr>
+                    </a:p>
+                  </a:txBody>
+                  <a:tcPr marL="7158" marR="7158" marT="7158" marB="0" anchor="ctr"/>
+                </a:tc>
+                <a:tc>
+                  <a:txBody>
+                    <a:bodyPr/>
+                    <a:lstStyle/>
+                    <a:p>
+                      <a:pPr algn="ctr" fontAlgn="t"/>
+                      <a:r>
+                        <a:rPr lang="en-US" altLang="zh-CN" sz="1300" u="none" strike="noStrike">
+                          <a:effectLst/>
+                        </a:rPr>
+                        <a:t>88</a:t>
+                      </a:r>
+                      <a:endParaRPr lang="en-US" altLang="zh-CN" sz="1300" b="0" i="0" u="none" strike="noStrike">
+                        <a:solidFill>
+                          <a:srgbClr val="000000"/>
+                        </a:solidFill>
+                        <a:effectLst/>
+                        <a:latin typeface="MingLiU" panose="02020509000000000000" pitchFamily="49" charset="-120"/>
+                        <a:ea typeface="MingLiU" panose="02020509000000000000" pitchFamily="49" charset="-120"/>
+                      </a:endParaRPr>
+                    </a:p>
+                  </a:txBody>
+                  <a:tcPr marL="7158" marR="7158" marT="7158" marB="0" anchor="ctr"/>
+                </a:tc>
+                <a:tc>
+                  <a:txBody>
+                    <a:bodyPr/>
+                    <a:lstStyle/>
+                    <a:p>
+                      <a:pPr algn="ctr" fontAlgn="t"/>
+                      <a:r>
+                        <a:rPr lang="en-US" altLang="zh-CN" sz="1300" u="none" strike="noStrike">
+                          <a:effectLst/>
+                        </a:rPr>
+                        <a:t>88</a:t>
+                      </a:r>
+                      <a:endParaRPr lang="en-US" altLang="zh-CN" sz="1300" b="0" i="0" u="none" strike="noStrike">
+                        <a:solidFill>
+                          <a:srgbClr val="000000"/>
+                        </a:solidFill>
+                        <a:effectLst/>
+                        <a:latin typeface="MingLiU" panose="02020509000000000000" pitchFamily="49" charset="-120"/>
+                        <a:ea typeface="MingLiU" panose="02020509000000000000" pitchFamily="49" charset="-120"/>
+                      </a:endParaRPr>
+                    </a:p>
+                  </a:txBody>
+                  <a:tcPr marL="7158" marR="7158" marT="7158" marB="0" anchor="ctr"/>
+                </a:tc>
+                <a:tc>
+                  <a:txBody>
+                    <a:bodyPr/>
+                    <a:lstStyle/>
+                    <a:p>
+                      <a:pPr algn="ctr" fontAlgn="t"/>
+                      <a:r>
+                        <a:rPr lang="en-US" altLang="zh-CN" sz="1300" u="none" strike="noStrike">
+                          <a:effectLst/>
+                        </a:rPr>
+                        <a:t>88</a:t>
+                      </a:r>
+                      <a:endParaRPr lang="en-US" altLang="zh-CN" sz="1300" b="0" i="0" u="none" strike="noStrike">
+                        <a:solidFill>
+                          <a:srgbClr val="000000"/>
+                        </a:solidFill>
+                        <a:effectLst/>
+                        <a:latin typeface="MingLiU" panose="02020509000000000000" pitchFamily="49" charset="-120"/>
+                        <a:ea typeface="MingLiU" panose="02020509000000000000" pitchFamily="49" charset="-120"/>
+                      </a:endParaRPr>
+                    </a:p>
+                  </a:txBody>
+                  <a:tcPr marL="7158" marR="7158" marT="7158" marB="0" anchor="ctr"/>
+                </a:tc>
+                <a:tc>
+                  <a:txBody>
+                    <a:bodyPr/>
+                    <a:lstStyle/>
+                    <a:p>
+                      <a:pPr algn="ctr" fontAlgn="t"/>
+                      <a:r>
+                        <a:rPr lang="en-US" altLang="zh-CN" sz="1300" u="none" strike="noStrike" dirty="0">
+                          <a:effectLst/>
+                        </a:rPr>
+                        <a:t>88</a:t>
+                      </a:r>
+                      <a:endParaRPr lang="en-US" altLang="zh-CN" sz="1300" b="0" i="0" u="none" strike="noStrike" dirty="0">
+                        <a:solidFill>
+                          <a:srgbClr val="000000"/>
+                        </a:solidFill>
+                        <a:effectLst/>
+                        <a:latin typeface="MingLiU" panose="02020509000000000000" pitchFamily="49" charset="-120"/>
+                        <a:ea typeface="MingLiU" panose="02020509000000000000" pitchFamily="49" charset="-120"/>
+                      </a:endParaRPr>
+                    </a:p>
+                  </a:txBody>
+                  <a:tcPr marL="7158" marR="7158" marT="7158" marB="0" anchor="ctr"/>
+                </a:tc>
+                <a:tc>
+                  <a:txBody>
+                    <a:bodyPr/>
+                    <a:lstStyle/>
+                    <a:p>
+                      <a:pPr algn="ctr" fontAlgn="t"/>
+                      <a:r>
+                        <a:rPr lang="en-US" altLang="zh-CN" sz="1300" u="none" strike="noStrike">
+                          <a:effectLst/>
+                        </a:rPr>
+                        <a:t>88</a:t>
+                      </a:r>
+                      <a:endParaRPr lang="en-US" altLang="zh-CN" sz="1300" b="0" i="0" u="none" strike="noStrike">
+                        <a:solidFill>
+                          <a:srgbClr val="000000"/>
+                        </a:solidFill>
+                        <a:effectLst/>
+                        <a:latin typeface="MingLiU" panose="02020509000000000000" pitchFamily="49" charset="-120"/>
+                        <a:ea typeface="MingLiU" panose="02020509000000000000" pitchFamily="49" charset="-120"/>
+                      </a:endParaRPr>
+                    </a:p>
+                  </a:txBody>
+                  <a:tcPr marL="7158" marR="7158" marT="7158" marB="0" anchor="ctr"/>
+                </a:tc>
+              </a:tr>
+              <a:tr h="181650">
+                <a:tc rowSpan="3">
+                  <a:txBody>
+                    <a:bodyPr/>
+                    <a:lstStyle/>
+                    <a:p>
+                      <a:pPr algn="ctr" fontAlgn="t"/>
+                      <a:r>
+                        <a:rPr lang="en-US" sz="1300" u="none" strike="noStrike" dirty="0">
+                          <a:effectLst/>
+                        </a:rPr>
+                        <a:t>Extraversion</a:t>
+                      </a:r>
+                      <a:endParaRPr lang="en-US" sz="1300" b="0" i="0" u="none" strike="noStrike" dirty="0">
+                        <a:solidFill>
+                          <a:srgbClr val="000000"/>
+                        </a:solidFill>
+                        <a:effectLst/>
+                        <a:latin typeface="MingLiU" panose="02020509000000000000" pitchFamily="49" charset="-120"/>
+                        <a:ea typeface="MingLiU" panose="02020509000000000000" pitchFamily="49" charset="-120"/>
+                      </a:endParaRPr>
+                    </a:p>
+                  </a:txBody>
+                  <a:tcPr marL="7158" marR="7158" marT="7158" marB="0" anchor="ctr"/>
+                </a:tc>
+                <a:tc>
+                  <a:txBody>
+                    <a:bodyPr/>
+                    <a:lstStyle/>
+                    <a:p>
+                      <a:pPr algn="ctr" fontAlgn="t"/>
+                      <a:r>
+                        <a:rPr lang="en-US" sz="1300" u="none" strike="noStrike">
+                          <a:effectLst/>
+                        </a:rPr>
+                        <a:t>Pearson </a:t>
+                      </a:r>
+                      <a:r>
+                        <a:rPr lang="zh-CN" altLang="en-US" sz="1300" u="none" strike="noStrike">
+                          <a:effectLst/>
+                        </a:rPr>
+                        <a:t>相关性</a:t>
+                      </a:r>
+                      <a:endParaRPr lang="zh-CN" altLang="en-US" sz="1300" b="0" i="0" u="none" strike="noStrike">
+                        <a:solidFill>
+                          <a:srgbClr val="000000"/>
+                        </a:solidFill>
+                        <a:effectLst/>
+                        <a:latin typeface="MingLiU" panose="02020509000000000000" pitchFamily="49" charset="-120"/>
+                        <a:ea typeface="MingLiU" panose="02020509000000000000" pitchFamily="49" charset="-120"/>
+                      </a:endParaRPr>
+                    </a:p>
+                  </a:txBody>
+                  <a:tcPr marL="7158" marR="7158" marT="7158" marB="0" anchor="ctr"/>
+                </a:tc>
+                <a:tc>
+                  <a:txBody>
+                    <a:bodyPr/>
+                    <a:lstStyle/>
+                    <a:p>
+                      <a:pPr algn="ctr" fontAlgn="t"/>
+                      <a:r>
+                        <a:rPr lang="en-US" altLang="zh-CN" sz="1300" u="none" strike="noStrike">
+                          <a:effectLst/>
+                        </a:rPr>
+                        <a:t>.272</a:t>
+                      </a:r>
+                      <a:r>
+                        <a:rPr lang="zh-CN" altLang="en-US" sz="1300" u="none" strike="noStrike" baseline="30000">
+                          <a:effectLst/>
+                        </a:rPr>
+                        <a:t>*</a:t>
+                      </a:r>
+                      <a:endParaRPr lang="zh-CN" altLang="en-US" sz="1300" b="0" i="0" u="none" strike="noStrike">
+                        <a:solidFill>
+                          <a:srgbClr val="000000"/>
+                        </a:solidFill>
+                        <a:effectLst/>
+                        <a:latin typeface="MingLiU" panose="02020509000000000000" pitchFamily="49" charset="-120"/>
+                        <a:ea typeface="MingLiU" panose="02020509000000000000" pitchFamily="49" charset="-120"/>
+                      </a:endParaRPr>
+                    </a:p>
+                  </a:txBody>
+                  <a:tcPr marL="7158" marR="7158" marT="7158" marB="0" anchor="ctr"/>
+                </a:tc>
+                <a:tc>
+                  <a:txBody>
+                    <a:bodyPr/>
+                    <a:lstStyle/>
+                    <a:p>
+                      <a:pPr algn="ctr" fontAlgn="t"/>
+                      <a:r>
+                        <a:rPr lang="en-US" altLang="zh-CN" sz="1300" u="none" strike="noStrike">
+                          <a:effectLst/>
+                        </a:rPr>
+                        <a:t>.183</a:t>
+                      </a:r>
+                      <a:endParaRPr lang="en-US" altLang="zh-CN" sz="1300" b="0" i="0" u="none" strike="noStrike">
+                        <a:solidFill>
+                          <a:srgbClr val="000000"/>
+                        </a:solidFill>
+                        <a:effectLst/>
+                        <a:latin typeface="MingLiU" panose="02020509000000000000" pitchFamily="49" charset="-120"/>
+                        <a:ea typeface="MingLiU" panose="02020509000000000000" pitchFamily="49" charset="-120"/>
+                      </a:endParaRPr>
+                    </a:p>
+                  </a:txBody>
+                  <a:tcPr marL="7158" marR="7158" marT="7158" marB="0" anchor="ctr"/>
+                </a:tc>
+                <a:tc>
+                  <a:txBody>
+                    <a:bodyPr/>
+                    <a:lstStyle/>
+                    <a:p>
+                      <a:pPr algn="ctr" fontAlgn="t"/>
+                      <a:r>
+                        <a:rPr lang="en-US" altLang="zh-CN" sz="1300" u="none" strike="noStrike">
+                          <a:effectLst/>
+                        </a:rPr>
+                        <a:t>.200</a:t>
+                      </a:r>
+                      <a:endParaRPr lang="en-US" altLang="zh-CN" sz="1300" b="0" i="0" u="none" strike="noStrike">
+                        <a:solidFill>
+                          <a:srgbClr val="000000"/>
+                        </a:solidFill>
+                        <a:effectLst/>
+                        <a:latin typeface="MingLiU" panose="02020509000000000000" pitchFamily="49" charset="-120"/>
+                        <a:ea typeface="MingLiU" panose="02020509000000000000" pitchFamily="49" charset="-120"/>
+                      </a:endParaRPr>
+                    </a:p>
+                  </a:txBody>
+                  <a:tcPr marL="7158" marR="7158" marT="7158" marB="0" anchor="ctr"/>
+                </a:tc>
+                <a:tc>
+                  <a:txBody>
+                    <a:bodyPr/>
+                    <a:lstStyle/>
+                    <a:p>
+                      <a:pPr algn="ctr" fontAlgn="t"/>
+                      <a:r>
+                        <a:rPr lang="en-US" altLang="zh-CN" sz="1300" u="none" strike="noStrike" dirty="0">
+                          <a:effectLst/>
+                        </a:rPr>
+                        <a:t>-.251</a:t>
+                      </a:r>
+                      <a:r>
+                        <a:rPr lang="zh-CN" altLang="en-US" sz="1300" u="none" strike="noStrike" baseline="30000" dirty="0">
+                          <a:effectLst/>
+                        </a:rPr>
+                        <a:t>*</a:t>
+                      </a:r>
+                      <a:endParaRPr lang="zh-CN" altLang="en-US" sz="1300" b="0" i="0" u="none" strike="noStrike" dirty="0">
+                        <a:solidFill>
+                          <a:srgbClr val="000000"/>
+                        </a:solidFill>
+                        <a:effectLst/>
+                        <a:latin typeface="MingLiU" panose="02020509000000000000" pitchFamily="49" charset="-120"/>
+                        <a:ea typeface="MingLiU" panose="02020509000000000000" pitchFamily="49" charset="-120"/>
+                      </a:endParaRPr>
+                    </a:p>
+                  </a:txBody>
+                  <a:tcPr marL="7158" marR="7158" marT="7158" marB="0" anchor="ctr"/>
+                </a:tc>
+                <a:tc>
+                  <a:txBody>
+                    <a:bodyPr/>
+                    <a:lstStyle/>
+                    <a:p>
+                      <a:pPr algn="ctr" fontAlgn="t"/>
+                      <a:r>
+                        <a:rPr lang="en-US" altLang="zh-CN" sz="1300" u="none" strike="noStrike" dirty="0">
+                          <a:effectLst/>
+                        </a:rPr>
+                        <a:t>1</a:t>
+                      </a:r>
+                      <a:endParaRPr lang="en-US" altLang="zh-CN" sz="1300" b="0" i="0" u="none" strike="noStrike" dirty="0">
+                        <a:solidFill>
+                          <a:srgbClr val="000000"/>
+                        </a:solidFill>
+                        <a:effectLst/>
+                        <a:latin typeface="MingLiU" panose="02020509000000000000" pitchFamily="49" charset="-120"/>
+                        <a:ea typeface="MingLiU" panose="02020509000000000000" pitchFamily="49" charset="-120"/>
+                      </a:endParaRPr>
+                    </a:p>
+                  </a:txBody>
+                  <a:tcPr marL="7158" marR="7158" marT="7158" marB="0" anchor="ctr"/>
+                </a:tc>
+              </a:tr>
+              <a:tr h="181650">
+                <a:tc vMerge="1">
+                  <a:txBody>
+                    <a:bodyPr/>
+                    <a:lstStyle/>
+                    <a:p>
+                      <a:endParaRPr lang="zh-CN" altLang="en-US"/>
+                    </a:p>
+                  </a:txBody>
+                  <a:tcPr/>
+                </a:tc>
+                <a:tc>
+                  <a:txBody>
+                    <a:bodyPr/>
+                    <a:lstStyle/>
+                    <a:p>
+                      <a:pPr algn="ctr" fontAlgn="t"/>
+                      <a:r>
+                        <a:rPr lang="zh-CN" altLang="en-US" sz="1300" u="none" strike="noStrike">
+                          <a:effectLst/>
+                        </a:rPr>
+                        <a:t>显著性（双侧）</a:t>
+                      </a:r>
+                      <a:endParaRPr lang="zh-CN" altLang="en-US" sz="1300" b="0" i="0" u="none" strike="noStrike">
+                        <a:solidFill>
+                          <a:srgbClr val="000000"/>
+                        </a:solidFill>
+                        <a:effectLst/>
+                        <a:latin typeface="MingLiU" panose="02020509000000000000" pitchFamily="49" charset="-120"/>
+                        <a:ea typeface="MingLiU" panose="02020509000000000000" pitchFamily="49" charset="-120"/>
+                      </a:endParaRPr>
+                    </a:p>
+                  </a:txBody>
+                  <a:tcPr marL="7158" marR="7158" marT="7158" marB="0" anchor="ctr"/>
+                </a:tc>
+                <a:tc>
+                  <a:txBody>
+                    <a:bodyPr/>
+                    <a:lstStyle/>
+                    <a:p>
+                      <a:pPr algn="ctr" fontAlgn="t"/>
+                      <a:r>
+                        <a:rPr lang="en-US" altLang="zh-CN" sz="1300" u="none" strike="noStrike">
+                          <a:effectLst/>
+                        </a:rPr>
+                        <a:t>.010</a:t>
+                      </a:r>
+                      <a:endParaRPr lang="en-US" altLang="zh-CN" sz="1300" b="0" i="0" u="none" strike="noStrike">
+                        <a:solidFill>
+                          <a:srgbClr val="000000"/>
+                        </a:solidFill>
+                        <a:effectLst/>
+                        <a:latin typeface="MingLiU" panose="02020509000000000000" pitchFamily="49" charset="-120"/>
+                        <a:ea typeface="MingLiU" panose="02020509000000000000" pitchFamily="49" charset="-120"/>
+                      </a:endParaRPr>
+                    </a:p>
+                  </a:txBody>
+                  <a:tcPr marL="7158" marR="7158" marT="7158" marB="0" anchor="ctr"/>
+                </a:tc>
+                <a:tc>
+                  <a:txBody>
+                    <a:bodyPr/>
+                    <a:lstStyle/>
+                    <a:p>
+                      <a:pPr algn="ctr" fontAlgn="t"/>
+                      <a:r>
+                        <a:rPr lang="en-US" altLang="zh-CN" sz="1300" u="none" strike="noStrike">
+                          <a:effectLst/>
+                        </a:rPr>
+                        <a:t>.088</a:t>
+                      </a:r>
+                      <a:endParaRPr lang="en-US" altLang="zh-CN" sz="1300" b="0" i="0" u="none" strike="noStrike">
+                        <a:solidFill>
+                          <a:srgbClr val="000000"/>
+                        </a:solidFill>
+                        <a:effectLst/>
+                        <a:latin typeface="MingLiU" panose="02020509000000000000" pitchFamily="49" charset="-120"/>
+                        <a:ea typeface="MingLiU" panose="02020509000000000000" pitchFamily="49" charset="-120"/>
+                      </a:endParaRPr>
+                    </a:p>
+                  </a:txBody>
+                  <a:tcPr marL="7158" marR="7158" marT="7158" marB="0" anchor="ctr"/>
+                </a:tc>
+                <a:tc>
+                  <a:txBody>
+                    <a:bodyPr/>
+                    <a:lstStyle/>
+                    <a:p>
+                      <a:pPr algn="ctr" fontAlgn="t"/>
+                      <a:r>
+                        <a:rPr lang="en-US" altLang="zh-CN" sz="1300" u="none" strike="noStrike">
+                          <a:effectLst/>
+                        </a:rPr>
+                        <a:t>.061</a:t>
+                      </a:r>
+                      <a:endParaRPr lang="en-US" altLang="zh-CN" sz="1300" b="0" i="0" u="none" strike="noStrike">
+                        <a:solidFill>
+                          <a:srgbClr val="000000"/>
+                        </a:solidFill>
+                        <a:effectLst/>
+                        <a:latin typeface="MingLiU" panose="02020509000000000000" pitchFamily="49" charset="-120"/>
+                        <a:ea typeface="MingLiU" panose="02020509000000000000" pitchFamily="49" charset="-120"/>
+                      </a:endParaRPr>
+                    </a:p>
+                  </a:txBody>
+                  <a:tcPr marL="7158" marR="7158" marT="7158" marB="0" anchor="ctr"/>
+                </a:tc>
+                <a:tc>
+                  <a:txBody>
+                    <a:bodyPr/>
+                    <a:lstStyle/>
+                    <a:p>
+                      <a:pPr algn="ctr" fontAlgn="t"/>
+                      <a:r>
+                        <a:rPr lang="en-US" altLang="zh-CN" sz="1300" u="none" strike="noStrike" dirty="0">
+                          <a:effectLst/>
+                        </a:rPr>
+                        <a:t>.018</a:t>
+                      </a:r>
+                      <a:endParaRPr lang="en-US" altLang="zh-CN" sz="1300" b="0" i="0" u="none" strike="noStrike" dirty="0">
+                        <a:solidFill>
+                          <a:srgbClr val="000000"/>
+                        </a:solidFill>
+                        <a:effectLst/>
+                        <a:latin typeface="MingLiU" panose="02020509000000000000" pitchFamily="49" charset="-120"/>
+                        <a:ea typeface="MingLiU" panose="02020509000000000000" pitchFamily="49" charset="-120"/>
+                      </a:endParaRPr>
+                    </a:p>
+                  </a:txBody>
+                  <a:tcPr marL="7158" marR="7158" marT="7158" marB="0" anchor="ctr"/>
+                </a:tc>
+                <a:tc>
+                  <a:txBody>
+                    <a:bodyPr/>
+                    <a:lstStyle/>
+                    <a:p>
+                      <a:pPr algn="ctr" fontAlgn="ctr"/>
+                      <a:r>
+                        <a:rPr lang="zh-CN" altLang="en-US" sz="1300" u="none" strike="noStrike" dirty="0">
+                          <a:effectLst/>
+                        </a:rPr>
+                        <a:t>　</a:t>
+                      </a:r>
+                      <a:endParaRPr lang="zh-CN" altLang="en-US" sz="1300" b="0" i="0" u="none" strike="noStrike" dirty="0">
+                        <a:effectLst/>
+                        <a:latin typeface="Arial" panose="020B0604020202020204" pitchFamily="34" charset="0"/>
+                      </a:endParaRPr>
+                    </a:p>
+                  </a:txBody>
+                  <a:tcPr marL="7158" marR="7158" marT="7158" marB="0" anchor="ctr"/>
+                </a:tc>
+              </a:tr>
+              <a:tr h="181650">
+                <a:tc vMerge="1">
+                  <a:txBody>
+                    <a:bodyPr/>
+                    <a:lstStyle/>
+                    <a:p>
+                      <a:endParaRPr lang="zh-CN" altLang="en-US"/>
+                    </a:p>
+                  </a:txBody>
+                  <a:tcPr/>
+                </a:tc>
+                <a:tc>
+                  <a:txBody>
+                    <a:bodyPr/>
+                    <a:lstStyle/>
+                    <a:p>
+                      <a:pPr algn="ctr" fontAlgn="t"/>
+                      <a:r>
+                        <a:rPr lang="en-US" sz="1300" u="none" strike="noStrike">
+                          <a:effectLst/>
+                        </a:rPr>
+                        <a:t>N</a:t>
+                      </a:r>
+                      <a:endParaRPr lang="en-US" sz="1300" b="0" i="0" u="none" strike="noStrike">
+                        <a:solidFill>
+                          <a:srgbClr val="000000"/>
+                        </a:solidFill>
+                        <a:effectLst/>
+                        <a:latin typeface="MingLiU" panose="02020509000000000000" pitchFamily="49" charset="-120"/>
+                        <a:ea typeface="MingLiU" panose="02020509000000000000" pitchFamily="49" charset="-120"/>
+                      </a:endParaRPr>
+                    </a:p>
+                  </a:txBody>
+                  <a:tcPr marL="7158" marR="7158" marT="7158" marB="0" anchor="ctr"/>
+                </a:tc>
+                <a:tc>
+                  <a:txBody>
+                    <a:bodyPr/>
+                    <a:lstStyle/>
+                    <a:p>
+                      <a:pPr algn="ctr" fontAlgn="t"/>
+                      <a:r>
+                        <a:rPr lang="en-US" altLang="zh-CN" sz="1300" u="none" strike="noStrike">
+                          <a:effectLst/>
+                        </a:rPr>
+                        <a:t>88</a:t>
+                      </a:r>
+                      <a:endParaRPr lang="en-US" altLang="zh-CN" sz="1300" b="0" i="0" u="none" strike="noStrike">
+                        <a:solidFill>
+                          <a:srgbClr val="000000"/>
+                        </a:solidFill>
+                        <a:effectLst/>
+                        <a:latin typeface="MingLiU" panose="02020509000000000000" pitchFamily="49" charset="-120"/>
+                        <a:ea typeface="MingLiU" panose="02020509000000000000" pitchFamily="49" charset="-120"/>
+                      </a:endParaRPr>
+                    </a:p>
+                  </a:txBody>
+                  <a:tcPr marL="7158" marR="7158" marT="7158" marB="0" anchor="ctr"/>
+                </a:tc>
+                <a:tc>
+                  <a:txBody>
+                    <a:bodyPr/>
+                    <a:lstStyle/>
+                    <a:p>
+                      <a:pPr algn="ctr" fontAlgn="t"/>
+                      <a:r>
+                        <a:rPr lang="en-US" altLang="zh-CN" sz="1300" u="none" strike="noStrike">
+                          <a:effectLst/>
+                        </a:rPr>
+                        <a:t>88</a:t>
+                      </a:r>
+                      <a:endParaRPr lang="en-US" altLang="zh-CN" sz="1300" b="0" i="0" u="none" strike="noStrike">
+                        <a:solidFill>
+                          <a:srgbClr val="000000"/>
+                        </a:solidFill>
+                        <a:effectLst/>
+                        <a:latin typeface="MingLiU" panose="02020509000000000000" pitchFamily="49" charset="-120"/>
+                        <a:ea typeface="MingLiU" panose="02020509000000000000" pitchFamily="49" charset="-120"/>
+                      </a:endParaRPr>
+                    </a:p>
+                  </a:txBody>
+                  <a:tcPr marL="7158" marR="7158" marT="7158" marB="0" anchor="ctr"/>
+                </a:tc>
+                <a:tc>
+                  <a:txBody>
+                    <a:bodyPr/>
+                    <a:lstStyle/>
+                    <a:p>
+                      <a:pPr algn="ctr" fontAlgn="t"/>
+                      <a:r>
+                        <a:rPr lang="en-US" altLang="zh-CN" sz="1300" u="none" strike="noStrike">
+                          <a:effectLst/>
+                        </a:rPr>
+                        <a:t>88</a:t>
+                      </a:r>
+                      <a:endParaRPr lang="en-US" altLang="zh-CN" sz="1300" b="0" i="0" u="none" strike="noStrike">
+                        <a:solidFill>
+                          <a:srgbClr val="000000"/>
+                        </a:solidFill>
+                        <a:effectLst/>
+                        <a:latin typeface="MingLiU" panose="02020509000000000000" pitchFamily="49" charset="-120"/>
+                        <a:ea typeface="MingLiU" panose="02020509000000000000" pitchFamily="49" charset="-120"/>
+                      </a:endParaRPr>
+                    </a:p>
+                  </a:txBody>
+                  <a:tcPr marL="7158" marR="7158" marT="7158" marB="0" anchor="ctr"/>
+                </a:tc>
+                <a:tc>
+                  <a:txBody>
+                    <a:bodyPr/>
+                    <a:lstStyle/>
+                    <a:p>
+                      <a:pPr algn="ctr" fontAlgn="t"/>
+                      <a:r>
+                        <a:rPr lang="en-US" altLang="zh-CN" sz="1300" u="none" strike="noStrike">
+                          <a:effectLst/>
+                        </a:rPr>
+                        <a:t>88</a:t>
+                      </a:r>
+                      <a:endParaRPr lang="en-US" altLang="zh-CN" sz="1300" b="0" i="0" u="none" strike="noStrike">
+                        <a:solidFill>
+                          <a:srgbClr val="000000"/>
+                        </a:solidFill>
+                        <a:effectLst/>
+                        <a:latin typeface="MingLiU" panose="02020509000000000000" pitchFamily="49" charset="-120"/>
+                        <a:ea typeface="MingLiU" panose="02020509000000000000" pitchFamily="49" charset="-120"/>
+                      </a:endParaRPr>
+                    </a:p>
+                  </a:txBody>
+                  <a:tcPr marL="7158" marR="7158" marT="7158" marB="0" anchor="ctr"/>
+                </a:tc>
+                <a:tc>
+                  <a:txBody>
+                    <a:bodyPr/>
+                    <a:lstStyle/>
+                    <a:p>
+                      <a:pPr algn="ctr" fontAlgn="t"/>
+                      <a:r>
+                        <a:rPr lang="en-US" altLang="zh-CN" sz="1300" u="none" strike="noStrike" dirty="0">
+                          <a:effectLst/>
+                        </a:rPr>
+                        <a:t>88</a:t>
+                      </a:r>
+                      <a:endParaRPr lang="en-US" altLang="zh-CN" sz="1300" b="0" i="0" u="none" strike="noStrike" dirty="0">
+                        <a:solidFill>
+                          <a:srgbClr val="000000"/>
+                        </a:solidFill>
+                        <a:effectLst/>
+                        <a:latin typeface="MingLiU" panose="02020509000000000000" pitchFamily="49" charset="-120"/>
+                        <a:ea typeface="MingLiU" panose="02020509000000000000" pitchFamily="49" charset="-120"/>
+                      </a:endParaRPr>
+                    </a:p>
+                  </a:txBody>
+                  <a:tcPr marL="7158" marR="7158" marT="7158" marB="0" anchor="ctr"/>
                 </a:tc>
               </a:tr>
             </a:tbl>
@@ -5618,20 +9668,13 @@
     </p:spTree>
     <p:extLst>
       <p:ext uri="{BB962C8B-B14F-4D97-AF65-F5344CB8AC3E}">
-        <p14:creationId xmlns:p14="http://schemas.microsoft.com/office/powerpoint/2010/main" val="2565809163"/>
+        <p14:creationId xmlns:p14="http://schemas.microsoft.com/office/powerpoint/2010/main" val="866971574"/>
       </p:ext>
     </p:extLst>
   </p:cSld>
   <p:clrMapOvr>
     <a:masterClrMapping/>
   </p:clrMapOvr>
-  <p:timing>
-    <p:tnLst>
-      <p:par>
-        <p:cTn id="1" dur="indefinite" restart="never" nodeType="tmRoot"/>
-      </p:par>
-    </p:tnLst>
-  </p:timing>
 </p:sld>
 </file>
 
@@ -5669,7 +9712,7 @@
           <a:p>
             <a:r>
               <a:rPr lang="zh-CN" altLang="en-US" dirty="0" smtClean="0"/>
-              <a:t>平均性格指数</a:t>
+              <a:t>拟合效果</a:t>
             </a:r>
             <a:endParaRPr lang="zh-CN" altLang="en-US" dirty="0"/>
           </a:p>
@@ -5677,7 +9720,7 @@
       </p:sp>
       <p:graphicFrame>
         <p:nvGraphicFramePr>
-          <p:cNvPr id="4" name="内容占位符 3"/>
+          <p:cNvPr id="5" name="内容占位符 4"/>
           <p:cNvGraphicFramePr>
             <a:graphicFrameLocks noGrp="1"/>
           </p:cNvGraphicFramePr>
@@ -5685,25 +9728,565 @@
             <p:ph idx="1"/>
             <p:extLst>
               <p:ext uri="{D42A27DB-BD31-4B8C-83A1-F6EECF244321}">
-                <p14:modId xmlns:p14="http://schemas.microsoft.com/office/powerpoint/2010/main" val="4287690436"/>
+                <p14:modId xmlns:p14="http://schemas.microsoft.com/office/powerpoint/2010/main" val="1099293389"/>
               </p:ext>
             </p:extLst>
           </p:nvPr>
         </p:nvGraphicFramePr>
         <p:xfrm>
-          <a:off x="211540" y="1417638"/>
-          <a:ext cx="4046561" cy="4628320"/>
+          <a:off x="259305" y="2074459"/>
+          <a:ext cx="8679978" cy="2634018"/>
         </p:xfrm>
         <a:graphic>
-          <a:graphicData uri="http://schemas.openxmlformats.org/drawingml/2006/chart">
-            <c:chart xmlns:c="http://schemas.openxmlformats.org/drawingml/2006/chart" xmlns:r="http://schemas.openxmlformats.org/officeDocument/2006/relationships" r:id="rId2"/>
+          <a:graphicData uri="http://schemas.openxmlformats.org/drawingml/2006/table">
+            <a:tbl>
+              <a:tblPr firstRow="1" firstCol="1" bandRow="1">
+                <a:tableStyleId>{5C22544A-7EE6-4342-B048-85BDC9FD1C3A}</a:tableStyleId>
+              </a:tblPr>
+              <a:tblGrid>
+                <a:gridCol w="1445967"/>
+                <a:gridCol w="1445967"/>
+                <a:gridCol w="1447011"/>
+                <a:gridCol w="1447011"/>
+                <a:gridCol w="1447011"/>
+                <a:gridCol w="1447011"/>
+              </a:tblGrid>
+              <a:tr h="1060939">
+                <a:tc>
+                  <a:txBody>
+                    <a:bodyPr/>
+                    <a:lstStyle/>
+                    <a:p>
+                      <a:pPr algn="ctr">
+                        <a:lnSpc>
+                          <a:spcPct val="120000"/>
+                        </a:lnSpc>
+                        <a:spcAft>
+                          <a:spcPts val="0"/>
+                        </a:spcAft>
+                      </a:pPr>
+                      <a:r>
+                        <a:rPr lang="en-US" sz="2000" kern="100" dirty="0">
+                          <a:effectLst/>
+                        </a:rPr>
+                        <a:t>Correlation Coefficient</a:t>
+                      </a:r>
+                      <a:endParaRPr lang="zh-CN" sz="2000" kern="100" dirty="0">
+                        <a:effectLst/>
+                        <a:latin typeface="Calibri" panose="020F0502020204030204" pitchFamily="34" charset="0"/>
+                        <a:ea typeface="宋体" panose="02010600030101010101" pitchFamily="2" charset="-122"/>
+                        <a:cs typeface="Times New Roman" panose="02020603050405020304" pitchFamily="18" charset="0"/>
+                      </a:endParaRPr>
+                    </a:p>
+                  </a:txBody>
+                  <a:tcPr marL="68580" marR="68580" marT="0" marB="0" anchor="ctr"/>
+                </a:tc>
+                <a:tc>
+                  <a:txBody>
+                    <a:bodyPr/>
+                    <a:lstStyle/>
+                    <a:p>
+                      <a:pPr algn="ctr">
+                        <a:lnSpc>
+                          <a:spcPct val="120000"/>
+                        </a:lnSpc>
+                        <a:spcAft>
+                          <a:spcPts val="0"/>
+                        </a:spcAft>
+                      </a:pPr>
+                      <a:r>
+                        <a:rPr lang="en-US" sz="2000" kern="100" dirty="0">
+                          <a:effectLst/>
+                        </a:rPr>
+                        <a:t>Agreeableness</a:t>
+                      </a:r>
+                      <a:endParaRPr lang="zh-CN" sz="2000" kern="100" dirty="0">
+                        <a:effectLst/>
+                        <a:latin typeface="Calibri" panose="020F0502020204030204" pitchFamily="34" charset="0"/>
+                        <a:ea typeface="宋体" panose="02010600030101010101" pitchFamily="2" charset="-122"/>
+                        <a:cs typeface="Times New Roman" panose="02020603050405020304" pitchFamily="18" charset="0"/>
+                      </a:endParaRPr>
+                    </a:p>
+                  </a:txBody>
+                  <a:tcPr marL="68580" marR="68580" marT="0" marB="0" anchor="ctr"/>
+                </a:tc>
+                <a:tc>
+                  <a:txBody>
+                    <a:bodyPr/>
+                    <a:lstStyle/>
+                    <a:p>
+                      <a:pPr algn="ctr">
+                        <a:lnSpc>
+                          <a:spcPct val="120000"/>
+                        </a:lnSpc>
+                        <a:spcAft>
+                          <a:spcPts val="0"/>
+                        </a:spcAft>
+                      </a:pPr>
+                      <a:r>
+                        <a:rPr lang="en-US" sz="2000" kern="100" dirty="0">
+                          <a:effectLst/>
+                        </a:rPr>
+                        <a:t>Openness</a:t>
+                      </a:r>
+                      <a:endParaRPr lang="zh-CN" sz="2000" kern="100" dirty="0">
+                        <a:effectLst/>
+                        <a:latin typeface="Calibri" panose="020F0502020204030204" pitchFamily="34" charset="0"/>
+                        <a:ea typeface="宋体" panose="02010600030101010101" pitchFamily="2" charset="-122"/>
+                        <a:cs typeface="Times New Roman" panose="02020603050405020304" pitchFamily="18" charset="0"/>
+                      </a:endParaRPr>
+                    </a:p>
+                  </a:txBody>
+                  <a:tcPr marL="68580" marR="68580" marT="0" marB="0" anchor="ctr"/>
+                </a:tc>
+                <a:tc>
+                  <a:txBody>
+                    <a:bodyPr/>
+                    <a:lstStyle/>
+                    <a:p>
+                      <a:pPr algn="ctr">
+                        <a:lnSpc>
+                          <a:spcPct val="120000"/>
+                        </a:lnSpc>
+                        <a:spcAft>
+                          <a:spcPts val="0"/>
+                        </a:spcAft>
+                      </a:pPr>
+                      <a:r>
+                        <a:rPr lang="en-US" sz="2000" kern="100" dirty="0">
+                          <a:effectLst/>
+                        </a:rPr>
+                        <a:t>Conscientiousness</a:t>
+                      </a:r>
+                      <a:endParaRPr lang="zh-CN" sz="2000" kern="100" dirty="0">
+                        <a:effectLst/>
+                        <a:latin typeface="Calibri" panose="020F0502020204030204" pitchFamily="34" charset="0"/>
+                        <a:ea typeface="宋体" panose="02010600030101010101" pitchFamily="2" charset="-122"/>
+                        <a:cs typeface="Times New Roman" panose="02020603050405020304" pitchFamily="18" charset="0"/>
+                      </a:endParaRPr>
+                    </a:p>
+                  </a:txBody>
+                  <a:tcPr marL="68580" marR="68580" marT="0" marB="0" anchor="ctr"/>
+                </a:tc>
+                <a:tc>
+                  <a:txBody>
+                    <a:bodyPr/>
+                    <a:lstStyle/>
+                    <a:p>
+                      <a:pPr algn="ctr">
+                        <a:lnSpc>
+                          <a:spcPct val="120000"/>
+                        </a:lnSpc>
+                        <a:spcAft>
+                          <a:spcPts val="0"/>
+                        </a:spcAft>
+                      </a:pPr>
+                      <a:r>
+                        <a:rPr lang="en-US" sz="2000" kern="100">
+                          <a:effectLst/>
+                        </a:rPr>
+                        <a:t>Neuroticism</a:t>
+                      </a:r>
+                      <a:endParaRPr lang="zh-CN" sz="2000" kern="100">
+                        <a:effectLst/>
+                        <a:latin typeface="Calibri" panose="020F0502020204030204" pitchFamily="34" charset="0"/>
+                        <a:ea typeface="宋体" panose="02010600030101010101" pitchFamily="2" charset="-122"/>
+                        <a:cs typeface="Times New Roman" panose="02020603050405020304" pitchFamily="18" charset="0"/>
+                      </a:endParaRPr>
+                    </a:p>
+                  </a:txBody>
+                  <a:tcPr marL="68580" marR="68580" marT="0" marB="0" anchor="ctr"/>
+                </a:tc>
+                <a:tc>
+                  <a:txBody>
+                    <a:bodyPr/>
+                    <a:lstStyle/>
+                    <a:p>
+                      <a:pPr algn="ctr">
+                        <a:lnSpc>
+                          <a:spcPct val="120000"/>
+                        </a:lnSpc>
+                        <a:spcAft>
+                          <a:spcPts val="0"/>
+                        </a:spcAft>
+                      </a:pPr>
+                      <a:r>
+                        <a:rPr lang="en-US" sz="2000" kern="100">
+                          <a:effectLst/>
+                        </a:rPr>
+                        <a:t>Extraversion</a:t>
+                      </a:r>
+                      <a:endParaRPr lang="zh-CN" sz="2000" kern="100">
+                        <a:effectLst/>
+                        <a:latin typeface="Calibri" panose="020F0502020204030204" pitchFamily="34" charset="0"/>
+                        <a:ea typeface="宋体" panose="02010600030101010101" pitchFamily="2" charset="-122"/>
+                        <a:cs typeface="Times New Roman" panose="02020603050405020304" pitchFamily="18" charset="0"/>
+                      </a:endParaRPr>
+                    </a:p>
+                  </a:txBody>
+                  <a:tcPr marL="68580" marR="68580" marT="0" marB="0" anchor="ctr"/>
+                </a:tc>
+              </a:tr>
+              <a:tr h="512140">
+                <a:tc>
+                  <a:txBody>
+                    <a:bodyPr/>
+                    <a:lstStyle/>
+                    <a:p>
+                      <a:pPr algn="ctr">
+                        <a:lnSpc>
+                          <a:spcPct val="120000"/>
+                        </a:lnSpc>
+                        <a:spcAft>
+                          <a:spcPts val="0"/>
+                        </a:spcAft>
+                      </a:pPr>
+                      <a:r>
+                        <a:rPr lang="en-US" sz="2000" kern="100" dirty="0">
+                          <a:effectLst/>
+                        </a:rPr>
+                        <a:t>M5Rules</a:t>
+                      </a:r>
+                      <a:endParaRPr lang="zh-CN" sz="2000" kern="100" dirty="0">
+                        <a:effectLst/>
+                        <a:latin typeface="Calibri" panose="020F0502020204030204" pitchFamily="34" charset="0"/>
+                        <a:ea typeface="宋体" panose="02010600030101010101" pitchFamily="2" charset="-122"/>
+                        <a:cs typeface="Times New Roman" panose="02020603050405020304" pitchFamily="18" charset="0"/>
+                      </a:endParaRPr>
+                    </a:p>
+                  </a:txBody>
+                  <a:tcPr marL="68580" marR="68580" marT="0" marB="0" anchor="ctr"/>
+                </a:tc>
+                <a:tc>
+                  <a:txBody>
+                    <a:bodyPr/>
+                    <a:lstStyle/>
+                    <a:p>
+                      <a:pPr algn="ctr">
+                        <a:lnSpc>
+                          <a:spcPct val="120000"/>
+                        </a:lnSpc>
+                        <a:spcAft>
+                          <a:spcPts val="0"/>
+                        </a:spcAft>
+                      </a:pPr>
+                      <a:r>
+                        <a:rPr lang="en-US" sz="2000" kern="100">
+                          <a:effectLst/>
+                        </a:rPr>
+                        <a:t>0.7353</a:t>
+                      </a:r>
+                      <a:endParaRPr lang="zh-CN" sz="2000" kern="100">
+                        <a:effectLst/>
+                        <a:latin typeface="Calibri" panose="020F0502020204030204" pitchFamily="34" charset="0"/>
+                        <a:ea typeface="宋体" panose="02010600030101010101" pitchFamily="2" charset="-122"/>
+                        <a:cs typeface="Times New Roman" panose="02020603050405020304" pitchFamily="18" charset="0"/>
+                      </a:endParaRPr>
+                    </a:p>
+                  </a:txBody>
+                  <a:tcPr marL="68580" marR="68580" marT="0" marB="0" anchor="ctr"/>
+                </a:tc>
+                <a:tc>
+                  <a:txBody>
+                    <a:bodyPr/>
+                    <a:lstStyle/>
+                    <a:p>
+                      <a:pPr algn="ctr">
+                        <a:lnSpc>
+                          <a:spcPct val="120000"/>
+                        </a:lnSpc>
+                        <a:spcAft>
+                          <a:spcPts val="0"/>
+                        </a:spcAft>
+                      </a:pPr>
+                      <a:r>
+                        <a:rPr lang="en-US" sz="2000" kern="100" dirty="0">
+                          <a:effectLst/>
+                        </a:rPr>
+                        <a:t>0.7335</a:t>
+                      </a:r>
+                      <a:endParaRPr lang="zh-CN" sz="2000" kern="100" dirty="0">
+                        <a:effectLst/>
+                        <a:latin typeface="Calibri" panose="020F0502020204030204" pitchFamily="34" charset="0"/>
+                        <a:ea typeface="宋体" panose="02010600030101010101" pitchFamily="2" charset="-122"/>
+                        <a:cs typeface="Times New Roman" panose="02020603050405020304" pitchFamily="18" charset="0"/>
+                      </a:endParaRPr>
+                    </a:p>
+                  </a:txBody>
+                  <a:tcPr marL="68580" marR="68580" marT="0" marB="0" anchor="ctr"/>
+                </a:tc>
+                <a:tc>
+                  <a:txBody>
+                    <a:bodyPr/>
+                    <a:lstStyle/>
+                    <a:p>
+                      <a:pPr algn="ctr">
+                        <a:lnSpc>
+                          <a:spcPct val="120000"/>
+                        </a:lnSpc>
+                        <a:spcAft>
+                          <a:spcPts val="0"/>
+                        </a:spcAft>
+                      </a:pPr>
+                      <a:r>
+                        <a:rPr lang="en-US" sz="2000" kern="100" dirty="0">
+                          <a:effectLst/>
+                        </a:rPr>
+                        <a:t>0.8241</a:t>
+                      </a:r>
+                      <a:endParaRPr lang="zh-CN" sz="2000" kern="100" dirty="0">
+                        <a:effectLst/>
+                        <a:latin typeface="Calibri" panose="020F0502020204030204" pitchFamily="34" charset="0"/>
+                        <a:ea typeface="宋体" panose="02010600030101010101" pitchFamily="2" charset="-122"/>
+                        <a:cs typeface="Times New Roman" panose="02020603050405020304" pitchFamily="18" charset="0"/>
+                      </a:endParaRPr>
+                    </a:p>
+                  </a:txBody>
+                  <a:tcPr marL="68580" marR="68580" marT="0" marB="0" anchor="ctr"/>
+                </a:tc>
+                <a:tc>
+                  <a:txBody>
+                    <a:bodyPr/>
+                    <a:lstStyle/>
+                    <a:p>
+                      <a:pPr algn="ctr">
+                        <a:lnSpc>
+                          <a:spcPct val="120000"/>
+                        </a:lnSpc>
+                        <a:spcAft>
+                          <a:spcPts val="0"/>
+                        </a:spcAft>
+                      </a:pPr>
+                      <a:r>
+                        <a:rPr lang="en-US" sz="2000" kern="100" dirty="0">
+                          <a:effectLst/>
+                        </a:rPr>
+                        <a:t>0.7196</a:t>
+                      </a:r>
+                      <a:endParaRPr lang="zh-CN" sz="2000" kern="100" dirty="0">
+                        <a:effectLst/>
+                        <a:latin typeface="Calibri" panose="020F0502020204030204" pitchFamily="34" charset="0"/>
+                        <a:ea typeface="宋体" panose="02010600030101010101" pitchFamily="2" charset="-122"/>
+                        <a:cs typeface="Times New Roman" panose="02020603050405020304" pitchFamily="18" charset="0"/>
+                      </a:endParaRPr>
+                    </a:p>
+                  </a:txBody>
+                  <a:tcPr marL="68580" marR="68580" marT="0" marB="0" anchor="ctr"/>
+                </a:tc>
+                <a:tc>
+                  <a:txBody>
+                    <a:bodyPr/>
+                    <a:lstStyle/>
+                    <a:p>
+                      <a:pPr algn="ctr">
+                        <a:lnSpc>
+                          <a:spcPct val="120000"/>
+                        </a:lnSpc>
+                        <a:spcAft>
+                          <a:spcPts val="0"/>
+                        </a:spcAft>
+                      </a:pPr>
+                      <a:r>
+                        <a:rPr lang="en-US" sz="2000" kern="100" dirty="0">
+                          <a:effectLst/>
+                        </a:rPr>
+                        <a:t>0.4644</a:t>
+                      </a:r>
+                      <a:endParaRPr lang="zh-CN" sz="2000" kern="100" dirty="0">
+                        <a:effectLst/>
+                        <a:latin typeface="Calibri" panose="020F0502020204030204" pitchFamily="34" charset="0"/>
+                        <a:ea typeface="宋体" panose="02010600030101010101" pitchFamily="2" charset="-122"/>
+                        <a:cs typeface="Times New Roman" panose="02020603050405020304" pitchFamily="18" charset="0"/>
+                      </a:endParaRPr>
+                    </a:p>
+                  </a:txBody>
+                  <a:tcPr marL="68580" marR="68580" marT="0" marB="0" anchor="ctr"/>
+                </a:tc>
+              </a:tr>
+              <a:tr h="1060939">
+                <a:tc>
+                  <a:txBody>
+                    <a:bodyPr/>
+                    <a:lstStyle/>
+                    <a:p>
+                      <a:pPr algn="ctr">
+                        <a:lnSpc>
+                          <a:spcPct val="120000"/>
+                        </a:lnSpc>
+                        <a:spcAft>
+                          <a:spcPts val="0"/>
+                        </a:spcAft>
+                      </a:pPr>
+                      <a:r>
+                        <a:rPr lang="en-US" sz="2000" kern="100">
+                          <a:effectLst/>
+                        </a:rPr>
+                        <a:t>Gaussian Process</a:t>
+                      </a:r>
+                      <a:endParaRPr lang="zh-CN" sz="2000" kern="100">
+                        <a:effectLst/>
+                        <a:latin typeface="Calibri" panose="020F0502020204030204" pitchFamily="34" charset="0"/>
+                        <a:ea typeface="宋体" panose="02010600030101010101" pitchFamily="2" charset="-122"/>
+                        <a:cs typeface="Times New Roman" panose="02020603050405020304" pitchFamily="18" charset="0"/>
+                      </a:endParaRPr>
+                    </a:p>
+                  </a:txBody>
+                  <a:tcPr marL="68580" marR="68580" marT="0" marB="0" anchor="ctr"/>
+                </a:tc>
+                <a:tc>
+                  <a:txBody>
+                    <a:bodyPr/>
+                    <a:lstStyle/>
+                    <a:p>
+                      <a:pPr algn="ctr">
+                        <a:lnSpc>
+                          <a:spcPct val="120000"/>
+                        </a:lnSpc>
+                        <a:spcAft>
+                          <a:spcPts val="0"/>
+                        </a:spcAft>
+                      </a:pPr>
+                      <a:r>
+                        <a:rPr lang="en-US" sz="2000" kern="100" dirty="0">
+                          <a:effectLst/>
+                        </a:rPr>
+                        <a:t>0.9602</a:t>
+                      </a:r>
+                      <a:endParaRPr lang="zh-CN" sz="2000" kern="100" dirty="0">
+                        <a:effectLst/>
+                        <a:latin typeface="Calibri" panose="020F0502020204030204" pitchFamily="34" charset="0"/>
+                        <a:ea typeface="宋体" panose="02010600030101010101" pitchFamily="2" charset="-122"/>
+                        <a:cs typeface="Times New Roman" panose="02020603050405020304" pitchFamily="18" charset="0"/>
+                      </a:endParaRPr>
+                    </a:p>
+                  </a:txBody>
+                  <a:tcPr marL="68580" marR="68580" marT="0" marB="0" anchor="ctr"/>
+                </a:tc>
+                <a:tc>
+                  <a:txBody>
+                    <a:bodyPr/>
+                    <a:lstStyle/>
+                    <a:p>
+                      <a:pPr algn="ctr">
+                        <a:lnSpc>
+                          <a:spcPct val="120000"/>
+                        </a:lnSpc>
+                        <a:spcAft>
+                          <a:spcPts val="0"/>
+                        </a:spcAft>
+                      </a:pPr>
+                      <a:r>
+                        <a:rPr lang="en-US" sz="2000" kern="100">
+                          <a:effectLst/>
+                        </a:rPr>
+                        <a:t>0.9663</a:t>
+                      </a:r>
+                      <a:endParaRPr lang="zh-CN" sz="2000" kern="100">
+                        <a:effectLst/>
+                        <a:latin typeface="Calibri" panose="020F0502020204030204" pitchFamily="34" charset="0"/>
+                        <a:ea typeface="宋体" panose="02010600030101010101" pitchFamily="2" charset="-122"/>
+                        <a:cs typeface="Times New Roman" panose="02020603050405020304" pitchFamily="18" charset="0"/>
+                      </a:endParaRPr>
+                    </a:p>
+                  </a:txBody>
+                  <a:tcPr marL="68580" marR="68580" marT="0" marB="0" anchor="ctr"/>
+                </a:tc>
+                <a:tc>
+                  <a:txBody>
+                    <a:bodyPr/>
+                    <a:lstStyle/>
+                    <a:p>
+                      <a:pPr algn="ctr">
+                        <a:lnSpc>
+                          <a:spcPct val="120000"/>
+                        </a:lnSpc>
+                        <a:spcAft>
+                          <a:spcPts val="0"/>
+                        </a:spcAft>
+                      </a:pPr>
+                      <a:r>
+                        <a:rPr lang="en-US" sz="2000" kern="100">
+                          <a:effectLst/>
+                        </a:rPr>
+                        <a:t>0.9618</a:t>
+                      </a:r>
+                      <a:endParaRPr lang="zh-CN" sz="2000" kern="100">
+                        <a:effectLst/>
+                        <a:latin typeface="Calibri" panose="020F0502020204030204" pitchFamily="34" charset="0"/>
+                        <a:ea typeface="宋体" panose="02010600030101010101" pitchFamily="2" charset="-122"/>
+                        <a:cs typeface="Times New Roman" panose="02020603050405020304" pitchFamily="18" charset="0"/>
+                      </a:endParaRPr>
+                    </a:p>
+                  </a:txBody>
+                  <a:tcPr marL="68580" marR="68580" marT="0" marB="0" anchor="ctr"/>
+                </a:tc>
+                <a:tc>
+                  <a:txBody>
+                    <a:bodyPr/>
+                    <a:lstStyle/>
+                    <a:p>
+                      <a:pPr algn="ctr">
+                        <a:lnSpc>
+                          <a:spcPct val="120000"/>
+                        </a:lnSpc>
+                        <a:spcAft>
+                          <a:spcPts val="0"/>
+                        </a:spcAft>
+                      </a:pPr>
+                      <a:r>
+                        <a:rPr lang="en-US" sz="2000" kern="100" dirty="0">
+                          <a:effectLst/>
+                        </a:rPr>
+                        <a:t>0.9621</a:t>
+                      </a:r>
+                      <a:endParaRPr lang="zh-CN" sz="2000" kern="100" dirty="0">
+                        <a:effectLst/>
+                        <a:latin typeface="Calibri" panose="020F0502020204030204" pitchFamily="34" charset="0"/>
+                        <a:ea typeface="宋体" panose="02010600030101010101" pitchFamily="2" charset="-122"/>
+                        <a:cs typeface="Times New Roman" panose="02020603050405020304" pitchFamily="18" charset="0"/>
+                      </a:endParaRPr>
+                    </a:p>
+                  </a:txBody>
+                  <a:tcPr marL="68580" marR="68580" marT="0" marB="0" anchor="ctr"/>
+                </a:tc>
+                <a:tc>
+                  <a:txBody>
+                    <a:bodyPr/>
+                    <a:lstStyle/>
+                    <a:p>
+                      <a:pPr algn="ctr">
+                        <a:lnSpc>
+                          <a:spcPct val="120000"/>
+                        </a:lnSpc>
+                        <a:spcAft>
+                          <a:spcPts val="0"/>
+                        </a:spcAft>
+                      </a:pPr>
+                      <a:r>
+                        <a:rPr lang="en-US" sz="2000" kern="100" dirty="0">
+                          <a:effectLst/>
+                        </a:rPr>
+                        <a:t>0.9583</a:t>
+                      </a:r>
+                      <a:endParaRPr lang="zh-CN" sz="2000" kern="100" dirty="0">
+                        <a:effectLst/>
+                        <a:latin typeface="Calibri" panose="020F0502020204030204" pitchFamily="34" charset="0"/>
+                        <a:ea typeface="宋体" panose="02010600030101010101" pitchFamily="2" charset="-122"/>
+                        <a:cs typeface="Times New Roman" panose="02020603050405020304" pitchFamily="18" charset="0"/>
+                      </a:endParaRPr>
+                    </a:p>
+                  </a:txBody>
+                  <a:tcPr marL="68580" marR="68580" marT="0" marB="0" anchor="ctr"/>
+                </a:tc>
+              </a:tr>
+            </a:tbl>
           </a:graphicData>
         </a:graphic>
       </p:graphicFrame>
     </p:spTree>
     <p:extLst>
       <p:ext uri="{BB962C8B-B14F-4D97-AF65-F5344CB8AC3E}">
-        <p14:creationId xmlns:p14="http://schemas.microsoft.com/office/powerpoint/2010/main" val="4203535315"/>
+        <p14:creationId xmlns:p14="http://schemas.microsoft.com/office/powerpoint/2010/main" val="2565809163"/>
       </p:ext>
     </p:extLst>
   </p:cSld>
@@ -5717,6 +10300,821 @@
       </p:par>
     </p:tnLst>
   </p:timing>
+</p:sld>
+</file>
+
+<file path=ppt/slides/slide13.xml><?xml version="1.0" encoding="utf-8"?>
+<p:sld xmlns:a="http://schemas.openxmlformats.org/drawingml/2006/main" xmlns:r="http://schemas.openxmlformats.org/officeDocument/2006/relationships" xmlns:p="http://schemas.openxmlformats.org/presentationml/2006/main">
+  <p:cSld>
+    <p:spTree>
+      <p:nvGrpSpPr>
+        <p:cNvPr id="1" name=""/>
+        <p:cNvGrpSpPr/>
+        <p:nvPr/>
+      </p:nvGrpSpPr>
+      <p:grpSpPr>
+        <a:xfrm>
+          <a:off x="0" y="0"/>
+          <a:ext cx="0" cy="0"/>
+          <a:chOff x="0" y="0"/>
+          <a:chExt cx="0" cy="0"/>
+        </a:xfrm>
+      </p:grpSpPr>
+      <p:sp>
+        <p:nvSpPr>
+          <p:cNvPr id="2" name="标题 1"/>
+          <p:cNvSpPr>
+            <a:spLocks noGrp="1"/>
+          </p:cNvSpPr>
+          <p:nvPr>
+            <p:ph type="title"/>
+          </p:nvPr>
+        </p:nvSpPr>
+        <p:spPr/>
+        <p:txBody>
+          <a:bodyPr/>
+          <a:lstStyle/>
+          <a:p>
+            <a:r>
+              <a:rPr lang="zh-CN" altLang="en-US" dirty="0" smtClean="0"/>
+              <a:t>预测效果</a:t>
+            </a:r>
+            <a:endParaRPr lang="zh-CN" altLang="en-US" dirty="0"/>
+          </a:p>
+        </p:txBody>
+      </p:sp>
+      <p:graphicFrame>
+        <p:nvGraphicFramePr>
+          <p:cNvPr id="4" name="内容占位符 3"/>
+          <p:cNvGraphicFramePr>
+            <a:graphicFrameLocks noGrp="1"/>
+          </p:cNvGraphicFramePr>
+          <p:nvPr>
+            <p:ph idx="1"/>
+            <p:extLst>
+              <p:ext uri="{D42A27DB-BD31-4B8C-83A1-F6EECF244321}">
+                <p14:modId xmlns:p14="http://schemas.microsoft.com/office/powerpoint/2010/main" val="836745048"/>
+              </p:ext>
+            </p:extLst>
+          </p:nvPr>
+        </p:nvGraphicFramePr>
+        <p:xfrm>
+          <a:off x="1023579" y="2115402"/>
+          <a:ext cx="7151429" cy="3220872"/>
+        </p:xfrm>
+        <a:graphic>
+          <a:graphicData uri="http://schemas.openxmlformats.org/drawingml/2006/table">
+            <a:tbl>
+              <a:tblPr firstRow="1" firstCol="1" bandRow="1">
+                <a:tableStyleId>{5C22544A-7EE6-4342-B048-85BDC9FD1C3A}</a:tableStyleId>
+              </a:tblPr>
+              <a:tblGrid>
+                <a:gridCol w="2397832"/>
+                <a:gridCol w="1135815"/>
+                <a:gridCol w="1135815"/>
+                <a:gridCol w="1346152"/>
+                <a:gridCol w="1135815"/>
+              </a:tblGrid>
+              <a:tr h="536812">
+                <a:tc>
+                  <a:txBody>
+                    <a:bodyPr/>
+                    <a:lstStyle/>
+                    <a:p>
+                      <a:pPr algn="ctr" fontAlgn="ctr"/>
+                      <a:endParaRPr lang="zh-CN" altLang="en-US" sz="2000" b="0" i="0" u="none" strike="noStrike" dirty="0">
+                        <a:solidFill>
+                          <a:srgbClr val="000000"/>
+                        </a:solidFill>
+                        <a:effectLst/>
+                        <a:latin typeface="宋体" panose="02010600030101010101" pitchFamily="2" charset="-122"/>
+                        <a:ea typeface="宋体" panose="02010600030101010101" pitchFamily="2" charset="-122"/>
+                      </a:endParaRPr>
+                    </a:p>
+                  </a:txBody>
+                  <a:tcPr marL="9525" marR="9525" marT="9525" marB="0" anchor="ctr"/>
+                </a:tc>
+                <a:tc>
+                  <a:txBody>
+                    <a:bodyPr/>
+                    <a:lstStyle/>
+                    <a:p>
+                      <a:pPr algn="ctr" fontAlgn="ctr"/>
+                      <a:r>
+                        <a:rPr lang="en-US" sz="2000" u="none" strike="noStrike">
+                          <a:effectLst/>
+                        </a:rPr>
+                        <a:t>actual</a:t>
+                      </a:r>
+                      <a:endParaRPr lang="en-US" sz="2000" b="0" i="0" u="none" strike="noStrike">
+                        <a:solidFill>
+                          <a:srgbClr val="000000"/>
+                        </a:solidFill>
+                        <a:effectLst/>
+                        <a:latin typeface="宋体" panose="02010600030101010101" pitchFamily="2" charset="-122"/>
+                        <a:ea typeface="宋体" panose="02010600030101010101" pitchFamily="2" charset="-122"/>
+                      </a:endParaRPr>
+                    </a:p>
+                  </a:txBody>
+                  <a:tcPr marL="9525" marR="9525" marT="9525" marB="0" anchor="ctr"/>
+                </a:tc>
+                <a:tc>
+                  <a:txBody>
+                    <a:bodyPr/>
+                    <a:lstStyle/>
+                    <a:p>
+                      <a:pPr algn="ctr" fontAlgn="ctr"/>
+                      <a:r>
+                        <a:rPr lang="en-US" sz="2000" u="none" strike="noStrike">
+                          <a:effectLst/>
+                        </a:rPr>
+                        <a:t>predict</a:t>
+                      </a:r>
+                      <a:endParaRPr lang="en-US" sz="2000" b="0" i="0" u="none" strike="noStrike">
+                        <a:solidFill>
+                          <a:srgbClr val="000000"/>
+                        </a:solidFill>
+                        <a:effectLst/>
+                        <a:latin typeface="宋体" panose="02010600030101010101" pitchFamily="2" charset="-122"/>
+                        <a:ea typeface="宋体" panose="02010600030101010101" pitchFamily="2" charset="-122"/>
+                      </a:endParaRPr>
+                    </a:p>
+                  </a:txBody>
+                  <a:tcPr marL="9525" marR="9525" marT="9525" marB="0" anchor="ctr"/>
+                </a:tc>
+                <a:tc>
+                  <a:txBody>
+                    <a:bodyPr/>
+                    <a:lstStyle/>
+                    <a:p>
+                      <a:pPr algn="ctr" fontAlgn="ctr"/>
+                      <a:r>
+                        <a:rPr lang="en-US" sz="2000" u="none" strike="noStrike">
+                          <a:effectLst/>
+                        </a:rPr>
+                        <a:t>std_error</a:t>
+                      </a:r>
+                      <a:endParaRPr lang="en-US" sz="2000" b="0" i="0" u="none" strike="noStrike">
+                        <a:solidFill>
+                          <a:srgbClr val="000000"/>
+                        </a:solidFill>
+                        <a:effectLst/>
+                        <a:latin typeface="宋体" panose="02010600030101010101" pitchFamily="2" charset="-122"/>
+                        <a:ea typeface="宋体" panose="02010600030101010101" pitchFamily="2" charset="-122"/>
+                      </a:endParaRPr>
+                    </a:p>
+                  </a:txBody>
+                  <a:tcPr marL="9525" marR="9525" marT="9525" marB="0" anchor="ctr"/>
+                </a:tc>
+                <a:tc>
+                  <a:txBody>
+                    <a:bodyPr/>
+                    <a:lstStyle/>
+                    <a:p>
+                      <a:pPr algn="ctr" fontAlgn="ctr"/>
+                      <a:r>
+                        <a:rPr lang="en-US" sz="2000" u="none" strike="noStrike">
+                          <a:effectLst/>
+                        </a:rPr>
+                        <a:t>max_diff</a:t>
+                      </a:r>
+                      <a:endParaRPr lang="en-US" sz="2000" b="0" i="0" u="none" strike="noStrike">
+                        <a:solidFill>
+                          <a:srgbClr val="000000"/>
+                        </a:solidFill>
+                        <a:effectLst/>
+                        <a:latin typeface="宋体" panose="02010600030101010101" pitchFamily="2" charset="-122"/>
+                        <a:ea typeface="宋体" panose="02010600030101010101" pitchFamily="2" charset="-122"/>
+                      </a:endParaRPr>
+                    </a:p>
+                  </a:txBody>
+                  <a:tcPr marL="9525" marR="9525" marT="9525" marB="0" anchor="ctr"/>
+                </a:tc>
+              </a:tr>
+              <a:tr h="536812">
+                <a:tc>
+                  <a:txBody>
+                    <a:bodyPr/>
+                    <a:lstStyle/>
+                    <a:p>
+                      <a:pPr algn="ctr" fontAlgn="ctr"/>
+                      <a:r>
+                        <a:rPr lang="en-US" sz="2000" u="none" strike="noStrike">
+                          <a:effectLst/>
+                        </a:rPr>
+                        <a:t>Agreeabless</a:t>
+                      </a:r>
+                      <a:endParaRPr lang="en-US" sz="2000" b="0" i="0" u="none" strike="noStrike">
+                        <a:solidFill>
+                          <a:srgbClr val="000000"/>
+                        </a:solidFill>
+                        <a:effectLst/>
+                        <a:latin typeface="宋体" panose="02010600030101010101" pitchFamily="2" charset="-122"/>
+                        <a:ea typeface="宋体" panose="02010600030101010101" pitchFamily="2" charset="-122"/>
+                      </a:endParaRPr>
+                    </a:p>
+                  </a:txBody>
+                  <a:tcPr marL="9525" marR="9525" marT="9525" marB="0" anchor="ctr"/>
+                </a:tc>
+                <a:tc>
+                  <a:txBody>
+                    <a:bodyPr/>
+                    <a:lstStyle/>
+                    <a:p>
+                      <a:pPr algn="ctr" fontAlgn="ctr"/>
+                      <a:r>
+                        <a:rPr lang="en-US" altLang="zh-CN" sz="2000" u="none" strike="noStrike">
+                          <a:effectLst/>
+                        </a:rPr>
+                        <a:t>0.6368</a:t>
+                      </a:r>
+                      <a:endParaRPr lang="en-US" altLang="zh-CN" sz="2000" b="0" i="0" u="none" strike="noStrike">
+                        <a:solidFill>
+                          <a:srgbClr val="000000"/>
+                        </a:solidFill>
+                        <a:effectLst/>
+                        <a:latin typeface="宋体" panose="02010600030101010101" pitchFamily="2" charset="-122"/>
+                        <a:ea typeface="宋体" panose="02010600030101010101" pitchFamily="2" charset="-122"/>
+                      </a:endParaRPr>
+                    </a:p>
+                  </a:txBody>
+                  <a:tcPr marL="9525" marR="9525" marT="9525" marB="0" anchor="ctr"/>
+                </a:tc>
+                <a:tc>
+                  <a:txBody>
+                    <a:bodyPr/>
+                    <a:lstStyle/>
+                    <a:p>
+                      <a:pPr algn="ctr" fontAlgn="ctr"/>
+                      <a:r>
+                        <a:rPr lang="en-US" altLang="zh-CN" sz="2000" u="none" strike="noStrike">
+                          <a:effectLst/>
+                        </a:rPr>
+                        <a:t>0.6369</a:t>
+                      </a:r>
+                      <a:endParaRPr lang="en-US" altLang="zh-CN" sz="2000" b="0" i="0" u="none" strike="noStrike">
+                        <a:solidFill>
+                          <a:srgbClr val="000000"/>
+                        </a:solidFill>
+                        <a:effectLst/>
+                        <a:latin typeface="宋体" panose="02010600030101010101" pitchFamily="2" charset="-122"/>
+                        <a:ea typeface="宋体" panose="02010600030101010101" pitchFamily="2" charset="-122"/>
+                      </a:endParaRPr>
+                    </a:p>
+                  </a:txBody>
+                  <a:tcPr marL="9525" marR="9525" marT="9525" marB="0" anchor="ctr"/>
+                </a:tc>
+                <a:tc>
+                  <a:txBody>
+                    <a:bodyPr/>
+                    <a:lstStyle/>
+                    <a:p>
+                      <a:pPr algn="ctr" fontAlgn="ctr"/>
+                      <a:r>
+                        <a:rPr lang="en-US" altLang="zh-CN" sz="2000" u="none" strike="noStrike">
+                          <a:effectLst/>
+                        </a:rPr>
+                        <a:t>0.079</a:t>
+                      </a:r>
+                      <a:endParaRPr lang="en-US" altLang="zh-CN" sz="2000" b="0" i="0" u="none" strike="noStrike">
+                        <a:solidFill>
+                          <a:srgbClr val="000000"/>
+                        </a:solidFill>
+                        <a:effectLst/>
+                        <a:latin typeface="宋体" panose="02010600030101010101" pitchFamily="2" charset="-122"/>
+                        <a:ea typeface="宋体" panose="02010600030101010101" pitchFamily="2" charset="-122"/>
+                      </a:endParaRPr>
+                    </a:p>
+                  </a:txBody>
+                  <a:tcPr marL="9525" marR="9525" marT="9525" marB="0" anchor="ctr"/>
+                </a:tc>
+                <a:tc>
+                  <a:txBody>
+                    <a:bodyPr/>
+                    <a:lstStyle/>
+                    <a:p>
+                      <a:pPr algn="ctr" fontAlgn="ctr"/>
+                      <a:r>
+                        <a:rPr lang="en-US" altLang="zh-CN" sz="2000" u="none" strike="noStrike">
+                          <a:effectLst/>
+                        </a:rPr>
+                        <a:t>0.19</a:t>
+                      </a:r>
+                      <a:endParaRPr lang="en-US" altLang="zh-CN" sz="2000" b="0" i="0" u="none" strike="noStrike">
+                        <a:solidFill>
+                          <a:srgbClr val="000000"/>
+                        </a:solidFill>
+                        <a:effectLst/>
+                        <a:latin typeface="宋体" panose="02010600030101010101" pitchFamily="2" charset="-122"/>
+                        <a:ea typeface="宋体" panose="02010600030101010101" pitchFamily="2" charset="-122"/>
+                      </a:endParaRPr>
+                    </a:p>
+                  </a:txBody>
+                  <a:tcPr marL="9525" marR="9525" marT="9525" marB="0" anchor="ctr"/>
+                </a:tc>
+              </a:tr>
+              <a:tr h="536812">
+                <a:tc>
+                  <a:txBody>
+                    <a:bodyPr/>
+                    <a:lstStyle/>
+                    <a:p>
+                      <a:pPr algn="ctr" fontAlgn="ctr"/>
+                      <a:r>
+                        <a:rPr lang="en-US" sz="2000" u="none" strike="noStrike">
+                          <a:effectLst/>
+                        </a:rPr>
+                        <a:t>Conscientiousness</a:t>
+                      </a:r>
+                      <a:endParaRPr lang="en-US" sz="2000" b="0" i="0" u="none" strike="noStrike">
+                        <a:solidFill>
+                          <a:srgbClr val="000000"/>
+                        </a:solidFill>
+                        <a:effectLst/>
+                        <a:latin typeface="宋体" panose="02010600030101010101" pitchFamily="2" charset="-122"/>
+                        <a:ea typeface="宋体" panose="02010600030101010101" pitchFamily="2" charset="-122"/>
+                      </a:endParaRPr>
+                    </a:p>
+                  </a:txBody>
+                  <a:tcPr marL="9525" marR="9525" marT="9525" marB="0" anchor="ctr"/>
+                </a:tc>
+                <a:tc>
+                  <a:txBody>
+                    <a:bodyPr/>
+                    <a:lstStyle/>
+                    <a:p>
+                      <a:pPr algn="ctr" fontAlgn="ctr"/>
+                      <a:r>
+                        <a:rPr lang="en-US" altLang="zh-CN" sz="2000" u="none" strike="noStrike">
+                          <a:effectLst/>
+                        </a:rPr>
+                        <a:t>0.5186</a:t>
+                      </a:r>
+                      <a:endParaRPr lang="en-US" altLang="zh-CN" sz="2000" b="0" i="0" u="none" strike="noStrike">
+                        <a:solidFill>
+                          <a:srgbClr val="000000"/>
+                        </a:solidFill>
+                        <a:effectLst/>
+                        <a:latin typeface="宋体" panose="02010600030101010101" pitchFamily="2" charset="-122"/>
+                        <a:ea typeface="宋体" panose="02010600030101010101" pitchFamily="2" charset="-122"/>
+                      </a:endParaRPr>
+                    </a:p>
+                  </a:txBody>
+                  <a:tcPr marL="9525" marR="9525" marT="9525" marB="0" anchor="ctr"/>
+                </a:tc>
+                <a:tc>
+                  <a:txBody>
+                    <a:bodyPr/>
+                    <a:lstStyle/>
+                    <a:p>
+                      <a:pPr algn="ctr" fontAlgn="ctr"/>
+                      <a:r>
+                        <a:rPr lang="en-US" altLang="zh-CN" sz="2000" u="none" strike="noStrike">
+                          <a:effectLst/>
+                        </a:rPr>
+                        <a:t>0.5275</a:t>
+                      </a:r>
+                      <a:endParaRPr lang="en-US" altLang="zh-CN" sz="2000" b="0" i="0" u="none" strike="noStrike">
+                        <a:solidFill>
+                          <a:srgbClr val="000000"/>
+                        </a:solidFill>
+                        <a:effectLst/>
+                        <a:latin typeface="宋体" panose="02010600030101010101" pitchFamily="2" charset="-122"/>
+                        <a:ea typeface="宋体" panose="02010600030101010101" pitchFamily="2" charset="-122"/>
+                      </a:endParaRPr>
+                    </a:p>
+                  </a:txBody>
+                  <a:tcPr marL="9525" marR="9525" marT="9525" marB="0" anchor="ctr"/>
+                </a:tc>
+                <a:tc>
+                  <a:txBody>
+                    <a:bodyPr/>
+                    <a:lstStyle/>
+                    <a:p>
+                      <a:pPr algn="ctr" fontAlgn="ctr"/>
+                      <a:r>
+                        <a:rPr lang="en-US" altLang="zh-CN" sz="2000" u="none" strike="noStrike">
+                          <a:effectLst/>
+                        </a:rPr>
+                        <a:t>0.077</a:t>
+                      </a:r>
+                      <a:endParaRPr lang="en-US" altLang="zh-CN" sz="2000" b="0" i="0" u="none" strike="noStrike">
+                        <a:solidFill>
+                          <a:srgbClr val="000000"/>
+                        </a:solidFill>
+                        <a:effectLst/>
+                        <a:latin typeface="宋体" panose="02010600030101010101" pitchFamily="2" charset="-122"/>
+                        <a:ea typeface="宋体" panose="02010600030101010101" pitchFamily="2" charset="-122"/>
+                      </a:endParaRPr>
+                    </a:p>
+                  </a:txBody>
+                  <a:tcPr marL="9525" marR="9525" marT="9525" marB="0" anchor="ctr"/>
+                </a:tc>
+                <a:tc>
+                  <a:txBody>
+                    <a:bodyPr/>
+                    <a:lstStyle/>
+                    <a:p>
+                      <a:pPr algn="ctr" fontAlgn="ctr"/>
+                      <a:r>
+                        <a:rPr lang="en-US" altLang="zh-CN" sz="2000" u="none" strike="noStrike">
+                          <a:effectLst/>
+                        </a:rPr>
+                        <a:t>0.17</a:t>
+                      </a:r>
+                      <a:endParaRPr lang="en-US" altLang="zh-CN" sz="2000" b="0" i="0" u="none" strike="noStrike">
+                        <a:solidFill>
+                          <a:srgbClr val="000000"/>
+                        </a:solidFill>
+                        <a:effectLst/>
+                        <a:latin typeface="宋体" panose="02010600030101010101" pitchFamily="2" charset="-122"/>
+                        <a:ea typeface="宋体" panose="02010600030101010101" pitchFamily="2" charset="-122"/>
+                      </a:endParaRPr>
+                    </a:p>
+                  </a:txBody>
+                  <a:tcPr marL="9525" marR="9525" marT="9525" marB="0" anchor="ctr"/>
+                </a:tc>
+              </a:tr>
+              <a:tr h="536812">
+                <a:tc>
+                  <a:txBody>
+                    <a:bodyPr/>
+                    <a:lstStyle/>
+                    <a:p>
+                      <a:pPr algn="ctr" fontAlgn="ctr"/>
+                      <a:r>
+                        <a:rPr lang="en-US" sz="2000" u="none" strike="noStrike">
+                          <a:effectLst/>
+                        </a:rPr>
+                        <a:t>Extraversion</a:t>
+                      </a:r>
+                      <a:endParaRPr lang="en-US" sz="2000" b="0" i="0" u="none" strike="noStrike">
+                        <a:solidFill>
+                          <a:srgbClr val="000000"/>
+                        </a:solidFill>
+                        <a:effectLst/>
+                        <a:latin typeface="宋体" panose="02010600030101010101" pitchFamily="2" charset="-122"/>
+                        <a:ea typeface="宋体" panose="02010600030101010101" pitchFamily="2" charset="-122"/>
+                      </a:endParaRPr>
+                    </a:p>
+                  </a:txBody>
+                  <a:tcPr marL="9525" marR="9525" marT="9525" marB="0" anchor="ctr"/>
+                </a:tc>
+                <a:tc>
+                  <a:txBody>
+                    <a:bodyPr/>
+                    <a:lstStyle/>
+                    <a:p>
+                      <a:pPr algn="ctr" fontAlgn="ctr"/>
+                      <a:r>
+                        <a:rPr lang="en-US" altLang="zh-CN" sz="2000" u="none" strike="noStrike">
+                          <a:effectLst/>
+                        </a:rPr>
+                        <a:t>0.5266</a:t>
+                      </a:r>
+                      <a:endParaRPr lang="en-US" altLang="zh-CN" sz="2000" b="0" i="0" u="none" strike="noStrike">
+                        <a:solidFill>
+                          <a:srgbClr val="000000"/>
+                        </a:solidFill>
+                        <a:effectLst/>
+                        <a:latin typeface="宋体" panose="02010600030101010101" pitchFamily="2" charset="-122"/>
+                        <a:ea typeface="宋体" panose="02010600030101010101" pitchFamily="2" charset="-122"/>
+                      </a:endParaRPr>
+                    </a:p>
+                  </a:txBody>
+                  <a:tcPr marL="9525" marR="9525" marT="9525" marB="0" anchor="ctr"/>
+                </a:tc>
+                <a:tc>
+                  <a:txBody>
+                    <a:bodyPr/>
+                    <a:lstStyle/>
+                    <a:p>
+                      <a:pPr algn="ctr" fontAlgn="ctr"/>
+                      <a:r>
+                        <a:rPr lang="en-US" altLang="zh-CN" sz="2000" u="none" strike="noStrike">
+                          <a:effectLst/>
+                        </a:rPr>
+                        <a:t>0.5253</a:t>
+                      </a:r>
+                      <a:endParaRPr lang="en-US" altLang="zh-CN" sz="2000" b="0" i="0" u="none" strike="noStrike">
+                        <a:solidFill>
+                          <a:srgbClr val="000000"/>
+                        </a:solidFill>
+                        <a:effectLst/>
+                        <a:latin typeface="宋体" panose="02010600030101010101" pitchFamily="2" charset="-122"/>
+                        <a:ea typeface="宋体" panose="02010600030101010101" pitchFamily="2" charset="-122"/>
+                      </a:endParaRPr>
+                    </a:p>
+                  </a:txBody>
+                  <a:tcPr marL="9525" marR="9525" marT="9525" marB="0" anchor="ctr"/>
+                </a:tc>
+                <a:tc>
+                  <a:txBody>
+                    <a:bodyPr/>
+                    <a:lstStyle/>
+                    <a:p>
+                      <a:pPr algn="ctr" fontAlgn="ctr"/>
+                      <a:r>
+                        <a:rPr lang="en-US" altLang="zh-CN" sz="2000" u="none" strike="noStrike">
+                          <a:effectLst/>
+                        </a:rPr>
+                        <a:t>0.073</a:t>
+                      </a:r>
+                      <a:endParaRPr lang="en-US" altLang="zh-CN" sz="2000" b="0" i="0" u="none" strike="noStrike">
+                        <a:solidFill>
+                          <a:srgbClr val="000000"/>
+                        </a:solidFill>
+                        <a:effectLst/>
+                        <a:latin typeface="宋体" panose="02010600030101010101" pitchFamily="2" charset="-122"/>
+                        <a:ea typeface="宋体" panose="02010600030101010101" pitchFamily="2" charset="-122"/>
+                      </a:endParaRPr>
+                    </a:p>
+                  </a:txBody>
+                  <a:tcPr marL="9525" marR="9525" marT="9525" marB="0" anchor="ctr"/>
+                </a:tc>
+                <a:tc>
+                  <a:txBody>
+                    <a:bodyPr/>
+                    <a:lstStyle/>
+                    <a:p>
+                      <a:pPr algn="ctr" fontAlgn="ctr"/>
+                      <a:r>
+                        <a:rPr lang="en-US" altLang="zh-CN" sz="2000" u="none" strike="noStrike">
+                          <a:effectLst/>
+                        </a:rPr>
+                        <a:t>0.15</a:t>
+                      </a:r>
+                      <a:endParaRPr lang="en-US" altLang="zh-CN" sz="2000" b="0" i="0" u="none" strike="noStrike">
+                        <a:solidFill>
+                          <a:srgbClr val="000000"/>
+                        </a:solidFill>
+                        <a:effectLst/>
+                        <a:latin typeface="宋体" panose="02010600030101010101" pitchFamily="2" charset="-122"/>
+                        <a:ea typeface="宋体" panose="02010600030101010101" pitchFamily="2" charset="-122"/>
+                      </a:endParaRPr>
+                    </a:p>
+                  </a:txBody>
+                  <a:tcPr marL="9525" marR="9525" marT="9525" marB="0" anchor="ctr"/>
+                </a:tc>
+              </a:tr>
+              <a:tr h="536812">
+                <a:tc>
+                  <a:txBody>
+                    <a:bodyPr/>
+                    <a:lstStyle/>
+                    <a:p>
+                      <a:pPr algn="ctr" fontAlgn="ctr"/>
+                      <a:r>
+                        <a:rPr lang="en-US" sz="2000" u="none" strike="noStrike">
+                          <a:effectLst/>
+                        </a:rPr>
+                        <a:t>Openness</a:t>
+                      </a:r>
+                      <a:endParaRPr lang="en-US" sz="2000" b="0" i="0" u="none" strike="noStrike">
+                        <a:solidFill>
+                          <a:srgbClr val="000000"/>
+                        </a:solidFill>
+                        <a:effectLst/>
+                        <a:latin typeface="宋体" panose="02010600030101010101" pitchFamily="2" charset="-122"/>
+                        <a:ea typeface="宋体" panose="02010600030101010101" pitchFamily="2" charset="-122"/>
+                      </a:endParaRPr>
+                    </a:p>
+                  </a:txBody>
+                  <a:tcPr marL="9525" marR="9525" marT="9525" marB="0" anchor="ctr"/>
+                </a:tc>
+                <a:tc>
+                  <a:txBody>
+                    <a:bodyPr/>
+                    <a:lstStyle/>
+                    <a:p>
+                      <a:pPr algn="ctr" fontAlgn="ctr"/>
+                      <a:r>
+                        <a:rPr lang="en-US" altLang="zh-CN" sz="2000" u="none" strike="noStrike" dirty="0">
+                          <a:effectLst/>
+                        </a:rPr>
+                        <a:t>0.6154</a:t>
+                      </a:r>
+                      <a:endParaRPr lang="en-US" altLang="zh-CN" sz="2000" b="0" i="0" u="none" strike="noStrike" dirty="0">
+                        <a:solidFill>
+                          <a:srgbClr val="000000"/>
+                        </a:solidFill>
+                        <a:effectLst/>
+                        <a:latin typeface="宋体" panose="02010600030101010101" pitchFamily="2" charset="-122"/>
+                        <a:ea typeface="宋体" panose="02010600030101010101" pitchFamily="2" charset="-122"/>
+                      </a:endParaRPr>
+                    </a:p>
+                  </a:txBody>
+                  <a:tcPr marL="9525" marR="9525" marT="9525" marB="0" anchor="ctr"/>
+                </a:tc>
+                <a:tc>
+                  <a:txBody>
+                    <a:bodyPr/>
+                    <a:lstStyle/>
+                    <a:p>
+                      <a:pPr algn="ctr" fontAlgn="ctr"/>
+                      <a:r>
+                        <a:rPr lang="en-US" altLang="zh-CN" sz="2000" u="none" strike="noStrike">
+                          <a:effectLst/>
+                        </a:rPr>
+                        <a:t>0.6154</a:t>
+                      </a:r>
+                      <a:endParaRPr lang="en-US" altLang="zh-CN" sz="2000" b="0" i="0" u="none" strike="noStrike">
+                        <a:solidFill>
+                          <a:srgbClr val="000000"/>
+                        </a:solidFill>
+                        <a:effectLst/>
+                        <a:latin typeface="宋体" panose="02010600030101010101" pitchFamily="2" charset="-122"/>
+                        <a:ea typeface="宋体" panose="02010600030101010101" pitchFamily="2" charset="-122"/>
+                      </a:endParaRPr>
+                    </a:p>
+                  </a:txBody>
+                  <a:tcPr marL="9525" marR="9525" marT="9525" marB="0" anchor="ctr"/>
+                </a:tc>
+                <a:tc>
+                  <a:txBody>
+                    <a:bodyPr/>
+                    <a:lstStyle/>
+                    <a:p>
+                      <a:pPr algn="ctr" fontAlgn="ctr"/>
+                      <a:r>
+                        <a:rPr lang="en-US" altLang="zh-CN" sz="2000" u="none" strike="noStrike">
+                          <a:effectLst/>
+                        </a:rPr>
+                        <a:t>0.081</a:t>
+                      </a:r>
+                      <a:endParaRPr lang="en-US" altLang="zh-CN" sz="2000" b="0" i="0" u="none" strike="noStrike">
+                        <a:solidFill>
+                          <a:srgbClr val="000000"/>
+                        </a:solidFill>
+                        <a:effectLst/>
+                        <a:latin typeface="宋体" panose="02010600030101010101" pitchFamily="2" charset="-122"/>
+                        <a:ea typeface="宋体" panose="02010600030101010101" pitchFamily="2" charset="-122"/>
+                      </a:endParaRPr>
+                    </a:p>
+                  </a:txBody>
+                  <a:tcPr marL="9525" marR="9525" marT="9525" marB="0" anchor="ctr"/>
+                </a:tc>
+                <a:tc>
+                  <a:txBody>
+                    <a:bodyPr/>
+                    <a:lstStyle/>
+                    <a:p>
+                      <a:pPr algn="ctr" fontAlgn="ctr"/>
+                      <a:r>
+                        <a:rPr lang="en-US" altLang="zh-CN" sz="2000" u="none" strike="noStrike">
+                          <a:effectLst/>
+                        </a:rPr>
+                        <a:t>0.22</a:t>
+                      </a:r>
+                      <a:endParaRPr lang="en-US" altLang="zh-CN" sz="2000" b="0" i="0" u="none" strike="noStrike">
+                        <a:solidFill>
+                          <a:srgbClr val="000000"/>
+                        </a:solidFill>
+                        <a:effectLst/>
+                        <a:latin typeface="宋体" panose="02010600030101010101" pitchFamily="2" charset="-122"/>
+                        <a:ea typeface="宋体" panose="02010600030101010101" pitchFamily="2" charset="-122"/>
+                      </a:endParaRPr>
+                    </a:p>
+                  </a:txBody>
+                  <a:tcPr marL="9525" marR="9525" marT="9525" marB="0" anchor="ctr"/>
+                </a:tc>
+              </a:tr>
+              <a:tr h="536812">
+                <a:tc>
+                  <a:txBody>
+                    <a:bodyPr/>
+                    <a:lstStyle/>
+                    <a:p>
+                      <a:pPr algn="ctr" fontAlgn="ctr"/>
+                      <a:r>
+                        <a:rPr lang="en-US" sz="2000" u="none" strike="noStrike">
+                          <a:effectLst/>
+                        </a:rPr>
+                        <a:t>Neuroticism</a:t>
+                      </a:r>
+                      <a:endParaRPr lang="en-US" sz="2000" b="0" i="0" u="none" strike="noStrike">
+                        <a:solidFill>
+                          <a:srgbClr val="000000"/>
+                        </a:solidFill>
+                        <a:effectLst/>
+                        <a:latin typeface="宋体" panose="02010600030101010101" pitchFamily="2" charset="-122"/>
+                        <a:ea typeface="宋体" panose="02010600030101010101" pitchFamily="2" charset="-122"/>
+                      </a:endParaRPr>
+                    </a:p>
+                  </a:txBody>
+                  <a:tcPr marL="9525" marR="9525" marT="9525" marB="0" anchor="ctr"/>
+                </a:tc>
+                <a:tc>
+                  <a:txBody>
+                    <a:bodyPr/>
+                    <a:lstStyle/>
+                    <a:p>
+                      <a:pPr algn="ctr" fontAlgn="ctr"/>
+                      <a:r>
+                        <a:rPr lang="en-US" altLang="zh-CN" sz="2000" u="none" strike="noStrike">
+                          <a:effectLst/>
+                        </a:rPr>
+                        <a:t>0.5209</a:t>
+                      </a:r>
+                      <a:endParaRPr lang="en-US" altLang="zh-CN" sz="2000" b="0" i="0" u="none" strike="noStrike">
+                        <a:solidFill>
+                          <a:srgbClr val="000000"/>
+                        </a:solidFill>
+                        <a:effectLst/>
+                        <a:latin typeface="宋体" panose="02010600030101010101" pitchFamily="2" charset="-122"/>
+                        <a:ea typeface="宋体" panose="02010600030101010101" pitchFamily="2" charset="-122"/>
+                      </a:endParaRPr>
+                    </a:p>
+                  </a:txBody>
+                  <a:tcPr marL="9525" marR="9525" marT="9525" marB="0" anchor="ctr"/>
+                </a:tc>
+                <a:tc>
+                  <a:txBody>
+                    <a:bodyPr/>
+                    <a:lstStyle/>
+                    <a:p>
+                      <a:pPr algn="ctr" fontAlgn="ctr"/>
+                      <a:r>
+                        <a:rPr lang="en-US" altLang="zh-CN" sz="2000" u="none" strike="noStrike">
+                          <a:effectLst/>
+                        </a:rPr>
+                        <a:t>0.5209</a:t>
+                      </a:r>
+                      <a:endParaRPr lang="en-US" altLang="zh-CN" sz="2000" b="0" i="0" u="none" strike="noStrike">
+                        <a:solidFill>
+                          <a:srgbClr val="000000"/>
+                        </a:solidFill>
+                        <a:effectLst/>
+                        <a:latin typeface="宋体" panose="02010600030101010101" pitchFamily="2" charset="-122"/>
+                        <a:ea typeface="宋体" panose="02010600030101010101" pitchFamily="2" charset="-122"/>
+                      </a:endParaRPr>
+                    </a:p>
+                  </a:txBody>
+                  <a:tcPr marL="9525" marR="9525" marT="9525" marB="0" anchor="ctr"/>
+                </a:tc>
+                <a:tc>
+                  <a:txBody>
+                    <a:bodyPr/>
+                    <a:lstStyle/>
+                    <a:p>
+                      <a:pPr algn="ctr" fontAlgn="ctr"/>
+                      <a:r>
+                        <a:rPr lang="en-US" altLang="zh-CN" sz="2000" u="none" strike="noStrike">
+                          <a:effectLst/>
+                        </a:rPr>
+                        <a:t>0.095</a:t>
+                      </a:r>
+                      <a:endParaRPr lang="en-US" altLang="zh-CN" sz="2000" b="0" i="0" u="none" strike="noStrike">
+                        <a:solidFill>
+                          <a:srgbClr val="000000"/>
+                        </a:solidFill>
+                        <a:effectLst/>
+                        <a:latin typeface="宋体" panose="02010600030101010101" pitchFamily="2" charset="-122"/>
+                        <a:ea typeface="宋体" panose="02010600030101010101" pitchFamily="2" charset="-122"/>
+                      </a:endParaRPr>
+                    </a:p>
+                  </a:txBody>
+                  <a:tcPr marL="9525" marR="9525" marT="9525" marB="0" anchor="ctr"/>
+                </a:tc>
+                <a:tc>
+                  <a:txBody>
+                    <a:bodyPr/>
+                    <a:lstStyle/>
+                    <a:p>
+                      <a:pPr algn="ctr" fontAlgn="ctr"/>
+                      <a:r>
+                        <a:rPr lang="en-US" altLang="zh-CN" sz="2000" u="none" strike="noStrike" dirty="0">
+                          <a:effectLst/>
+                        </a:rPr>
+                        <a:t>0.28</a:t>
+                      </a:r>
+                      <a:endParaRPr lang="en-US" altLang="zh-CN" sz="2000" b="0" i="0" u="none" strike="noStrike" dirty="0">
+                        <a:solidFill>
+                          <a:srgbClr val="000000"/>
+                        </a:solidFill>
+                        <a:effectLst/>
+                        <a:latin typeface="宋体" panose="02010600030101010101" pitchFamily="2" charset="-122"/>
+                        <a:ea typeface="宋体" panose="02010600030101010101" pitchFamily="2" charset="-122"/>
+                      </a:endParaRPr>
+                    </a:p>
+                  </a:txBody>
+                  <a:tcPr marL="9525" marR="9525" marT="9525" marB="0" anchor="ctr"/>
+                </a:tc>
+              </a:tr>
+            </a:tbl>
+          </a:graphicData>
+        </a:graphic>
+      </p:graphicFrame>
+    </p:spTree>
+    <p:extLst>
+      <p:ext uri="{BB962C8B-B14F-4D97-AF65-F5344CB8AC3E}">
+        <p14:creationId xmlns:p14="http://schemas.microsoft.com/office/powerpoint/2010/main" val="1698894439"/>
+      </p:ext>
+    </p:extLst>
+  </p:cSld>
+  <p:clrMapOvr>
+    <a:masterClrMapping/>
+  </p:clrMapOvr>
 </p:sld>
 </file>
 
@@ -6087,11 +11485,7 @@
             </a:r>
             <a:r>
               <a:rPr kumimoji="1" lang="zh-CN" altLang="en-US" dirty="0" smtClean="0"/>
-              <a:t>份</a:t>
-            </a:r>
-            <a:r>
-              <a:rPr kumimoji="1" lang="zh-CN" altLang="en-US" dirty="0" smtClean="0"/>
-              <a:t>问卷</a:t>
+              <a:t>份问卷</a:t>
             </a:r>
             <a:endParaRPr kumimoji="1" lang="en-US" altLang="zh-CN" dirty="0" smtClean="0"/>
           </a:p>

--- a/slides.pptx
+++ b/slides.pptx
@@ -11759,6 +11759,210 @@
           </p:txBody>
         </p:sp>
       </p:grpSp>
+      <p:sp>
+        <p:nvSpPr>
+          <p:cNvPr id="9" name="文本框 8"/>
+          <p:cNvSpPr txBox="1"/>
+          <p:nvPr/>
+        </p:nvSpPr>
+        <p:spPr>
+          <a:xfrm>
+            <a:off x="1009934" y="5568287"/>
+            <a:ext cx="6919415" cy="923330"/>
+          </a:xfrm>
+          <a:prstGeom prst="rect">
+            <a:avLst/>
+          </a:prstGeom>
+          <a:noFill/>
+        </p:spPr>
+        <p:txBody>
+          <a:bodyPr wrap="square" rtlCol="0">
+            <a:spAutoFit/>
+          </a:bodyPr>
+          <a:lstStyle/>
+          <a:p>
+            <a:r>
+              <a:rPr lang="zh-CN" altLang="en-US" dirty="0"/>
+              <a:t>看</a:t>
+            </a:r>
+            <a:r>
+              <a:rPr lang="en-US" altLang="zh-CN" dirty="0"/>
+              <a:t>/v </a:t>
+            </a:r>
+            <a:r>
+              <a:rPr lang="zh-CN" altLang="en-US" dirty="0"/>
+              <a:t>了</a:t>
+            </a:r>
+            <a:r>
+              <a:rPr lang="en-US" altLang="zh-CN" dirty="0"/>
+              <a:t>/u X/</a:t>
+            </a:r>
+            <a:r>
+              <a:rPr lang="en-US" altLang="zh-CN" dirty="0" err="1"/>
+              <a:t>nx</a:t>
+            </a:r>
+            <a:r>
+              <a:rPr lang="en-US" altLang="zh-CN" dirty="0"/>
+              <a:t> </a:t>
+            </a:r>
+            <a:r>
+              <a:rPr lang="zh-CN" altLang="en-US" dirty="0"/>
+              <a:t>战警</a:t>
+            </a:r>
+            <a:r>
+              <a:rPr lang="en-US" altLang="zh-CN" dirty="0"/>
+              <a:t>/n </a:t>
+            </a:r>
+            <a:r>
+              <a:rPr lang="zh-CN" altLang="en-US" dirty="0"/>
+              <a:t>前传</a:t>
+            </a:r>
+            <a:r>
+              <a:rPr lang="en-US" altLang="zh-CN" dirty="0"/>
+              <a:t>/n First/</a:t>
+            </a:r>
+            <a:r>
+              <a:rPr lang="en-US" altLang="zh-CN" dirty="0" err="1"/>
+              <a:t>nx</a:t>
+            </a:r>
+            <a:r>
+              <a:rPr lang="en-US" altLang="zh-CN" dirty="0"/>
+              <a:t>  /w Class/</a:t>
+            </a:r>
+            <a:r>
+              <a:rPr lang="en-US" altLang="zh-CN" dirty="0" err="1"/>
+              <a:t>nx</a:t>
+            </a:r>
+            <a:r>
+              <a:rPr lang="en-US" altLang="zh-CN" dirty="0"/>
+              <a:t> </a:t>
+            </a:r>
+            <a:r>
+              <a:rPr lang="zh-CN" altLang="en-US" dirty="0"/>
+              <a:t>，</a:t>
+            </a:r>
+            <a:r>
+              <a:rPr lang="en-US" altLang="zh-CN" dirty="0"/>
+              <a:t>/w </a:t>
+            </a:r>
+            <a:r>
+              <a:rPr lang="zh-CN" altLang="en-US" dirty="0"/>
+              <a:t>人物</a:t>
+            </a:r>
+            <a:r>
+              <a:rPr lang="en-US" altLang="zh-CN" dirty="0"/>
+              <a:t>/n </a:t>
+            </a:r>
+            <a:r>
+              <a:rPr lang="zh-CN" altLang="en-US" dirty="0"/>
+              <a:t>很</a:t>
+            </a:r>
+            <a:r>
+              <a:rPr lang="en-US" altLang="zh-CN" dirty="0"/>
+              <a:t>/d </a:t>
+            </a:r>
+            <a:r>
+              <a:rPr lang="zh-CN" altLang="en-US" dirty="0"/>
+              <a:t>饱满</a:t>
+            </a:r>
+            <a:r>
+              <a:rPr lang="en-US" altLang="zh-CN" dirty="0"/>
+              <a:t>/a </a:t>
+            </a:r>
+            <a:r>
+              <a:rPr lang="zh-CN" altLang="en-US" dirty="0"/>
+              <a:t>，</a:t>
+            </a:r>
+            <a:r>
+              <a:rPr lang="en-US" altLang="zh-CN" dirty="0"/>
+              <a:t>/w </a:t>
+            </a:r>
+            <a:r>
+              <a:rPr lang="zh-CN" altLang="en-US" dirty="0"/>
+              <a:t>好</a:t>
+            </a:r>
+            <a:r>
+              <a:rPr lang="en-US" altLang="zh-CN" dirty="0"/>
+              <a:t>/a </a:t>
+            </a:r>
+            <a:r>
+              <a:rPr lang="zh-CN" altLang="en-US" dirty="0"/>
+              <a:t>基</a:t>
+            </a:r>
+            <a:r>
+              <a:rPr lang="en-US" altLang="zh-CN" dirty="0"/>
+              <a:t>/n </a:t>
+            </a:r>
+            <a:r>
+              <a:rPr lang="zh-CN" altLang="en-US" dirty="0"/>
+              <a:t>友</a:t>
+            </a:r>
+            <a:r>
+              <a:rPr lang="en-US" altLang="zh-CN" dirty="0"/>
+              <a:t>/n </a:t>
+            </a:r>
+            <a:r>
+              <a:rPr lang="zh-CN" altLang="en-US" dirty="0"/>
+              <a:t>相爱</a:t>
+            </a:r>
+            <a:r>
+              <a:rPr lang="en-US" altLang="zh-CN" dirty="0"/>
+              <a:t>/v </a:t>
+            </a:r>
+            <a:r>
+              <a:rPr lang="zh-CN" altLang="en-US" dirty="0"/>
+              <a:t>相</a:t>
+            </a:r>
+            <a:r>
+              <a:rPr lang="en-US" altLang="zh-CN" dirty="0"/>
+              <a:t>/d </a:t>
+            </a:r>
+            <a:r>
+              <a:rPr lang="zh-CN" altLang="en-US" dirty="0"/>
+              <a:t>杀</a:t>
+            </a:r>
+            <a:r>
+              <a:rPr lang="en-US" altLang="zh-CN" dirty="0"/>
+              <a:t>/v </a:t>
+            </a:r>
+            <a:r>
+              <a:rPr lang="zh-CN" altLang="en-US" dirty="0"/>
+              <a:t>看</a:t>
+            </a:r>
+            <a:r>
+              <a:rPr lang="en-US" altLang="zh-CN" dirty="0"/>
+              <a:t>/v </a:t>
+            </a:r>
+            <a:r>
+              <a:rPr lang="zh-CN" altLang="en-US" dirty="0"/>
+              <a:t>的</a:t>
+            </a:r>
+            <a:r>
+              <a:rPr lang="en-US" altLang="zh-CN" dirty="0"/>
+              <a:t>/u </a:t>
+            </a:r>
+            <a:r>
+              <a:rPr lang="zh-CN" altLang="en-US" dirty="0"/>
+              <a:t>好</a:t>
+            </a:r>
+            <a:r>
+              <a:rPr lang="en-US" altLang="zh-CN" dirty="0"/>
+              <a:t>/a </a:t>
+            </a:r>
+            <a:r>
+              <a:rPr lang="zh-CN" altLang="en-US" dirty="0"/>
+              <a:t>纠结</a:t>
+            </a:r>
+            <a:r>
+              <a:rPr lang="en-US" altLang="zh-CN" dirty="0"/>
+              <a:t>/v</a:t>
+            </a:r>
+          </a:p>
+          <a:p>
+            <a:endParaRPr lang="zh-CN" altLang="en-US" dirty="0"/>
+          </a:p>
+        </p:txBody>
+      </p:sp>
     </p:spTree>
     <p:extLst>
       <p:ext uri="{BB962C8B-B14F-4D97-AF65-F5344CB8AC3E}">

--- a/slides.pptx
+++ b/slides.pptx
@@ -5,7 +5,7 @@
     <p:sldMasterId id="2147483931" r:id="rId1"/>
   </p:sldMasterIdLst>
   <p:notesMasterIdLst>
-    <p:notesMasterId r:id="rId25"/>
+    <p:notesMasterId r:id="rId26"/>
   </p:notesMasterIdLst>
   <p:sldIdLst>
     <p:sldId id="256" r:id="rId2"/>
@@ -31,6 +31,7 @@
     <p:sldId id="268" r:id="rId22"/>
     <p:sldId id="274" r:id="rId23"/>
     <p:sldId id="275" r:id="rId24"/>
+    <p:sldId id="285" r:id="rId25"/>
   </p:sldIdLst>
   <p:sldSz cx="9144000" cy="6858000" type="screen4x3"/>
   <p:notesSz cx="6858000" cy="9144000"/>
@@ -434,11 +435,11 @@
           <c:showPercent val="0"/>
           <c:showBubbleSize val="0"/>
         </c:dLbls>
-        <c:axId val="667673312"/>
-        <c:axId val="667672920"/>
+        <c:axId val="403440808"/>
+        <c:axId val="403441200"/>
       </c:radarChart>
       <c:catAx>
-        <c:axId val="667673312"/>
+        <c:axId val="403440808"/>
         <c:scaling>
           <c:orientation val="minMax"/>
         </c:scaling>
@@ -481,7 +482,7 @@
             <a:endParaRPr lang="zh-CN"/>
           </a:p>
         </c:txPr>
-        <c:crossAx val="667672920"/>
+        <c:crossAx val="403441200"/>
         <c:crosses val="autoZero"/>
         <c:auto val="1"/>
         <c:lblAlgn val="ctr"/>
@@ -489,7 +490,7 @@
         <c:noMultiLvlLbl val="0"/>
       </c:catAx>
       <c:valAx>
-        <c:axId val="667672920"/>
+        <c:axId val="403441200"/>
         <c:scaling>
           <c:orientation val="minMax"/>
           <c:max val="1"/>
@@ -543,7 +544,7 @@
             <a:endParaRPr lang="zh-CN"/>
           </a:p>
         </c:txPr>
-        <c:crossAx val="667673312"/>
+        <c:crossAx val="403440808"/>
         <c:crosses val="autoZero"/>
         <c:crossBetween val="between"/>
       </c:valAx>
@@ -792,11 +793,11 @@
           <c:showBubbleSize val="0"/>
         </c:dLbls>
         <c:gapWidth val="150"/>
-        <c:axId val="374417928"/>
-        <c:axId val="374416752"/>
+        <c:axId val="297667128"/>
+        <c:axId val="297667520"/>
       </c:barChart>
       <c:catAx>
-        <c:axId val="374417928"/>
+        <c:axId val="297667128"/>
         <c:scaling>
           <c:orientation val="minMax"/>
         </c:scaling>
@@ -833,7 +834,7 @@
             <a:endParaRPr lang="zh-CN"/>
           </a:p>
         </c:txPr>
-        <c:crossAx val="374416752"/>
+        <c:crossAx val="297667520"/>
         <c:crosses val="autoZero"/>
         <c:auto val="1"/>
         <c:lblAlgn val="ctr"/>
@@ -841,7 +842,7 @@
         <c:noMultiLvlLbl val="0"/>
       </c:catAx>
       <c:valAx>
-        <c:axId val="374416752"/>
+        <c:axId val="297667520"/>
         <c:scaling>
           <c:orientation val="minMax"/>
         </c:scaling>
@@ -892,7 +893,7 @@
             <a:endParaRPr lang="zh-CN"/>
           </a:p>
         </c:txPr>
-        <c:crossAx val="374417928"/>
+        <c:crossAx val="297667128"/>
         <c:crosses val="autoZero"/>
         <c:crossBetween val="between"/>
       </c:valAx>
@@ -1581,11 +1582,11 @@
         </c:dLbls>
         <c:marker val="1"/>
         <c:smooth val="0"/>
-        <c:axId val="374413616"/>
-        <c:axId val="374414400"/>
+        <c:axId val="403441984"/>
+        <c:axId val="403441592"/>
       </c:lineChart>
       <c:catAx>
-        <c:axId val="374413616"/>
+        <c:axId val="403441984"/>
         <c:scaling>
           <c:orientation val="minMax"/>
         </c:scaling>
@@ -1628,7 +1629,7 @@
             <a:endParaRPr lang="zh-CN"/>
           </a:p>
         </c:txPr>
-        <c:crossAx val="374414400"/>
+        <c:crossAx val="403441592"/>
         <c:crosses val="autoZero"/>
         <c:auto val="1"/>
         <c:lblAlgn val="ctr"/>
@@ -1636,7 +1637,7 @@
         <c:noMultiLvlLbl val="0"/>
       </c:catAx>
       <c:valAx>
-        <c:axId val="374414400"/>
+        <c:axId val="403441592"/>
         <c:scaling>
           <c:orientation val="minMax"/>
           <c:min val="9.0000000000000024E-2"/>
@@ -1688,7 +1689,7 @@
             <a:endParaRPr lang="zh-CN"/>
           </a:p>
         </c:txPr>
-        <c:crossAx val="374413616"/>
+        <c:crossAx val="403441984"/>
         <c:crosses val="autoZero"/>
         <c:crossBetween val="between"/>
       </c:valAx>
@@ -4378,6 +4379,13 @@
         </dgm:presLayoutVars>
       </dgm:prSet>
       <dgm:spPr/>
+      <dgm:t>
+        <a:bodyPr/>
+        <a:lstStyle/>
+        <a:p>
+          <a:endParaRPr lang="zh-CN" altLang="en-US"/>
+        </a:p>
+      </dgm:t>
     </dgm:pt>
     <dgm:pt modelId="{725B9B5D-05C7-45F9-81D2-68214A14DB72}" type="pres">
       <dgm:prSet presAssocID="{36415D6F-0ADD-467B-8EA1-5FFA7B739C52}" presName="dummyMaxCanvas" presStyleCnt="0">
@@ -4437,6 +4445,13 @@
         </dgm:presLayoutVars>
       </dgm:prSet>
       <dgm:spPr/>
+      <dgm:t>
+        <a:bodyPr/>
+        <a:lstStyle/>
+        <a:p>
+          <a:endParaRPr lang="zh-CN" altLang="en-US"/>
+        </a:p>
+      </dgm:t>
     </dgm:pt>
     <dgm:pt modelId="{EC964A97-9B7C-4E40-878E-8AB5E542915D}" type="pres">
       <dgm:prSet presAssocID="{36415D6F-0ADD-467B-8EA1-5FFA7B739C52}" presName="ThreeConn_2-3" presStyleLbl="fgAccFollowNode1" presStyleIdx="1" presStyleCnt="2">
@@ -4445,6 +4460,13 @@
         </dgm:presLayoutVars>
       </dgm:prSet>
       <dgm:spPr/>
+      <dgm:t>
+        <a:bodyPr/>
+        <a:lstStyle/>
+        <a:p>
+          <a:endParaRPr lang="zh-CN" altLang="en-US"/>
+        </a:p>
+      </dgm:t>
     </dgm:pt>
     <dgm:pt modelId="{74C7EC02-A16C-480E-9C6A-AD09277E312E}" type="pres">
       <dgm:prSet presAssocID="{36415D6F-0ADD-467B-8EA1-5FFA7B739C52}" presName="ThreeNodes_1_text" presStyleLbl="node1" presStyleIdx="2" presStyleCnt="3">
@@ -4493,8 +4515,8 @@
     </dgm:pt>
   </dgm:ptLst>
   <dgm:cxnLst>
+    <dgm:cxn modelId="{CA5609AC-E8E9-4065-9EF5-346F51977BFE}" type="presOf" srcId="{700D10DE-628E-4DB2-8480-B732AD42EC45}" destId="{7494775D-E493-4A8A-BE39-9C3B573F12AF}" srcOrd="1" destOrd="0" presId="urn:microsoft.com/office/officeart/2005/8/layout/vProcess5"/>
     <dgm:cxn modelId="{4CFEBB8A-0B00-40C8-B12D-7C7181357317}" type="presOf" srcId="{C4B6F021-039C-4F7A-BCDA-86C5C3E559D7}" destId="{EC964A97-9B7C-4E40-878E-8AB5E542915D}" srcOrd="0" destOrd="0" presId="urn:microsoft.com/office/officeart/2005/8/layout/vProcess5"/>
-    <dgm:cxn modelId="{CA5609AC-E8E9-4065-9EF5-346F51977BFE}" type="presOf" srcId="{700D10DE-628E-4DB2-8480-B732AD42EC45}" destId="{7494775D-E493-4A8A-BE39-9C3B573F12AF}" srcOrd="1" destOrd="0" presId="urn:microsoft.com/office/officeart/2005/8/layout/vProcess5"/>
     <dgm:cxn modelId="{EF93964E-2A8C-4AFF-A317-4C354C325B92}" srcId="{36415D6F-0ADD-467B-8EA1-5FFA7B739C52}" destId="{700D10DE-628E-4DB2-8480-B732AD42EC45}" srcOrd="2" destOrd="0" parTransId="{2A72BEFA-BB8F-4F7B-811B-75ECFA84A50B}" sibTransId="{FE64053B-296D-4702-94BC-E89C1BA58C70}"/>
     <dgm:cxn modelId="{C0D1803B-F296-4CD2-9EA5-0494A0E4DB15}" type="presOf" srcId="{36415D6F-0ADD-467B-8EA1-5FFA7B739C52}" destId="{80F169A7-8DC4-4696-952B-EC9AACDB62A9}" srcOrd="0" destOrd="0" presId="urn:microsoft.com/office/officeart/2005/8/layout/vProcess5"/>
     <dgm:cxn modelId="{FC42B746-A459-4D5A-813C-43BC4767729A}" srcId="{36415D6F-0ADD-467B-8EA1-5FFA7B739C52}" destId="{E6DA0329-A522-47C7-B9EE-084A2F732BCB}" srcOrd="1" destOrd="0" parTransId="{6F4CA65D-350F-4B01-A8DF-85C4DCA17831}" sibTransId="{C4B6F021-039C-4F7A-BCDA-86C5C3E559D7}"/>
@@ -7559,7 +7581,7 @@
           <a:p>
             <a:fld id="{04A52E7E-A21E-5843-BAFD-321DE44D297A}" type="datetimeFigureOut">
               <a:rPr kumimoji="1" lang="zh-CN" altLang="en-US" smtClean="0"/>
-              <a:t>2014/3/8</a:t>
+              <a:t>2014/3/9</a:t>
             </a:fld>
             <a:endParaRPr kumimoji="1" lang="zh-CN" altLang="en-US"/>
           </a:p>
@@ -8141,7 +8163,7 @@
           <a:p>
             <a:fld id="{90134E3A-0F35-DE4F-AD49-AAA2915957C4}" type="datetimeFigureOut">
               <a:rPr kumimoji="1" lang="zh-CN" altLang="en-US" smtClean="0"/>
-              <a:t>2014/3/8</a:t>
+              <a:t>2014/3/9</a:t>
             </a:fld>
             <a:endParaRPr kumimoji="1" lang="zh-CN" altLang="en-US"/>
           </a:p>
@@ -8354,7 +8376,7 @@
           <a:p>
             <a:fld id="{90134E3A-0F35-DE4F-AD49-AAA2915957C4}" type="datetimeFigureOut">
               <a:rPr kumimoji="1" lang="zh-CN" altLang="en-US" smtClean="0"/>
-              <a:t>2014/3/8</a:t>
+              <a:t>2014/3/9</a:t>
             </a:fld>
             <a:endParaRPr kumimoji="1" lang="zh-CN" altLang="en-US"/>
           </a:p>
@@ -8610,7 +8632,7 @@
           <a:p>
             <a:fld id="{90134E3A-0F35-DE4F-AD49-AAA2915957C4}" type="datetimeFigureOut">
               <a:rPr kumimoji="1" lang="zh-CN" altLang="en-US" smtClean="0"/>
-              <a:t>2014/3/8</a:t>
+              <a:t>2014/3/9</a:t>
             </a:fld>
             <a:endParaRPr kumimoji="1" lang="zh-CN" altLang="en-US"/>
           </a:p>
@@ -8780,7 +8802,7 @@
           <a:p>
             <a:fld id="{90134E3A-0F35-DE4F-AD49-AAA2915957C4}" type="datetimeFigureOut">
               <a:rPr kumimoji="1" lang="zh-CN" altLang="en-US" smtClean="0"/>
-              <a:t>2014/3/8</a:t>
+              <a:t>2014/3/9</a:t>
             </a:fld>
             <a:endParaRPr kumimoji="1" lang="zh-CN" altLang="en-US"/>
           </a:p>
@@ -9123,7 +9145,7 @@
           <a:p>
             <a:fld id="{90134E3A-0F35-DE4F-AD49-AAA2915957C4}" type="datetimeFigureOut">
               <a:rPr kumimoji="1" lang="zh-CN" altLang="en-US" smtClean="0"/>
-              <a:t>2014/3/8</a:t>
+              <a:t>2014/3/9</a:t>
             </a:fld>
             <a:endParaRPr kumimoji="1" lang="zh-CN" altLang="en-US"/>
           </a:p>
@@ -9398,7 +9420,7 @@
           <a:p>
             <a:fld id="{90134E3A-0F35-DE4F-AD49-AAA2915957C4}" type="datetimeFigureOut">
               <a:rPr kumimoji="1" lang="zh-CN" altLang="en-US" smtClean="0"/>
-              <a:t>2014/3/8</a:t>
+              <a:t>2014/3/9</a:t>
             </a:fld>
             <a:endParaRPr kumimoji="1" lang="zh-CN" altLang="en-US"/>
           </a:p>
@@ -9777,7 +9799,7 @@
           <a:p>
             <a:fld id="{90134E3A-0F35-DE4F-AD49-AAA2915957C4}" type="datetimeFigureOut">
               <a:rPr kumimoji="1" lang="zh-CN" altLang="en-US" smtClean="0"/>
-              <a:t>2014/3/8</a:t>
+              <a:t>2014/3/9</a:t>
             </a:fld>
             <a:endParaRPr kumimoji="1" lang="zh-CN" altLang="en-US"/>
           </a:p>
@@ -9895,7 +9917,7 @@
           <a:p>
             <a:fld id="{90134E3A-0F35-DE4F-AD49-AAA2915957C4}" type="datetimeFigureOut">
               <a:rPr kumimoji="1" lang="zh-CN" altLang="en-US" smtClean="0"/>
-              <a:t>2014/3/8</a:t>
+              <a:t>2014/3/9</a:t>
             </a:fld>
             <a:endParaRPr kumimoji="1" lang="zh-CN" altLang="en-US"/>
           </a:p>
@@ -10066,7 +10088,7 @@
           <a:p>
             <a:fld id="{90134E3A-0F35-DE4F-AD49-AAA2915957C4}" type="datetimeFigureOut">
               <a:rPr kumimoji="1" lang="zh-CN" altLang="en-US" smtClean="0"/>
-              <a:t>2014/3/8</a:t>
+              <a:t>2014/3/9</a:t>
             </a:fld>
             <a:endParaRPr kumimoji="1" lang="zh-CN" altLang="en-US"/>
           </a:p>
@@ -10420,7 +10442,7 @@
           <a:p>
             <a:fld id="{90134E3A-0F35-DE4F-AD49-AAA2915957C4}" type="datetimeFigureOut">
               <a:rPr kumimoji="1" lang="zh-CN" altLang="en-US" smtClean="0"/>
-              <a:t>2014/3/8</a:t>
+              <a:t>2014/3/9</a:t>
             </a:fld>
             <a:endParaRPr kumimoji="1" lang="zh-CN" altLang="en-US"/>
           </a:p>
@@ -10797,7 +10819,7 @@
           <a:p>
             <a:fld id="{90134E3A-0F35-DE4F-AD49-AAA2915957C4}" type="datetimeFigureOut">
               <a:rPr kumimoji="1" lang="zh-CN" altLang="en-US" smtClean="0"/>
-              <a:t>2014/3/8</a:t>
+              <a:t>2014/3/9</a:t>
             </a:fld>
             <a:endParaRPr kumimoji="1" lang="zh-CN" altLang="en-US"/>
           </a:p>
@@ -11084,7 +11106,7 @@
           <a:p>
             <a:fld id="{90134E3A-0F35-DE4F-AD49-AAA2915957C4}" type="datetimeFigureOut">
               <a:rPr kumimoji="1" lang="zh-CN" altLang="en-US" smtClean="0"/>
-              <a:t>2014/3/8</a:t>
+              <a:t>2014/3/9</a:t>
             </a:fld>
             <a:endParaRPr kumimoji="1" lang="zh-CN" altLang="en-US"/>
           </a:p>
@@ -11842,11 +11864,7 @@
           <a:p>
             <a:r>
               <a:rPr kumimoji="1" lang="zh-CN" altLang="en-US" dirty="0" smtClean="0"/>
-              <a:t>庞大的</a:t>
-            </a:r>
-            <a:r>
-              <a:rPr kumimoji="1" lang="zh-CN" altLang="en-US" dirty="0" smtClean="0"/>
-              <a:t>数据</a:t>
+              <a:t>庞大的数据</a:t>
             </a:r>
             <a:r>
               <a:rPr kumimoji="1" lang="zh-CN" altLang="en-US" dirty="0"/>
@@ -11854,17 +11872,12 @@
             </a:r>
             <a:r>
               <a:rPr kumimoji="1" lang="zh-CN" altLang="en-US" dirty="0" smtClean="0"/>
-              <a:t>了许多</a:t>
-            </a:r>
-            <a:r>
-              <a:rPr kumimoji="1" lang="zh-CN" altLang="en-US" dirty="0" smtClean="0"/>
-              <a:t>时间</a:t>
+              <a:t>了许多时间</a:t>
             </a:r>
             <a:r>
               <a:rPr kumimoji="1" lang="en-US" altLang="zh-CN" dirty="0" smtClean="0"/>
               <a:t>……</a:t>
             </a:r>
-            <a:endParaRPr kumimoji="1" lang="en-US" altLang="zh-CN" dirty="0" smtClean="0"/>
           </a:p>
         </p:txBody>
       </p:sp>
@@ -12869,15 +12882,7 @@
           <a:p>
             <a:r>
               <a:rPr kumimoji="1" lang="zh-CN" altLang="en-US" dirty="0" smtClean="0"/>
-              <a:t>对</a:t>
-            </a:r>
-            <a:r>
-              <a:rPr kumimoji="1" lang="zh-CN" altLang="en-US" dirty="0" smtClean="0"/>
-              <a:t>状态、日志、分享、个人主页的信息进行量化</a:t>
-            </a:r>
-            <a:r>
-              <a:rPr kumimoji="1" lang="zh-CN" altLang="en-US" dirty="0" smtClean="0"/>
-              <a:t>处理</a:t>
+              <a:t>对状态、日志、分享、个人主页的信息进行量化处理</a:t>
             </a:r>
             <a:endParaRPr kumimoji="1" lang="en-US" altLang="zh-CN" dirty="0" smtClean="0"/>
           </a:p>
@@ -12901,11 +12906,7 @@
             </a:r>
             <a:r>
               <a:rPr kumimoji="1" lang="zh-CN" altLang="en-US" dirty="0" smtClean="0"/>
-              <a:t>负面</a:t>
-            </a:r>
-            <a:r>
-              <a:rPr kumimoji="1" lang="zh-CN" altLang="en-US" dirty="0" smtClean="0"/>
-              <a:t>情感分类</a:t>
+              <a:t>负面情感分类</a:t>
             </a:r>
             <a:endParaRPr kumimoji="1" lang="en-US" altLang="zh-CN" dirty="0" smtClean="0"/>
           </a:p>
@@ -13299,11 +13300,7 @@
             </a:r>
             <a:r>
               <a:rPr kumimoji="1" lang="zh-CN" altLang="en-US" dirty="0" smtClean="0"/>
-              <a:t>强大的图片</a:t>
-            </a:r>
-            <a:r>
-              <a:rPr kumimoji="1" lang="zh-CN" altLang="en-US" dirty="0" smtClean="0"/>
-              <a:t>处理工具</a:t>
+              <a:t>强大的图片处理工具</a:t>
             </a:r>
             <a:endParaRPr kumimoji="1" lang="en-US" altLang="zh-CN" dirty="0" smtClean="0"/>
           </a:p>
@@ -13362,15 +13359,7 @@
             <a:pPr lvl="1"/>
             <a:r>
               <a:rPr kumimoji="1" lang="zh-CN" altLang="en-US" dirty="0" smtClean="0"/>
-              <a:t>纹理</a:t>
-            </a:r>
-            <a:r>
-              <a:rPr kumimoji="1" lang="zh-CN" altLang="en-US" dirty="0" smtClean="0"/>
-              <a:t>的粗糙度、对比度、方向</a:t>
-            </a:r>
-            <a:r>
-              <a:rPr kumimoji="1" lang="zh-CN" altLang="en-US" dirty="0" smtClean="0"/>
-              <a:t>度</a:t>
+              <a:t>纹理的粗糙度、对比度、方向度</a:t>
             </a:r>
             <a:endParaRPr kumimoji="1" lang="en-US" altLang="zh-CN" dirty="0" smtClean="0"/>
           </a:p>
@@ -13389,22 +13378,14 @@
           <a:p>
             <a:r>
               <a:rPr kumimoji="1" lang="zh-CN" altLang="en-US" dirty="0" smtClean="0"/>
-              <a:t>所有图片取</a:t>
-            </a:r>
+              <a:t>所有图片取均值</a:t>
+            </a:r>
+            <a:endParaRPr kumimoji="1" lang="en-US" altLang="zh-CN" dirty="0" smtClean="0"/>
+          </a:p>
+          <a:p>
             <a:r>
               <a:rPr kumimoji="1" lang="zh-CN" altLang="en-US" dirty="0" smtClean="0"/>
-              <a:t>均值</a:t>
-            </a:r>
-            <a:endParaRPr kumimoji="1" lang="en-US" altLang="zh-CN" dirty="0" smtClean="0"/>
-          </a:p>
-          <a:p>
-            <a:r>
-              <a:rPr kumimoji="1" lang="zh-CN" altLang="en-US" dirty="0" smtClean="0"/>
-              <a:t>速度</a:t>
-            </a:r>
-            <a:r>
-              <a:rPr kumimoji="1" lang="zh-CN" altLang="en-US" dirty="0" smtClean="0"/>
-              <a:t>瓶颈</a:t>
+              <a:t>速度瓶颈</a:t>
             </a:r>
             <a:endParaRPr kumimoji="1" lang="en-US" altLang="zh-CN" dirty="0" smtClean="0"/>
           </a:p>
@@ -13941,11 +13922,7 @@
           <a:p>
             <a:r>
               <a:rPr kumimoji="1" lang="zh-CN" altLang="en-US" dirty="0" smtClean="0"/>
-              <a:t>仍然</a:t>
-            </a:r>
-            <a:r>
-              <a:rPr kumimoji="1" lang="zh-CN" altLang="en-US" dirty="0" smtClean="0"/>
-              <a:t>选用</a:t>
+              <a:t>仍然选用</a:t>
             </a:r>
             <a:r>
               <a:rPr kumimoji="1" lang="en-US" altLang="zh-CN" dirty="0" err="1" smtClean="0"/>
@@ -13977,15 +13954,7 @@
             <a:pPr lvl="1"/>
             <a:r>
               <a:rPr kumimoji="1" lang="zh-CN" altLang="en-US" dirty="0" smtClean="0"/>
-              <a:t>过</a:t>
-            </a:r>
-            <a:r>
-              <a:rPr kumimoji="1" lang="zh-CN" altLang="en-US" dirty="0" smtClean="0"/>
-              <a:t>零</a:t>
-            </a:r>
-            <a:r>
-              <a:rPr kumimoji="1" lang="zh-CN" altLang="en-US" dirty="0" smtClean="0"/>
-              <a:t>率</a:t>
+              <a:t>过零率</a:t>
             </a:r>
             <a:endParaRPr kumimoji="1" lang="en-US" altLang="zh-CN" dirty="0" smtClean="0"/>
           </a:p>
@@ -16959,6 +16928,36 @@
           </a:p>
         </p:txBody>
       </p:sp>
+      <p:pic>
+        <p:nvPicPr>
+          <p:cNvPr id="4" name="图片 3"/>
+          <p:cNvPicPr>
+            <a:picLocks noChangeAspect="1"/>
+          </p:cNvPicPr>
+          <p:nvPr/>
+        </p:nvPicPr>
+        <p:blipFill>
+          <a:blip r:embed="rId2">
+            <a:extLst>
+              <a:ext uri="{28A0092B-C50C-407E-A947-70E740481C1C}">
+                <a14:useLocalDpi xmlns:a14="http://schemas.microsoft.com/office/drawing/2010/main" val="0"/>
+              </a:ext>
+            </a:extLst>
+          </a:blip>
+          <a:stretch>
+            <a:fillRect/>
+          </a:stretch>
+        </p:blipFill>
+        <p:spPr>
+          <a:xfrm>
+            <a:off x="3584812" y="2362726"/>
+            <a:ext cx="4866773" cy="3778768"/>
+          </a:xfrm>
+          <a:prstGeom prst="rect">
+            <a:avLst/>
+          </a:prstGeom>
+        </p:spPr>
+      </p:pic>
     </p:spTree>
     <p:extLst>
       <p:ext uri="{BB962C8B-B14F-4D97-AF65-F5344CB8AC3E}">
@@ -16972,10 +16971,157 @@
   <p:timing>
     <p:tnLst>
       <p:par>
-        <p:cTn id="1" dur="indefinite" restart="never" nodeType="tmRoot"/>
+        <p:cTn id="1" dur="indefinite" restart="never" nodeType="tmRoot">
+          <p:childTnLst>
+            <p:seq concurrent="1" nextAc="seek">
+              <p:cTn id="2" dur="indefinite" nodeType="mainSeq">
+                <p:childTnLst>
+                  <p:par>
+                    <p:cTn id="3" fill="hold">
+                      <p:stCondLst>
+                        <p:cond delay="indefinite"/>
+                      </p:stCondLst>
+                      <p:childTnLst>
+                        <p:par>
+                          <p:cTn id="4" fill="hold">
+                            <p:stCondLst>
+                              <p:cond delay="0"/>
+                            </p:stCondLst>
+                            <p:childTnLst>
+                              <p:par>
+                                <p:cTn id="5" presetID="1" presetClass="entr" presetSubtype="0" fill="hold" nodeType="clickEffect">
+                                  <p:stCondLst>
+                                    <p:cond delay="0"/>
+                                  </p:stCondLst>
+                                  <p:childTnLst>
+                                    <p:set>
+                                      <p:cBhvr>
+                                        <p:cTn id="6" dur="1" fill="hold">
+                                          <p:stCondLst>
+                                            <p:cond delay="0"/>
+                                          </p:stCondLst>
+                                        </p:cTn>
+                                        <p:tgtEl>
+                                          <p:spTgt spid="4"/>
+                                        </p:tgtEl>
+                                        <p:attrNameLst>
+                                          <p:attrName>style.visibility</p:attrName>
+                                        </p:attrNameLst>
+                                      </p:cBhvr>
+                                      <p:to>
+                                        <p:strVal val="visible"/>
+                                      </p:to>
+                                    </p:set>
+                                  </p:childTnLst>
+                                </p:cTn>
+                              </p:par>
+                            </p:childTnLst>
+                          </p:cTn>
+                        </p:par>
+                      </p:childTnLst>
+                    </p:cTn>
+                  </p:par>
+                </p:childTnLst>
+              </p:cTn>
+              <p:prevCondLst>
+                <p:cond evt="onPrev" delay="0">
+                  <p:tgtEl>
+                    <p:sldTgt/>
+                  </p:tgtEl>
+                </p:cond>
+              </p:prevCondLst>
+              <p:nextCondLst>
+                <p:cond evt="onNext" delay="0">
+                  <p:tgtEl>
+                    <p:sldTgt/>
+                  </p:tgtEl>
+                </p:cond>
+              </p:nextCondLst>
+            </p:seq>
+          </p:childTnLst>
+        </p:cTn>
       </p:par>
     </p:tnLst>
   </p:timing>
+</p:sld>
+</file>
+
+<file path=ppt/slides/slide24.xml><?xml version="1.0" encoding="utf-8"?>
+<p:sld xmlns:a="http://schemas.openxmlformats.org/drawingml/2006/main" xmlns:r="http://schemas.openxmlformats.org/officeDocument/2006/relationships" xmlns:p="http://schemas.openxmlformats.org/presentationml/2006/main">
+  <p:cSld>
+    <p:spTree>
+      <p:nvGrpSpPr>
+        <p:cNvPr id="1" name=""/>
+        <p:cNvGrpSpPr/>
+        <p:nvPr/>
+      </p:nvGrpSpPr>
+      <p:grpSpPr>
+        <a:xfrm>
+          <a:off x="0" y="0"/>
+          <a:ext cx="0" cy="0"/>
+          <a:chOff x="0" y="0"/>
+          <a:chExt cx="0" cy="0"/>
+        </a:xfrm>
+      </p:grpSpPr>
+      <p:sp>
+        <p:nvSpPr>
+          <p:cNvPr id="2" name="标题 1"/>
+          <p:cNvSpPr>
+            <a:spLocks noGrp="1"/>
+          </p:cNvSpPr>
+          <p:nvPr>
+            <p:ph type="title"/>
+          </p:nvPr>
+        </p:nvSpPr>
+        <p:spPr/>
+        <p:txBody>
+          <a:bodyPr/>
+          <a:lstStyle/>
+          <a:p>
+            <a:r>
+              <a:rPr lang="en-US" altLang="zh-CN" dirty="0" smtClean="0"/>
+              <a:t>Thank you!</a:t>
+            </a:r>
+            <a:endParaRPr lang="zh-CN" altLang="en-US" dirty="0"/>
+          </a:p>
+        </p:txBody>
+      </p:sp>
+      <p:sp>
+        <p:nvSpPr>
+          <p:cNvPr id="3" name="内容占位符 2"/>
+          <p:cNvSpPr>
+            <a:spLocks noGrp="1"/>
+          </p:cNvSpPr>
+          <p:nvPr>
+            <p:ph idx="1"/>
+          </p:nvPr>
+        </p:nvSpPr>
+        <p:spPr/>
+        <p:txBody>
+          <a:bodyPr>
+            <a:normAutofit/>
+          </a:bodyPr>
+          <a:lstStyle/>
+          <a:p>
+            <a:pPr algn="ctr"/>
+            <a:r>
+              <a:rPr lang="en-US" altLang="zh-CN" sz="6000" b="1" dirty="0" smtClean="0"/>
+              <a:t>Q&amp;A</a:t>
+            </a:r>
+            <a:endParaRPr lang="zh-CN" altLang="en-US" sz="6000" b="1" dirty="0"/>
+          </a:p>
+        </p:txBody>
+      </p:sp>
+    </p:spTree>
+    <p:extLst>
+      <p:ext uri="{BB962C8B-B14F-4D97-AF65-F5344CB8AC3E}">
+        <p14:creationId xmlns:p14="http://schemas.microsoft.com/office/powerpoint/2010/main" val="2878929443"/>
+      </p:ext>
+    </p:extLst>
+  </p:cSld>
+  <p:clrMapOvr>
+    <a:masterClrMapping/>
+  </p:clrMapOvr>
 </p:sld>
 </file>
 
@@ -17021,7 +17167,11 @@
             </a:r>
             <a:r>
               <a:rPr lang="zh-CN" altLang="en-US" dirty="0" smtClean="0"/>
-              <a:t>                               ？</a:t>
+              <a:t>                            </a:t>
+            </a:r>
+            <a:r>
+              <a:rPr lang="zh-CN" altLang="en-US" dirty="0" smtClean="0"/>
+              <a:t>？</a:t>
             </a:r>
             <a:endParaRPr lang="zh-CN" altLang="en-US" dirty="0"/>
           </a:p>
@@ -17048,7 +17198,7 @@
         </p:blipFill>
         <p:spPr bwMode="auto">
           <a:xfrm>
-            <a:off x="2142699" y="713778"/>
+            <a:off x="2047164" y="713778"/>
             <a:ext cx="3985146" cy="1023583"/>
           </a:xfrm>
           <a:prstGeom prst="rect">
@@ -18079,7 +18229,15 @@
           <a:p>
             <a:r>
               <a:rPr kumimoji="1" lang="zh-CN" altLang="en-US" dirty="0" smtClean="0"/>
-              <a:t>制作问卷，通过人人应用获取“标准集”</a:t>
+              <a:t>制作问卷，通过</a:t>
+            </a:r>
+            <a:r>
+              <a:rPr kumimoji="1" lang="zh-CN" altLang="en-US" dirty="0" smtClean="0"/>
+              <a:t>人人应用</a:t>
+            </a:r>
+            <a:r>
+              <a:rPr kumimoji="1" lang="zh-CN" altLang="en-US" dirty="0" smtClean="0"/>
+              <a:t>获取“标准集”</a:t>
             </a:r>
             <a:endParaRPr kumimoji="1" lang="zh-CN" altLang="en-US" dirty="0"/>
           </a:p>

--- a/slides.pptx
+++ b/slides.pptx
@@ -435,11 +435,11 @@
           <c:showPercent val="0"/>
           <c:showBubbleSize val="0"/>
         </c:dLbls>
-        <c:axId val="403440808"/>
-        <c:axId val="403441200"/>
+        <c:axId val="302085056"/>
+        <c:axId val="302085448"/>
       </c:radarChart>
       <c:catAx>
-        <c:axId val="403440808"/>
+        <c:axId val="302085056"/>
         <c:scaling>
           <c:orientation val="minMax"/>
         </c:scaling>
@@ -482,7 +482,7 @@
             <a:endParaRPr lang="zh-CN"/>
           </a:p>
         </c:txPr>
-        <c:crossAx val="403441200"/>
+        <c:crossAx val="302085448"/>
         <c:crosses val="autoZero"/>
         <c:auto val="1"/>
         <c:lblAlgn val="ctr"/>
@@ -490,7 +490,7 @@
         <c:noMultiLvlLbl val="0"/>
       </c:catAx>
       <c:valAx>
-        <c:axId val="403441200"/>
+        <c:axId val="302085448"/>
         <c:scaling>
           <c:orientation val="minMax"/>
           <c:max val="1"/>
@@ -544,7 +544,7 @@
             <a:endParaRPr lang="zh-CN"/>
           </a:p>
         </c:txPr>
-        <c:crossAx val="403440808"/>
+        <c:crossAx val="302085056"/>
         <c:crosses val="autoZero"/>
         <c:crossBetween val="between"/>
       </c:valAx>
@@ -793,11 +793,11 @@
           <c:showBubbleSize val="0"/>
         </c:dLbls>
         <c:gapWidth val="150"/>
-        <c:axId val="297667128"/>
-        <c:axId val="297667520"/>
+        <c:axId val="216993704"/>
+        <c:axId val="216478848"/>
       </c:barChart>
       <c:catAx>
-        <c:axId val="297667128"/>
+        <c:axId val="216993704"/>
         <c:scaling>
           <c:orientation val="minMax"/>
         </c:scaling>
@@ -834,7 +834,7 @@
             <a:endParaRPr lang="zh-CN"/>
           </a:p>
         </c:txPr>
-        <c:crossAx val="297667520"/>
+        <c:crossAx val="216478848"/>
         <c:crosses val="autoZero"/>
         <c:auto val="1"/>
         <c:lblAlgn val="ctr"/>
@@ -842,7 +842,7 @@
         <c:noMultiLvlLbl val="0"/>
       </c:catAx>
       <c:valAx>
-        <c:axId val="297667520"/>
+        <c:axId val="216478848"/>
         <c:scaling>
           <c:orientation val="minMax"/>
         </c:scaling>
@@ -893,7 +893,7 @@
             <a:endParaRPr lang="zh-CN"/>
           </a:p>
         </c:txPr>
-        <c:crossAx val="297667128"/>
+        <c:crossAx val="216993704"/>
         <c:crosses val="autoZero"/>
         <c:crossBetween val="between"/>
       </c:valAx>
@@ -1582,11 +1582,11 @@
         </c:dLbls>
         <c:marker val="1"/>
         <c:smooth val="0"/>
-        <c:axId val="403441984"/>
-        <c:axId val="403441592"/>
+        <c:axId val="301460216"/>
+        <c:axId val="301460608"/>
       </c:lineChart>
       <c:catAx>
-        <c:axId val="403441984"/>
+        <c:axId val="301460216"/>
         <c:scaling>
           <c:orientation val="minMax"/>
         </c:scaling>
@@ -1629,7 +1629,7 @@
             <a:endParaRPr lang="zh-CN"/>
           </a:p>
         </c:txPr>
-        <c:crossAx val="403441592"/>
+        <c:crossAx val="301460608"/>
         <c:crosses val="autoZero"/>
         <c:auto val="1"/>
         <c:lblAlgn val="ctr"/>
@@ -1637,7 +1637,7 @@
         <c:noMultiLvlLbl val="0"/>
       </c:catAx>
       <c:valAx>
-        <c:axId val="403441592"/>
+        <c:axId val="301460608"/>
         <c:scaling>
           <c:orientation val="minMax"/>
           <c:min val="9.0000000000000024E-2"/>
@@ -1689,7 +1689,7 @@
             <a:endParaRPr lang="zh-CN"/>
           </a:p>
         </c:txPr>
-        <c:crossAx val="403441984"/>
+        <c:crossAx val="301460216"/>
         <c:crosses val="autoZero"/>
         <c:crossBetween val="between"/>
       </c:valAx>
@@ -16717,7 +16717,11 @@
           <a:p>
             <a:r>
               <a:rPr lang="zh-CN" altLang="en-US" dirty="0" smtClean="0"/>
-              <a:t>模型性能对比</a:t>
+              <a:t>模型</a:t>
+            </a:r>
+            <a:r>
+              <a:rPr lang="zh-CN" altLang="en-US" dirty="0" smtClean="0"/>
+              <a:t>性能对比</a:t>
             </a:r>
             <a:endParaRPr lang="zh-CN" altLang="en-US" dirty="0"/>
           </a:p>
@@ -16787,46 +16791,56 @@
       </p:grpSpPr>
       <p:pic>
         <p:nvPicPr>
-          <p:cNvPr id="7" name="图片 6" descr="屏幕快照 2013-12-31 上午3.33.06.png"/>
+          <p:cNvPr id="2" name="图片 1"/>
           <p:cNvPicPr>
             <a:picLocks noChangeAspect="1"/>
           </p:cNvPicPr>
           <p:nvPr/>
         </p:nvPicPr>
         <p:blipFill>
-          <a:blip r:embed="rId2">
-            <a:extLst>
-              <a:ext uri="{BEBA8EAE-BF5A-486C-A8C5-ECC9F3942E4B}">
-                <a14:imgProps xmlns:a14="http://schemas.microsoft.com/office/drawing/2010/main">
-                  <a14:imgLayer r:embed="rId3">
-                    <a14:imgEffect>
-                      <a14:colorTemperature colorTemp="7200"/>
-                    </a14:imgEffect>
-                    <a14:imgEffect>
-                      <a14:brightnessContrast bright="40000" contrast="-20000"/>
-                    </a14:imgEffect>
-                  </a14:imgLayer>
-                </a14:imgProps>
-              </a:ext>
-              <a:ext uri="{28A0092B-C50C-407E-A947-70E740481C1C}">
-                <a14:useLocalDpi xmlns:a14="http://schemas.microsoft.com/office/drawing/2010/main" val="0"/>
-              </a:ext>
-            </a:extLst>
-          </a:blip>
+          <a:blip r:embed="rId2"/>
           <a:stretch>
             <a:fillRect/>
           </a:stretch>
         </p:blipFill>
         <p:spPr>
           <a:xfrm>
-            <a:off x="1537152" y="567199"/>
-            <a:ext cx="6188684" cy="5715115"/>
+            <a:off x="1626572" y="1878877"/>
+            <a:ext cx="5866050" cy="4412385"/>
           </a:xfrm>
           <a:prstGeom prst="rect">
             <a:avLst/>
           </a:prstGeom>
         </p:spPr>
       </p:pic>
+      <p:sp>
+        <p:nvSpPr>
+          <p:cNvPr id="4" name="标题 1"/>
+          <p:cNvSpPr>
+            <a:spLocks noGrp="1"/>
+          </p:cNvSpPr>
+          <p:nvPr>
+            <p:ph type="title"/>
+          </p:nvPr>
+        </p:nvSpPr>
+        <p:spPr>
+          <a:xfrm>
+            <a:off x="822960" y="286604"/>
+            <a:ext cx="7543800" cy="1450757"/>
+          </a:xfrm>
+        </p:spPr>
+        <p:txBody>
+          <a:bodyPr/>
+          <a:lstStyle/>
+          <a:p>
+            <a:r>
+              <a:rPr lang="zh-CN" altLang="en-US" dirty="0" smtClean="0"/>
+              <a:t>测试结果界面</a:t>
+            </a:r>
+            <a:endParaRPr lang="zh-CN" altLang="en-US" dirty="0"/>
+          </a:p>
+        </p:txBody>
+      </p:sp>
     </p:spTree>
     <p:extLst>
       <p:ext uri="{BB962C8B-B14F-4D97-AF65-F5344CB8AC3E}">
@@ -17122,6 +17136,13 @@
   <p:clrMapOvr>
     <a:masterClrMapping/>
   </p:clrMapOvr>
+  <p:timing>
+    <p:tnLst>
+      <p:par>
+        <p:cTn id="1" dur="indefinite" restart="never" nodeType="tmRoot"/>
+      </p:par>
+    </p:tnLst>
+  </p:timing>
 </p:sld>
 </file>
 
@@ -17167,11 +17188,7 @@
             </a:r>
             <a:r>
               <a:rPr lang="zh-CN" altLang="en-US" dirty="0" smtClean="0"/>
-              <a:t>                            </a:t>
-            </a:r>
-            <a:r>
-              <a:rPr lang="zh-CN" altLang="en-US" dirty="0" smtClean="0"/>
-              <a:t>？</a:t>
+              <a:t>                            ？</a:t>
             </a:r>
             <a:endParaRPr lang="zh-CN" altLang="en-US" dirty="0"/>
           </a:p>
@@ -18229,15 +18246,7 @@
           <a:p>
             <a:r>
               <a:rPr kumimoji="1" lang="zh-CN" altLang="en-US" dirty="0" smtClean="0"/>
-              <a:t>制作问卷，通过</a:t>
-            </a:r>
-            <a:r>
-              <a:rPr kumimoji="1" lang="zh-CN" altLang="en-US" dirty="0" smtClean="0"/>
-              <a:t>人人应用</a:t>
-            </a:r>
-            <a:r>
-              <a:rPr kumimoji="1" lang="zh-CN" altLang="en-US" dirty="0" smtClean="0"/>
-              <a:t>获取“标准集”</a:t>
+              <a:t>制作问卷，通过人人应用获取“标准集”</a:t>
             </a:r>
             <a:endParaRPr kumimoji="1" lang="zh-CN" altLang="en-US" dirty="0"/>
           </a:p>
